--- a/ResourceFiles/Mystic Spice Premium Chai Market Analysis Presentation.pptx
+++ b/ResourceFiles/Mystic Spice Premium Chai Market Analysis Presentation.pptx
@@ -218,7 +218,7 @@
           <a:p>
             <a:fld id="{4B79337C-AD0D-499E-B6BA-802817985C42}" type="datetimeFigureOut">
               <a:rPr lang="en-US" smtClean="0"/>
-              <a:t>6/21/2024</a:t>
+              <a:t>5/10/2024</a:t>
             </a:fld>
             <a:endParaRPr lang="en-US"/>
           </a:p>
@@ -2690,7 +2690,7 @@
           <a:p>
             <a:fld id="{9184DA70-C731-4C70-880D-CCD4705E623C}" type="datetime1">
               <a:rPr lang="en-US" smtClean="0"/>
-              <a:t>6/21/2024</a:t>
+              <a:t>5/10/2024</a:t>
             </a:fld>
             <a:endParaRPr lang="en-US" dirty="0"/>
           </a:p>
@@ -2878,7 +2878,7 @@
           <a:p>
             <a:fld id="{B612A279-0833-481D-8C56-F67FD0AC6C50}" type="datetime1">
               <a:rPr lang="en-US" smtClean="0"/>
-              <a:t>6/21/2024</a:t>
+              <a:t>5/10/2024</a:t>
             </a:fld>
             <a:endParaRPr lang="en-US" dirty="0"/>
           </a:p>
@@ -3120,7 +3120,7 @@
           <a:p>
             <a:fld id="{6587DA83-5663-4C9C-B9AA-0B40A3DAFF81}" type="datetime1">
               <a:rPr lang="en-US" smtClean="0"/>
-              <a:t>6/21/2024</a:t>
+              <a:t>5/10/2024</a:t>
             </a:fld>
             <a:endParaRPr lang="en-US" dirty="0"/>
           </a:p>
@@ -3308,7 +3308,7 @@
           <a:p>
             <a:fld id="{4BE1D723-8F53-4F53-90B0-1982A396982E}" type="datetime1">
               <a:rPr lang="en-US" smtClean="0"/>
-              <a:t>6/21/2024</a:t>
+              <a:t>5/10/2024</a:t>
             </a:fld>
             <a:endParaRPr lang="en-US" dirty="0"/>
           </a:p>
@@ -3681,7 +3681,7 @@
           <a:p>
             <a:fld id="{97669AF7-7BEB-44E4-9852-375E34362B5B}" type="datetime1">
               <a:rPr lang="en-US" smtClean="0"/>
-              <a:t>6/21/2024</a:t>
+              <a:t>5/10/2024</a:t>
             </a:fld>
             <a:endParaRPr lang="en-US" dirty="0"/>
           </a:p>
@@ -3936,7 +3936,7 @@
           <a:p>
             <a:fld id="{BAAAC38D-0552-4C82-B593-E6124DFADBE2}" type="datetime1">
               <a:rPr lang="en-US" smtClean="0"/>
-              <a:t>6/21/2024</a:t>
+              <a:t>5/10/2024</a:t>
             </a:fld>
             <a:endParaRPr lang="en-US" dirty="0"/>
           </a:p>
@@ -4333,7 +4333,7 @@
           <a:p>
             <a:fld id="{D9DF0F1C-5577-4ACB-BB62-DF8F3C494C7E}" type="datetime1">
               <a:rPr lang="en-US" smtClean="0"/>
-              <a:t>6/21/2024</a:t>
+              <a:t>5/10/2024</a:t>
             </a:fld>
             <a:endParaRPr lang="en-US" dirty="0"/>
           </a:p>
@@ -4469,7 +4469,7 @@
           <a:p>
             <a:fld id="{1775B394-D9F9-4F0C-B15D-605F45CB9E9F}" type="datetime1">
               <a:rPr lang="en-US" smtClean="0"/>
-              <a:t>6/21/2024</a:t>
+              <a:t>5/10/2024</a:t>
             </a:fld>
             <a:endParaRPr lang="en-US" dirty="0"/>
           </a:p>
@@ -4626,7 +4626,7 @@
           <a:p>
             <a:fld id="{39667345-2558-425A-8533-9BFDBCE15005}" type="datetime1">
               <a:rPr lang="en-US" smtClean="0"/>
-              <a:t>6/21/2024</a:t>
+              <a:t>5/10/2024</a:t>
             </a:fld>
             <a:endParaRPr lang="en-US" dirty="0"/>
           </a:p>
@@ -4955,7 +4955,7 @@
           <a:p>
             <a:fld id="{92BEA474-078D-4E9B-9B14-09A87B19DC46}" type="datetime1">
               <a:rPr lang="en-US" smtClean="0"/>
-              <a:t>6/21/2024</a:t>
+              <a:t>5/10/2024</a:t>
             </a:fld>
             <a:endParaRPr lang="en-US" dirty="0"/>
           </a:p>
@@ -5305,7 +5305,7 @@
           <a:p>
             <a:fld id="{4907D986-8816-4272-A432-0437A28A9828}" type="datetime1">
               <a:rPr lang="en-US" smtClean="0"/>
-              <a:t>6/21/2024</a:t>
+              <a:t>5/10/2024</a:t>
             </a:fld>
             <a:endParaRPr lang="en-US" dirty="0"/>
           </a:p>
@@ -5566,7 +5566,7 @@
           <a:p>
             <a:fld id="{62D6E202-B606-4609-B914-27C9371A1F6D}" type="datetime1">
               <a:rPr lang="en-US" smtClean="0"/>
-              <a:t>6/21/2024</a:t>
+              <a:t>5/10/2024</a:t>
             </a:fld>
             <a:endParaRPr lang="en-US" dirty="0"/>
           </a:p>
@@ -13210,6 +13210,6 @@
 
 <file path=docMetadata/LabelInfo.xml><?xml version="1.0" encoding="utf-8"?>
 <clbl:labelList xmlns:clbl="http://schemas.microsoft.com/office/2020/mipLabelMetadata">
-  <clbl:label id="{87ba5c36-b7cf-4793-bbc2-bd5b3a9f95ca}" enabled="1" method="Privileged" siteId="{72f988bf-86f1-41af-91ab-2d7cd011db47}" contentBits="0" removed="0"/>
+  <clbl:label id="{f42aa342-8706-4288-bd11-ebb85995028c}" enabled="1" method="Standard" siteId="{72f988bf-86f1-41af-91ab-2d7cd011db47}" removed="0"/>
 </clbl:labelList>
 </file>
--- a/ResourceFiles/Mystic Spice Premium Chai Market Analysis Presentation.pptx
+++ b/ResourceFiles/Mystic Spice Premium Chai Market Analysis Presentation.pptx
@@ -729,7 +729,7 @@
                 <a:ea typeface="SimSun"/>
                 <a:cs typeface="SimSun"/>
               </a:rPr>
-              <a:t>分销商是代表和分发柴茶产品的企业，代表制造商或批发商。</a:t>
+              <a:t>分销商是代表制造商或批发商代理并分销印度奶茶产品的企业。</a:t>
             </a:r>
             <a:r>
               <a:rPr lang="zh-CN" sz="1200" b="0" i="0" strike="noStrike" cap="none" baseline="0">
@@ -766,6 +766,11 @@
                 <a:cs typeface="SimSun"/>
               </a:rPr>
               <a:t>在拉丁美洲，印度奶茶产品的主要分销商有联合利华、雀巢、可口可乐和百事可乐。</a:t>
+            </a:r>
+            <a:r>
+              <a:rPr sz="1200"/>
+              <a:t>
+</a:t>
             </a:r>
           </a:p>
         </p:txBody>
@@ -882,7 +887,7 @@
                 <a:ea typeface="SimSun"/>
                 <a:cs typeface="SimSun"/>
               </a:rPr>
-              <a:t>该计划将在12个月内实施，预算为10万美元，并使用关键绩效指标进行评估。</a:t>
+              <a:t>该计划的实施期为 12 个月，预算为 10 万美元，并使用关键绩效指标进行评估。</a:t>
             </a:r>
             <a:r>
               <a:rPr sz="1200"/>
@@ -926,7 +931,7 @@
                 <a:ea typeface="SimSun"/>
                 <a:cs typeface="SimSun"/>
               </a:rPr>
-              <a:t>推广计划和战略</a:t>
+              <a:t>推广计划和策略</a:t>
             </a:r>
             <a:r>
               <a:rPr sz="1200"/>
@@ -943,7 +948,7 @@
                 <a:ea typeface="SimSun"/>
                 <a:cs typeface="SimSun"/>
               </a:rPr>
-              <a:t>拉丁美洲柴茶的推广计划和战略旨在实现以下目标：</a:t>
+              <a:t>拉丁美洲的印度奶茶推广计划和战略旨在实现以下目标：</a:t>
             </a:r>
             <a:r>
               <a:rPr sz="1200"/>
@@ -960,7 +965,7 @@
                 <a:ea typeface="SimSun"/>
                 <a:cs typeface="SimSun"/>
               </a:rPr>
-              <a:t>        提高目标观众</a:t>
+              <a:t>       提高目标受众对印度奶茶的认识和兴趣</a:t>
             </a:r>
             <a:r>
               <a:rPr sz="1200"/>
@@ -977,7 +982,7 @@
                 <a:ea typeface="SimSun"/>
                 <a:cs typeface="SimSun"/>
               </a:rPr>
-              <a:t>对柴茶的认识和兴趣。        将柴茶定位为优质、天然、健康的产品，提供独特而令人满意的体验</a:t>
+              <a:t>       将印度奶茶定位为优质、天然、健康的产品，提供独特而令人满意的体验</a:t>
             </a:r>
             <a:r>
               <a:rPr sz="1200"/>
@@ -994,7 +999,7 @@
                 <a:ea typeface="SimSun"/>
                 <a:cs typeface="SimSun"/>
               </a:rPr>
-              <a:t>。        通过各种渠道和奖励</a:t>
+              <a:t>       通过多种渠道和激励措施鼓励消费者品尝和购买印度奶茶</a:t>
             </a:r>
             <a:r>
               <a:rPr sz="1200"/>
@@ -1011,7 +1016,7 @@
                 <a:ea typeface="SimSun"/>
                 <a:cs typeface="SimSun"/>
               </a:rPr>
-              <a:t>鼓励试用和购买柴茶。        通过参与和反馈</a:t>
+              <a:t>       通过参与和反馈培养印度奶茶消费者忠诚度并提高留存率</a:t>
             </a:r>
             <a:r>
               <a:rPr sz="1200"/>
@@ -1028,7 +1033,7 @@
                 <a:ea typeface="SimSun"/>
                 <a:cs typeface="SimSun"/>
               </a:rPr>
-              <a:t>在柴茶消费者中建立忠诚和保留。拉丁美洲柴茶的推广计划和策略将结合以下策略：</a:t>
+              <a:t>拉丁美洲的印度奶茶推广计划和策略将采用多种方法组合，例如：</a:t>
             </a:r>
             <a:r>
               <a:rPr sz="1200"/>
@@ -1045,7 +1050,7 @@
                 <a:ea typeface="SimSun"/>
                 <a:cs typeface="SimSun"/>
               </a:rPr>
-              <a:t>        为柴茶</a:t>
+              <a:t>       为印度奶茶创建一个朗朗上口、令人难忘的品牌名和徽标</a:t>
             </a:r>
             <a:r>
               <a:rPr sz="1200"/>
@@ -1062,7 +1067,7 @@
                 <a:ea typeface="SimSun"/>
                 <a:cs typeface="SimSun"/>
               </a:rPr>
-              <a:t>创建一个引人注目的令人难忘的品牌名称和徽标。        为柴茶开发网站和社交媒体的存在，展示其优势、功能和故事</a:t>
+              <a:t>       为印度奶茶开发网站和社交媒体，展示其益处、特色和故事</a:t>
             </a:r>
             <a:r>
               <a:rPr sz="1200"/>
@@ -1079,7 +1084,7 @@
                 <a:ea typeface="SimSun"/>
                 <a:cs typeface="SimSun"/>
               </a:rPr>
-              <a:t>。        启动一个数字市场营销活动，该市场活动使用 SEO、SEM、电子邮件营销和影响者营销来吸引潜在客户</a:t>
+              <a:t>       开展数字营销活动，利用搜索引擎优化、搜索引擎营销、电子邮件营销和网红营销来触达和吸引潜在客户</a:t>
             </a:r>
             <a:r>
               <a:rPr sz="1200"/>
@@ -1096,7 +1101,7 @@
                 <a:ea typeface="SimSun"/>
                 <a:cs typeface="SimSun"/>
               </a:rPr>
-              <a:t>。        在战略地点分发柴茶的免费样品和优惠券，如超市、咖啡馆和保健店</a:t>
+              <a:t>       在超市、咖啡馆和保健品店等战略要地免费分发印度奶茶样品和优惠券</a:t>
             </a:r>
             <a:r>
               <a:rPr sz="1200"/>
@@ -1113,7 +1118,7 @@
                 <a:ea typeface="SimSun"/>
                 <a:cs typeface="SimSun"/>
               </a:rPr>
-              <a:t>。        组织邀请人们与朋友和家人</a:t>
+              <a:t>       组织活动和竞赛，邀请人们品尝并与亲朋好友分享印度奶茶</a:t>
             </a:r>
             <a:r>
               <a:rPr sz="1200"/>
@@ -1130,7 +1135,7 @@
                 <a:ea typeface="SimSun"/>
                 <a:cs typeface="SimSun"/>
               </a:rPr>
-              <a:t>分享柴茶的活动和比赛。        与与柴茶有着相同价值观和愿景的当地企业和组织合作，拉丁美洲柴茶</a:t>
+              <a:t>       与具有相同价值观和愿景的当地企业和组织建立合作伙伴关系</a:t>
             </a:r>
             <a:r>
               <a:rPr sz="1200"/>
@@ -1147,7 +1152,7 @@
                 <a:ea typeface="SimSun"/>
                 <a:cs typeface="SimSun"/>
               </a:rPr>
-              <a:t>的推广计划和战略将在12个月内实施，预算为10万美元。</a:t>
+              <a:t>拉丁美洲的印度奶茶推广计划和策略的实施期为 12 个月，预算为 10 万美元。</a:t>
             </a:r>
             <a:r>
               <a:rPr lang="zh-CN" sz="1200" b="0" i="0" strike="noStrike" cap="none" baseline="0">
@@ -1160,6 +1165,11 @@
                 <a:cs typeface="SimSun"/>
               </a:rPr>
               <a:t>该计划将通过关键绩效指标进行监测和评估，例如网站流量、社交媒体参与度、电子邮件打开率、转化率、销售量、客户满意度和留存率。</a:t>
+            </a:r>
+            <a:r>
+              <a:rPr sz="1200"/>
+              <a:t>
+</a:t>
             </a:r>
           </a:p>
         </p:txBody>
@@ -1252,7 +1262,7 @@
                 <a:ea typeface="SimSun"/>
                 <a:cs typeface="SimSun"/>
               </a:rPr>
-              <a:t>拉丁美洲柴茶的推广计划和战略预计将增加20%的意识和兴趣，市场份额增加10%，销售量和收入增长15%，客户满意度和保留率提高25%。</a:t>
+              <a:t>拉丁美洲印度奶茶的推广计划和策略预计将使目标受众的认识和兴趣提高 20%，市场份额增加 10%，销售量和收入增长 15%，客户满意度和保留率提高 25%。</a:t>
             </a:r>
             <a:r>
               <a:rPr sz="1200"/>
@@ -1313,7 +1323,7 @@
                 <a:ea typeface="SimSun"/>
                 <a:cs typeface="SimSun"/>
               </a:rPr>
-              <a:t>拉丁美洲柴茶推广计划和战略的预期成果是：</a:t>
+              <a:t>拉丁美洲印度奶茶推广计划和策略的预期成果是：</a:t>
             </a:r>
             <a:r>
               <a:rPr sz="1200"/>
@@ -1330,7 +1340,7 @@
                 <a:ea typeface="SimSun"/>
                 <a:cs typeface="SimSun"/>
               </a:rPr>
-              <a:t>        目标观众</a:t>
+              <a:t>       目标受众对印度奶茶的认识和兴趣增加 20%</a:t>
             </a:r>
             <a:r>
               <a:rPr sz="1200"/>
@@ -1347,7 +1357,7 @@
                 <a:ea typeface="SimSun"/>
                 <a:cs typeface="SimSun"/>
               </a:rPr>
-              <a:t>对柴茶的认识和兴趣增加了20%。        该地区</a:t>
+              <a:t>       该地区印度奶茶的市场份额增长 10%</a:t>
             </a:r>
             <a:r>
               <a:rPr sz="1200"/>
@@ -1364,7 +1374,7 @@
                 <a:ea typeface="SimSun"/>
                 <a:cs typeface="SimSun"/>
               </a:rPr>
-              <a:t>柴茶市场份额增长10%。        该地区</a:t>
+              <a:t>       该地区印度奶茶的销售量和收入增长 15%</a:t>
             </a:r>
             <a:r>
               <a:rPr sz="1200"/>
@@ -1381,7 +1391,7 @@
                 <a:ea typeface="SimSun"/>
                 <a:cs typeface="SimSun"/>
               </a:rPr>
-              <a:t>柴茶销售量和收入增长15%。        该地区柴茶的客户满意度和保留率增加了 25%。</a:t>
+              <a:t>       该地区印度奶茶的客户满意度和保留率增加 25%</a:t>
             </a:r>
             <a:r>
               <a:rPr sz="1200"/>
@@ -1479,7 +1489,7 @@
                 <a:ea typeface="SimSun"/>
                 <a:cs typeface="SimSun"/>
               </a:rPr>
-              <a:t>拉丁美洲柴茶的推广计划和战略面临多种挑战，包括高价格、缺乏意识、其他茶叶产品竞争、监管和文化障碍的竞争，以及可能影响柴茶成分供应和质量的环境和社会问题。</a:t>
+              <a:t>拉丁美洲印度奶茶的推广计划和策略面临多种挑战，包括高价格、缺乏意识、其他茶叶产品竞争、监管和文化障碍的竞争，以及可能影响印度奶茶成分供应和质量的环境和社会问题。</a:t>
             </a:r>
             <a:r>
               <a:rPr sz="1200"/>
@@ -1523,7 +1533,7 @@
                 <a:ea typeface="SimSun"/>
                 <a:cs typeface="SimSun"/>
               </a:rPr>
-              <a:t>拉丁美洲柴茶推广计划和战略的潜在挑战如下：</a:t>
+              <a:t>拉丁美洲印度奶茶推广计划和策略的潜在挑战如下：</a:t>
             </a:r>
             <a:r>
               <a:rPr sz="1200"/>
@@ -1540,7 +1550,7 @@
                 <a:ea typeface="SimSun"/>
                 <a:cs typeface="SimSun"/>
               </a:rPr>
-              <a:t>        与其他饮料</a:t>
+              <a:t>       与其他饮品相比，印度奶茶产品价格偏高，消费者对价格的承受能力较低</a:t>
             </a:r>
             <a:r>
               <a:rPr sz="1200"/>
@@ -1557,7 +1567,7 @@
                 <a:ea typeface="SimSun"/>
                 <a:cs typeface="SimSun"/>
               </a:rPr>
-              <a:t>相比，柴茶产品价格高、负担能力低。        缺乏对柴茶的认识和熟悉，在一</a:t>
+              <a:t>       部分人群对印度奶茶缺乏认识和了解</a:t>
             </a:r>
             <a:r>
               <a:rPr sz="1200"/>
@@ -1574,7 +1584,7 @@
                 <a:ea typeface="SimSun"/>
                 <a:cs typeface="SimSun"/>
               </a:rPr>
-              <a:t>些群体中。        来自其他茶产品（如草药、绿色和黑茶）的</a:t>
+              <a:t>       来自花草茶、绿茶和红茶等其他品类的竞争</a:t>
             </a:r>
             <a:r>
               <a:rPr sz="1200"/>
@@ -1591,7 +1601,7 @@
                 <a:ea typeface="SimSun"/>
                 <a:cs typeface="SimSun"/>
               </a:rPr>
-              <a:t>竞争。        一些国家</a:t>
+              <a:t>       监管和文化障碍可能会限制印度奶茶产品在某些国家/地区的进入和扩张</a:t>
             </a:r>
             <a:r>
               <a:rPr sz="1200"/>
@@ -1608,7 +1618,7 @@
                 <a:ea typeface="SimSun"/>
                 <a:cs typeface="SimSun"/>
               </a:rPr>
-              <a:t>可能限制柴茶产品的进入和扩张的监管和文化障碍。        可能影响柴茶成分供应和质量的环境和社会问题</a:t>
+              <a:t>       环境和社会问题可能会影响印度奶茶原料供应和质量</a:t>
             </a:r>
             <a:r>
               <a:rPr sz="1200"/>
@@ -1730,7 +1740,7 @@
                 <a:ea typeface="SimSun"/>
                 <a:cs typeface="SimSun"/>
               </a:rPr>
-              <a:t>应结合使用在线和脱机策略来达到目标受众并克服挑战。</a:t>
+              <a:t>应采用线上和线下相结合的方法，触达目标受众并克服挑战。</a:t>
             </a:r>
             <a:r>
               <a:rPr sz="1200"/>
@@ -1791,7 +1801,7 @@
                 <a:ea typeface="SimSun"/>
                 <a:cs typeface="SimSun"/>
               </a:rPr>
-              <a:t>基于市场分析、竞争分析、分销渠道和推广计划和策略，可为拉丁美洲柴茶的未来绘制以下建议和结论：</a:t>
+              <a:t>根据市场分析、竞争分析、分销渠道以及推广计划和策略，针对印度奶茶产品在拉丁美洲的未来发展，可以提出以下建议和结论：</a:t>
             </a:r>
             <a:r>
               <a:rPr sz="1200"/>
@@ -1808,7 +1818,7 @@
                 <a:ea typeface="SimSun"/>
                 <a:cs typeface="SimSun"/>
               </a:rPr>
-              <a:t>        柴茶是一种有前途的产品，在拉丁美洲市场有增长和成功的潜力，因为它提供健康、自然和异国替代其他饮料</a:t>
+              <a:t>       印度奶茶是一种前景广阔的产品，有望在拉丁美洲市场不断发展并取得成功。它不仅健康天然，还充满异国情调，为消费者提供了除其他饮品外的一个新选择。</a:t>
             </a:r>
             <a:r>
               <a:rPr sz="1200"/>
@@ -1825,7 +1835,7 @@
                 <a:ea typeface="SimSun"/>
                 <a:cs typeface="SimSun"/>
               </a:rPr>
-              <a:t>。        柴茶需要定位和营销为一种高级、正宗、多才多艺的产品，可以吸引不同的细分市场和场合</a:t>
+              <a:t>       需要将印度奶茶定位为优质、纯正、可灵活调制的产品进行营销，以吸引不同的消费群体并满足不同场合的需求</a:t>
             </a:r>
             <a:r>
               <a:rPr sz="1200"/>
@@ -1842,7 +1852,7 @@
                 <a:ea typeface="SimSun"/>
                 <a:cs typeface="SimSun"/>
               </a:rPr>
-              <a:t>。        柴茶需要利用其独特的特性和优势，如其丰富的香气、味道和健康益处，以区分自己与其他茶产品</a:t>
+              <a:t>       印度奶茶需要利用其独有的特点和益处，例如浓郁的香气、风味和健康益处，树立相对于其他茶产品的差异化优势</a:t>
             </a:r>
             <a:r>
               <a:rPr sz="1200"/>
@@ -1859,7 +1869,7 @@
                 <a:ea typeface="SimSun"/>
                 <a:cs typeface="SimSun"/>
               </a:rPr>
-              <a:t>。        柴茶需要结合在线和离线策略与目标受众接触和互动，并打造忠诚和满意的客户群</a:t>
+              <a:t>       印度奶茶需要采用线上和线下相结合的方法，触达目标受众并与之互动，从而建立忠诚度高、满意度高的客户群</a:t>
             </a:r>
             <a:r>
               <a:rPr sz="1200"/>
@@ -1876,7 +1886,7 @@
                 <a:ea typeface="SimSun"/>
                 <a:cs typeface="SimSun"/>
               </a:rPr>
-              <a:t>。        柴茶需要克服可能阻碍该地区增长和扩张的挑战和威胁，如价格、意识、竞争、监管和可持续性</a:t>
+              <a:t>       印度奶茶需要克服可能阻碍其在该地区发展和扩张的挑战和威胁，例如价格、知名度、竞争、监管和可持续性，等等</a:t>
             </a:r>
             <a:r>
               <a:rPr sz="1200"/>
@@ -1893,7 +1903,7 @@
                 <a:ea typeface="SimSun"/>
                 <a:cs typeface="SimSun"/>
               </a:rPr>
-              <a:t>在结论中，柴茶是一种在拉丁美洲市场具有巨大潜力和机遇的产品，也面临着一些挑战和风险。</a:t>
+              <a:t>总而言之，印度奶茶产品在拉丁美洲市场拥有巨大潜力和机遇，同时也面临着一些挑战和风险。</a:t>
             </a:r>
             <a:r>
               <a:rPr lang="zh-CN" sz="1200" b="0" i="0" strike="noStrike" cap="none" baseline="0">
@@ -1918,6 +1928,11 @@
                 <a:cs typeface="SimSun"/>
               </a:rPr>
               <a:t>然而，推广计划和策略需要不断进行监测、评估，并根据不断变化的市场状况和客户反馈进行调整。</a:t>
+            </a:r>
+            <a:r>
+              <a:rPr sz="1200"/>
+              <a:t>
+</a:t>
             </a:r>
           </a:p>
         </p:txBody>
@@ -2010,7 +2025,7 @@
                 <a:ea typeface="SimSun"/>
                 <a:cs typeface="SimSun"/>
               </a:rPr>
-              <a:t>Agenda</a:t>
+              <a:t>议程</a:t>
             </a:r>
             <a:r>
               <a:rPr sz="1200"/>
@@ -2032,7 +2047,7 @@
                 <a:ea typeface="SimSun"/>
                 <a:cs typeface="SimSun"/>
               </a:rPr>
-              <a:t>* Introduction</a:t>
+              <a:t>* 简介</a:t>
             </a:r>
             <a:r>
               <a:rPr sz="1200"/>
@@ -2049,7 +2064,7 @@
                 <a:ea typeface="SimSun"/>
                 <a:cs typeface="SimSun"/>
               </a:rPr>
-              <a:t>* Product Description* Product Description （1/2）* Product</a:t>
+              <a:t>* 产品说明</a:t>
             </a:r>
             <a:r>
               <a:rPr sz="1200"/>
@@ -2066,7 +2081,7 @@
                 <a:ea typeface="SimSun"/>
                 <a:cs typeface="SimSun"/>
               </a:rPr>
-              <a:t> Description （2/2）</a:t>
+              <a:t>* 产品说明 (1/2)</a:t>
             </a:r>
             <a:r>
               <a:rPr sz="1200"/>
@@ -2074,6 +2089,18 @@
 </a:t>
             </a:r>
             <a:r>
+              <a:rPr lang="zh-CN" sz="1200" b="0" i="0" strike="noStrike" cap="none" baseline="0">
+                <a:solidFill>
+                  <a:srgbClr val="000000"/>
+                </a:solidFill>
+                <a:effectLst/>
+                <a:latin typeface="SimSun"/>
+                <a:ea typeface="SimSun"/>
+                <a:cs typeface="SimSun"/>
+              </a:rPr>
+              <a:t>* 产品说明 (2/2)</a:t>
+            </a:r>
+            <a:r>
               <a:rPr sz="1200"/>
               <a:t>
 </a:t>
@@ -2088,7 +2115,7 @@
                 <a:ea typeface="SimSun"/>
                 <a:cs typeface="SimSun"/>
               </a:rPr>
-              <a:t>* Market Trend and Demand</a:t>
+              <a:t>* 市场趋势和需求</a:t>
             </a:r>
             <a:r>
               <a:rPr sz="1200"/>
@@ -2105,7 +2132,7 @@
                 <a:ea typeface="SimSun"/>
                 <a:cs typeface="SimSun"/>
               </a:rPr>
-              <a:t>* Competitive Analysis</a:t>
+              <a:t>* 竞争分析</a:t>
             </a:r>
             <a:r>
               <a:rPr sz="1200"/>
@@ -2122,7 +2149,7 @@
                 <a:ea typeface="SimSun"/>
                 <a:cs typeface="SimSun"/>
               </a:rPr>
-              <a:t> * Tetley</a:t>
+              <a:t>* Tetley</a:t>
             </a:r>
             <a:r>
               <a:rPr sz="1200"/>
@@ -2139,7 +2166,7 @@
                 <a:ea typeface="SimSun"/>
                 <a:cs typeface="SimSun"/>
               </a:rPr>
-              <a:t> * Teavana</a:t>
+              <a:t>* Teavana</a:t>
             </a:r>
             <a:r>
               <a:rPr sz="1200"/>
@@ -2156,7 +2183,7 @@
                 <a:ea typeface="SimSun"/>
                 <a:cs typeface="SimSun"/>
               </a:rPr>
-              <a:t> * David's Tea</a:t>
+              <a:t>* David's Tea</a:t>
             </a:r>
             <a:r>
               <a:rPr sz="1200"/>
@@ -2173,7 +2200,7 @@
                 <a:ea typeface="SimSun"/>
                 <a:cs typeface="SimSun"/>
               </a:rPr>
-              <a:t> * Local Brands</a:t>
+              <a:t>* 本地品牌</a:t>
             </a:r>
             <a:r>
               <a:rPr sz="1200"/>
@@ -2190,7 +2217,7 @@
                 <a:ea typeface="SimSun"/>
                 <a:cs typeface="SimSun"/>
               </a:rPr>
-              <a:t>* Market Share of Chai Tea in Latin America</a:t>
+              <a:t>* 拉丁美洲印度奶茶市场份额</a:t>
             </a:r>
             <a:r>
               <a:rPr sz="1200"/>
@@ -2207,7 +2234,7 @@
                 <a:ea typeface="SimSun"/>
                 <a:cs typeface="SimSun"/>
               </a:rPr>
-              <a:t>* Distribution Channels</a:t>
+              <a:t>* 分销渠道</a:t>
             </a:r>
             <a:r>
               <a:rPr sz="1200"/>
@@ -2224,7 +2251,7 @@
                 <a:ea typeface="SimSun"/>
                 <a:cs typeface="SimSun"/>
               </a:rPr>
-              <a:t> * Retailers</a:t>
+              <a:t>* 零售商</a:t>
             </a:r>
             <a:r>
               <a:rPr sz="1200"/>
@@ -2241,7 +2268,7 @@
                 <a:ea typeface="SimSun"/>
                 <a:cs typeface="SimSun"/>
               </a:rPr>
-              <a:t> * Distributionrs</a:t>
+              <a:t>* 批发商</a:t>
             </a:r>
             <a:r>
               <a:rPr sz="1200"/>
@@ -2249,6 +2276,18 @@
 </a:t>
             </a:r>
             <a:r>
+              <a:rPr lang="zh-CN" sz="1200" b="0" i="0" strike="noStrike" cap="none" baseline="0">
+                <a:solidFill>
+                  <a:srgbClr val="000000"/>
+                </a:solidFill>
+                <a:effectLst/>
+                <a:latin typeface="SimSun"/>
+                <a:ea typeface="SimSun"/>
+                <a:cs typeface="SimSun"/>
+              </a:rPr>
+              <a:t>* 分销商</a:t>
+            </a:r>
+            <a:r>
               <a:rPr sz="1200"/>
               <a:t>
 </a:t>
@@ -2263,7 +2302,7 @@
                 <a:ea typeface="SimSun"/>
                 <a:cs typeface="SimSun"/>
               </a:rPr>
-              <a:t>* Promotion Plan and Strategy* Expected Outcomes and Challenges</a:t>
+              <a:t>* 推广计划和策略</a:t>
             </a:r>
             <a:r>
               <a:rPr sz="1200"/>
@@ -2280,7 +2319,7 @@
                 <a:ea typeface="SimSun"/>
                 <a:cs typeface="SimSun"/>
               </a:rPr>
-              <a:t> * Expected Outcomes and Challenges</a:t>
+              <a:t>* 预期结果和挑战</a:t>
             </a:r>
             <a:r>
               <a:rPr sz="1200"/>
@@ -2297,7 +2336,7 @@
                 <a:ea typeface="SimSun"/>
                 <a:cs typeface="SimSun"/>
               </a:rPr>
-              <a:t> * Expected Outcomes</a:t>
+              <a:t>* 预期结果</a:t>
             </a:r>
             <a:r>
               <a:rPr sz="1200"/>
@@ -2441,7 +2480,7 @@
                 <a:ea typeface="SimSun"/>
                 <a:cs typeface="SimSun"/>
               </a:rPr>
-              <a:t>它涵盖产品说明、市场趋势、竞争分析、分销渠道、促销计划、预期结果和建议。</a:t>
+              <a:t>它涵盖产品说明、市场趋势、竞争分析、分销渠道、推广计划、预期结果以及对未来的建议。</a:t>
             </a:r>
             <a:r>
               <a:rPr sz="1200"/>
@@ -2468,7 +2507,7 @@
                 <a:ea typeface="SimSun"/>
                 <a:cs typeface="SimSun"/>
               </a:rPr>
-              <a:t>原创内容：</a:t>
+              <a:t>原始内容：</a:t>
             </a:r>
             <a:r>
               <a:rPr sz="1200"/>
@@ -2485,7 +2524,7 @@
                 <a:ea typeface="SimSun"/>
                 <a:cs typeface="SimSun"/>
               </a:rPr>
-              <a:t>神秘</a:t>
+              <a:t>简介</a:t>
             </a:r>
             <a:r>
               <a:rPr sz="1200"/>
@@ -2502,7 +2541,7 @@
                 <a:ea typeface="SimSun"/>
                 <a:cs typeface="SimSun"/>
               </a:rPr>
-              <a:t>香料高级柴茶是 Contoso 饮料推出的新产品，该公司专门生产并分发世界各地的优质饮料。</a:t>
+              <a:t>神秘香料臻品印度奶茶是 Contoso Beverage 推出的新品，该公司专门从事高品质饮品的生产和全球分销。</a:t>
             </a:r>
             <a:r>
               <a:rPr lang="zh-CN" sz="1200" b="0" i="0" strike="noStrike" cap="none" baseline="0">
@@ -2550,31 +2589,7 @@
                 <a:ea typeface="SimSun"/>
                 <a:cs typeface="SimSun"/>
               </a:rPr>
-              <a:t>它还承载着深厚的文化和历史意义，常常与好客、友谊和休闲放松联系在一起。</a:t>
-            </a:r>
-            <a:r>
-              <a:rPr lang="zh-CN" sz="1200" b="0" i="0" strike="noStrike" cap="none" baseline="0">
-                <a:solidFill>
-                  <a:srgbClr val="000000"/>
-                </a:solidFill>
-                <a:effectLst/>
-                <a:latin typeface="SimSun"/>
-                <a:ea typeface="SimSun"/>
-                <a:cs typeface="SimSun"/>
-              </a:rPr>
-              <a:t>本报告旨在为神秘香料臻品印度奶茶提供市场分析，主要聚焦拉丁美洲地区。</a:t>
-            </a:r>
-            <a:r>
-              <a:rPr lang="zh-CN" sz="1200" b="0" i="0" strike="noStrike" cap="none" baseline="0">
-                <a:solidFill>
-                  <a:srgbClr val="000000"/>
-                </a:solidFill>
-                <a:effectLst/>
-                <a:latin typeface="SimSun"/>
-                <a:ea typeface="SimSun"/>
-                <a:cs typeface="SimSun"/>
-              </a:rPr>
-              <a:t>报告将涵盖以下方面：</a:t>
+              <a:t>它还承载着深厚的文化和历史意义，常与好客、友谊和休闲放松紧密相连。</a:t>
             </a:r>
             <a:r>
               <a:rPr sz="1200"/>
@@ -2591,7 +2606,19 @@
                 <a:ea typeface="SimSun"/>
                 <a:cs typeface="SimSun"/>
               </a:rPr>
-              <a:t>·        神秘香料高级柴茶</a:t>
+              <a:t>本报告旨在为神秘香料臻品印度奶茶提供市场分析，主要聚焦拉丁美洲地区。</a:t>
+            </a:r>
+            <a:r>
+              <a:rPr lang="zh-CN" sz="1200" b="0" i="0" strike="noStrike" cap="none" baseline="0">
+                <a:solidFill>
+                  <a:srgbClr val="000000"/>
+                </a:solidFill>
+                <a:effectLst/>
+                <a:latin typeface="SimSun"/>
+                <a:ea typeface="SimSun"/>
+                <a:cs typeface="SimSun"/>
+              </a:rPr>
+              <a:t>报告将涵盖以下方面：</a:t>
             </a:r>
             <a:r>
               <a:rPr sz="1200"/>
@@ -2608,7 +2635,7 @@
                 <a:ea typeface="SimSun"/>
                 <a:cs typeface="SimSun"/>
               </a:rPr>
-              <a:t>的产品说明、功能和优势        拉丁美洲</a:t>
+              <a:t>·        神秘香料臻品印度奶茶的产品说明、特点和功效</a:t>
             </a:r>
             <a:r>
               <a:rPr sz="1200"/>
@@ -2625,7 +2652,7 @@
                 <a:ea typeface="SimSun"/>
                 <a:cs typeface="SimSun"/>
               </a:rPr>
-              <a:t>柴茶的市场趋势和需求。        拉丁美洲</a:t>
+              <a:t>·        拉丁美洲印度奶茶的市场趋势和需求</a:t>
             </a:r>
             <a:r>
               <a:rPr sz="1200"/>
@@ -2642,7 +2669,7 @@
                 <a:ea typeface="SimSun"/>
                 <a:cs typeface="SimSun"/>
               </a:rPr>
-              <a:t>柴茶的竞争分析·        拉丁美洲</a:t>
+              <a:t>·        拉丁美洲印度奶茶的竞争分析</a:t>
             </a:r>
             <a:r>
               <a:rPr sz="1200"/>
@@ -2659,7 +2686,7 @@
                 <a:ea typeface="SimSun"/>
                 <a:cs typeface="SimSun"/>
               </a:rPr>
-              <a:t>柴茶的分销渠道。        拉丁美洲</a:t>
+              <a:t>·        拉丁美洲印度奶茶的分销渠道</a:t>
             </a:r>
             <a:r>
               <a:rPr sz="1200"/>
@@ -2676,7 +2703,7 @@
                 <a:ea typeface="SimSun"/>
                 <a:cs typeface="SimSun"/>
               </a:rPr>
-              <a:t>柴茶的推广计划和战略。        促销计划</a:t>
+              <a:t>·        拉丁美洲印度奶茶的推广计划和战略</a:t>
             </a:r>
             <a:r>
               <a:rPr sz="1200"/>
@@ -2693,7 +2720,24 @@
                 <a:ea typeface="SimSun"/>
                 <a:cs typeface="SimSun"/>
               </a:rPr>
-              <a:t>的预期结果和挑战。        拉丁美洲柴茶未来的建议和结论</a:t>
+              <a:t>·        促销计划的预期结果和挑战</a:t>
+            </a:r>
+            <a:r>
+              <a:rPr sz="1200"/>
+              <a:t>
+</a:t>
+            </a:r>
+            <a:r>
+              <a:rPr lang="zh-CN" sz="1200" b="0" i="0" strike="noStrike" cap="none" baseline="0">
+                <a:solidFill>
+                  <a:srgbClr val="000000"/>
+                </a:solidFill>
+                <a:effectLst/>
+                <a:latin typeface="SimSun"/>
+                <a:ea typeface="SimSun"/>
+                <a:cs typeface="SimSun"/>
+              </a:rPr>
+              <a:t>·        拉丁美洲印度奶茶未来的建议和结论</a:t>
             </a:r>
             <a:r>
               <a:rPr sz="1200"/>
@@ -2803,7 +2847,7 @@
                 <a:ea typeface="SimSun"/>
                 <a:cs typeface="SimSun"/>
               </a:rPr>
-              <a:t>每个杯子都会带你穿越印度充满活力的风景，为你的家带来真正的柴体验。</a:t>
+              <a:t>每一杯茶都能带你领略印度生机勃勃的景致，让你足不出户便能品尝到原汁原味的印度奶茶。</a:t>
             </a:r>
             <a:r>
               <a:rPr sz="1200"/>
@@ -2830,7 +2874,7 @@
                 <a:ea typeface="SimSun"/>
                 <a:cs typeface="SimSun"/>
               </a:rPr>
-              <a:t>原创内容：</a:t>
+              <a:t>原始内容：</a:t>
             </a:r>
             <a:r>
               <a:rPr sz="1200"/>
@@ -2847,7 +2891,7 @@
                 <a:ea typeface="SimSun"/>
                 <a:cs typeface="SimSun"/>
               </a:rPr>
-              <a:t>产品描述</a:t>
+              <a:t>产品说明</a:t>
             </a:r>
             <a:r>
               <a:rPr sz="1200"/>
@@ -2864,7 +2908,7 @@
                 <a:ea typeface="SimSun"/>
                 <a:cs typeface="SimSun"/>
               </a:rPr>
-              <a:t>神秘香料高级柴茶是一种精心制作的混合，向印度柴的永恒传统致敬。</a:t>
+              <a:t>神秘香料臻品印度奶茶是一款精心调制的混合茶饮，沿袭了印度奶茶的永恒传统。</a:t>
             </a:r>
             <a:r>
               <a:rPr lang="zh-CN" sz="1200" b="0" i="0" strike="noStrike" cap="none" baseline="0">
@@ -2888,7 +2932,12 @@
                 <a:ea typeface="SimSun"/>
                 <a:cs typeface="SimSun"/>
               </a:rPr>
-              <a:t>神秘香料臻品印度奶茶的产品说明、特点和益处概述如下表所示：</a:t>
+              <a:t>神秘香料臻品印度奶茶的产品说明、特点和功效概述如下表所示：</a:t>
+            </a:r>
+            <a:r>
+              <a:rPr sz="1200"/>
+              <a:t>
+</a:t>
             </a:r>
           </a:p>
         </p:txBody>
@@ -3191,7 +3240,7 @@
                 <a:ea typeface="SimSun"/>
                 <a:cs typeface="SimSun"/>
               </a:rPr>
-              <a:t>增长的主要驱动因素包括提高意识、增加可支配收入和扩大分配。</a:t>
+              <a:t>增长的主要驱动力包括认知度的提高、可支配收入的增加以及分销范围的扩大。</a:t>
             </a:r>
             <a:r>
               <a:rPr sz="1200"/>
@@ -3218,7 +3267,7 @@
                 <a:ea typeface="SimSun"/>
                 <a:cs typeface="SimSun"/>
               </a:rPr>
-              <a:t>原创内容：</a:t>
+              <a:t>原始内容：</a:t>
             </a:r>
             <a:r>
               <a:rPr sz="1200"/>
@@ -3252,7 +3301,7 @@
                 <a:ea typeface="SimSun"/>
                 <a:cs typeface="SimSun"/>
               </a:rPr>
-              <a:t>拉丁美洲市场为柴茶提供了一个很好的机会，因为该地区对健康、天然和异国产品的需求越来越大。</a:t>
+              <a:t>拉丁美洲市场为印度奶茶提供了巨大商机，因为该地区对健康、天然、异域特色产品的需求日益增长。</a:t>
             </a:r>
             <a:r>
               <a:rPr lang="zh-CN" sz="1200" b="0" i="0" strike="noStrike" cap="none" baseline="0">
@@ -3289,42 +3338,6 @@
                 <a:cs typeface="SimSun"/>
               </a:rPr>
               <a:t>印度奶茶也符合拉丁美洲消费者的生活方式和喜好，他们喜欢社交、分享并尽情享受甜食。</a:t>
-            </a:r>
-            <a:r>
-              <a:rPr lang="zh-CN" sz="1200" b="0" i="0" strike="noStrike" cap="none" baseline="0">
-                <a:solidFill>
-                  <a:srgbClr val="000000"/>
-                </a:solidFill>
-                <a:effectLst/>
-                <a:latin typeface="SimSun"/>
-                <a:ea typeface="SimSun"/>
-                <a:cs typeface="SimSun"/>
-              </a:rPr>
-              <a:t>根据 Grand View Research 的一份报告，2019 年全球印度奶茶市场规模达 19 亿美元，预计 2020 年至 2027 年的复合年增长率 (CAGR) 将达到 5.5%。</a:t>
-            </a:r>
-            <a:r>
-              <a:rPr lang="zh-CN" sz="1200" b="0" i="0" strike="noStrike" cap="none" baseline="0">
-                <a:solidFill>
-                  <a:srgbClr val="000000"/>
-                </a:solidFill>
-                <a:effectLst/>
-                <a:latin typeface="SimSun"/>
-                <a:ea typeface="SimSun"/>
-                <a:cs typeface="SimSun"/>
-              </a:rPr>
-              <a:t>报告还指出，拉丁美洲是印度奶茶增长最快的地区之一，2020 年至 2027 年的复合年增长率将达到 6.2%。</a:t>
-            </a:r>
-            <a:r>
-              <a:rPr lang="zh-CN" sz="1200" b="0" i="0" strike="noStrike" cap="none" baseline="0">
-                <a:solidFill>
-                  <a:srgbClr val="000000"/>
-                </a:solidFill>
-                <a:effectLst/>
-                <a:latin typeface="SimSun"/>
-                <a:ea typeface="SimSun"/>
-                <a:cs typeface="SimSun"/>
-              </a:rPr>
-              <a:t>拉丁美洲柴茶增长的主要推动因素是：</a:t>
             </a:r>
             <a:r>
               <a:rPr sz="1200"/>
@@ -3341,7 +3354,31 @@
                 <a:ea typeface="SimSun"/>
                 <a:cs typeface="SimSun"/>
               </a:rPr>
-              <a:t>        柴茶</a:t>
+              <a:t>根据 Grand View Research 的一份报告，2019 年全球印度奶茶市场规模达 19 亿美元，预计 2020 年至 2027 年的复合年增长率 (CAGR) 将达到 5.5%。</a:t>
+            </a:r>
+            <a:r>
+              <a:rPr lang="zh-CN" sz="1200" b="0" i="0" strike="noStrike" cap="none" baseline="0">
+                <a:solidFill>
+                  <a:srgbClr val="000000"/>
+                </a:solidFill>
+                <a:effectLst/>
+                <a:latin typeface="SimSun"/>
+                <a:ea typeface="SimSun"/>
+                <a:cs typeface="SimSun"/>
+              </a:rPr>
+              <a:t>报告还指出，拉丁美洲是印度奶茶增长最快的地区之一，2020 年至 2027 年的复合年增长率将达到 6.2%。</a:t>
+            </a:r>
+            <a:r>
+              <a:rPr lang="zh-CN" sz="1200" b="0" i="0" strike="noStrike" cap="none" baseline="0">
+                <a:solidFill>
+                  <a:srgbClr val="000000"/>
+                </a:solidFill>
+                <a:effectLst/>
+                <a:latin typeface="SimSun"/>
+                <a:ea typeface="SimSun"/>
+                <a:cs typeface="SimSun"/>
+              </a:rPr>
+              <a:t>拉丁美洲的印度奶茶销售增长的主要推动力包括：</a:t>
             </a:r>
             <a:r>
               <a:rPr sz="1200"/>
@@ -3358,7 +3395,7 @@
                 <a:ea typeface="SimSun"/>
                 <a:cs typeface="SimSun"/>
               </a:rPr>
-              <a:t>健康效益和文化方面的意识和兴趣日益增强。        中产阶级消费者</a:t>
+              <a:t>·        人们对印度奶茶的健康功效和文化内涵的认识和兴趣日益增强</a:t>
             </a:r>
             <a:r>
               <a:rPr sz="1200"/>
@@ -3375,7 +3412,7 @@
                 <a:ea typeface="SimSun"/>
                 <a:cs typeface="SimSun"/>
               </a:rPr>
-              <a:t>可支配收入和消费力的上升。        年轻和城市细分</a:t>
+              <a:t>·        中产阶级消费者的可支配收入和消费能力不断提高</a:t>
             </a:r>
             <a:r>
               <a:rPr sz="1200"/>
@@ -3392,7 +3429,7 @@
                 <a:ea typeface="SimSun"/>
                 <a:cs typeface="SimSun"/>
               </a:rPr>
-              <a:t>中特色和优质茶的日益普及。        各种渠道（如超市、咖啡馆和在线平台</a:t>
+              <a:t>·        特色茶和高档茶在年轻人和城市群体中越来越受欢迎</a:t>
             </a:r>
             <a:r>
               <a:rPr sz="1200"/>
@@ -3409,7 +3446,24 @@
                 <a:ea typeface="SimSun"/>
                 <a:cs typeface="SimSun"/>
               </a:rPr>
-              <a:t>）中柴茶产品的分布和供应不断扩大。        柴茶的新型创新口味和格式的出现，如现成饮料、即时和有机品种</a:t>
+              <a:t>·        印度奶茶产品在各种渠道（如超市、咖啡馆和在线平台）的分销和供应不断扩大</a:t>
+            </a:r>
+            <a:r>
+              <a:rPr sz="1200"/>
+              <a:t>
+</a:t>
+            </a:r>
+            <a:r>
+              <a:rPr lang="zh-CN" sz="1200" b="0" i="0" strike="noStrike" cap="none" baseline="0">
+                <a:solidFill>
+                  <a:srgbClr val="000000"/>
+                </a:solidFill>
+                <a:effectLst/>
+                <a:latin typeface="SimSun"/>
+                <a:ea typeface="SimSun"/>
+                <a:cs typeface="SimSun"/>
+              </a:rPr>
+              <a:t>·        新口味和创新形式的印度奶茶不断涌现，如即饮茶、速溶茶和有机茶</a:t>
             </a:r>
             <a:r>
               <a:rPr sz="1200"/>
@@ -3570,7 +3624,7 @@
                 <a:ea typeface="SimSun"/>
                 <a:cs typeface="SimSun"/>
               </a:rPr>
-              <a:t>原创内容：</a:t>
+              <a:t>原始内容：</a:t>
             </a:r>
             <a:r>
               <a:rPr sz="1200"/>
@@ -3587,7 +3641,7 @@
                 <a:ea typeface="SimSun"/>
                 <a:cs typeface="SimSun"/>
               </a:rPr>
-              <a:t>拉丁美洲柴茶的分销渠道是柴茶产品交付和销售给最终消费者的方式和手段。</a:t>
+              <a:t>拉丁美洲印度奶茶的分销渠道是指印度奶茶产品运送和销售给最终消费者的方式方法。</a:t>
             </a:r>
             <a:r>
               <a:rPr lang="zh-CN" sz="1200" b="0" i="0" strike="noStrike" cap="none" baseline="0">
@@ -3599,7 +3653,12 @@
                 <a:ea typeface="SimSun"/>
                 <a:cs typeface="SimSun"/>
               </a:rPr>
-              <a:t>印度奶茶在拉丁美洲的分销渠道可分为三种类型：零售商、批发商和分销商。</a:t>
+              <a:t>拉丁美洲印度奶茶的分销渠道可分为三类：零售商、批发商和分销商。</a:t>
+            </a:r>
+            <a:r>
+              <a:rPr sz="1200"/>
+              <a:t>
+</a:t>
             </a:r>
             <a:r>
               <a:rPr lang="zh-CN" sz="1200" b="0" i="0" strike="noStrike" cap="none" baseline="0">
@@ -3648,6 +3707,11 @@
                 <a:cs typeface="SimSun"/>
               </a:rPr>
               <a:t>印度奶茶产品在拉丁美洲的主要零售商有沃尔玛、家乐福、Oxxo、星巴克和亚马逊。</a:t>
+            </a:r>
+            <a:r>
+              <a:rPr sz="1200"/>
+              <a:t>
+</a:t>
             </a:r>
           </a:p>
         </p:txBody>
@@ -3764,7 +3828,7 @@
                 <a:ea typeface="SimSun"/>
                 <a:cs typeface="SimSun"/>
               </a:rPr>
-              <a:t>拉丁美洲的主要批发商包括Cencosud、Grupo Pao de Acucar、La Anonima和 Makro。</a:t>
+              <a:t>拉丁美洲主要的批发商包括 Cencosud、Grupo Pao de Acucar、La Anonima 和 Makro。</a:t>
             </a:r>
             <a:r>
               <a:rPr sz="1200"/>
@@ -3808,7 +3872,7 @@
                 <a:ea typeface="SimSun"/>
                 <a:cs typeface="SimSun"/>
               </a:rPr>
-              <a:t>批发商是批量从制造商或分销商购买柴茶产品并将其出售给零售商或其他中介的企业。</a:t>
+              <a:t>批发商是指从制造商或分销商处批量购买印度奶茶产品，然后将其出售给零售商或其他中间商的企业。</a:t>
             </a:r>
             <a:r>
               <a:rPr lang="zh-CN" sz="1200" b="0" i="0" strike="noStrike" cap="none" baseline="0">
@@ -3845,6 +3909,11 @@
                 <a:cs typeface="SimSun"/>
               </a:rPr>
               <a:t>在拉丁美洲，主要的印度奶茶产品批发商有 Cencosud、Grupo Pao de Acucar、La Anonima 和 Makro。</a:t>
+            </a:r>
+            <a:r>
+              <a:rPr sz="1200"/>
+              <a:t>
+</a:t>
             </a:r>
           </a:p>
         </p:txBody>
@@ -8102,7 +8171,7 @@
                 <a:ea typeface="SimSun"/>
                 <a:cs typeface="SimSun"/>
               </a:rPr>
-              <a:t>分发渠道：分发服务器</a:t>
+              <a:t>分发渠道：分销商</a:t>
             </a:r>
           </a:p>
         </p:txBody>
@@ -11552,7 +11621,7 @@
                     <a:lstStyle/>
                     <a:p>
                       <a:r>
-                        <a:rPr lang="zh-CN" sz="3300" b="0" i="0" strike="noStrike" cap="none" baseline="0">
+                        <a:rPr lang="zh-CN" sz="3300" b="1" i="0" strike="noStrike" cap="none" baseline="0">
                           <a:solidFill>
                             <a:srgbClr val="FFFFFF"/>
                           </a:solidFill>
@@ -12035,7 +12104,7 @@
                         </a:spcAft>
                       </a:pPr>
                       <a:r>
-                        <a:rPr lang="zh-CN" sz="1400" b="0" i="0" strike="noStrike" cap="none" baseline="0">
+                        <a:rPr lang="zh-CN" sz="1400" b="1" i="0" strike="noStrike" cap="none" baseline="0">
                           <a:solidFill>
                             <a:srgbClr val="FFFFFF"/>
                           </a:solidFill>
@@ -12222,7 +12291,7 @@
                           <a:ea typeface="SimSun"/>
                           <a:cs typeface="SimSun"/>
                         </a:rPr>
-                        <a:t>正宗混合：我们的柴是优质黑茶叶的和谐混合，也是地香料的标志性选择，包括肉桂、豆瓜、丁香、姜和黑胡椒。</a:t>
+                        <a:t>正宗混合茶饮：我们的印度奶茶采用优质红茶叶与精选研磨香料（包括肉桂、小豆蔻、丁香、生姜和黑胡椒）精心调配而成，风味和谐。</a:t>
                       </a:r>
                       <a:r>
                         <a:rPr lang="zh-CN" sz="1400" b="0" i="0" strike="noStrike" cap="none" baseline="0">
@@ -12263,7 +12332,7 @@
                           <a:ea typeface="SimSun"/>
                           <a:cs typeface="SimSun"/>
                         </a:rPr>
-                        <a:t>健康增强成分：神秘香料柴茶中的每个成分都是出于自然健康益处而选择的。</a:t>
+                        <a:t>健康增益成分：神秘香料印度奶茶中的每种成分都经过精心挑选，具有天然保健功效。</a:t>
                       </a:r>
                       <a:r>
                         <a:rPr lang="zh-CN" sz="1400" b="0" i="0" strike="noStrike" cap="none" baseline="0">
@@ -12754,7 +12823,7 @@
                         </a:spcAft>
                       </a:pPr>
                       <a:r>
-                        <a:rPr lang="zh-CN" sz="1100" b="0" i="0" strike="noStrike" cap="none" baseline="0">
+                        <a:rPr lang="zh-CN" sz="1100" b="1" i="0" strike="noStrike" cap="none" baseline="0">
                           <a:solidFill>
                             <a:srgbClr val="FFFFFF"/>
                           </a:solidFill>
@@ -12799,7 +12868,7 @@
                           <a:ea typeface="SimSun"/>
                           <a:cs typeface="SimSun"/>
                         </a:rPr>
-                        <a:t>浓郁的香气和味道：温暖，辣味和深，令人振奋的味道，我们的柴使它成为完美的饮料，开始你的一天或放松在晚上。</a:t>
+                        <a:t>香气浓郁、口味醇厚：我们的印度奶茶气味温暖辛香，口感醇厚提神，是你开启美好一天或在夜晚放松身心的完美饮品。</a:t>
                       </a:r>
                       <a:r>
                         <a:rPr lang="zh-CN" sz="1100" b="0" i="0" strike="noStrike" cap="none" baseline="0">
@@ -12840,7 +12909,7 @@
                           <a:ea typeface="SimSun"/>
                           <a:cs typeface="SimSun"/>
                         </a:rPr>
-                        <a:t>多才多艺的酿造选项：无论你喜欢你的柴热，作为一个令人耳目一新的冰茶，或作为奶油拿铁，我们的混合是多才多艺的，以满足任何偏好。</a:t>
+                        <a:t>多种冲泡选择：无论你喜欢热气腾腾的印度奶茶、清爽的冰茶，还是奶香浓郁的拿铁，我们的混合饮品都能满足你的各种喜好。</a:t>
                       </a:r>
                       <a:r>
                         <a:rPr lang="zh-CN" sz="1100" b="0" i="0" strike="noStrike" cap="none" baseline="0">
@@ -12888,7 +12957,7 @@
                           <a:ea typeface="SimSun"/>
                           <a:cs typeface="SimSun"/>
                         </a:rPr>
-                        <a:t>可持续来源：致力于可持续性，我们从小型农场采购我们的成分，实践有机农业，不仅确保最好的品质，而且确保我们星球的福利。</a:t>
+                        <a:t>可持续采购：我们致力于可持续发展，从实行有机耕作的小规模农场采购食材，不仅确保最优质的食材，也确保地球的福祉。</a:t>
                       </a:r>
                       <a:endParaRPr lang="en-US" sz="1700">
                         <a:effectLst/>
@@ -12917,7 +12986,7 @@
                           <a:ea typeface="SimSun"/>
                           <a:cs typeface="SimSun"/>
                         </a:rPr>
-                        <a:t>优雅的包装：神秘的香料柴茶是设计精美的生态友好包装，使其成为茶爱好者的理想礼物或豪华的礼物为自己。</a:t>
+                        <a:t>包装精美：神秘香料印度奶茶设计精美，采用生态友好的环保包装方式，因此是送给茶叶爱好者的理想礼物，也是送给自己的奢华之选。</a:t>
                       </a:r>
                       <a:endParaRPr lang="en-US" sz="1700">
                         <a:effectLst/>
@@ -12953,7 +13022,7 @@
                           <a:ea typeface="SimSun"/>
                           <a:cs typeface="SimSun"/>
                         </a:rPr>
-                        <a:t>客户满意度保证：我们站在产品后面，提供满意保证。</a:t>
+                        <a:t>客户满意度保证：我们支持我们的产品，提供满意度保证。</a:t>
                       </a:r>
                       <a:r>
                         <a:rPr lang="zh-CN" sz="1100" b="0" i="0" strike="noStrike" cap="none" baseline="0">
@@ -12994,7 +13063,7 @@
                           <a:ea typeface="SimSun"/>
                           <a:cs typeface="SimSun"/>
                         </a:rPr>
-                        <a:t>理想的选择：茶爱好者、有健康意识的个人、温暖、辛辣的饮料爱好者，以及任何希望探索传统印度柴的丰富口味的人。</a:t>
+                        <a:t>适用人群：茶叶爱好者、注重健康的个人、喜欢温辛饮料的群体，以及希望品尝传统印度奶茶丰富口感的人群。</a:t>
                       </a:r>
                       <a:endParaRPr lang="en-US" sz="1700">
                         <a:effectLst/>
@@ -13687,7 +13756,7 @@
                     <a:lstStyle/>
                     <a:p>
                       <a:r>
-                        <a:rPr lang="zh-CN" sz="2000" b="0" i="0" strike="noStrike" cap="all" baseline="0">
+                        <a:rPr lang="zh-CN" sz="2000" b="1" i="0" strike="noStrike" cap="all" baseline="0">
                           <a:solidFill>
                             <a:srgbClr val="000000"/>
                           </a:solidFill>
@@ -13722,7 +13791,7 @@
                     <a:lstStyle/>
                     <a:p>
                       <a:r>
-                        <a:rPr lang="zh-CN" sz="2000" b="0" i="0" strike="noStrike" cap="all" baseline="0">
+                        <a:rPr lang="zh-CN" sz="2000" b="1" i="0" strike="noStrike" cap="all" baseline="0">
                           <a:solidFill>
                             <a:srgbClr val="000000"/>
                           </a:solidFill>
@@ -14265,7 +14334,7 @@
                 <a:ea typeface="SimSun"/>
                 <a:cs typeface="SimSun"/>
               </a:rPr>
-              <a:t>零售商：直接向消费者销售柴茶产品</a:t>
+              <a:t>零售商：直接向消费者销售印度奶茶</a:t>
             </a:r>
           </a:p>
           <a:p>
@@ -14339,7 +14408,7 @@
                 <a:ea typeface="SimSun"/>
                 <a:cs typeface="SimSun"/>
               </a:rPr>
-              <a:t>批发商：向零售商批量销售柴茶产品</a:t>
+              <a:t>批发商：向零售商批量销售印度奶茶产品</a:t>
             </a:r>
           </a:p>
           <a:p>
@@ -14353,7 +14422,7 @@
                 <a:ea typeface="SimSun"/>
                 <a:cs typeface="SimSun"/>
               </a:rPr>
-              <a:t>分销商：将柴茶产品从制造商运到零售商</a:t>
+              <a:t>分销商：将印度奶茶产品从制造商运送到零售商</a:t>
             </a:r>
           </a:p>
         </p:txBody>

--- a/ResourceFiles/Mystic Spice Premium Chai Market Analysis Presentation.pptx
+++ b/ResourceFiles/Mystic Spice Premium Chai Market Analysis Presentation.pptx
@@ -1,6 +1,6 @@
 
 <file path=ppt/presentation.xml><?xml version="1.0" encoding="utf-8"?>
-<!--Generated by Aspose.Slides for Java 23.6.1-->
+<!--Generated by Aspose.Slides for Java 23.6-->
 <p:presentation xmlns:r="http://schemas.openxmlformats.org/officeDocument/2006/relationships" xmlns:a="http://schemas.openxmlformats.org/drawingml/2006/main" xmlns:p="http://schemas.openxmlformats.org/presentationml/2006/main" removePersonalInfoOnSave="1" saveSubsetFonts="1">
   <p:sldMasterIdLst>
     <p:sldMasterId id="2147483660" r:id="rId1"/>
@@ -7825,6 +7825,77 @@
           </a:prstGeom>
         </p:spPr>
       </p:pic>
+      <p:sp>
+        <p:nvSpPr>
+          <p:cNvPr id="20" name="TextBox"/>
+          <p:cNvSpPr txBox="1">
+            <a:spLocks noGrp="1" noSelect="1" noRot="1" noMove="1"/>
+          </p:cNvSpPr>
+          <p:nvPr/>
+        </p:nvSpPr>
+        <p:spPr>
+          <a:xfrm>
+            <a:off x="2890520" y="2644140"/>
+            <a:ext cx="6411372" cy="1569660"/>
+          </a:xfrm>
+          <a:prstGeom prst="rect">
+            <a:avLst/>
+          </a:prstGeom>
+          <a:noFill/>
+        </p:spPr>
+        <p:txBody>
+          <a:bodyPr wrap="none" rtlCol="0" anchor="ctr" anchorCtr="1">
+            <a:spAutoFit/>
+          </a:bodyPr>
+          <a:lstStyle>
+            <a:lvl1pPr algn="l">
+              <a:lnSpc>
+                <a:spcPct val="150000"/>
+              </a:lnSpc>
+              <a:spcBef>
+                <a:spcPct val="0"/>
+              </a:spcBef>
+              <a:spcAft>
+                <a:spcPct val="0"/>
+              </a:spcAft>
+              <a:defRPr lang="en-US" sz="3200" b="1" noProof="1" dirty="0">
+                <a:solidFill>
+                  <a:prstClr val="red">
+                    <a:lumOff val="30000"/>
+                    <a:alpha val="40000"/>
+                  </a:prstClr>
+                </a:solidFill>
+                <a:effectLst>
+                  <a:outerShdw blurRad="50800" dist="38100" algn="tr" rotWithShape="0">
+                    <a:prstClr val="black">
+                      <a:alpha val="80000"/>
+                    </a:prstClr>
+                  </a:outerShdw>
+                </a:effectLst>
+                <a:latin typeface="Calibri" pitchFamily="34" charset="0"/>
+              </a:defRPr>
+            </a:lvl1pPr>
+          </a:lstStyle>
+          <a:p>
+            <a:pPr algn="ctr"/>
+            <a:r>
+              <a:t>Evaluation only.</a:t>
+            </a:r>
+          </a:p>
+          <a:p>
+            <a:pPr algn="ctr"/>
+            <a:r>
+              <a:t>Created with Aspose.Slides for Java 23.6.</a:t>
+            </a:r>
+          </a:p>
+          <a:p>
+            <a:pPr algn="ctr"/>
+            <a:r>
+              <a:t>Copyright 2004-2023 Aspose Pty Ltd.</a:t>
+            </a:r>
+          </a:p>
+        </p:txBody>
+      </p:sp>
     </p:spTree>
     <p:extLst>
       <p:ext uri="{BB962C8B-B14F-4D97-AF65-F5344CB8AC3E}">
@@ -8480,6 +8551,77 @@
           </a:prstGeom>
         </p:spPr>
       </p:pic>
+      <p:sp>
+        <p:nvSpPr>
+          <p:cNvPr id="17" name="TextBox"/>
+          <p:cNvSpPr txBox="1">
+            <a:spLocks noGrp="1" noSelect="1" noRot="1" noMove="1"/>
+          </p:cNvSpPr>
+          <p:nvPr/>
+        </p:nvSpPr>
+        <p:spPr>
+          <a:xfrm>
+            <a:off x="2890520" y="2644140"/>
+            <a:ext cx="6411372" cy="1569660"/>
+          </a:xfrm>
+          <a:prstGeom prst="rect">
+            <a:avLst/>
+          </a:prstGeom>
+          <a:noFill/>
+        </p:spPr>
+        <p:txBody>
+          <a:bodyPr wrap="none" rtlCol="0" anchor="ctr" anchorCtr="1">
+            <a:spAutoFit/>
+          </a:bodyPr>
+          <a:lstStyle>
+            <a:lvl1pPr algn="l">
+              <a:lnSpc>
+                <a:spcPct val="150000"/>
+              </a:lnSpc>
+              <a:spcBef>
+                <a:spcPct val="0"/>
+              </a:spcBef>
+              <a:spcAft>
+                <a:spcPct val="0"/>
+              </a:spcAft>
+              <a:defRPr lang="en-US" sz="3200" b="1" noProof="1" dirty="0">
+                <a:solidFill>
+                  <a:prstClr val="red">
+                    <a:lumOff val="30000"/>
+                    <a:alpha val="40000"/>
+                  </a:prstClr>
+                </a:solidFill>
+                <a:effectLst>
+                  <a:outerShdw blurRad="50800" dist="38100" algn="tr" rotWithShape="0">
+                    <a:prstClr val="black">
+                      <a:alpha val="80000"/>
+                    </a:prstClr>
+                  </a:outerShdw>
+                </a:effectLst>
+                <a:latin typeface="Calibri" pitchFamily="34" charset="0"/>
+              </a:defRPr>
+            </a:lvl1pPr>
+          </a:lstStyle>
+          <a:p>
+            <a:pPr algn="ctr"/>
+            <a:r>
+              <a:t>Evaluation only.</a:t>
+            </a:r>
+          </a:p>
+          <a:p>
+            <a:pPr algn="ctr"/>
+            <a:r>
+              <a:t>Created with Aspose.Slides for Java 23.6.</a:t>
+            </a:r>
+          </a:p>
+          <a:p>
+            <a:pPr algn="ctr"/>
+            <a:r>
+              <a:t>Copyright 2004-2023 Aspose Pty Ltd.</a:t>
+            </a:r>
+          </a:p>
+        </p:txBody>
+      </p:sp>
     </p:spTree>
     <p:extLst>
       <p:ext uri="{BB962C8B-B14F-4D97-AF65-F5344CB8AC3E}">
@@ -8940,6 +9082,77 @@
           </a:p>
         </p:txBody>
       </p:sp>
+      <p:sp>
+        <p:nvSpPr>
+          <p:cNvPr id="11" name="TextBox"/>
+          <p:cNvSpPr txBox="1">
+            <a:spLocks noGrp="1" noSelect="1" noRot="1" noMove="1"/>
+          </p:cNvSpPr>
+          <p:nvPr/>
+        </p:nvSpPr>
+        <p:spPr>
+          <a:xfrm>
+            <a:off x="2890520" y="2644140"/>
+            <a:ext cx="6411372" cy="1569660"/>
+          </a:xfrm>
+          <a:prstGeom prst="rect">
+            <a:avLst/>
+          </a:prstGeom>
+          <a:noFill/>
+        </p:spPr>
+        <p:txBody>
+          <a:bodyPr wrap="none" rtlCol="0" anchor="ctr" anchorCtr="1">
+            <a:spAutoFit/>
+          </a:bodyPr>
+          <a:lstStyle>
+            <a:lvl1pPr algn="l">
+              <a:lnSpc>
+                <a:spcPct val="150000"/>
+              </a:lnSpc>
+              <a:spcBef>
+                <a:spcPct val="0"/>
+              </a:spcBef>
+              <a:spcAft>
+                <a:spcPct val="0"/>
+              </a:spcAft>
+              <a:defRPr lang="en-US" sz="3200" b="1" noProof="1" dirty="0">
+                <a:solidFill>
+                  <a:prstClr val="red">
+                    <a:lumOff val="30000"/>
+                    <a:alpha val="40000"/>
+                  </a:prstClr>
+                </a:solidFill>
+                <a:effectLst>
+                  <a:outerShdw blurRad="50800" dist="38100" algn="tr" rotWithShape="0">
+                    <a:prstClr val="black">
+                      <a:alpha val="80000"/>
+                    </a:prstClr>
+                  </a:outerShdw>
+                </a:effectLst>
+                <a:latin typeface="Calibri" pitchFamily="34" charset="0"/>
+              </a:defRPr>
+            </a:lvl1pPr>
+          </a:lstStyle>
+          <a:p>
+            <a:pPr algn="ctr"/>
+            <a:r>
+              <a:t>Evaluation only.</a:t>
+            </a:r>
+          </a:p>
+          <a:p>
+            <a:pPr algn="ctr"/>
+            <a:r>
+              <a:t>Created with Aspose.Slides for Java 23.6.</a:t>
+            </a:r>
+          </a:p>
+          <a:p>
+            <a:pPr algn="ctr"/>
+            <a:r>
+              <a:t>Copyright 2004-2023 Aspose Pty Ltd.</a:t>
+            </a:r>
+          </a:p>
+        </p:txBody>
+      </p:sp>
     </p:spTree>
     <p:extLst>
       <p:ext uri="{BB962C8B-B14F-4D97-AF65-F5344CB8AC3E}">
@@ -9367,6 +9580,77 @@
                 <a:cs typeface="SimSun"/>
               </a:rPr>
               <a:t>该地区印度奶茶的客户满意度和保留率提高 25%</a:t>
+            </a:r>
+          </a:p>
+        </p:txBody>
+      </p:sp>
+      <p:sp>
+        <p:nvSpPr>
+          <p:cNvPr id="17" name="TextBox"/>
+          <p:cNvSpPr txBox="1">
+            <a:spLocks noGrp="1" noSelect="1" noRot="1" noMove="1"/>
+          </p:cNvSpPr>
+          <p:nvPr/>
+        </p:nvSpPr>
+        <p:spPr>
+          <a:xfrm>
+            <a:off x="2890520" y="2644140"/>
+            <a:ext cx="6411372" cy="1569660"/>
+          </a:xfrm>
+          <a:prstGeom prst="rect">
+            <a:avLst/>
+          </a:prstGeom>
+          <a:noFill/>
+        </p:spPr>
+        <p:txBody>
+          <a:bodyPr wrap="none" rtlCol="0" anchor="ctr" anchorCtr="1">
+            <a:spAutoFit/>
+          </a:bodyPr>
+          <a:lstStyle>
+            <a:lvl1pPr algn="l">
+              <a:lnSpc>
+                <a:spcPct val="150000"/>
+              </a:lnSpc>
+              <a:spcBef>
+                <a:spcPct val="0"/>
+              </a:spcBef>
+              <a:spcAft>
+                <a:spcPct val="0"/>
+              </a:spcAft>
+              <a:defRPr lang="en-US" sz="3200" b="1" noProof="1" dirty="0">
+                <a:solidFill>
+                  <a:prstClr val="red">
+                    <a:lumOff val="30000"/>
+                    <a:alpha val="40000"/>
+                  </a:prstClr>
+                </a:solidFill>
+                <a:effectLst>
+                  <a:outerShdw blurRad="50800" dist="38100" algn="tr" rotWithShape="0">
+                    <a:prstClr val="black">
+                      <a:alpha val="80000"/>
+                    </a:prstClr>
+                  </a:outerShdw>
+                </a:effectLst>
+                <a:latin typeface="Calibri" pitchFamily="34" charset="0"/>
+              </a:defRPr>
+            </a:lvl1pPr>
+          </a:lstStyle>
+          <a:p>
+            <a:pPr algn="ctr"/>
+            <a:r>
+              <a:t>Evaluation only.</a:t>
+            </a:r>
+          </a:p>
+          <a:p>
+            <a:pPr algn="ctr"/>
+            <a:r>
+              <a:t>Created with Aspose.Slides for Java 23.6.</a:t>
+            </a:r>
+          </a:p>
+          <a:p>
+            <a:pPr algn="ctr"/>
+            <a:r>
+              <a:t>Copyright 2004-2023 Aspose Pty Ltd.</a:t>
             </a:r>
           </a:p>
         </p:txBody>
@@ -9673,6 +9957,77 @@
           </a:p>
         </p:txBody>
       </p:sp>
+      <p:sp>
+        <p:nvSpPr>
+          <p:cNvPr id="11" name="TextBox"/>
+          <p:cNvSpPr txBox="1">
+            <a:spLocks noGrp="1" noSelect="1" noRot="1" noMove="1"/>
+          </p:cNvSpPr>
+          <p:nvPr/>
+        </p:nvSpPr>
+        <p:spPr>
+          <a:xfrm>
+            <a:off x="2890520" y="2644140"/>
+            <a:ext cx="6411372" cy="1569660"/>
+          </a:xfrm>
+          <a:prstGeom prst="rect">
+            <a:avLst/>
+          </a:prstGeom>
+          <a:noFill/>
+        </p:spPr>
+        <p:txBody>
+          <a:bodyPr wrap="none" rtlCol="0" anchor="ctr" anchorCtr="1">
+            <a:spAutoFit/>
+          </a:bodyPr>
+          <a:lstStyle>
+            <a:lvl1pPr algn="l">
+              <a:lnSpc>
+                <a:spcPct val="150000"/>
+              </a:lnSpc>
+              <a:spcBef>
+                <a:spcPct val="0"/>
+              </a:spcBef>
+              <a:spcAft>
+                <a:spcPct val="0"/>
+              </a:spcAft>
+              <a:defRPr lang="en-US" sz="3200" b="1" noProof="1" dirty="0">
+                <a:solidFill>
+                  <a:prstClr val="red">
+                    <a:lumOff val="30000"/>
+                    <a:alpha val="40000"/>
+                  </a:prstClr>
+                </a:solidFill>
+                <a:effectLst>
+                  <a:outerShdw blurRad="50800" dist="38100" algn="tr" rotWithShape="0">
+                    <a:prstClr val="black">
+                      <a:alpha val="80000"/>
+                    </a:prstClr>
+                  </a:outerShdw>
+                </a:effectLst>
+                <a:latin typeface="Calibri" pitchFamily="34" charset="0"/>
+              </a:defRPr>
+            </a:lvl1pPr>
+          </a:lstStyle>
+          <a:p>
+            <a:pPr algn="ctr"/>
+            <a:r>
+              <a:t>Evaluation only.</a:t>
+            </a:r>
+          </a:p>
+          <a:p>
+            <a:pPr algn="ctr"/>
+            <a:r>
+              <a:t>Created with Aspose.Slides for Java 23.6.</a:t>
+            </a:r>
+          </a:p>
+          <a:p>
+            <a:pPr algn="ctr"/>
+            <a:r>
+              <a:t>Copyright 2004-2023 Aspose Pty Ltd.</a:t>
+            </a:r>
+          </a:p>
+        </p:txBody>
+      </p:sp>
     </p:spTree>
     <p:extLst>
       <p:ext uri="{BB962C8B-B14F-4D97-AF65-F5344CB8AC3E}">
@@ -10091,6 +10446,77 @@
                 <a:cs typeface="SimSun"/>
               </a:rPr>
               <a:t>不断监测、评估和调整推广计划和策略</a:t>
+            </a:r>
+          </a:p>
+        </p:txBody>
+      </p:sp>
+      <p:sp>
+        <p:nvSpPr>
+          <p:cNvPr id="11" name="TextBox"/>
+          <p:cNvSpPr txBox="1">
+            <a:spLocks noGrp="1" noSelect="1" noRot="1" noMove="1"/>
+          </p:cNvSpPr>
+          <p:nvPr/>
+        </p:nvSpPr>
+        <p:spPr>
+          <a:xfrm>
+            <a:off x="2890520" y="2644140"/>
+            <a:ext cx="6411372" cy="1569660"/>
+          </a:xfrm>
+          <a:prstGeom prst="rect">
+            <a:avLst/>
+          </a:prstGeom>
+          <a:noFill/>
+        </p:spPr>
+        <p:txBody>
+          <a:bodyPr wrap="none" rtlCol="0" anchor="ctr" anchorCtr="1">
+            <a:spAutoFit/>
+          </a:bodyPr>
+          <a:lstStyle>
+            <a:lvl1pPr algn="l">
+              <a:lnSpc>
+                <a:spcPct val="150000"/>
+              </a:lnSpc>
+              <a:spcBef>
+                <a:spcPct val="0"/>
+              </a:spcBef>
+              <a:spcAft>
+                <a:spcPct val="0"/>
+              </a:spcAft>
+              <a:defRPr lang="en-US" sz="3200" b="1" noProof="1" dirty="0">
+                <a:solidFill>
+                  <a:prstClr val="red">
+                    <a:lumOff val="30000"/>
+                    <a:alpha val="40000"/>
+                  </a:prstClr>
+                </a:solidFill>
+                <a:effectLst>
+                  <a:outerShdw blurRad="50800" dist="38100" algn="tr" rotWithShape="0">
+                    <a:prstClr val="black">
+                      <a:alpha val="80000"/>
+                    </a:prstClr>
+                  </a:outerShdw>
+                </a:effectLst>
+                <a:latin typeface="Calibri" pitchFamily="34" charset="0"/>
+              </a:defRPr>
+            </a:lvl1pPr>
+          </a:lstStyle>
+          <a:p>
+            <a:pPr algn="ctr"/>
+            <a:r>
+              <a:t>Evaluation only.</a:t>
+            </a:r>
+          </a:p>
+          <a:p>
+            <a:pPr algn="ctr"/>
+            <a:r>
+              <a:t>Created with Aspose.Slides for Java 23.6.</a:t>
+            </a:r>
+          </a:p>
+          <a:p>
+            <a:pPr algn="ctr"/>
+            <a:r>
+              <a:t>Copyright 2004-2023 Aspose Pty Ltd.</a:t>
             </a:r>
           </a:p>
         </p:txBody>
@@ -10399,7 +10825,7 @@
                 <a:ea typeface="SimSun"/>
                 <a:cs typeface="SimSun"/>
               </a:rPr>
-              <a:t>介绍</a:t>
+              <a:t>简介</a:t>
             </a:r>
           </a:p>
           <a:p>
@@ -10418,7 +10844,7 @@
                 <a:ea typeface="SimSun"/>
                 <a:cs typeface="SimSun"/>
               </a:rPr>
-              <a:t>产品描述</a:t>
+              <a:t>产品说明</a:t>
             </a:r>
           </a:p>
           <a:p>
@@ -10571,6 +10997,77 @@
                 <a:cs typeface="SimSun"/>
               </a:rPr>
               <a:t>建议和结论</a:t>
+            </a:r>
+          </a:p>
+        </p:txBody>
+      </p:sp>
+      <p:sp>
+        <p:nvSpPr>
+          <p:cNvPr id="20" name="TextBox"/>
+          <p:cNvSpPr txBox="1">
+            <a:spLocks noGrp="1" noSelect="1" noRot="1" noMove="1"/>
+          </p:cNvSpPr>
+          <p:nvPr/>
+        </p:nvSpPr>
+        <p:spPr>
+          <a:xfrm>
+            <a:off x="2890520" y="2644140"/>
+            <a:ext cx="6411372" cy="1569660"/>
+          </a:xfrm>
+          <a:prstGeom prst="rect">
+            <a:avLst/>
+          </a:prstGeom>
+          <a:noFill/>
+        </p:spPr>
+        <p:txBody>
+          <a:bodyPr wrap="none" rtlCol="0" anchor="ctr" anchorCtr="1">
+            <a:spAutoFit/>
+          </a:bodyPr>
+          <a:lstStyle>
+            <a:lvl1pPr algn="l">
+              <a:lnSpc>
+                <a:spcPct val="150000"/>
+              </a:lnSpc>
+              <a:spcBef>
+                <a:spcPct val="0"/>
+              </a:spcBef>
+              <a:spcAft>
+                <a:spcPct val="0"/>
+              </a:spcAft>
+              <a:defRPr lang="en-US" sz="3200" b="1" noProof="1" dirty="0">
+                <a:solidFill>
+                  <a:prstClr val="red">
+                    <a:lumOff val="30000"/>
+                    <a:alpha val="40000"/>
+                  </a:prstClr>
+                </a:solidFill>
+                <a:effectLst>
+                  <a:outerShdw blurRad="50800" dist="38100" algn="tr" rotWithShape="0">
+                    <a:prstClr val="black">
+                      <a:alpha val="80000"/>
+                    </a:prstClr>
+                  </a:outerShdw>
+                </a:effectLst>
+                <a:latin typeface="Calibri" pitchFamily="34" charset="0"/>
+              </a:defRPr>
+            </a:lvl1pPr>
+          </a:lstStyle>
+          <a:p>
+            <a:pPr algn="ctr"/>
+            <a:r>
+              <a:t>Evaluation only.</a:t>
+            </a:r>
+          </a:p>
+          <a:p>
+            <a:pPr algn="ctr"/>
+            <a:r>
+              <a:t>Created with Aspose.Slides for Java 23.6.</a:t>
+            </a:r>
+          </a:p>
+          <a:p>
+            <a:pPr algn="ctr"/>
+            <a:r>
+              <a:t>Copyright 2004-2023 Aspose Pty Ltd.</a:t>
             </a:r>
           </a:p>
         </p:txBody>
@@ -10830,7 +11327,7 @@
                 <a:ea typeface="SimSun"/>
                 <a:cs typeface="SimSun"/>
               </a:rPr>
-              <a:t>介绍</a:t>
+              <a:t>简介</a:t>
             </a:r>
           </a:p>
         </p:txBody>
@@ -11082,6 +11579,77 @@
           </a:prstGeom>
         </p:spPr>
       </p:pic>
+      <p:sp>
+        <p:nvSpPr>
+          <p:cNvPr id="30" name="TextBox"/>
+          <p:cNvSpPr txBox="1">
+            <a:spLocks noGrp="1" noSelect="1" noRot="1" noMove="1"/>
+          </p:cNvSpPr>
+          <p:nvPr/>
+        </p:nvSpPr>
+        <p:spPr>
+          <a:xfrm>
+            <a:off x="2890520" y="2644140"/>
+            <a:ext cx="6411372" cy="1569660"/>
+          </a:xfrm>
+          <a:prstGeom prst="rect">
+            <a:avLst/>
+          </a:prstGeom>
+          <a:noFill/>
+        </p:spPr>
+        <p:txBody>
+          <a:bodyPr wrap="none" rtlCol="0" anchor="ctr" anchorCtr="1">
+            <a:spAutoFit/>
+          </a:bodyPr>
+          <a:lstStyle>
+            <a:lvl1pPr algn="l">
+              <a:lnSpc>
+                <a:spcPct val="150000"/>
+              </a:lnSpc>
+              <a:spcBef>
+                <a:spcPct val="0"/>
+              </a:spcBef>
+              <a:spcAft>
+                <a:spcPct val="0"/>
+              </a:spcAft>
+              <a:defRPr lang="en-US" sz="3200" b="1" noProof="1" dirty="0">
+                <a:solidFill>
+                  <a:prstClr val="red">
+                    <a:lumOff val="30000"/>
+                    <a:alpha val="40000"/>
+                  </a:prstClr>
+                </a:solidFill>
+                <a:effectLst>
+                  <a:outerShdw blurRad="50800" dist="38100" algn="tr" rotWithShape="0">
+                    <a:prstClr val="black">
+                      <a:alpha val="80000"/>
+                    </a:prstClr>
+                  </a:outerShdw>
+                </a:effectLst>
+                <a:latin typeface="Calibri" pitchFamily="34" charset="0"/>
+              </a:defRPr>
+            </a:lvl1pPr>
+          </a:lstStyle>
+          <a:p>
+            <a:pPr algn="ctr"/>
+            <a:r>
+              <a:t>Evaluation only.</a:t>
+            </a:r>
+          </a:p>
+          <a:p>
+            <a:pPr algn="ctr"/>
+            <a:r>
+              <a:t>Created with Aspose.Slides for Java 23.6.</a:t>
+            </a:r>
+          </a:p>
+          <a:p>
+            <a:pPr algn="ctr"/>
+            <a:r>
+              <a:t>Copyright 2004-2023 Aspose Pty Ltd.</a:t>
+            </a:r>
+          </a:p>
+        </p:txBody>
+      </p:sp>
     </p:spTree>
     <p:extLst>
       <p:ext uri="{BB962C8B-B14F-4D97-AF65-F5344CB8AC3E}">
@@ -11398,7 +11966,7 @@
                 <a:ea typeface="SimSun"/>
                 <a:cs typeface="SimSun"/>
               </a:rPr>
-              <a:t>产品描述</a:t>
+              <a:t>产品说明</a:t>
             </a:r>
           </a:p>
         </p:txBody>
@@ -11758,6 +12326,77 @@
           </a:graphicData>
         </a:graphic>
       </p:graphicFrame>
+      <p:sp>
+        <p:nvSpPr>
+          <p:cNvPr id="20" name="TextBox"/>
+          <p:cNvSpPr txBox="1">
+            <a:spLocks noGrp="1" noSelect="1" noRot="1" noMove="1"/>
+          </p:cNvSpPr>
+          <p:nvPr/>
+        </p:nvSpPr>
+        <p:spPr>
+          <a:xfrm>
+            <a:off x="2890520" y="2644140"/>
+            <a:ext cx="6411372" cy="1569660"/>
+          </a:xfrm>
+          <a:prstGeom prst="rect">
+            <a:avLst/>
+          </a:prstGeom>
+          <a:noFill/>
+        </p:spPr>
+        <p:txBody>
+          <a:bodyPr wrap="none" rtlCol="0" anchor="ctr" anchorCtr="1">
+            <a:spAutoFit/>
+          </a:bodyPr>
+          <a:lstStyle>
+            <a:lvl1pPr algn="l">
+              <a:lnSpc>
+                <a:spcPct val="150000"/>
+              </a:lnSpc>
+              <a:spcBef>
+                <a:spcPct val="0"/>
+              </a:spcBef>
+              <a:spcAft>
+                <a:spcPct val="0"/>
+              </a:spcAft>
+              <a:defRPr lang="en-US" sz="3200" b="1" noProof="1" dirty="0">
+                <a:solidFill>
+                  <a:prstClr val="red">
+                    <a:lumOff val="30000"/>
+                    <a:alpha val="40000"/>
+                  </a:prstClr>
+                </a:solidFill>
+                <a:effectLst>
+                  <a:outerShdw blurRad="50800" dist="38100" algn="tr" rotWithShape="0">
+                    <a:prstClr val="black">
+                      <a:alpha val="80000"/>
+                    </a:prstClr>
+                  </a:outerShdw>
+                </a:effectLst>
+                <a:latin typeface="Calibri" pitchFamily="34" charset="0"/>
+              </a:defRPr>
+            </a:lvl1pPr>
+          </a:lstStyle>
+          <a:p>
+            <a:pPr algn="ctr"/>
+            <a:r>
+              <a:t>Evaluation only.</a:t>
+            </a:r>
+          </a:p>
+          <a:p>
+            <a:pPr algn="ctr"/>
+            <a:r>
+              <a:t>Created with Aspose.Slides for Java 23.6.</a:t>
+            </a:r>
+          </a:p>
+          <a:p>
+            <a:pPr algn="ctr"/>
+            <a:r>
+              <a:t>Copyright 2004-2023 Aspose Pty Ltd.</a:t>
+            </a:r>
+          </a:p>
+        </p:txBody>
+      </p:sp>
     </p:spTree>
     <p:extLst>
       <p:ext uri="{BB962C8B-B14F-4D97-AF65-F5344CB8AC3E}">
@@ -12291,7 +12930,7 @@
                           <a:ea typeface="SimSun"/>
                           <a:cs typeface="SimSun"/>
                         </a:rPr>
-                        <a:t>正宗混合茶饮：我们的印度奶茶采用优质红茶叶与精选研磨香料（包括肉桂、小豆蔻、丁香、生姜和黑胡椒）精心调配而成，风味和谐。</a:t>
+                        <a:t>正宗混合物：我们的茶采用优质红茶叶和包括肉桂、豆蔻、丁香、生姜和黑胡椒在内的精选招牌研磨香料合理配制而成。</a:t>
                       </a:r>
                       <a:r>
                         <a:rPr lang="zh-CN" sz="1400" b="0" i="0" strike="noStrike" cap="none" baseline="0">
@@ -12332,7 +12971,7 @@
                           <a:ea typeface="SimSun"/>
                           <a:cs typeface="SimSun"/>
                         </a:rPr>
-                        <a:t>健康增益成分：神秘香料印度奶茶中的每种成分都经过精心挑选，具有天然保健功效。</a:t>
+                        <a:t>成分更加健康：神秘香料奶茶臻选自然原料，有利于健康。</a:t>
                       </a:r>
                       <a:r>
                         <a:rPr lang="zh-CN" sz="1400" b="0" i="0" strike="noStrike" cap="none" baseline="0">
@@ -12363,6 +13002,77 @@
           </a:graphicData>
         </a:graphic>
       </p:graphicFrame>
+      <p:sp>
+        <p:nvSpPr>
+          <p:cNvPr id="15" name="TextBox"/>
+          <p:cNvSpPr txBox="1">
+            <a:spLocks noGrp="1" noSelect="1" noRot="1" noMove="1"/>
+          </p:cNvSpPr>
+          <p:nvPr/>
+        </p:nvSpPr>
+        <p:spPr>
+          <a:xfrm>
+            <a:off x="2890520" y="2644140"/>
+            <a:ext cx="6411372" cy="1569660"/>
+          </a:xfrm>
+          <a:prstGeom prst="rect">
+            <a:avLst/>
+          </a:prstGeom>
+          <a:noFill/>
+        </p:spPr>
+        <p:txBody>
+          <a:bodyPr wrap="none" rtlCol="0" anchor="ctr" anchorCtr="1">
+            <a:spAutoFit/>
+          </a:bodyPr>
+          <a:lstStyle>
+            <a:lvl1pPr algn="l">
+              <a:lnSpc>
+                <a:spcPct val="150000"/>
+              </a:lnSpc>
+              <a:spcBef>
+                <a:spcPct val="0"/>
+              </a:spcBef>
+              <a:spcAft>
+                <a:spcPct val="0"/>
+              </a:spcAft>
+              <a:defRPr lang="en-US" sz="3200" b="1" noProof="1" dirty="0">
+                <a:solidFill>
+                  <a:prstClr val="red">
+                    <a:lumOff val="30000"/>
+                    <a:alpha val="40000"/>
+                  </a:prstClr>
+                </a:solidFill>
+                <a:effectLst>
+                  <a:outerShdw blurRad="50800" dist="38100" algn="tr" rotWithShape="0">
+                    <a:prstClr val="black">
+                      <a:alpha val="80000"/>
+                    </a:prstClr>
+                  </a:outerShdw>
+                </a:effectLst>
+                <a:latin typeface="Calibri" pitchFamily="34" charset="0"/>
+              </a:defRPr>
+            </a:lvl1pPr>
+          </a:lstStyle>
+          <a:p>
+            <a:pPr algn="ctr"/>
+            <a:r>
+              <a:t>Evaluation only.</a:t>
+            </a:r>
+          </a:p>
+          <a:p>
+            <a:pPr algn="ctr"/>
+            <a:r>
+              <a:t>Created with Aspose.Slides for Java 23.6.</a:t>
+            </a:r>
+          </a:p>
+          <a:p>
+            <a:pPr algn="ctr"/>
+            <a:r>
+              <a:t>Copyright 2004-2023 Aspose Pty Ltd.</a:t>
+            </a:r>
+          </a:p>
+        </p:txBody>
+      </p:sp>
     </p:spTree>
     <p:extLst>
       <p:ext uri="{BB962C8B-B14F-4D97-AF65-F5344CB8AC3E}">
@@ -12909,7 +13619,7 @@
                           <a:ea typeface="SimSun"/>
                           <a:cs typeface="SimSun"/>
                         </a:rPr>
-                        <a:t>多种冲泡选择：无论你喜欢热气腾腾的印度奶茶、清爽的冰茶，还是奶香浓郁的拿铁，我们的混合饮品都能满足你的各种喜好。</a:t>
+                        <a:t>多元化的烹制选项：无论你是喜欢温热的奶茶，还是令人耳目一新的冰茶，或者是奶油拿铁，这款产品可以满足任何偏好。</a:t>
                       </a:r>
                       <a:r>
                         <a:rPr lang="zh-CN" sz="1100" b="0" i="0" strike="noStrike" cap="none" baseline="0">
@@ -12957,7 +13667,7 @@
                           <a:ea typeface="SimSun"/>
                           <a:cs typeface="SimSun"/>
                         </a:rPr>
-                        <a:t>可持续采购：我们致力于可持续发展，从实行有机耕作的小规模农场采购食材，不仅确保最优质的食材，也确保地球的福祉。</a:t>
+                        <a:t>原料可持续：我们注重可持续性，从小型农场采购原料，坚持有机农业，不仅能够确保极佳品质，而且可以确保对我们的星球有益。</a:t>
                       </a:r>
                       <a:endParaRPr lang="en-US" sz="1700">
                         <a:effectLst/>
@@ -12986,7 +13696,7 @@
                           <a:ea typeface="SimSun"/>
                           <a:cs typeface="SimSun"/>
                         </a:rPr>
-                        <a:t>包装精美：神秘香料印度奶茶设计精美，采用生态友好的环保包装方式，因此是送给茶叶爱好者的理想礼物，也是送给自己的奢华之选。</a:t>
+                        <a:t>包装精致：神秘香料印度奶茶设计精美，采用生态友好的包装方式，因此是送给茶叶爱好者的理想礼物，也是送给自己的奢华之选。</a:t>
                       </a:r>
                       <a:endParaRPr lang="en-US" sz="1700">
                         <a:effectLst/>
@@ -13022,7 +13732,7 @@
                           <a:ea typeface="SimSun"/>
                           <a:cs typeface="SimSun"/>
                         </a:rPr>
-                        <a:t>客户满意度保证：我们支持我们的产品，提供满意度保证。</a:t>
+                        <a:t>客户满意度保证：我们为产品背书，提供令人满意的保证。</a:t>
                       </a:r>
                       <a:r>
                         <a:rPr lang="zh-CN" sz="1100" b="0" i="0" strike="noStrike" cap="none" baseline="0">
@@ -13063,7 +13773,7 @@
                           <a:ea typeface="SimSun"/>
                           <a:cs typeface="SimSun"/>
                         </a:rPr>
-                        <a:t>适用人群：茶叶爱好者、注重健康的个人、喜欢温辛饮料的群体，以及希望品尝传统印度奶茶丰富口感的人群。</a:t>
+                        <a:t>非常适合：爱茶人士、注重健康的个人、热辣饮料爱好者，以及任何想要尝试传统印度茶浓郁风味的人。</a:t>
                       </a:r>
                       <a:endParaRPr lang="en-US" sz="1700">
                         <a:effectLst/>
@@ -13082,6 +13792,77 @@
           </a:graphicData>
         </a:graphic>
       </p:graphicFrame>
+      <p:sp>
+        <p:nvSpPr>
+          <p:cNvPr id="19" name="TextBox"/>
+          <p:cNvSpPr txBox="1">
+            <a:spLocks noGrp="1" noSelect="1" noRot="1" noMove="1"/>
+          </p:cNvSpPr>
+          <p:nvPr/>
+        </p:nvSpPr>
+        <p:spPr>
+          <a:xfrm>
+            <a:off x="2890520" y="2644140"/>
+            <a:ext cx="6411372" cy="1569660"/>
+          </a:xfrm>
+          <a:prstGeom prst="rect">
+            <a:avLst/>
+          </a:prstGeom>
+          <a:noFill/>
+        </p:spPr>
+        <p:txBody>
+          <a:bodyPr wrap="none" rtlCol="0" anchor="ctr" anchorCtr="1">
+            <a:spAutoFit/>
+          </a:bodyPr>
+          <a:lstStyle>
+            <a:lvl1pPr algn="l">
+              <a:lnSpc>
+                <a:spcPct val="150000"/>
+              </a:lnSpc>
+              <a:spcBef>
+                <a:spcPct val="0"/>
+              </a:spcBef>
+              <a:spcAft>
+                <a:spcPct val="0"/>
+              </a:spcAft>
+              <a:defRPr lang="en-US" sz="3200" b="1" noProof="1" dirty="0">
+                <a:solidFill>
+                  <a:prstClr val="red">
+                    <a:lumOff val="30000"/>
+                    <a:alpha val="40000"/>
+                  </a:prstClr>
+                </a:solidFill>
+                <a:effectLst>
+                  <a:outerShdw blurRad="50800" dist="38100" algn="tr" rotWithShape="0">
+                    <a:prstClr val="black">
+                      <a:alpha val="80000"/>
+                    </a:prstClr>
+                  </a:outerShdw>
+                </a:effectLst>
+                <a:latin typeface="Calibri" pitchFamily="34" charset="0"/>
+              </a:defRPr>
+            </a:lvl1pPr>
+          </a:lstStyle>
+          <a:p>
+            <a:pPr algn="ctr"/>
+            <a:r>
+              <a:t>Evaluation only.</a:t>
+            </a:r>
+          </a:p>
+          <a:p>
+            <a:pPr algn="ctr"/>
+            <a:r>
+              <a:t>Created with Aspose.Slides for Java 23.6.</a:t>
+            </a:r>
+          </a:p>
+          <a:p>
+            <a:pPr algn="ctr"/>
+            <a:r>
+              <a:t>Copyright 2004-2023 Aspose Pty Ltd.</a:t>
+            </a:r>
+          </a:p>
+        </p:txBody>
+      </p:sp>
     </p:spTree>
     <p:extLst>
       <p:ext uri="{BB962C8B-B14F-4D97-AF65-F5344CB8AC3E}">
@@ -13680,7 +14461,7 @@
         </p:nvGraphicFramePr>
         <p:xfrm>
           <a:off x="643192" y="1541387"/>
-          <a:ext cx="5115348" cy="3455187"/>
+          <a:ext cx="5115348" cy="3728172"/>
         </p:xfrm>
         <a:graphic>
           <a:graphicData uri="http://schemas.openxmlformats.org/drawingml/2006/table">
@@ -14093,6 +14874,77 @@
           </a:graphicData>
         </a:graphic>
       </p:graphicFrame>
+      <p:sp>
+        <p:nvSpPr>
+          <p:cNvPr id="20" name="TextBox"/>
+          <p:cNvSpPr txBox="1">
+            <a:spLocks noGrp="1" noSelect="1" noRot="1" noMove="1"/>
+          </p:cNvSpPr>
+          <p:nvPr/>
+        </p:nvSpPr>
+        <p:spPr>
+          <a:xfrm>
+            <a:off x="2890520" y="2644140"/>
+            <a:ext cx="6411372" cy="1569660"/>
+          </a:xfrm>
+          <a:prstGeom prst="rect">
+            <a:avLst/>
+          </a:prstGeom>
+          <a:noFill/>
+        </p:spPr>
+        <p:txBody>
+          <a:bodyPr wrap="none" rtlCol="0" anchor="ctr" anchorCtr="1">
+            <a:spAutoFit/>
+          </a:bodyPr>
+          <a:lstStyle>
+            <a:lvl1pPr algn="l">
+              <a:lnSpc>
+                <a:spcPct val="150000"/>
+              </a:lnSpc>
+              <a:spcBef>
+                <a:spcPct val="0"/>
+              </a:spcBef>
+              <a:spcAft>
+                <a:spcPct val="0"/>
+              </a:spcAft>
+              <a:defRPr lang="en-US" sz="3200" b="1" noProof="1" dirty="0">
+                <a:solidFill>
+                  <a:prstClr val="red">
+                    <a:lumOff val="30000"/>
+                    <a:alpha val="40000"/>
+                  </a:prstClr>
+                </a:solidFill>
+                <a:effectLst>
+                  <a:outerShdw blurRad="50800" dist="38100" algn="tr" rotWithShape="0">
+                    <a:prstClr val="black">
+                      <a:alpha val="80000"/>
+                    </a:prstClr>
+                  </a:outerShdw>
+                </a:effectLst>
+                <a:latin typeface="Calibri" pitchFamily="34" charset="0"/>
+              </a:defRPr>
+            </a:lvl1pPr>
+          </a:lstStyle>
+          <a:p>
+            <a:pPr algn="ctr"/>
+            <a:r>
+              <a:t>Evaluation only.</a:t>
+            </a:r>
+          </a:p>
+          <a:p>
+            <a:pPr algn="ctr"/>
+            <a:r>
+              <a:t>Created with Aspose.Slides for Java 23.6.</a:t>
+            </a:r>
+          </a:p>
+          <a:p>
+            <a:pPr algn="ctr"/>
+            <a:r>
+              <a:t>Copyright 2004-2023 Aspose Pty Ltd.</a:t>
+            </a:r>
+          </a:p>
+        </p:txBody>
+      </p:sp>
     </p:spTree>
     <p:extLst>
       <p:ext uri="{BB962C8B-B14F-4D97-AF65-F5344CB8AC3E}">
@@ -14427,6 +15279,77 @@
           </a:p>
         </p:txBody>
       </p:sp>
+      <p:sp>
+        <p:nvSpPr>
+          <p:cNvPr id="11" name="TextBox"/>
+          <p:cNvSpPr txBox="1">
+            <a:spLocks noGrp="1" noSelect="1" noRot="1" noMove="1"/>
+          </p:cNvSpPr>
+          <p:nvPr/>
+        </p:nvSpPr>
+        <p:spPr>
+          <a:xfrm>
+            <a:off x="2890520" y="2644140"/>
+            <a:ext cx="6411372" cy="1569660"/>
+          </a:xfrm>
+          <a:prstGeom prst="rect">
+            <a:avLst/>
+          </a:prstGeom>
+          <a:noFill/>
+        </p:spPr>
+        <p:txBody>
+          <a:bodyPr wrap="none" rtlCol="0" anchor="ctr" anchorCtr="1">
+            <a:spAutoFit/>
+          </a:bodyPr>
+          <a:lstStyle>
+            <a:lvl1pPr algn="l">
+              <a:lnSpc>
+                <a:spcPct val="150000"/>
+              </a:lnSpc>
+              <a:spcBef>
+                <a:spcPct val="0"/>
+              </a:spcBef>
+              <a:spcAft>
+                <a:spcPct val="0"/>
+              </a:spcAft>
+              <a:defRPr lang="en-US" sz="3200" b="1" noProof="1" dirty="0">
+                <a:solidFill>
+                  <a:prstClr val="red">
+                    <a:lumOff val="30000"/>
+                    <a:alpha val="40000"/>
+                  </a:prstClr>
+                </a:solidFill>
+                <a:effectLst>
+                  <a:outerShdw blurRad="50800" dist="38100" algn="tr" rotWithShape="0">
+                    <a:prstClr val="black">
+                      <a:alpha val="80000"/>
+                    </a:prstClr>
+                  </a:outerShdw>
+                </a:effectLst>
+                <a:latin typeface="Calibri" pitchFamily="34" charset="0"/>
+              </a:defRPr>
+            </a:lvl1pPr>
+          </a:lstStyle>
+          <a:p>
+            <a:pPr algn="ctr"/>
+            <a:r>
+              <a:t>Evaluation only.</a:t>
+            </a:r>
+          </a:p>
+          <a:p>
+            <a:pPr algn="ctr"/>
+            <a:r>
+              <a:t>Created with Aspose.Slides for Java 23.6.</a:t>
+            </a:r>
+          </a:p>
+          <a:p>
+            <a:pPr algn="ctr"/>
+            <a:r>
+              <a:t>Copyright 2004-2023 Aspose Pty Ltd.</a:t>
+            </a:r>
+          </a:p>
+        </p:txBody>
+      </p:sp>
     </p:spTree>
     <p:extLst>
       <p:ext uri="{BB962C8B-B14F-4D97-AF65-F5344CB8AC3E}">
@@ -14731,6 +15654,77 @@
           </a:p>
         </p:txBody>
       </p:sp>
+      <p:sp>
+        <p:nvSpPr>
+          <p:cNvPr id="11" name="TextBox"/>
+          <p:cNvSpPr txBox="1">
+            <a:spLocks noGrp="1" noSelect="1" noRot="1" noMove="1"/>
+          </p:cNvSpPr>
+          <p:nvPr/>
+        </p:nvSpPr>
+        <p:spPr>
+          <a:xfrm>
+            <a:off x="2890520" y="2644140"/>
+            <a:ext cx="6411372" cy="1569660"/>
+          </a:xfrm>
+          <a:prstGeom prst="rect">
+            <a:avLst/>
+          </a:prstGeom>
+          <a:noFill/>
+        </p:spPr>
+        <p:txBody>
+          <a:bodyPr wrap="none" rtlCol="0" anchor="ctr" anchorCtr="1">
+            <a:spAutoFit/>
+          </a:bodyPr>
+          <a:lstStyle>
+            <a:lvl1pPr algn="l">
+              <a:lnSpc>
+                <a:spcPct val="150000"/>
+              </a:lnSpc>
+              <a:spcBef>
+                <a:spcPct val="0"/>
+              </a:spcBef>
+              <a:spcAft>
+                <a:spcPct val="0"/>
+              </a:spcAft>
+              <a:defRPr lang="en-US" sz="3200" b="1" noProof="1" dirty="0">
+                <a:solidFill>
+                  <a:prstClr val="red">
+                    <a:lumOff val="30000"/>
+                    <a:alpha val="40000"/>
+                  </a:prstClr>
+                </a:solidFill>
+                <a:effectLst>
+                  <a:outerShdw blurRad="50800" dist="38100" algn="tr" rotWithShape="0">
+                    <a:prstClr val="black">
+                      <a:alpha val="80000"/>
+                    </a:prstClr>
+                  </a:outerShdw>
+                </a:effectLst>
+                <a:latin typeface="Calibri" pitchFamily="34" charset="0"/>
+              </a:defRPr>
+            </a:lvl1pPr>
+          </a:lstStyle>
+          <a:p>
+            <a:pPr algn="ctr"/>
+            <a:r>
+              <a:t>Evaluation only.</a:t>
+            </a:r>
+          </a:p>
+          <a:p>
+            <a:pPr algn="ctr"/>
+            <a:r>
+              <a:t>Created with Aspose.Slides for Java 23.6.</a:t>
+            </a:r>
+          </a:p>
+          <a:p>
+            <a:pPr algn="ctr"/>
+            <a:r>
+              <a:t>Copyright 2004-2023 Aspose Pty Ltd.</a:t>
+            </a:r>
+          </a:p>
+        </p:txBody>
+      </p:sp>
     </p:spTree>
     <p:extLst>
       <p:ext uri="{BB962C8B-B14F-4D97-AF65-F5344CB8AC3E}">
@@ -14748,10 +15742,10 @@
 
 <file path=ppt/tags/tag1.xml><?xml version="1.0" encoding="utf-8"?>
 <p:tagLst xmlns:p="http://schemas.openxmlformats.org/presentationml/2006/main">
-  <p:tag name="AS_OS" val="Unix 3.10.0.1160"/>
+  <p:tag name="AS_OS" val="Microsoft Windows NT 10.0"/>
   <p:tag name="AS_RELEASE_DATE" val="2023.06.30"/>
   <p:tag name="AS_TITLE" val="Aspose.Slides for Java"/>
-  <p:tag name="AS_VERSION" val="23.6.1"/>
+  <p:tag name="AS_VERSION" val="23.6"/>
 </p:tagLst>
 </file>
 

--- a/ResourceFiles/Mystic Spice Premium Chai Market Analysis Presentation.pptx
+++ b/ResourceFiles/Mystic Spice Premium Chai Market Analysis Presentation.pptx
@@ -1,34 +1,30 @@
 
 <file path=ppt/presentation.xml><?xml version="1.0" encoding="utf-8"?>
-<!--Generated by Aspose.Slides for Java 23.6-->
-<p:presentation xmlns:r="http://schemas.openxmlformats.org/officeDocument/2006/relationships" xmlns:a="http://schemas.openxmlformats.org/drawingml/2006/main" xmlns:p="http://schemas.openxmlformats.org/presentationml/2006/main" removePersonalInfoOnSave="1" saveSubsetFonts="1">
+<p:presentation xmlns:a="http://schemas.openxmlformats.org/drawingml/2006/main" xmlns:r="http://schemas.openxmlformats.org/officeDocument/2006/relationships" xmlns:p="http://schemas.openxmlformats.org/presentationml/2006/main" saveSubsetFonts="1">
   <p:sldMasterIdLst>
     <p:sldMasterId id="2147483660" r:id="rId1"/>
   </p:sldMasterIdLst>
   <p:notesMasterIdLst>
-    <p:notesMasterId r:id="rId2"/>
+    <p:notesMasterId r:id="rId16"/>
   </p:notesMasterIdLst>
   <p:sldIdLst>
-    <p:sldId id="256" r:id="rId3"/>
-    <p:sldId id="257" r:id="rId4"/>
-    <p:sldId id="258" r:id="rId5"/>
-    <p:sldId id="259" r:id="rId6"/>
-    <p:sldId id="260" r:id="rId7"/>
-    <p:sldId id="261" r:id="rId8"/>
-    <p:sldId id="262" r:id="rId9"/>
-    <p:sldId id="268" r:id="rId10"/>
-    <p:sldId id="269" r:id="rId11"/>
-    <p:sldId id="270" r:id="rId12"/>
-    <p:sldId id="271" r:id="rId13"/>
-    <p:sldId id="272" r:id="rId14"/>
-    <p:sldId id="273" r:id="rId15"/>
-    <p:sldId id="274" r:id="rId16"/>
+    <p:sldId id="256" r:id="rId2"/>
+    <p:sldId id="257" r:id="rId3"/>
+    <p:sldId id="258" r:id="rId4"/>
+    <p:sldId id="259" r:id="rId5"/>
+    <p:sldId id="260" r:id="rId6"/>
+    <p:sldId id="261" r:id="rId7"/>
+    <p:sldId id="262" r:id="rId8"/>
+    <p:sldId id="268" r:id="rId9"/>
+    <p:sldId id="269" r:id="rId10"/>
+    <p:sldId id="270" r:id="rId11"/>
+    <p:sldId id="271" r:id="rId12"/>
+    <p:sldId id="272" r:id="rId13"/>
+    <p:sldId id="273" r:id="rId14"/>
+    <p:sldId id="274" r:id="rId15"/>
   </p:sldIdLst>
   <p:sldSz cx="12192000" cy="6858000"/>
   <p:notesSz cx="6858000" cy="9144000"/>
-  <p:custDataLst>
-    <p:tags r:id="rId17"/>
-  </p:custDataLst>
   <p:defaultTextStyle>
     <a:defPPr>
       <a:defRPr lang="en-US"/>
@@ -133,8 +129,8 @@
 </file>
 
 <file path=ppt/notesMasters/notesMaster1.xml><?xml version="1.0" encoding="utf-8"?>
-<p:notesMaster xmlns:a="http://schemas.openxmlformats.org/drawingml/2006/main" xmlns:r="http://schemas.openxmlformats.org/officeDocument/2006/relationships" xmlns:m="http://schemas.openxmlformats.org/officeDocument/2006/math" xmlns:w="http://schemas.openxmlformats.org/wordprocessingml/2006/main" xmlns:wp="http://schemas.openxmlformats.org/drawingml/2006/wordprocessingDrawing" xmlns:a14="http://schemas.microsoft.com/office/drawing/2010/main" xmlns:mc="http://schemas.openxmlformats.org/markup-compatibility/2006" xmlns:p14="http://schemas.microsoft.com/office/powerpoint/2010/main" xmlns:p="http://schemas.openxmlformats.org/presentationml/2006/main">
-  <p:cSld name="">
+<p:notesMaster xmlns:a="http://schemas.openxmlformats.org/drawingml/2006/main" xmlns:r="http://schemas.openxmlformats.org/officeDocument/2006/relationships" xmlns:p="http://schemas.openxmlformats.org/presentationml/2006/main">
+  <p:cSld>
     <p:bg>
       <p:bgRef idx="1001">
         <a:schemeClr val="bg1"/>
@@ -150,6 +146,8 @@
         <a:xfrm>
           <a:off x="0" y="0"/>
           <a:ext cx="0" cy="0"/>
+          <a:chOff x="0" y="0"/>
+          <a:chExt cx="0" cy="0"/>
         </a:xfrm>
       </p:grpSpPr>
       <p:sp>
@@ -212,7 +210,7 @@
           <a:p>
             <a:fld id="{4B79337C-AD0D-499E-B6BA-802817985C42}" type="datetimeFigureOut">
               <a:rPr lang="en-US" smtClean="0"/>
-              <a:t>6/26/2024</a:t>
+              <a:t>6/2/2025</a:t>
             </a:fld>
             <a:endParaRPr lang="en-US"/>
           </a:p>
@@ -243,6 +241,13 @@
             </a:solidFill>
           </a:ln>
         </p:spPr>
+        <p:txBody>
+          <a:bodyPr vert="horz" lIns="91440" tIns="45720" rIns="91440" bIns="45720" rtlCol="0" anchor="ctr"/>
+          <a:lstStyle/>
+          <a:p>
+            <a:endParaRPr lang="en-US"/>
+          </a:p>
+        </p:txBody>
       </p:sp>
       <p:sp>
         <p:nvSpPr>
@@ -473,8 +478,8 @@
 </file>
 
 <file path=ppt/notesSlides/notesSlide1.xml><?xml version="1.0" encoding="utf-8"?>
-<p:notes xmlns:a="http://schemas.openxmlformats.org/drawingml/2006/main" xmlns:r="http://schemas.openxmlformats.org/officeDocument/2006/relationships" xmlns:m="http://schemas.openxmlformats.org/officeDocument/2006/math" xmlns:w="http://schemas.openxmlformats.org/wordprocessingml/2006/main" xmlns:wp="http://schemas.openxmlformats.org/drawingml/2006/wordprocessingDrawing" xmlns:a14="http://schemas.microsoft.com/office/drawing/2010/main" xmlns:mc="http://schemas.openxmlformats.org/markup-compatibility/2006" xmlns:p14="http://schemas.microsoft.com/office/powerpoint/2010/main" xmlns:p="http://schemas.openxmlformats.org/presentationml/2006/main">
-  <p:cSld name="">
+<p:notes xmlns:a="http://schemas.openxmlformats.org/drawingml/2006/main" xmlns:r="http://schemas.openxmlformats.org/officeDocument/2006/relationships" xmlns:p="http://schemas.openxmlformats.org/presentationml/2006/main">
+  <p:cSld>
     <p:spTree>
       <p:nvGrpSpPr>
         <p:cNvPr id="1" name=""/>
@@ -485,6 +490,8 @@
         <a:xfrm>
           <a:off x="0" y="0"/>
           <a:ext cx="0" cy="0"/>
+          <a:chOff x="0" y="0"/>
+          <a:chExt cx="0" cy="0"/>
         </a:xfrm>
       </p:grpSpPr>
       <p:sp>
@@ -515,59 +522,27 @@
           <a:lstStyle/>
           <a:p>
             <a:r>
-              <a:rPr lang="zh-CN" sz="1200" b="0" i="0" strike="noStrike" cap="none" baseline="0">
-                <a:solidFill>
-                  <a:srgbClr val="000000"/>
-                </a:solidFill>
-                <a:effectLst/>
-                <a:latin typeface="SimSun"/>
-                <a:ea typeface="SimSun"/>
-                <a:cs typeface="SimSun"/>
-              </a:rPr>
-              <a:t>此演示文稿由 PowerPoint Copilot 根据本文档中找到的内容自动生成：</a:t>
-            </a:r>
-            <a:r>
-              <a:rPr sz="1200"/>
-              <a:t>
-</a:t>
-            </a:r>
-            <a:r>
-              <a:rPr lang="zh-CN" sz="1200" b="0" i="0" strike="noStrike" cap="none" baseline="0">
-                <a:solidFill>
-                  <a:srgbClr val="000000"/>
-                </a:solidFill>
-                <a:effectLst/>
-                <a:latin typeface="SimSun"/>
-                <a:ea typeface="SimSun"/>
-                <a:cs typeface="SimSun"/>
-              </a:rPr>
+              <a:rPr lang="zh-CN"/>
+              <a:t>本演示文稿由 PowerPoint Copilot 根据以下文档中的内容自动生成：</a:t>
+            </a:r>
+            <a:br>
+              <a:rPr lang="zh-CN"/>
+            </a:br>
+            <a:r>
+              <a:rPr lang="zh-CN"/>
               <a:t>https://microsoft-my.sharepoint.com/personal/dahans_microsoft_com/Documents/MS-4005/Market%20Analysis%20Report%20for%20Mystic%20Spice%20Premium%20Chai%20Tea.docx</a:t>
             </a:r>
-            <a:r>
-              <a:rPr sz="1200"/>
-              <a:t>
-</a:t>
-            </a:r>
-            <a:r>
-              <a:rPr sz="1200"/>
-              <a:t>
-</a:t>
-            </a:r>
-            <a:r>
-              <a:rPr sz="1200"/>
-              <a:t>
-</a:t>
-            </a:r>
-            <a:r>
-              <a:rPr lang="zh-CN" sz="1200" b="0" i="0" strike="noStrike" cap="none" baseline="0">
-                <a:solidFill>
-                  <a:srgbClr val="000000"/>
-                </a:solidFill>
-                <a:effectLst/>
-                <a:latin typeface="SimSun"/>
-                <a:ea typeface="SimSun"/>
-                <a:cs typeface="SimSun"/>
-              </a:rPr>
+            <a:br>
+              <a:rPr lang="zh-CN"/>
+            </a:br>
+            <a:br>
+              <a:rPr lang="zh-CN"/>
+            </a:br>
+            <a:br>
+              <a:rPr lang="zh-CN"/>
+            </a:br>
+            <a:r>
+              <a:rPr lang="zh-CN"/>
               <a:t>AI 生成的内容可能不正确。</a:t>
             </a:r>
           </a:p>
@@ -610,8 +585,8 @@
 </file>
 
 <file path=ppt/notesSlides/notesSlide10.xml><?xml version="1.0" encoding="utf-8"?>
-<p:notes xmlns:a="http://schemas.openxmlformats.org/drawingml/2006/main" xmlns:r="http://schemas.openxmlformats.org/officeDocument/2006/relationships" xmlns:m="http://schemas.openxmlformats.org/officeDocument/2006/math" xmlns:w="http://schemas.openxmlformats.org/wordprocessingml/2006/main" xmlns:wp="http://schemas.openxmlformats.org/drawingml/2006/wordprocessingDrawing" xmlns:a14="http://schemas.microsoft.com/office/drawing/2010/main" xmlns:mc="http://schemas.openxmlformats.org/markup-compatibility/2006" xmlns:p14="http://schemas.microsoft.com/office/powerpoint/2010/main" xmlns:p="http://schemas.openxmlformats.org/presentationml/2006/main">
-  <p:cSld name="">
+<p:notes xmlns:a="http://schemas.openxmlformats.org/drawingml/2006/main" xmlns:r="http://schemas.openxmlformats.org/officeDocument/2006/relationships" xmlns:p="http://schemas.openxmlformats.org/presentationml/2006/main">
+  <p:cSld>
     <p:spTree>
       <p:nvGrpSpPr>
         <p:cNvPr id="1" name=""/>
@@ -622,6 +597,8 @@
         <a:xfrm>
           <a:off x="0" y="0"/>
           <a:ext cx="0" cy="0"/>
+          <a:chOff x="0" y="0"/>
+          <a:chExt cx="0" cy="0"/>
         </a:xfrm>
       </p:grpSpPr>
       <p:sp>
@@ -652,126 +629,33 @@
           <a:lstStyle/>
           <a:p>
             <a:r>
-              <a:rPr lang="zh-CN" sz="1200" b="0" i="0" strike="noStrike" cap="none" baseline="0">
-                <a:solidFill>
-                  <a:srgbClr val="000000"/>
-                </a:solidFill>
-                <a:effectLst/>
-                <a:latin typeface="SimSun"/>
-                <a:ea typeface="SimSun"/>
-                <a:cs typeface="SimSun"/>
-              </a:rPr>
-              <a:t>分销商代理和分销印度奶茶产品，促进其流通和销售，并提供营销、销售和售后服务。</a:t>
-            </a:r>
-            <a:r>
-              <a:rPr lang="zh-CN" sz="1200" b="0" i="0" strike="noStrike" cap="none" baseline="0">
-                <a:solidFill>
-                  <a:srgbClr val="000000"/>
-                </a:solidFill>
-                <a:effectLst/>
-                <a:latin typeface="SimSun"/>
-                <a:ea typeface="SimSun"/>
-                <a:cs typeface="SimSun"/>
-              </a:rPr>
-              <a:t>他们可以建立和维护与零售商和消费者的关系，并提供技术和物流支持。</a:t>
-            </a:r>
-            <a:r>
-              <a:rPr lang="zh-CN" sz="1200" b="0" i="0" strike="noStrike" cap="none" baseline="0">
-                <a:solidFill>
-                  <a:srgbClr val="000000"/>
-                </a:solidFill>
-                <a:effectLst/>
-                <a:latin typeface="SimSun"/>
-                <a:ea typeface="SimSun"/>
-                <a:cs typeface="SimSun"/>
-              </a:rPr>
-              <a:t>拉丁美洲的主要分销商包括联合利华、雀巢、可口可乐和百事可乐。</a:t>
-            </a:r>
-            <a:r>
-              <a:rPr sz="1200"/>
-              <a:t>
-</a:t>
-            </a:r>
-            <a:r>
-              <a:rPr sz="1200"/>
-              <a:t>
-</a:t>
-            </a:r>
-            <a:r>
-              <a:rPr sz="1200"/>
-              <a:t>
-</a:t>
-            </a:r>
-            <a:r>
-              <a:rPr lang="zh-CN" sz="1200" b="0" i="0" strike="noStrike" cap="none" baseline="0">
-                <a:solidFill>
-                  <a:srgbClr val="000000"/>
-                </a:solidFill>
-                <a:effectLst/>
-                <a:latin typeface="SimSun"/>
-                <a:ea typeface="SimSun"/>
-                <a:cs typeface="SimSun"/>
-              </a:rPr>
+              <a:rPr lang="zh-CN"/>
+              <a:t>分销商代理和分销印度奶茶产品，促进其流通和销售，并提供营销、销售和售后服务。他们可以建立和维护与零售商和消费者的关系，并提供技术和物流支持。拉丁美洲的主要分销商有联合利华、雀巢、可口可乐和百事可乐。</a:t>
+            </a:r>
+            <a:br>
+              <a:rPr lang="zh-CN"/>
+            </a:br>
+            <a:br>
+              <a:rPr lang="zh-CN"/>
+            </a:br>
+            <a:br>
+              <a:rPr lang="zh-CN"/>
+            </a:br>
+            <a:r>
+              <a:rPr lang="zh-CN"/>
               <a:t>原始内容：</a:t>
             </a:r>
-            <a:r>
-              <a:rPr sz="1200"/>
-              <a:t>
-</a:t>
-            </a:r>
-            <a:r>
-              <a:rPr lang="zh-CN" sz="1200" b="0" i="0" strike="noStrike" cap="none" baseline="0">
-                <a:solidFill>
-                  <a:srgbClr val="000000"/>
-                </a:solidFill>
-                <a:effectLst/>
-                <a:latin typeface="SimSun"/>
-                <a:ea typeface="SimSun"/>
-                <a:cs typeface="SimSun"/>
-              </a:rPr>
-              <a:t>分销商是代表制造商或批发商代理并分销印度奶茶产品的企业。</a:t>
-            </a:r>
-            <a:r>
-              <a:rPr lang="zh-CN" sz="1200" b="0" i="0" strike="noStrike" cap="none" baseline="0">
-                <a:solidFill>
-                  <a:srgbClr val="000000"/>
-                </a:solidFill>
-                <a:effectLst/>
-                <a:latin typeface="SimSun"/>
-                <a:ea typeface="SimSun"/>
-                <a:cs typeface="SimSun"/>
-              </a:rPr>
-              <a:t>分销商是促进印度奶茶产品在不同市场及地区流通和销售的代理商，他们可以提供印度奶茶产品的营销、销售和售后服务。</a:t>
-            </a:r>
-            <a:r>
-              <a:rPr lang="zh-CN" sz="1200" b="0" i="0" strike="noStrike" cap="none" baseline="0">
-                <a:solidFill>
-                  <a:srgbClr val="000000"/>
-                </a:solidFill>
-                <a:effectLst/>
-                <a:latin typeface="SimSun"/>
-                <a:ea typeface="SimSun"/>
-                <a:cs typeface="SimSun"/>
-              </a:rPr>
-              <a:t>分销商还可以建立和维护与零售商和消费者的关系，并为印度奶茶产品提供技术和物流支持。</a:t>
-            </a:r>
-            <a:r>
-              <a:rPr lang="zh-CN" sz="1200" b="0" i="0" strike="noStrike" cap="none" baseline="0">
-                <a:solidFill>
-                  <a:srgbClr val="000000"/>
-                </a:solidFill>
-                <a:effectLst/>
-                <a:latin typeface="SimSun"/>
-                <a:ea typeface="SimSun"/>
-                <a:cs typeface="SimSun"/>
-              </a:rPr>
-              <a:t>在拉丁美洲，印度奶茶产品的主要分销商有联合利华、雀巢、可口可乐和百事可乐。</a:t>
-            </a:r>
-            <a:r>
-              <a:rPr sz="1200"/>
-              <a:t>
-</a:t>
-            </a:r>
+            <a:br>
+              <a:rPr lang="zh-CN"/>
+            </a:br>
+            <a:r>
+              <a:rPr lang="zh-CN"/>
+              <a:t>分销商是代表制造商或批发商代理并分销印度奶茶产品的企业。分销商是促进印度奶茶产品在不同市场及地区流通和销售的代理商，他们可以提供印度奶茶产品的营销、销售和售后服务。分销商还可以建立和维护与零售商和消费者的关系，并为印度奶茶产品提供技术和物流支持。在拉丁美洲，印度奶茶产品的主要分销商有联合利华、雀巢、可口可乐和百事可乐。</a:t>
+            </a:r>
+            <a:br>
+              <a:rPr lang="zh-CN"/>
+            </a:br>
+            <a:endParaRPr lang="zh-CN"/>
           </a:p>
         </p:txBody>
       </p:sp>
@@ -812,8 +696,8 @@
 </file>
 
 <file path=ppt/notesSlides/notesSlide11.xml><?xml version="1.0" encoding="utf-8"?>
-<p:notes xmlns:a="http://schemas.openxmlformats.org/drawingml/2006/main" xmlns:r="http://schemas.openxmlformats.org/officeDocument/2006/relationships" xmlns:m="http://schemas.openxmlformats.org/officeDocument/2006/math" xmlns:w="http://schemas.openxmlformats.org/wordprocessingml/2006/main" xmlns:wp="http://schemas.openxmlformats.org/drawingml/2006/wordprocessingDrawing" xmlns:a14="http://schemas.microsoft.com/office/drawing/2010/main" xmlns:mc="http://schemas.openxmlformats.org/markup-compatibility/2006" xmlns:p14="http://schemas.microsoft.com/office/powerpoint/2010/main" xmlns:p="http://schemas.openxmlformats.org/presentationml/2006/main">
-  <p:cSld name="">
+<p:notes xmlns:a="http://schemas.openxmlformats.org/drawingml/2006/main" xmlns:r="http://schemas.openxmlformats.org/officeDocument/2006/relationships" xmlns:p="http://schemas.openxmlformats.org/presentationml/2006/main">
+  <p:cSld>
     <p:spTree>
       <p:nvGrpSpPr>
         <p:cNvPr id="1" name=""/>
@@ -824,6 +708,8 @@
         <a:xfrm>
           <a:off x="0" y="0"/>
           <a:ext cx="0" cy="0"/>
+          <a:chOff x="0" y="0"/>
+          <a:chExt cx="0" cy="0"/>
         </a:xfrm>
       </p:grpSpPr>
       <p:sp>
@@ -854,323 +740,124 @@
           <a:lstStyle/>
           <a:p>
             <a:r>
-              <a:rPr lang="zh-CN" sz="1200" b="0" i="0" strike="noStrike" cap="none" baseline="0">
-                <a:solidFill>
-                  <a:srgbClr val="000000"/>
-                </a:solidFill>
-                <a:effectLst/>
-                <a:latin typeface="SimSun"/>
-                <a:ea typeface="SimSun"/>
-                <a:cs typeface="SimSun"/>
-              </a:rPr>
-              <a:t>拉丁美洲印度奶茶推广计划和策略旨在提高知名度，将其定位为优质产品，鼓励品尝和购买，并建立忠诚度。</a:t>
-            </a:r>
-            <a:r>
-              <a:rPr lang="zh-CN" sz="1200" b="0" i="0" strike="noStrike" cap="none" baseline="0">
-                <a:solidFill>
-                  <a:srgbClr val="000000"/>
-                </a:solidFill>
-                <a:effectLst/>
-                <a:latin typeface="SimSun"/>
-                <a:ea typeface="SimSun"/>
-                <a:cs typeface="SimSun"/>
-              </a:rPr>
-              <a:t>方法包括创作品牌名称和徽标、打造网站和社交媒体形象、开展数字营销活动、分发免费样品、组织活动以及与当地企业合作。</a:t>
-            </a:r>
-            <a:r>
-              <a:rPr lang="zh-CN" sz="1200" b="0" i="0" strike="noStrike" cap="none" baseline="0">
-                <a:solidFill>
-                  <a:srgbClr val="000000"/>
-                </a:solidFill>
-                <a:effectLst/>
-                <a:latin typeface="SimSun"/>
-                <a:ea typeface="SimSun"/>
-                <a:cs typeface="SimSun"/>
-              </a:rPr>
-              <a:t>该计划的实施期为 12 个月，预算为 10 万美元，并使用关键绩效指标进行评估。</a:t>
-            </a:r>
-            <a:r>
-              <a:rPr sz="1200"/>
-              <a:t>
-</a:t>
-            </a:r>
-            <a:r>
-              <a:rPr sz="1200"/>
-              <a:t>
-</a:t>
-            </a:r>
-            <a:r>
-              <a:rPr sz="1200"/>
-              <a:t>
-</a:t>
-            </a:r>
-            <a:r>
-              <a:rPr lang="zh-CN" sz="1200" b="0" i="0" strike="noStrike" cap="none" baseline="0">
-                <a:solidFill>
-                  <a:srgbClr val="000000"/>
-                </a:solidFill>
-                <a:effectLst/>
-                <a:latin typeface="SimSun"/>
-                <a:ea typeface="SimSun"/>
-                <a:cs typeface="SimSun"/>
-              </a:rPr>
+              <a:rPr lang="zh-CN"/>
+              <a:t>拉丁美洲印度奶茶推广计划和策略旨在提高知名度，将其定位为优质产品，鼓励品尝和购买，并建立忠诚度。方法包括创作品牌名称和徽标、打造网站和社交媒体形象、开展数字营销活动、分发免费样品、组织活动以及与当地企业合作。该计划的实施期为 12 个月，预算为 10 万美元，将使用关键绩效指标进行评估。</a:t>
+            </a:r>
+            <a:br>
+              <a:rPr lang="zh-CN"/>
+            </a:br>
+            <a:br>
+              <a:rPr lang="zh-CN"/>
+            </a:br>
+            <a:br>
+              <a:rPr lang="zh-CN"/>
+            </a:br>
+            <a:r>
+              <a:rPr lang="zh-CN"/>
               <a:t>原始内容：</a:t>
             </a:r>
-            <a:r>
-              <a:rPr sz="1200"/>
-              <a:t>
-</a:t>
-            </a:r>
-            <a:r>
-              <a:rPr lang="zh-CN" sz="1200" b="0" i="0" strike="noStrike" cap="none" baseline="0">
-                <a:solidFill>
-                  <a:srgbClr val="000000"/>
-                </a:solidFill>
-                <a:effectLst/>
-                <a:latin typeface="SimSun"/>
-                <a:ea typeface="SimSun"/>
-                <a:cs typeface="SimSun"/>
-              </a:rPr>
+            <a:br>
+              <a:rPr lang="zh-CN"/>
+            </a:br>
+            <a:r>
+              <a:rPr lang="zh-CN"/>
               <a:t>推广计划和策略</a:t>
             </a:r>
-            <a:r>
-              <a:rPr sz="1200"/>
-              <a:t>
-</a:t>
-            </a:r>
-            <a:r>
-              <a:rPr lang="zh-CN" sz="1200" b="0" i="0" strike="noStrike" cap="none" baseline="0">
-                <a:solidFill>
-                  <a:srgbClr val="000000"/>
-                </a:solidFill>
-                <a:effectLst/>
-                <a:latin typeface="SimSun"/>
-                <a:ea typeface="SimSun"/>
-                <a:cs typeface="SimSun"/>
-              </a:rPr>
-              <a:t>拉丁美洲的印度奶茶推广计划和战略旨在实现以下目标：</a:t>
-            </a:r>
-            <a:r>
-              <a:rPr sz="1200"/>
-              <a:t>
-</a:t>
-            </a:r>
-            <a:r>
-              <a:rPr lang="zh-CN" sz="1200" b="0" i="0" strike="noStrike" cap="none" baseline="0">
-                <a:solidFill>
-                  <a:srgbClr val="000000"/>
-                </a:solidFill>
-                <a:effectLst/>
-                <a:latin typeface="SimSun"/>
-                <a:ea typeface="SimSun"/>
-                <a:cs typeface="SimSun"/>
-              </a:rPr>
-              <a:t>       提高目标受众对印度奶茶的认识和兴趣</a:t>
-            </a:r>
-            <a:r>
-              <a:rPr sz="1200"/>
-              <a:t>
-</a:t>
-            </a:r>
-            <a:r>
-              <a:rPr lang="zh-CN" sz="1200" b="0" i="0" strike="noStrike" cap="none" baseline="0">
-                <a:solidFill>
-                  <a:srgbClr val="000000"/>
-                </a:solidFill>
-                <a:effectLst/>
-                <a:latin typeface="SimSun"/>
-                <a:ea typeface="SimSun"/>
-                <a:cs typeface="SimSun"/>
-              </a:rPr>
-              <a:t>       将印度奶茶定位为优质、天然、健康的产品，提供独特而令人满意的体验</a:t>
-            </a:r>
-            <a:r>
-              <a:rPr sz="1200"/>
-              <a:t>
-</a:t>
-            </a:r>
-            <a:r>
-              <a:rPr lang="zh-CN" sz="1200" b="0" i="0" strike="noStrike" cap="none" baseline="0">
-                <a:solidFill>
-                  <a:srgbClr val="000000"/>
-                </a:solidFill>
-                <a:effectLst/>
-                <a:latin typeface="SimSun"/>
-                <a:ea typeface="SimSun"/>
-                <a:cs typeface="SimSun"/>
-              </a:rPr>
-              <a:t>       通过多种渠道和激励措施鼓励消费者品尝和购买印度奶茶</a:t>
-            </a:r>
-            <a:r>
-              <a:rPr sz="1200"/>
-              <a:t>
-</a:t>
-            </a:r>
-            <a:r>
-              <a:rPr lang="zh-CN" sz="1200" b="0" i="0" strike="noStrike" cap="none" baseline="0">
-                <a:solidFill>
-                  <a:srgbClr val="000000"/>
-                </a:solidFill>
-                <a:effectLst/>
-                <a:latin typeface="SimSun"/>
-                <a:ea typeface="SimSun"/>
-                <a:cs typeface="SimSun"/>
-              </a:rPr>
-              <a:t>       通过参与和反馈培养印度奶茶消费者忠诚度并提高留存率</a:t>
-            </a:r>
-            <a:r>
-              <a:rPr sz="1200"/>
-              <a:t>
-</a:t>
-            </a:r>
-            <a:r>
-              <a:rPr lang="zh-CN" sz="1200" b="0" i="0" strike="noStrike" cap="none" baseline="0">
-                <a:solidFill>
-                  <a:srgbClr val="000000"/>
-                </a:solidFill>
-                <a:effectLst/>
-                <a:latin typeface="SimSun"/>
-                <a:ea typeface="SimSun"/>
-                <a:cs typeface="SimSun"/>
-              </a:rPr>
-              <a:t>拉丁美洲的印度奶茶推广计划和策略将采用多种方法组合，例如：</a:t>
-            </a:r>
-            <a:r>
-              <a:rPr sz="1200"/>
-              <a:t>
-</a:t>
-            </a:r>
-            <a:r>
-              <a:rPr lang="zh-CN" sz="1200" b="0" i="0" strike="noStrike" cap="none" baseline="0">
-                <a:solidFill>
-                  <a:srgbClr val="000000"/>
-                </a:solidFill>
-                <a:effectLst/>
-                <a:latin typeface="SimSun"/>
-                <a:ea typeface="SimSun"/>
-                <a:cs typeface="SimSun"/>
-              </a:rPr>
-              <a:t>       为印度奶茶创建一个朗朗上口、令人难忘的品牌名和徽标</a:t>
-            </a:r>
-            <a:r>
-              <a:rPr sz="1200"/>
-              <a:t>
-</a:t>
-            </a:r>
-            <a:r>
-              <a:rPr lang="zh-CN" sz="1200" b="0" i="0" strike="noStrike" cap="none" baseline="0">
-                <a:solidFill>
-                  <a:srgbClr val="000000"/>
-                </a:solidFill>
-                <a:effectLst/>
-                <a:latin typeface="SimSun"/>
-                <a:ea typeface="SimSun"/>
-                <a:cs typeface="SimSun"/>
-              </a:rPr>
-              <a:t>       为印度奶茶开发网站和社交媒体，展示其益处、特色和故事</a:t>
-            </a:r>
-            <a:r>
-              <a:rPr sz="1200"/>
-              <a:t>
-</a:t>
-            </a:r>
-            <a:r>
-              <a:rPr lang="zh-CN" sz="1200" b="0" i="0" strike="noStrike" cap="none" baseline="0">
-                <a:solidFill>
-                  <a:srgbClr val="000000"/>
-                </a:solidFill>
-                <a:effectLst/>
-                <a:latin typeface="SimSun"/>
-                <a:ea typeface="SimSun"/>
-                <a:cs typeface="SimSun"/>
-              </a:rPr>
-              <a:t>       开展数字营销活动，利用搜索引擎优化、搜索引擎营销、电子邮件营销和网红营销来触达和吸引潜在客户</a:t>
-            </a:r>
-            <a:r>
-              <a:rPr sz="1200"/>
-              <a:t>
-</a:t>
-            </a:r>
-            <a:r>
-              <a:rPr lang="zh-CN" sz="1200" b="0" i="0" strike="noStrike" cap="none" baseline="0">
-                <a:solidFill>
-                  <a:srgbClr val="000000"/>
-                </a:solidFill>
-                <a:effectLst/>
-                <a:latin typeface="SimSun"/>
-                <a:ea typeface="SimSun"/>
-                <a:cs typeface="SimSun"/>
-              </a:rPr>
-              <a:t>       在超市、咖啡馆和保健品店等战略要地免费分发印度奶茶样品和优惠券</a:t>
-            </a:r>
-            <a:r>
-              <a:rPr sz="1200"/>
-              <a:t>
-</a:t>
-            </a:r>
-            <a:r>
-              <a:rPr lang="zh-CN" sz="1200" b="0" i="0" strike="noStrike" cap="none" baseline="0">
-                <a:solidFill>
-                  <a:srgbClr val="000000"/>
-                </a:solidFill>
-                <a:effectLst/>
-                <a:latin typeface="SimSun"/>
-                <a:ea typeface="SimSun"/>
-                <a:cs typeface="SimSun"/>
-              </a:rPr>
-              <a:t>       组织活动和竞赛，邀请人们品尝并与亲朋好友分享印度奶茶</a:t>
-            </a:r>
-            <a:r>
-              <a:rPr sz="1200"/>
-              <a:t>
-</a:t>
-            </a:r>
-            <a:r>
-              <a:rPr lang="zh-CN" sz="1200" b="0" i="0" strike="noStrike" cap="none" baseline="0">
-                <a:solidFill>
-                  <a:srgbClr val="000000"/>
-                </a:solidFill>
-                <a:effectLst/>
-                <a:latin typeface="SimSun"/>
-                <a:ea typeface="SimSun"/>
-                <a:cs typeface="SimSun"/>
-              </a:rPr>
-              <a:t>       与具有相同价值观和愿景的当地企业和组织建立合作伙伴关系</a:t>
-            </a:r>
-            <a:r>
-              <a:rPr sz="1200"/>
-              <a:t>
-</a:t>
-            </a:r>
-            <a:r>
-              <a:rPr lang="zh-CN" sz="1200" b="0" i="0" strike="noStrike" cap="none" baseline="0">
-                <a:solidFill>
-                  <a:srgbClr val="000000"/>
-                </a:solidFill>
-                <a:effectLst/>
-                <a:latin typeface="SimSun"/>
-                <a:ea typeface="SimSun"/>
-                <a:cs typeface="SimSun"/>
-              </a:rPr>
-              <a:t>拉丁美洲的印度奶茶推广计划和策略的实施期为 12 个月，预算为 10 万美元。</a:t>
-            </a:r>
-            <a:r>
-              <a:rPr lang="zh-CN" sz="1200" b="0" i="0" strike="noStrike" cap="none" baseline="0">
-                <a:solidFill>
-                  <a:srgbClr val="000000"/>
-                </a:solidFill>
-                <a:effectLst/>
-                <a:latin typeface="SimSun"/>
-                <a:ea typeface="SimSun"/>
-                <a:cs typeface="SimSun"/>
-              </a:rPr>
-              <a:t>该计划将通过关键绩效指标进行监测和评估，例如网站流量、社交媒体参与度、电子邮件打开率、转化率、销售量、客户满意度和留存率。</a:t>
-            </a:r>
-            <a:r>
-              <a:rPr sz="1200"/>
-              <a:t>
-</a:t>
-            </a:r>
+            <a:br>
+              <a:rPr lang="zh-CN"/>
+            </a:br>
+            <a:r>
+              <a:rPr lang="zh-CN"/>
+              <a:t>拉丁美洲印度奶茶推广计划和策略旨在实现以下目标：</a:t>
+            </a:r>
+            <a:br>
+              <a:rPr lang="zh-CN"/>
+            </a:br>
+            <a:r>
+              <a:rPr lang="zh-CN"/>
+              <a:t>·         提高目标受众对印度奶茶的认识和兴趣</a:t>
+            </a:r>
+            <a:br>
+              <a:rPr lang="zh-CN"/>
+            </a:br>
+            <a:r>
+              <a:rPr lang="zh-CN"/>
+              <a:t>·         将印度奶茶定位为优质、天然、健康的产品，提供独特而令人满意的体验</a:t>
+            </a:r>
+            <a:br>
+              <a:rPr lang="zh-CN"/>
+            </a:br>
+            <a:r>
+              <a:rPr lang="zh-CN"/>
+              <a:t>·         通过多种渠道和激励措施鼓励消费者品尝和购买印度奶茶</a:t>
+            </a:r>
+            <a:br>
+              <a:rPr lang="zh-CN"/>
+            </a:br>
+            <a:r>
+              <a:rPr lang="zh-CN"/>
+              <a:t>·         通过参与和反馈，培养印度奶茶消费者忠诚度并提高留存率</a:t>
+            </a:r>
+            <a:br>
+              <a:rPr lang="zh-CN"/>
+            </a:br>
+            <a:r>
+              <a:rPr lang="zh-CN"/>
+              <a:t>拉丁美洲印度奶茶推广计划和策略将采用多种方法组合，例如：</a:t>
+            </a:r>
+            <a:br>
+              <a:rPr lang="zh-CN"/>
+            </a:br>
+            <a:r>
+              <a:rPr lang="zh-CN"/>
+              <a:t>·         为印度奶茶创建一个朗朗上口、令人难忘的品牌名和徽标</a:t>
+            </a:r>
+            <a:br>
+              <a:rPr lang="zh-CN"/>
+            </a:br>
+            <a:r>
+              <a:rPr lang="zh-CN"/>
+              <a:t>·         为印度奶茶建立网站和社交媒体，展示其益处、特点和故事</a:t>
+            </a:r>
+            <a:br>
+              <a:rPr lang="zh-CN"/>
+            </a:br>
+            <a:r>
+              <a:rPr lang="zh-CN"/>
+              <a:t>·         开展数字营销活动，利用搜索引擎优化、搜索引擎营销、电子邮件营销和网红营销来触达和吸引潜在客户</a:t>
+            </a:r>
+            <a:br>
+              <a:rPr lang="zh-CN"/>
+            </a:br>
+            <a:r>
+              <a:rPr lang="zh-CN"/>
+              <a:t>·         在超市、咖啡馆和保健品店等战略要地免费分发印度奶茶样品和优惠券</a:t>
+            </a:r>
+            <a:br>
+              <a:rPr lang="zh-CN"/>
+            </a:br>
+            <a:r>
+              <a:rPr lang="zh-CN"/>
+              <a:t>·         组织活动和竞赛，邀请人们品尝并与亲朋好友分享印度奶茶</a:t>
+            </a:r>
+            <a:br>
+              <a:rPr lang="zh-CN"/>
+            </a:br>
+            <a:r>
+              <a:rPr lang="zh-CN"/>
+              <a:t>·         与具有相同价值观和愿景的当地企业和组织建立合作伙伴关系</a:t>
+            </a:r>
+            <a:br>
+              <a:rPr lang="zh-CN"/>
+            </a:br>
+            <a:r>
+              <a:rPr lang="zh-CN"/>
+              <a:t>拉丁美洲印度奶茶推广计划和策略的实施期为 12 个月，预算为 10 万美元。该计划将通过关键绩效指标进行监测和评估，例如网站流量、社交媒体参与度、电子邮件打开率、转化率、销售量、客户满意度和留存率。</a:t>
+            </a:r>
+            <a:br>
+              <a:rPr lang="zh-CN"/>
+            </a:br>
+            <a:endParaRPr lang="zh-CN"/>
           </a:p>
         </p:txBody>
       </p:sp>
@@ -1211,8 +898,8 @@
 </file>
 
 <file path=ppt/notesSlides/notesSlide12.xml><?xml version="1.0" encoding="utf-8"?>
-<p:notes xmlns:a="http://schemas.openxmlformats.org/drawingml/2006/main" xmlns:r="http://schemas.openxmlformats.org/officeDocument/2006/relationships" xmlns:m="http://schemas.openxmlformats.org/officeDocument/2006/math" xmlns:w="http://schemas.openxmlformats.org/wordprocessingml/2006/main" xmlns:wp="http://schemas.openxmlformats.org/drawingml/2006/wordprocessingDrawing" xmlns:a14="http://schemas.microsoft.com/office/drawing/2010/main" xmlns:mc="http://schemas.openxmlformats.org/markup-compatibility/2006" xmlns:p14="http://schemas.microsoft.com/office/powerpoint/2010/main" xmlns:p="http://schemas.openxmlformats.org/presentationml/2006/main">
-  <p:cSld name="">
+<p:notes xmlns:a="http://schemas.openxmlformats.org/drawingml/2006/main" xmlns:r="http://schemas.openxmlformats.org/officeDocument/2006/relationships" xmlns:p="http://schemas.openxmlformats.org/presentationml/2006/main">
+  <p:cSld>
     <p:spTree>
       <p:nvGrpSpPr>
         <p:cNvPr id="1" name=""/>
@@ -1223,6 +910,8 @@
         <a:xfrm>
           <a:off x="0" y="0"/>
           <a:ext cx="0" cy="0"/>
+          <a:chOff x="0" y="0"/>
+          <a:chExt cx="0" cy="0"/>
         </a:xfrm>
       </p:grpSpPr>
       <p:sp>
@@ -1253,151 +942,68 @@
           <a:lstStyle/>
           <a:p>
             <a:r>
-              <a:rPr lang="zh-CN" sz="1200" b="0" i="0" strike="noStrike" cap="none" baseline="0">
-                <a:solidFill>
-                  <a:srgbClr val="000000"/>
-                </a:solidFill>
-                <a:effectLst/>
-                <a:latin typeface="SimSun"/>
-                <a:ea typeface="SimSun"/>
-                <a:cs typeface="SimSun"/>
-              </a:rPr>
-              <a:t>拉丁美洲印度奶茶的推广计划和策略预计将使目标受众的认识和兴趣提高 20%，市场份额增加 10%，销售量和收入增长 15%，客户满意度和保留率提高 25%。</a:t>
-            </a:r>
-            <a:r>
-              <a:rPr sz="1200"/>
-              <a:t>
-</a:t>
-            </a:r>
-            <a:r>
-              <a:rPr sz="1200"/>
-              <a:t>
-</a:t>
-            </a:r>
-            <a:r>
-              <a:rPr sz="1200"/>
-              <a:t>
-</a:t>
-            </a:r>
-            <a:r>
-              <a:rPr lang="zh-CN" sz="1200" b="0" i="0" strike="noStrike" cap="none" baseline="0">
-                <a:solidFill>
-                  <a:srgbClr val="000000"/>
-                </a:solidFill>
-                <a:effectLst/>
-                <a:latin typeface="SimSun"/>
-                <a:ea typeface="SimSun"/>
-                <a:cs typeface="SimSun"/>
-              </a:rPr>
+              <a:rPr lang="zh-CN"/>
+              <a:t>拉丁美洲印度奶茶推广计划和策略预计将使印度奶茶的知名度和兴趣提高 20%，市场份额提高 10%，销售量和收入提高 15%，客户满意度和保留率提高 25%。</a:t>
+            </a:r>
+            <a:br>
+              <a:rPr lang="zh-CN"/>
+            </a:br>
+            <a:br>
+              <a:rPr lang="zh-CN"/>
+            </a:br>
+            <a:br>
+              <a:rPr lang="zh-CN"/>
+            </a:br>
+            <a:r>
+              <a:rPr lang="zh-CN"/>
               <a:t>原始内容：</a:t>
             </a:r>
-            <a:r>
-              <a:rPr sz="1200"/>
-              <a:t>
-</a:t>
-            </a:r>
-            <a:r>
-              <a:rPr lang="zh-CN" sz="1200" b="0" i="0" strike="noStrike" cap="none" baseline="0">
-                <a:solidFill>
-                  <a:srgbClr val="000000"/>
-                </a:solidFill>
-                <a:effectLst/>
-                <a:latin typeface="SimSun"/>
-                <a:ea typeface="SimSun"/>
-                <a:cs typeface="SimSun"/>
-              </a:rPr>
+            <a:br>
+              <a:rPr lang="zh-CN"/>
+            </a:br>
+            <a:r>
+              <a:rPr lang="zh-CN"/>
               <a:t>预期成果和挑战</a:t>
             </a:r>
-            <a:r>
-              <a:rPr sz="1200"/>
-              <a:t>
-</a:t>
-            </a:r>
-            <a:r>
-              <a:rPr lang="zh-CN" sz="1200" b="0" i="0" strike="noStrike" cap="none" baseline="0">
-                <a:solidFill>
-                  <a:srgbClr val="000000"/>
-                </a:solidFill>
-                <a:effectLst/>
-                <a:latin typeface="SimSun"/>
-                <a:ea typeface="SimSun"/>
-                <a:cs typeface="SimSun"/>
-              </a:rPr>
-              <a:t>拉丁美洲印度奶茶推广计划和策略的预期成果是：</a:t>
-            </a:r>
-            <a:r>
-              <a:rPr sz="1200"/>
-              <a:t>
-</a:t>
-            </a:r>
-            <a:r>
-              <a:rPr lang="zh-CN" sz="1200" b="0" i="0" strike="noStrike" cap="none" baseline="0">
-                <a:solidFill>
-                  <a:srgbClr val="000000"/>
-                </a:solidFill>
-                <a:effectLst/>
-                <a:latin typeface="SimSun"/>
-                <a:ea typeface="SimSun"/>
-                <a:cs typeface="SimSun"/>
-              </a:rPr>
-              <a:t>       目标受众对印度奶茶的认识和兴趣增加 20%</a:t>
-            </a:r>
-            <a:r>
-              <a:rPr sz="1200"/>
-              <a:t>
-</a:t>
-            </a:r>
-            <a:r>
-              <a:rPr lang="zh-CN" sz="1200" b="0" i="0" strike="noStrike" cap="none" baseline="0">
-                <a:solidFill>
-                  <a:srgbClr val="000000"/>
-                </a:solidFill>
-                <a:effectLst/>
-                <a:latin typeface="SimSun"/>
-                <a:ea typeface="SimSun"/>
-                <a:cs typeface="SimSun"/>
-              </a:rPr>
-              <a:t>       该地区印度奶茶的市场份额增长 10%</a:t>
-            </a:r>
-            <a:r>
-              <a:rPr sz="1200"/>
-              <a:t>
-</a:t>
-            </a:r>
-            <a:r>
-              <a:rPr lang="zh-CN" sz="1200" b="0" i="0" strike="noStrike" cap="none" baseline="0">
-                <a:solidFill>
-                  <a:srgbClr val="000000"/>
-                </a:solidFill>
-                <a:effectLst/>
-                <a:latin typeface="SimSun"/>
-                <a:ea typeface="SimSun"/>
-                <a:cs typeface="SimSun"/>
-              </a:rPr>
-              <a:t>       该地区印度奶茶的销售量和收入增长 15%</a:t>
-            </a:r>
-            <a:r>
-              <a:rPr sz="1200"/>
-              <a:t>
-</a:t>
-            </a:r>
-            <a:r>
-              <a:rPr lang="zh-CN" sz="1200" b="0" i="0" strike="noStrike" cap="none" baseline="0">
-                <a:solidFill>
-                  <a:srgbClr val="000000"/>
-                </a:solidFill>
-                <a:effectLst/>
-                <a:latin typeface="SimSun"/>
-                <a:ea typeface="SimSun"/>
-                <a:cs typeface="SimSun"/>
-              </a:rPr>
-              <a:t>       该地区印度奶茶的客户满意度和保留率增加 25%</a:t>
-            </a:r>
-            <a:r>
-              <a:rPr sz="1200"/>
-              <a:t>
-</a:t>
-            </a:r>
+            <a:br>
+              <a:rPr lang="zh-CN"/>
+            </a:br>
+            <a:r>
+              <a:rPr lang="zh-CN"/>
+              <a:t>拉丁美洲的印度奶茶推广计划和策略的预期成果包括：</a:t>
+            </a:r>
+            <a:br>
+              <a:rPr lang="zh-CN"/>
+            </a:br>
+            <a:r>
+              <a:rPr lang="zh-CN"/>
+              <a:t>·         目标受众对印度奶茶的认知度和兴趣提高 20%</a:t>
+            </a:r>
+            <a:br>
+              <a:rPr lang="zh-CN"/>
+            </a:br>
+            <a:r>
+              <a:rPr lang="zh-CN"/>
+              <a:t>·         该地区印度奶茶市场份额提高 10%</a:t>
+            </a:r>
+            <a:br>
+              <a:rPr lang="zh-CN"/>
+            </a:br>
+            <a:r>
+              <a:rPr lang="zh-CN"/>
+              <a:t>·         该地区印度奶茶销售量和收入提高 15%</a:t>
+            </a:r>
+            <a:br>
+              <a:rPr lang="zh-CN"/>
+            </a:br>
+            <a:r>
+              <a:rPr lang="zh-CN"/>
+              <a:t>·         该地区印度奶茶的客户满意度和保留率提高 25%</a:t>
+            </a:r>
+            <a:br>
+              <a:rPr lang="zh-CN"/>
+            </a:br>
+            <a:endParaRPr lang="zh-CN"/>
           </a:p>
         </p:txBody>
       </p:sp>
@@ -1438,8 +1044,8 @@
 </file>
 
 <file path=ppt/notesSlides/notesSlide13.xml><?xml version="1.0" encoding="utf-8"?>
-<p:notes xmlns:a="http://schemas.openxmlformats.org/drawingml/2006/main" xmlns:r="http://schemas.openxmlformats.org/officeDocument/2006/relationships" xmlns:m="http://schemas.openxmlformats.org/officeDocument/2006/math" xmlns:w="http://schemas.openxmlformats.org/wordprocessingml/2006/main" xmlns:wp="http://schemas.openxmlformats.org/drawingml/2006/wordprocessingDrawing" xmlns:a14="http://schemas.microsoft.com/office/drawing/2010/main" xmlns:mc="http://schemas.openxmlformats.org/markup-compatibility/2006" xmlns:p14="http://schemas.microsoft.com/office/powerpoint/2010/main" xmlns:p="http://schemas.openxmlformats.org/presentationml/2006/main">
-  <p:cSld name="">
+<p:notes xmlns:a="http://schemas.openxmlformats.org/drawingml/2006/main" xmlns:r="http://schemas.openxmlformats.org/officeDocument/2006/relationships" xmlns:p="http://schemas.openxmlformats.org/presentationml/2006/main">
+  <p:cSld>
     <p:spTree>
       <p:nvGrpSpPr>
         <p:cNvPr id="1" name=""/>
@@ -1450,6 +1056,8 @@
         <a:xfrm>
           <a:off x="0" y="0"/>
           <a:ext cx="0" cy="0"/>
+          <a:chOff x="0" y="0"/>
+          <a:chExt cx="0" cy="0"/>
         </a:xfrm>
       </p:grpSpPr>
       <p:sp>
@@ -1480,151 +1088,68 @@
           <a:lstStyle/>
           <a:p>
             <a:r>
-              <a:rPr lang="zh-CN" sz="1200" b="0" i="0" strike="noStrike" cap="none" baseline="0">
-                <a:solidFill>
-                  <a:srgbClr val="000000"/>
-                </a:solidFill>
-                <a:effectLst/>
-                <a:latin typeface="SimSun"/>
-                <a:ea typeface="SimSun"/>
-                <a:cs typeface="SimSun"/>
-              </a:rPr>
-              <a:t>拉丁美洲印度奶茶的推广计划和策略面临多种挑战，包括高价格、缺乏意识、其他茶叶产品竞争、监管和文化障碍的竞争，以及可能影响印度奶茶成分供应和质量的环境和社会问题。</a:t>
-            </a:r>
-            <a:r>
-              <a:rPr sz="1200"/>
-              <a:t>
-</a:t>
-            </a:r>
-            <a:r>
-              <a:rPr sz="1200"/>
-              <a:t>
-</a:t>
-            </a:r>
-            <a:r>
-              <a:rPr sz="1200"/>
-              <a:t>
-</a:t>
-            </a:r>
-            <a:r>
-              <a:rPr lang="zh-CN" sz="1200" b="0" i="0" strike="noStrike" cap="none" baseline="0">
-                <a:solidFill>
-                  <a:srgbClr val="000000"/>
-                </a:solidFill>
-                <a:effectLst/>
-                <a:latin typeface="SimSun"/>
-                <a:ea typeface="SimSun"/>
-                <a:cs typeface="SimSun"/>
-              </a:rPr>
-              <a:t>原创内容：</a:t>
-            </a:r>
-            <a:r>
-              <a:rPr sz="1200"/>
-              <a:t>
-</a:t>
-            </a:r>
-            <a:r>
-              <a:rPr lang="zh-CN" sz="1200" b="0" i="0" strike="noStrike" cap="none" baseline="0">
-                <a:solidFill>
-                  <a:srgbClr val="000000"/>
-                </a:solidFill>
-                <a:effectLst/>
-                <a:latin typeface="SimSun"/>
-                <a:ea typeface="SimSun"/>
-                <a:cs typeface="SimSun"/>
-              </a:rPr>
-              <a:t>拉丁美洲印度奶茶推广计划和策略的潜在挑战如下：</a:t>
-            </a:r>
-            <a:r>
-              <a:rPr sz="1200"/>
-              <a:t>
-</a:t>
-            </a:r>
-            <a:r>
-              <a:rPr lang="zh-CN" sz="1200" b="0" i="0" strike="noStrike" cap="none" baseline="0">
-                <a:solidFill>
-                  <a:srgbClr val="000000"/>
-                </a:solidFill>
-                <a:effectLst/>
-                <a:latin typeface="SimSun"/>
-                <a:ea typeface="SimSun"/>
-                <a:cs typeface="SimSun"/>
-              </a:rPr>
-              <a:t>       与其他饮品相比，印度奶茶产品价格偏高，消费者对价格的承受能力较低</a:t>
-            </a:r>
-            <a:r>
-              <a:rPr sz="1200"/>
-              <a:t>
-</a:t>
-            </a:r>
-            <a:r>
-              <a:rPr lang="zh-CN" sz="1200" b="0" i="0" strike="noStrike" cap="none" baseline="0">
-                <a:solidFill>
-                  <a:srgbClr val="000000"/>
-                </a:solidFill>
-                <a:effectLst/>
-                <a:latin typeface="SimSun"/>
-                <a:ea typeface="SimSun"/>
-                <a:cs typeface="SimSun"/>
-              </a:rPr>
-              <a:t>       部分人群对印度奶茶缺乏认识和了解</a:t>
-            </a:r>
-            <a:r>
-              <a:rPr sz="1200"/>
-              <a:t>
-</a:t>
-            </a:r>
-            <a:r>
-              <a:rPr lang="zh-CN" sz="1200" b="0" i="0" strike="noStrike" cap="none" baseline="0">
-                <a:solidFill>
-                  <a:srgbClr val="000000"/>
-                </a:solidFill>
-                <a:effectLst/>
-                <a:latin typeface="SimSun"/>
-                <a:ea typeface="SimSun"/>
-                <a:cs typeface="SimSun"/>
-              </a:rPr>
-              <a:t>       来自花草茶、绿茶和红茶等其他品类的竞争</a:t>
-            </a:r>
-            <a:r>
-              <a:rPr sz="1200"/>
-              <a:t>
-</a:t>
-            </a:r>
-            <a:r>
-              <a:rPr lang="zh-CN" sz="1200" b="0" i="0" strike="noStrike" cap="none" baseline="0">
-                <a:solidFill>
-                  <a:srgbClr val="000000"/>
-                </a:solidFill>
-                <a:effectLst/>
-                <a:latin typeface="SimSun"/>
-                <a:ea typeface="SimSun"/>
-                <a:cs typeface="SimSun"/>
-              </a:rPr>
-              <a:t>       监管和文化障碍可能会限制印度奶茶产品在某些国家/地区的进入和扩张</a:t>
-            </a:r>
-            <a:r>
-              <a:rPr sz="1200"/>
-              <a:t>
-</a:t>
-            </a:r>
-            <a:r>
-              <a:rPr lang="zh-CN" sz="1200" b="0" i="0" strike="noStrike" cap="none" baseline="0">
-                <a:solidFill>
-                  <a:srgbClr val="000000"/>
-                </a:solidFill>
-                <a:effectLst/>
-                <a:latin typeface="SimSun"/>
-                <a:ea typeface="SimSun"/>
-                <a:cs typeface="SimSun"/>
-              </a:rPr>
-              <a:t>       环境和社会问题可能会影响印度奶茶原料供应和质量</a:t>
-            </a:r>
-            <a:r>
-              <a:rPr sz="1200"/>
-              <a:t>
-</a:t>
-            </a:r>
+              <a:rPr lang="zh-CN"/>
+              <a:t>拉丁美洲的印度奶茶推广计划和策略面临着多重挑战，包括价格高昂、缺乏知名度、来自其他茶产品的竞争、监管和文化障碍，以及可能影响印度奶茶原料供应和质量的环境和社会问题。</a:t>
+            </a:r>
+            <a:br>
+              <a:rPr lang="zh-CN"/>
+            </a:br>
+            <a:br>
+              <a:rPr lang="zh-CN"/>
+            </a:br>
+            <a:br>
+              <a:rPr lang="zh-CN"/>
+            </a:br>
+            <a:r>
+              <a:rPr lang="zh-CN"/>
+              <a:t>原始内容：</a:t>
+            </a:r>
+            <a:br>
+              <a:rPr lang="zh-CN"/>
+            </a:br>
+            <a:r>
+              <a:rPr lang="zh-CN"/>
+              <a:t>拉丁美洲印度奶茶推广计划和策略的潜在挑战包括：</a:t>
+            </a:r>
+            <a:br>
+              <a:rPr lang="zh-CN"/>
+            </a:br>
+            <a:r>
+              <a:rPr lang="zh-CN"/>
+              <a:t>·         与其他饮料相比，印度奶茶产品价格高昂，消费者难以负担得起</a:t>
+            </a:r>
+            <a:br>
+              <a:rPr lang="zh-CN"/>
+            </a:br>
+            <a:r>
+              <a:rPr lang="zh-CN"/>
+              <a:t>·         部分人群对印度奶茶缺乏认识和了解</a:t>
+            </a:r>
+            <a:br>
+              <a:rPr lang="zh-CN"/>
+            </a:br>
+            <a:r>
+              <a:rPr lang="zh-CN"/>
+              <a:t>·         来自花草茶、绿茶和红茶等其他茶产品的竞争</a:t>
+            </a:r>
+            <a:br>
+              <a:rPr lang="zh-CN"/>
+            </a:br>
+            <a:r>
+              <a:rPr lang="zh-CN"/>
+              <a:t>·         监管和文化障碍可能会限制印度奶茶产品在某些国家的进入和扩张</a:t>
+            </a:r>
+            <a:br>
+              <a:rPr lang="zh-CN"/>
+            </a:br>
+            <a:r>
+              <a:rPr lang="zh-CN"/>
+              <a:t>·         环境和社会问题可能会影响印度奶茶原料供应和质量</a:t>
+            </a:r>
+            <a:br>
+              <a:rPr lang="zh-CN"/>
+            </a:br>
+            <a:endParaRPr lang="zh-CN"/>
           </a:p>
         </p:txBody>
       </p:sp>
@@ -1665,8 +1190,8 @@
 </file>
 
 <file path=ppt/notesSlides/notesSlide14.xml><?xml version="1.0" encoding="utf-8"?>
-<p:notes xmlns:a="http://schemas.openxmlformats.org/drawingml/2006/main" xmlns:r="http://schemas.openxmlformats.org/officeDocument/2006/relationships" xmlns:m="http://schemas.openxmlformats.org/officeDocument/2006/math" xmlns:w="http://schemas.openxmlformats.org/wordprocessingml/2006/main" xmlns:wp="http://schemas.openxmlformats.org/drawingml/2006/wordprocessingDrawing" xmlns:a14="http://schemas.microsoft.com/office/drawing/2010/main" xmlns:mc="http://schemas.openxmlformats.org/markup-compatibility/2006" xmlns:p14="http://schemas.microsoft.com/office/powerpoint/2010/main" xmlns:p="http://schemas.openxmlformats.org/presentationml/2006/main">
-  <p:cSld name="">
+<p:notes xmlns:a="http://schemas.openxmlformats.org/drawingml/2006/main" xmlns:r="http://schemas.openxmlformats.org/officeDocument/2006/relationships" xmlns:p="http://schemas.openxmlformats.org/presentationml/2006/main">
+  <p:cSld>
     <p:spTree>
       <p:nvGrpSpPr>
         <p:cNvPr id="1" name=""/>
@@ -1677,6 +1202,8 @@
         <a:xfrm>
           <a:off x="0" y="0"/>
           <a:ext cx="0" cy="0"/>
+          <a:chOff x="0" y="0"/>
+          <a:chExt cx="0" cy="0"/>
         </a:xfrm>
       </p:grpSpPr>
       <p:sp>
@@ -1707,233 +1234,82 @@
           <a:lstStyle/>
           <a:p>
             <a:r>
-              <a:rPr lang="zh-CN" sz="1200" b="0" i="0" strike="noStrike" cap="none" baseline="0">
-                <a:solidFill>
-                  <a:srgbClr val="000000"/>
-                </a:solidFill>
-                <a:effectLst/>
-                <a:latin typeface="SimSun"/>
-                <a:ea typeface="SimSun"/>
-                <a:cs typeface="SimSun"/>
-              </a:rPr>
-              <a:t>在拉丁美洲市场，印度奶茶是一种很有前景的产品，是一种健康且充满异国情调的选择。</a:t>
-            </a:r>
-            <a:r>
-              <a:rPr lang="zh-CN" sz="1200" b="0" i="0" strike="noStrike" cap="none" baseline="0">
-                <a:solidFill>
-                  <a:srgbClr val="000000"/>
-                </a:solidFill>
-                <a:effectLst/>
-                <a:latin typeface="SimSun"/>
-                <a:ea typeface="SimSun"/>
-                <a:cs typeface="SimSun"/>
-              </a:rPr>
-              <a:t>应将其定位为优质的多功能产品，并利用其独特的特点和益处。</a:t>
-            </a:r>
-            <a:r>
-              <a:rPr lang="zh-CN" sz="1200" b="0" i="0" strike="noStrike" cap="none" baseline="0">
-                <a:solidFill>
-                  <a:srgbClr val="000000"/>
-                </a:solidFill>
-                <a:effectLst/>
-                <a:latin typeface="SimSun"/>
-                <a:ea typeface="SimSun"/>
-                <a:cs typeface="SimSun"/>
-              </a:rPr>
-              <a:t>应采用线上和线下相结合的方法，触达目标受众并克服挑战。</a:t>
-            </a:r>
-            <a:r>
-              <a:rPr sz="1200"/>
-              <a:t>
-</a:t>
-            </a:r>
-            <a:r>
-              <a:rPr sz="1200"/>
-              <a:t>
-</a:t>
-            </a:r>
-            <a:r>
-              <a:rPr sz="1200"/>
-              <a:t>
-</a:t>
-            </a:r>
-            <a:r>
-              <a:rPr lang="zh-CN" sz="1200" b="0" i="0" strike="noStrike" cap="none" baseline="0">
-                <a:solidFill>
-                  <a:srgbClr val="000000"/>
-                </a:solidFill>
-                <a:effectLst/>
-                <a:latin typeface="SimSun"/>
-                <a:ea typeface="SimSun"/>
-                <a:cs typeface="SimSun"/>
-              </a:rPr>
+              <a:rPr lang="zh-CN"/>
+              <a:t>在拉丁美洲市场，印度奶茶是一种很有前景的产品，是一种健康且充满异国情调的选择。应将其定位为优质的多功能产品，并利用其独特的特点和益处。应采用线上和线下相结合的方法，接触目标受众并克服挑战。</a:t>
+            </a:r>
+            <a:br>
+              <a:rPr lang="zh-CN"/>
+            </a:br>
+            <a:br>
+              <a:rPr lang="zh-CN"/>
+            </a:br>
+            <a:br>
+              <a:rPr lang="zh-CN"/>
+            </a:br>
+            <a:r>
+              <a:rPr lang="zh-CN"/>
               <a:t>原始内容：</a:t>
             </a:r>
-            <a:r>
-              <a:rPr sz="1200"/>
-              <a:t>
-</a:t>
-            </a:r>
-            <a:r>
-              <a:rPr lang="zh-CN" sz="1200" b="0" i="0" strike="noStrike" cap="none" baseline="0">
-                <a:solidFill>
-                  <a:srgbClr val="000000"/>
-                </a:solidFill>
-                <a:effectLst/>
-                <a:latin typeface="SimSun"/>
-                <a:ea typeface="SimSun"/>
-                <a:cs typeface="SimSun"/>
-              </a:rPr>
+            <a:br>
+              <a:rPr lang="zh-CN"/>
+            </a:br>
+            <a:r>
+              <a:rPr lang="zh-CN"/>
               <a:t>建议和结论</a:t>
             </a:r>
-            <a:r>
-              <a:rPr sz="1200"/>
-              <a:t>
-</a:t>
-            </a:r>
-            <a:r>
-              <a:rPr lang="zh-CN" sz="1200" b="0" i="0" strike="noStrike" cap="none" baseline="0">
-                <a:solidFill>
-                  <a:srgbClr val="000000"/>
-                </a:solidFill>
-                <a:effectLst/>
-                <a:latin typeface="SimSun"/>
-                <a:ea typeface="SimSun"/>
-                <a:cs typeface="SimSun"/>
-              </a:rPr>
-              <a:t>根据市场分析、竞争分析、分销渠道以及推广计划和策略，针对印度奶茶产品在拉丁美洲的未来发展，可以提出以下建议和结论：</a:t>
-            </a:r>
-            <a:r>
-              <a:rPr sz="1200"/>
-              <a:t>
-</a:t>
-            </a:r>
-            <a:r>
-              <a:rPr lang="zh-CN" sz="1200" b="0" i="0" strike="noStrike" cap="none" baseline="0">
-                <a:solidFill>
-                  <a:srgbClr val="000000"/>
-                </a:solidFill>
-                <a:effectLst/>
-                <a:latin typeface="SimSun"/>
-                <a:ea typeface="SimSun"/>
-                <a:cs typeface="SimSun"/>
-              </a:rPr>
-              <a:t>       印度奶茶是一种前景广阔的产品，有望在拉丁美洲市场不断发展并取得成功。它不仅健康天然，还充满异国情调，为消费者提供了除其他饮品外的一个新选择。</a:t>
-            </a:r>
-            <a:r>
-              <a:rPr sz="1200"/>
-              <a:t>
-</a:t>
-            </a:r>
-            <a:r>
-              <a:rPr lang="zh-CN" sz="1200" b="0" i="0" strike="noStrike" cap="none" baseline="0">
-                <a:solidFill>
-                  <a:srgbClr val="000000"/>
-                </a:solidFill>
-                <a:effectLst/>
-                <a:latin typeface="SimSun"/>
-                <a:ea typeface="SimSun"/>
-                <a:cs typeface="SimSun"/>
-              </a:rPr>
-              <a:t>       需要将印度奶茶定位为优质、纯正、可灵活调制的产品进行营销，以吸引不同的消费群体并满足不同场合的需求</a:t>
-            </a:r>
-            <a:r>
-              <a:rPr sz="1200"/>
-              <a:t>
-</a:t>
-            </a:r>
-            <a:r>
-              <a:rPr lang="zh-CN" sz="1200" b="0" i="0" strike="noStrike" cap="none" baseline="0">
-                <a:solidFill>
-                  <a:srgbClr val="000000"/>
-                </a:solidFill>
-                <a:effectLst/>
-                <a:latin typeface="SimSun"/>
-                <a:ea typeface="SimSun"/>
-                <a:cs typeface="SimSun"/>
-              </a:rPr>
-              <a:t>       印度奶茶需要利用其独有的特点和益处，例如浓郁的香气、风味和健康益处，树立相对于其他茶产品的差异化优势</a:t>
-            </a:r>
-            <a:r>
-              <a:rPr sz="1200"/>
-              <a:t>
-</a:t>
-            </a:r>
-            <a:r>
-              <a:rPr lang="zh-CN" sz="1200" b="0" i="0" strike="noStrike" cap="none" baseline="0">
-                <a:solidFill>
-                  <a:srgbClr val="000000"/>
-                </a:solidFill>
-                <a:effectLst/>
-                <a:latin typeface="SimSun"/>
-                <a:ea typeface="SimSun"/>
-                <a:cs typeface="SimSun"/>
-              </a:rPr>
-              <a:t>       印度奶茶需要采用线上和线下相结合的方法，触达目标受众并与之互动，从而建立忠诚度高、满意度高的客户群</a:t>
-            </a:r>
-            <a:r>
-              <a:rPr sz="1200"/>
-              <a:t>
-</a:t>
-            </a:r>
-            <a:r>
-              <a:rPr lang="zh-CN" sz="1200" b="0" i="0" strike="noStrike" cap="none" baseline="0">
-                <a:solidFill>
-                  <a:srgbClr val="000000"/>
-                </a:solidFill>
-                <a:effectLst/>
-                <a:latin typeface="SimSun"/>
-                <a:ea typeface="SimSun"/>
-                <a:cs typeface="SimSun"/>
-              </a:rPr>
-              <a:t>       印度奶茶需要克服可能阻碍其在该地区发展和扩张的挑战和威胁，例如价格、知名度、竞争、监管和可持续性，等等</a:t>
-            </a:r>
-            <a:r>
-              <a:rPr sz="1200"/>
-              <a:t>
-</a:t>
-            </a:r>
-            <a:r>
-              <a:rPr lang="zh-CN" sz="1200" b="0" i="0" strike="noStrike" cap="none" baseline="0">
-                <a:solidFill>
-                  <a:srgbClr val="000000"/>
-                </a:solidFill>
-                <a:effectLst/>
-                <a:latin typeface="SimSun"/>
-                <a:ea typeface="SimSun"/>
-                <a:cs typeface="SimSun"/>
-              </a:rPr>
-              <a:t>总而言之，印度奶茶产品在拉丁美洲市场拥有巨大潜力和机遇，同时也面临着一些挑战和风险。</a:t>
-            </a:r>
-            <a:r>
-              <a:rPr lang="zh-CN" sz="1200" b="0" i="0" strike="noStrike" cap="none" baseline="0">
-                <a:solidFill>
-                  <a:srgbClr val="000000"/>
-                </a:solidFill>
-                <a:effectLst/>
-                <a:latin typeface="SimSun"/>
-                <a:ea typeface="SimSun"/>
-                <a:cs typeface="SimSun"/>
-              </a:rPr>
-              <a:t>本报告概述的推广计划和策略旨在解决这些问题，并取得预期成果。</a:t>
-            </a:r>
-            <a:r>
-              <a:rPr lang="zh-CN" sz="1200" b="0" i="0" strike="noStrike" cap="none" baseline="0">
-                <a:solidFill>
-                  <a:srgbClr val="000000"/>
-                </a:solidFill>
-                <a:effectLst/>
-                <a:latin typeface="SimSun"/>
-                <a:ea typeface="SimSun"/>
-                <a:cs typeface="SimSun"/>
-              </a:rPr>
-              <a:t>然而，推广计划和策略需要不断进行监测、评估，并根据不断变化的市场状况和客户反馈进行调整。</a:t>
-            </a:r>
-            <a:r>
-              <a:rPr sz="1200"/>
-              <a:t>
-</a:t>
-            </a:r>
+            <a:br>
+              <a:rPr lang="zh-CN"/>
+            </a:br>
+            <a:r>
+              <a:rPr lang="zh-CN"/>
+              <a:t>根据市场分析、竞品分析、分销渠道以及推广计划和策略，可以对拉丁美洲的印度奶茶产品的未来提出以下建议和结论：</a:t>
+            </a:r>
+            <a:br>
+              <a:rPr lang="zh-CN"/>
+            </a:br>
+            <a:r>
+              <a:rPr lang="zh-CN"/>
+              <a:t>·         印度奶茶是一种很有前景的产品，有潜力在拉丁美洲市场发展并取得成功，因为它是一种健康、天然、充满异国情调的饮料替代品。</a:t>
+            </a:r>
+            <a:br>
+              <a:rPr lang="zh-CN"/>
+            </a:br>
+            <a:r>
+              <a:rPr lang="zh-CN"/>
+              <a:t>·         需要将印度奶茶定位为优质、正宗、多功能的产品并进行营销，以吸引不同的消费群体和场合</a:t>
+            </a:r>
+            <a:br>
+              <a:rPr lang="zh-CN"/>
+            </a:br>
+            <a:r>
+              <a:rPr lang="zh-CN"/>
+              <a:t>·         印度奶茶需要利用其独特的特点和益处，例如浓郁的香气、风味和健康益处，以区别于其他茶产品</a:t>
+            </a:r>
+            <a:br>
+              <a:rPr lang="zh-CN"/>
+            </a:br>
+            <a:r>
+              <a:rPr lang="zh-CN"/>
+              <a:t>·         印度奶茶需要采用线上和线下相结合的方法，接触目标受众并与之互动，从而打造忠诚度高、满意度高的客户群</a:t>
+            </a:r>
+            <a:br>
+              <a:rPr lang="zh-CN"/>
+            </a:br>
+            <a:r>
+              <a:rPr lang="zh-CN"/>
+              <a:t>·         印度奶茶需要克服可能阻碍其在该地区增长和扩张的挑战和威胁，例如价格、知名度、竞争、监管和可持续性</a:t>
+            </a:r>
+            <a:br>
+              <a:rPr lang="zh-CN"/>
+            </a:br>
+            <a:r>
+              <a:rPr lang="zh-CN"/>
+              <a:t>总而言之，印度奶茶是一种在拉丁美洲市场拥有巨大潜力和机遇的产品，但也面临着一些挑战和风险。本报告概述的推广计划和策略旨在解决这些问题，并取得预期成果。然而，推广计划和策略需要不断进行监测、评估，并根据不断变化的市场状况和客户反馈进行调整。</a:t>
+            </a:r>
+            <a:br>
+              <a:rPr lang="zh-CN"/>
+            </a:br>
+            <a:endParaRPr lang="zh-CN"/>
           </a:p>
         </p:txBody>
       </p:sp>
@@ -1974,8 +1350,8 @@
 </file>
 
 <file path=ppt/notesSlides/notesSlide2.xml><?xml version="1.0" encoding="utf-8"?>
-<p:notes xmlns:a="http://schemas.openxmlformats.org/drawingml/2006/main" xmlns:r="http://schemas.openxmlformats.org/officeDocument/2006/relationships" xmlns:m="http://schemas.openxmlformats.org/officeDocument/2006/math" xmlns:w="http://schemas.openxmlformats.org/wordprocessingml/2006/main" xmlns:wp="http://schemas.openxmlformats.org/drawingml/2006/wordprocessingDrawing" xmlns:a14="http://schemas.microsoft.com/office/drawing/2010/main" xmlns:mc="http://schemas.openxmlformats.org/markup-compatibility/2006" xmlns:p14="http://schemas.microsoft.com/office/powerpoint/2010/main" xmlns:p="http://schemas.openxmlformats.org/presentationml/2006/main">
-  <p:cSld name="">
+<p:notes xmlns:a="http://schemas.openxmlformats.org/drawingml/2006/main" xmlns:r="http://schemas.openxmlformats.org/officeDocument/2006/relationships" xmlns:p="http://schemas.openxmlformats.org/presentationml/2006/main">
+  <p:cSld>
     <p:spTree>
       <p:nvGrpSpPr>
         <p:cNvPr id="1" name=""/>
@@ -1986,6 +1362,8 @@
         <a:xfrm>
           <a:off x="0" y="0"/>
           <a:ext cx="0" cy="0"/>
+          <a:chOff x="0" y="0"/>
+          <a:chExt cx="0" cy="0"/>
         </a:xfrm>
       </p:grpSpPr>
       <p:sp>
@@ -2016,367 +1394,156 @@
           <a:lstStyle/>
           <a:p>
             <a:r>
-              <a:rPr lang="zh-CN" sz="1200" b="0" i="0" strike="noStrike" cap="none" baseline="0">
-                <a:solidFill>
-                  <a:srgbClr val="000000"/>
-                </a:solidFill>
-                <a:effectLst/>
-                <a:latin typeface="SimSun"/>
-                <a:ea typeface="SimSun"/>
-                <a:cs typeface="SimSun"/>
-              </a:rPr>
+              <a:rPr lang="zh-CN"/>
               <a:t>议程</a:t>
             </a:r>
-            <a:r>
-              <a:rPr sz="1200"/>
-              <a:t>
-</a:t>
-            </a:r>
-            <a:r>
-              <a:rPr sz="1200"/>
-              <a:t>
-</a:t>
-            </a:r>
-            <a:r>
-              <a:rPr lang="zh-CN" sz="1200" b="0" i="0" strike="noStrike" cap="none" baseline="0">
-                <a:solidFill>
-                  <a:srgbClr val="000000"/>
-                </a:solidFill>
-                <a:effectLst/>
-                <a:latin typeface="SimSun"/>
-                <a:ea typeface="SimSun"/>
-                <a:cs typeface="SimSun"/>
-              </a:rPr>
+            <a:br>
+              <a:rPr lang="zh-CN"/>
+            </a:br>
+            <a:br>
+              <a:rPr lang="zh-CN"/>
+            </a:br>
+            <a:r>
+              <a:rPr lang="zh-CN"/>
               <a:t>* 简介</a:t>
             </a:r>
-            <a:r>
-              <a:rPr sz="1200"/>
-              <a:t>
-</a:t>
-            </a:r>
-            <a:r>
-              <a:rPr lang="zh-CN" sz="1200" b="0" i="0" strike="noStrike" cap="none" baseline="0">
-                <a:solidFill>
-                  <a:srgbClr val="000000"/>
-                </a:solidFill>
-                <a:effectLst/>
-                <a:latin typeface="SimSun"/>
-                <a:ea typeface="SimSun"/>
-                <a:cs typeface="SimSun"/>
-              </a:rPr>
+            <a:br>
+              <a:rPr lang="zh-CN"/>
+            </a:br>
+            <a:r>
+              <a:rPr lang="zh-CN"/>
               <a:t>* 产品说明</a:t>
             </a:r>
-            <a:r>
-              <a:rPr sz="1200"/>
-              <a:t>
-</a:t>
-            </a:r>
-            <a:r>
-              <a:rPr lang="zh-CN" sz="1200" b="0" i="0" strike="noStrike" cap="none" baseline="0">
-                <a:solidFill>
-                  <a:srgbClr val="000000"/>
-                </a:solidFill>
-                <a:effectLst/>
-                <a:latin typeface="SimSun"/>
-                <a:ea typeface="SimSun"/>
-                <a:cs typeface="SimSun"/>
-              </a:rPr>
-              <a:t>* 产品说明 (1/2)</a:t>
-            </a:r>
-            <a:r>
-              <a:rPr sz="1200"/>
-              <a:t>
-</a:t>
-            </a:r>
-            <a:r>
-              <a:rPr lang="zh-CN" sz="1200" b="0" i="0" strike="noStrike" cap="none" baseline="0">
-                <a:solidFill>
-                  <a:srgbClr val="000000"/>
-                </a:solidFill>
-                <a:effectLst/>
-                <a:latin typeface="SimSun"/>
-                <a:ea typeface="SimSun"/>
-                <a:cs typeface="SimSun"/>
-              </a:rPr>
-              <a:t>* 产品说明 (2/2)</a:t>
-            </a:r>
-            <a:r>
-              <a:rPr sz="1200"/>
-              <a:t>
-</a:t>
-            </a:r>
-            <a:r>
-              <a:rPr lang="zh-CN" sz="1200" b="0" i="0" strike="noStrike" cap="none" baseline="0">
-                <a:solidFill>
-                  <a:srgbClr val="000000"/>
-                </a:solidFill>
-                <a:effectLst/>
-                <a:latin typeface="SimSun"/>
-                <a:ea typeface="SimSun"/>
-                <a:cs typeface="SimSun"/>
-              </a:rPr>
+            <a:br>
+              <a:rPr lang="zh-CN"/>
+            </a:br>
+            <a:r>
+              <a:rPr lang="zh-CN"/>
+              <a:t>* 产品说明 (1/2) </a:t>
+            </a:r>
+            <a:br>
+              <a:rPr lang="zh-CN"/>
+            </a:br>
+            <a:r>
+              <a:rPr lang="zh-CN"/>
+              <a:t>* 产品说明 (2/2) </a:t>
+            </a:r>
+            <a:br>
+              <a:rPr lang="zh-CN"/>
+            </a:br>
+            <a:r>
+              <a:rPr lang="zh-CN"/>
               <a:t>* 市场趋势和需求</a:t>
             </a:r>
-            <a:r>
-              <a:rPr sz="1200"/>
-              <a:t>
-</a:t>
-            </a:r>
-            <a:r>
-              <a:rPr lang="zh-CN" sz="1200" b="0" i="0" strike="noStrike" cap="none" baseline="0">
-                <a:solidFill>
-                  <a:srgbClr val="000000"/>
-                </a:solidFill>
-                <a:effectLst/>
-                <a:latin typeface="SimSun"/>
-                <a:ea typeface="SimSun"/>
-                <a:cs typeface="SimSun"/>
-              </a:rPr>
-              <a:t>* 竞争分析</a:t>
-            </a:r>
-            <a:r>
-              <a:rPr sz="1200"/>
-              <a:t>
-</a:t>
-            </a:r>
-            <a:r>
-              <a:rPr lang="zh-CN" sz="1200" b="0" i="0" strike="noStrike" cap="none" baseline="0">
-                <a:solidFill>
-                  <a:srgbClr val="000000"/>
-                </a:solidFill>
-                <a:effectLst/>
-                <a:latin typeface="SimSun"/>
-                <a:ea typeface="SimSun"/>
-                <a:cs typeface="SimSun"/>
-              </a:rPr>
-              <a:t>* Tetley</a:t>
-            </a:r>
-            <a:r>
-              <a:rPr sz="1200"/>
-              <a:t>
-</a:t>
-            </a:r>
-            <a:r>
-              <a:rPr lang="zh-CN" sz="1200" b="0" i="0" strike="noStrike" cap="none" baseline="0">
-                <a:solidFill>
-                  <a:srgbClr val="000000"/>
-                </a:solidFill>
-                <a:effectLst/>
-                <a:latin typeface="SimSun"/>
-                <a:ea typeface="SimSun"/>
-                <a:cs typeface="SimSun"/>
-              </a:rPr>
-              <a:t>* Teavana</a:t>
-            </a:r>
-            <a:r>
-              <a:rPr sz="1200"/>
-              <a:t>
-</a:t>
-            </a:r>
-            <a:r>
-              <a:rPr lang="zh-CN" sz="1200" b="0" i="0" strike="noStrike" cap="none" baseline="0">
-                <a:solidFill>
-                  <a:srgbClr val="000000"/>
-                </a:solidFill>
-                <a:effectLst/>
-                <a:latin typeface="SimSun"/>
-                <a:ea typeface="SimSun"/>
-                <a:cs typeface="SimSun"/>
-              </a:rPr>
-              <a:t>* David's Tea</a:t>
-            </a:r>
-            <a:r>
-              <a:rPr sz="1200"/>
-              <a:t>
-</a:t>
-            </a:r>
-            <a:r>
-              <a:rPr lang="zh-CN" sz="1200" b="0" i="0" strike="noStrike" cap="none" baseline="0">
-                <a:solidFill>
-                  <a:srgbClr val="000000"/>
-                </a:solidFill>
-                <a:effectLst/>
-                <a:latin typeface="SimSun"/>
-                <a:ea typeface="SimSun"/>
-                <a:cs typeface="SimSun"/>
-              </a:rPr>
-              <a:t>* 本地品牌</a:t>
-            </a:r>
-            <a:r>
-              <a:rPr sz="1200"/>
-              <a:t>
-</a:t>
-            </a:r>
-            <a:r>
-              <a:rPr lang="zh-CN" sz="1200" b="0" i="0" strike="noStrike" cap="none" baseline="0">
-                <a:solidFill>
-                  <a:srgbClr val="000000"/>
-                </a:solidFill>
-                <a:effectLst/>
-                <a:latin typeface="SimSun"/>
-                <a:ea typeface="SimSun"/>
-                <a:cs typeface="SimSun"/>
-              </a:rPr>
+            <a:br>
+              <a:rPr lang="zh-CN"/>
+            </a:br>
+            <a:r>
+              <a:rPr lang="zh-CN"/>
+              <a:t>* 竞品分析</a:t>
+            </a:r>
+            <a:br>
+              <a:rPr lang="zh-CN"/>
+            </a:br>
+            <a:r>
+              <a:rPr lang="zh-CN"/>
+              <a:t>    * Tetley</a:t>
+            </a:r>
+            <a:br>
+              <a:rPr lang="zh-CN"/>
+            </a:br>
+            <a:r>
+              <a:rPr lang="zh-CN"/>
+              <a:t>    * Teavana</a:t>
+            </a:r>
+            <a:br>
+              <a:rPr lang="zh-CN"/>
+            </a:br>
+            <a:r>
+              <a:rPr lang="zh-CN"/>
+              <a:t>    * David's Tea</a:t>
+            </a:r>
+            <a:br>
+              <a:rPr lang="zh-CN"/>
+            </a:br>
+            <a:r>
+              <a:rPr lang="zh-CN"/>
+              <a:t>    * 本土品牌</a:t>
+            </a:r>
+            <a:br>
+              <a:rPr lang="zh-CN"/>
+            </a:br>
+            <a:r>
+              <a:rPr lang="zh-CN"/>
               <a:t>* 拉丁美洲印度奶茶市场份额</a:t>
             </a:r>
-            <a:r>
-              <a:rPr sz="1200"/>
-              <a:t>
-</a:t>
-            </a:r>
-            <a:r>
-              <a:rPr lang="zh-CN" sz="1200" b="0" i="0" strike="noStrike" cap="none" baseline="0">
-                <a:solidFill>
-                  <a:srgbClr val="000000"/>
-                </a:solidFill>
-                <a:effectLst/>
-                <a:latin typeface="SimSun"/>
-                <a:ea typeface="SimSun"/>
-                <a:cs typeface="SimSun"/>
-              </a:rPr>
+            <a:br>
+              <a:rPr lang="zh-CN"/>
+            </a:br>
+            <a:r>
+              <a:rPr lang="zh-CN"/>
               <a:t>* 分销渠道</a:t>
             </a:r>
-            <a:r>
-              <a:rPr sz="1200"/>
-              <a:t>
-</a:t>
-            </a:r>
-            <a:r>
-              <a:rPr lang="zh-CN" sz="1200" b="0" i="0" strike="noStrike" cap="none" baseline="0">
-                <a:solidFill>
-                  <a:srgbClr val="000000"/>
-                </a:solidFill>
-                <a:effectLst/>
-                <a:latin typeface="SimSun"/>
-                <a:ea typeface="SimSun"/>
-                <a:cs typeface="SimSun"/>
-              </a:rPr>
-              <a:t>* 零售商</a:t>
-            </a:r>
-            <a:r>
-              <a:rPr sz="1200"/>
-              <a:t>
-</a:t>
-            </a:r>
-            <a:r>
-              <a:rPr lang="zh-CN" sz="1200" b="0" i="0" strike="noStrike" cap="none" baseline="0">
-                <a:solidFill>
-                  <a:srgbClr val="000000"/>
-                </a:solidFill>
-                <a:effectLst/>
-                <a:latin typeface="SimSun"/>
-                <a:ea typeface="SimSun"/>
-                <a:cs typeface="SimSun"/>
-              </a:rPr>
-              <a:t>* 批发商</a:t>
-            </a:r>
-            <a:r>
-              <a:rPr sz="1200"/>
-              <a:t>
-</a:t>
-            </a:r>
-            <a:r>
-              <a:rPr lang="zh-CN" sz="1200" b="0" i="0" strike="noStrike" cap="none" baseline="0">
-                <a:solidFill>
-                  <a:srgbClr val="000000"/>
-                </a:solidFill>
-                <a:effectLst/>
-                <a:latin typeface="SimSun"/>
-                <a:ea typeface="SimSun"/>
-                <a:cs typeface="SimSun"/>
-              </a:rPr>
-              <a:t>* 分销商</a:t>
-            </a:r>
-            <a:r>
-              <a:rPr sz="1200"/>
-              <a:t>
-</a:t>
-            </a:r>
-            <a:r>
-              <a:rPr lang="zh-CN" sz="1200" b="0" i="0" strike="noStrike" cap="none" baseline="0">
-                <a:solidFill>
-                  <a:srgbClr val="000000"/>
-                </a:solidFill>
-                <a:effectLst/>
-                <a:latin typeface="SimSun"/>
-                <a:ea typeface="SimSun"/>
-                <a:cs typeface="SimSun"/>
-              </a:rPr>
+            <a:br>
+              <a:rPr lang="zh-CN"/>
+            </a:br>
+            <a:r>
+              <a:rPr lang="zh-CN"/>
+              <a:t>    * 零售商</a:t>
+            </a:r>
+            <a:br>
+              <a:rPr lang="zh-CN"/>
+            </a:br>
+            <a:r>
+              <a:rPr lang="zh-CN"/>
+              <a:t>    * 批发商</a:t>
+            </a:r>
+            <a:br>
+              <a:rPr lang="zh-CN"/>
+            </a:br>
+            <a:r>
+              <a:rPr lang="zh-CN"/>
+              <a:t>    * 分销商</a:t>
+            </a:r>
+            <a:br>
+              <a:rPr lang="zh-CN"/>
+            </a:br>
+            <a:r>
+              <a:rPr lang="zh-CN"/>
               <a:t>* 推广计划和策略</a:t>
             </a:r>
-            <a:r>
-              <a:rPr sz="1200"/>
-              <a:t>
-</a:t>
-            </a:r>
-            <a:r>
-              <a:rPr lang="zh-CN" sz="1200" b="0" i="0" strike="noStrike" cap="none" baseline="0">
-                <a:solidFill>
-                  <a:srgbClr val="000000"/>
-                </a:solidFill>
-                <a:effectLst/>
-                <a:latin typeface="SimSun"/>
-                <a:ea typeface="SimSun"/>
-                <a:cs typeface="SimSun"/>
-              </a:rPr>
-              <a:t>* 预期结果和挑战</a:t>
-            </a:r>
-            <a:r>
-              <a:rPr sz="1200"/>
-              <a:t>
-</a:t>
-            </a:r>
-            <a:r>
-              <a:rPr lang="zh-CN" sz="1200" b="0" i="0" strike="noStrike" cap="none" baseline="0">
-                <a:solidFill>
-                  <a:srgbClr val="000000"/>
-                </a:solidFill>
-                <a:effectLst/>
-                <a:latin typeface="SimSun"/>
-                <a:ea typeface="SimSun"/>
-                <a:cs typeface="SimSun"/>
-              </a:rPr>
-              <a:t>* 预期结果</a:t>
-            </a:r>
-            <a:r>
-              <a:rPr sz="1200"/>
-              <a:t>
-</a:t>
-            </a:r>
-            <a:r>
-              <a:rPr lang="zh-CN" sz="1200" b="0" i="0" strike="noStrike" cap="none" baseline="0">
-                <a:solidFill>
-                  <a:srgbClr val="000000"/>
-                </a:solidFill>
-                <a:effectLst/>
-                <a:latin typeface="SimSun"/>
-                <a:ea typeface="SimSun"/>
-                <a:cs typeface="SimSun"/>
-              </a:rPr>
-              <a:t>* 潜在挑战</a:t>
-            </a:r>
-            <a:r>
-              <a:rPr sz="1200"/>
-              <a:t>
-</a:t>
-            </a:r>
-            <a:r>
-              <a:rPr lang="zh-CN" sz="1200" b="0" i="0" strike="noStrike" cap="none" baseline="0">
-                <a:solidFill>
-                  <a:srgbClr val="000000"/>
-                </a:solidFill>
-                <a:effectLst/>
-                <a:latin typeface="SimSun"/>
-                <a:ea typeface="SimSun"/>
-                <a:cs typeface="SimSun"/>
-              </a:rPr>
+            <a:br>
+              <a:rPr lang="zh-CN"/>
+            </a:br>
+            <a:r>
+              <a:rPr lang="zh-CN"/>
+              <a:t>* 预期成果和挑战</a:t>
+            </a:r>
+            <a:br>
+              <a:rPr lang="zh-CN"/>
+            </a:br>
+            <a:r>
+              <a:rPr lang="zh-CN"/>
+              <a:t>    * 预期成果</a:t>
+            </a:r>
+            <a:br>
+              <a:rPr lang="zh-CN"/>
+            </a:br>
+            <a:r>
+              <a:rPr lang="zh-CN"/>
+              <a:t>    * 潜在挑战</a:t>
+            </a:r>
+            <a:br>
+              <a:rPr lang="zh-CN"/>
+            </a:br>
+            <a:r>
+              <a:rPr lang="zh-CN"/>
               <a:t>* 建议和结论</a:t>
             </a:r>
-            <a:r>
-              <a:rPr sz="1200"/>
-              <a:t>
-</a:t>
-            </a:r>
+            <a:br>
+              <a:rPr lang="zh-CN"/>
+            </a:br>
+            <a:endParaRPr lang="zh-CN"/>
           </a:p>
         </p:txBody>
       </p:sp>
@@ -2417,8 +1584,8 @@
 </file>
 
 <file path=ppt/notesSlides/notesSlide3.xml><?xml version="1.0" encoding="utf-8"?>
-<p:notes xmlns:a="http://schemas.openxmlformats.org/drawingml/2006/main" xmlns:r="http://schemas.openxmlformats.org/officeDocument/2006/relationships" xmlns:m="http://schemas.openxmlformats.org/officeDocument/2006/math" xmlns:w="http://schemas.openxmlformats.org/wordprocessingml/2006/main" xmlns:wp="http://schemas.openxmlformats.org/drawingml/2006/wordprocessingDrawing" xmlns:a14="http://schemas.microsoft.com/office/drawing/2010/main" xmlns:mc="http://schemas.openxmlformats.org/markup-compatibility/2006" xmlns:p14="http://schemas.microsoft.com/office/powerpoint/2010/main" xmlns:p="http://schemas.openxmlformats.org/presentationml/2006/main">
-  <p:cSld name="">
+<p:notes xmlns:a="http://schemas.openxmlformats.org/drawingml/2006/main" xmlns:r="http://schemas.openxmlformats.org/officeDocument/2006/relationships" xmlns:p="http://schemas.openxmlformats.org/presentationml/2006/main">
+  <p:cSld>
     <p:spTree>
       <p:nvGrpSpPr>
         <p:cNvPr id="1" name=""/>
@@ -2429,6 +1596,8 @@
         <a:xfrm>
           <a:off x="0" y="0"/>
           <a:ext cx="0" cy="0"/>
+          <a:chOff x="0" y="0"/>
+          <a:chExt cx="0" cy="0"/>
         </a:xfrm>
       </p:grpSpPr>
       <p:sp>
@@ -2459,291 +1628,96 @@
           <a:lstStyle/>
           <a:p>
             <a:r>
-              <a:rPr lang="zh-CN" sz="1200" b="0" i="0" strike="noStrike" cap="none" baseline="0">
-                <a:solidFill>
-                  <a:srgbClr val="000000"/>
-                </a:solidFill>
-                <a:effectLst/>
-                <a:latin typeface="SimSun"/>
-                <a:ea typeface="SimSun"/>
-                <a:cs typeface="SimSun"/>
-              </a:rPr>
-              <a:t>本报告将对拉丁美洲地区神秘香料臻品印度奶茶市场进行分析。</a:t>
-            </a:r>
-            <a:r>
-              <a:rPr lang="zh-CN" sz="1200" b="0" i="0" strike="noStrike" cap="none" baseline="0">
-                <a:solidFill>
-                  <a:srgbClr val="000000"/>
-                </a:solidFill>
-                <a:effectLst/>
-                <a:latin typeface="SimSun"/>
-                <a:ea typeface="SimSun"/>
-                <a:cs typeface="SimSun"/>
-              </a:rPr>
-              <a:t>它涵盖产品说明、市场趋势、竞争分析、分销渠道、推广计划、预期结果以及对未来的建议。</a:t>
-            </a:r>
-            <a:r>
-              <a:rPr sz="1200"/>
-              <a:t>
-</a:t>
-            </a:r>
-            <a:r>
-              <a:rPr sz="1200"/>
-              <a:t>
-</a:t>
-            </a:r>
-            <a:r>
-              <a:rPr sz="1200"/>
-              <a:t>
-</a:t>
-            </a:r>
-            <a:r>
-              <a:rPr lang="zh-CN" sz="1200" b="0" i="0" strike="noStrike" cap="none" baseline="0">
-                <a:solidFill>
-                  <a:srgbClr val="000000"/>
-                </a:solidFill>
-                <a:effectLst/>
-                <a:latin typeface="SimSun"/>
-                <a:ea typeface="SimSun"/>
-                <a:cs typeface="SimSun"/>
-              </a:rPr>
+              <a:rPr lang="zh-CN"/>
+              <a:t>本报告将对拉丁美洲地区神秘香料臻品印度奶茶市场进行分析。报告内容包括产品说明、市场趋势、竞品分析、分销渠道、推广计划、预期成果和未来建议。</a:t>
+            </a:r>
+            <a:br>
+              <a:rPr lang="zh-CN"/>
+            </a:br>
+            <a:br>
+              <a:rPr lang="zh-CN"/>
+            </a:br>
+            <a:br>
+              <a:rPr lang="zh-CN"/>
+            </a:br>
+            <a:r>
+              <a:rPr lang="zh-CN"/>
               <a:t>原始内容：</a:t>
             </a:r>
-            <a:r>
-              <a:rPr sz="1200"/>
-              <a:t>
-</a:t>
-            </a:r>
-            <a:r>
-              <a:rPr lang="zh-CN" sz="1200" b="0" i="0" strike="noStrike" cap="none" baseline="0">
-                <a:solidFill>
-                  <a:srgbClr val="000000"/>
-                </a:solidFill>
-                <a:effectLst/>
-                <a:latin typeface="SimSun"/>
-                <a:ea typeface="SimSun"/>
-                <a:cs typeface="SimSun"/>
-              </a:rPr>
+            <a:br>
+              <a:rPr lang="zh-CN"/>
+            </a:br>
+            <a:r>
+              <a:rPr lang="zh-CN"/>
               <a:t>简介</a:t>
             </a:r>
-            <a:r>
-              <a:rPr sz="1200"/>
-              <a:t>
-</a:t>
-            </a:r>
-            <a:r>
-              <a:rPr lang="zh-CN" sz="1200" b="0" i="0" strike="noStrike" cap="none" baseline="0">
-                <a:solidFill>
-                  <a:srgbClr val="000000"/>
-                </a:solidFill>
-                <a:effectLst/>
-                <a:latin typeface="SimSun"/>
-                <a:ea typeface="SimSun"/>
-                <a:cs typeface="SimSun"/>
-              </a:rPr>
-              <a:t>神秘香料臻品印度奶茶是 Contoso Beverage 推出的新品，该公司专门从事高品质饮品的生产和全球分销。</a:t>
-            </a:r>
-            <a:r>
-              <a:rPr lang="zh-CN" sz="1200" b="0" i="0" strike="noStrike" cap="none" baseline="0">
-                <a:solidFill>
-                  <a:srgbClr val="000000"/>
-                </a:solidFill>
-                <a:effectLst/>
-                <a:latin typeface="SimSun"/>
-                <a:ea typeface="SimSun"/>
-                <a:cs typeface="SimSun"/>
-              </a:rPr>
-              <a:t>神秘香料臻品印度奶茶是一款源自印度的香料茶饮，现已流行于世界各地。</a:t>
-            </a:r>
-            <a:r>
-              <a:rPr lang="zh-CN" sz="1200" b="0" i="0" strike="noStrike" cap="none" baseline="0">
-                <a:solidFill>
-                  <a:srgbClr val="000000"/>
-                </a:solidFill>
-                <a:effectLst/>
-                <a:latin typeface="SimSun"/>
-                <a:ea typeface="SimSun"/>
-                <a:cs typeface="SimSun"/>
-              </a:rPr>
-              <a:t>这是一款可以灵活调配的饮品，冷热饮用皆宜，可加奶也可不加奶，还可以添加不同的香料和甜味剂。</a:t>
-            </a:r>
-            <a:r>
-              <a:rPr lang="zh-CN" sz="1200" b="0" i="0" strike="noStrike" cap="none" baseline="0">
-                <a:solidFill>
-                  <a:srgbClr val="000000"/>
-                </a:solidFill>
-                <a:effectLst/>
-                <a:latin typeface="SimSun"/>
-                <a:ea typeface="SimSun"/>
-                <a:cs typeface="SimSun"/>
-              </a:rPr>
-              <a:t>印度奶茶对健康有诸多益处，例如，增强免疫力、减轻炎症、促进消化。</a:t>
-            </a:r>
-            <a:r>
-              <a:rPr lang="zh-CN" sz="1200" b="0" i="0" strike="noStrike" cap="none" baseline="0">
-                <a:solidFill>
-                  <a:srgbClr val="000000"/>
-                </a:solidFill>
-                <a:effectLst/>
-                <a:latin typeface="SimSun"/>
-                <a:ea typeface="SimSun"/>
-                <a:cs typeface="SimSun"/>
-              </a:rPr>
-              <a:t>它还承载着深厚的文化和历史意义，常与好客、友谊和休闲放松紧密相连。</a:t>
-            </a:r>
-            <a:r>
-              <a:rPr sz="1200"/>
-              <a:t>
-</a:t>
-            </a:r>
-            <a:r>
-              <a:rPr lang="zh-CN" sz="1200" b="0" i="0" strike="noStrike" cap="none" baseline="0">
-                <a:solidFill>
-                  <a:srgbClr val="000000"/>
-                </a:solidFill>
-                <a:effectLst/>
-                <a:latin typeface="SimSun"/>
-                <a:ea typeface="SimSun"/>
-                <a:cs typeface="SimSun"/>
-              </a:rPr>
-              <a:t>本报告旨在为神秘香料臻品印度奶茶提供市场分析，主要聚焦拉丁美洲地区。</a:t>
-            </a:r>
-            <a:r>
-              <a:rPr lang="zh-CN" sz="1200" b="0" i="0" strike="noStrike" cap="none" baseline="0">
-                <a:solidFill>
-                  <a:srgbClr val="000000"/>
-                </a:solidFill>
-                <a:effectLst/>
-                <a:latin typeface="SimSun"/>
-                <a:ea typeface="SimSun"/>
-                <a:cs typeface="SimSun"/>
-              </a:rPr>
-              <a:t>报告将涵盖以下方面：</a:t>
-            </a:r>
-            <a:r>
-              <a:rPr sz="1200"/>
-              <a:t>
-</a:t>
-            </a:r>
-            <a:r>
-              <a:rPr lang="zh-CN" sz="1200" b="0" i="0" strike="noStrike" cap="none" baseline="0">
-                <a:solidFill>
-                  <a:srgbClr val="000000"/>
-                </a:solidFill>
-                <a:effectLst/>
-                <a:latin typeface="SimSun"/>
-                <a:ea typeface="SimSun"/>
-                <a:cs typeface="SimSun"/>
-              </a:rPr>
-              <a:t>·        神秘香料臻品印度奶茶的产品说明、特点和功效</a:t>
-            </a:r>
-            <a:r>
-              <a:rPr sz="1200"/>
-              <a:t>
-</a:t>
-            </a:r>
-            <a:r>
-              <a:rPr lang="zh-CN" sz="1200" b="0" i="0" strike="noStrike" cap="none" baseline="0">
-                <a:solidFill>
-                  <a:srgbClr val="000000"/>
-                </a:solidFill>
-                <a:effectLst/>
-                <a:latin typeface="SimSun"/>
-                <a:ea typeface="SimSun"/>
-                <a:cs typeface="SimSun"/>
-              </a:rPr>
-              <a:t>·        拉丁美洲印度奶茶的市场趋势和需求</a:t>
-            </a:r>
-            <a:r>
-              <a:rPr sz="1200"/>
-              <a:t>
-</a:t>
-            </a:r>
-            <a:r>
-              <a:rPr lang="zh-CN" sz="1200" b="0" i="0" strike="noStrike" cap="none" baseline="0">
-                <a:solidFill>
-                  <a:srgbClr val="000000"/>
-                </a:solidFill>
-                <a:effectLst/>
-                <a:latin typeface="SimSun"/>
-                <a:ea typeface="SimSun"/>
-                <a:cs typeface="SimSun"/>
-              </a:rPr>
-              <a:t>·        拉丁美洲印度奶茶的竞争分析</a:t>
-            </a:r>
-            <a:r>
-              <a:rPr sz="1200"/>
-              <a:t>
-</a:t>
-            </a:r>
-            <a:r>
-              <a:rPr lang="zh-CN" sz="1200" b="0" i="0" strike="noStrike" cap="none" baseline="0">
-                <a:solidFill>
-                  <a:srgbClr val="000000"/>
-                </a:solidFill>
-                <a:effectLst/>
-                <a:latin typeface="SimSun"/>
-                <a:ea typeface="SimSun"/>
-                <a:cs typeface="SimSun"/>
-              </a:rPr>
-              <a:t>·        拉丁美洲印度奶茶的分销渠道</a:t>
-            </a:r>
-            <a:r>
-              <a:rPr sz="1200"/>
-              <a:t>
-</a:t>
-            </a:r>
-            <a:r>
-              <a:rPr lang="zh-CN" sz="1200" b="0" i="0" strike="noStrike" cap="none" baseline="0">
-                <a:solidFill>
-                  <a:srgbClr val="000000"/>
-                </a:solidFill>
-                <a:effectLst/>
-                <a:latin typeface="SimSun"/>
-                <a:ea typeface="SimSun"/>
-                <a:cs typeface="SimSun"/>
-              </a:rPr>
-              <a:t>·        拉丁美洲印度奶茶的推广计划和战略</a:t>
-            </a:r>
-            <a:r>
-              <a:rPr sz="1200"/>
-              <a:t>
-</a:t>
-            </a:r>
-            <a:r>
-              <a:rPr lang="zh-CN" sz="1200" b="0" i="0" strike="noStrike" cap="none" baseline="0">
-                <a:solidFill>
-                  <a:srgbClr val="000000"/>
-                </a:solidFill>
-                <a:effectLst/>
-                <a:latin typeface="SimSun"/>
-                <a:ea typeface="SimSun"/>
-                <a:cs typeface="SimSun"/>
-              </a:rPr>
-              <a:t>·        促销计划的预期结果和挑战</a:t>
-            </a:r>
-            <a:r>
-              <a:rPr sz="1200"/>
-              <a:t>
-</a:t>
-            </a:r>
-            <a:r>
-              <a:rPr lang="zh-CN" sz="1200" b="0" i="0" strike="noStrike" cap="none" baseline="0">
-                <a:solidFill>
-                  <a:srgbClr val="000000"/>
-                </a:solidFill>
-                <a:effectLst/>
-                <a:latin typeface="SimSun"/>
-                <a:ea typeface="SimSun"/>
-                <a:cs typeface="SimSun"/>
-              </a:rPr>
-              <a:t>·        拉丁美洲印度奶茶未来的建议和结论</a:t>
-            </a:r>
-            <a:r>
-              <a:rPr sz="1200"/>
-              <a:t>
-</a:t>
-            </a:r>
+            <a:br>
+              <a:rPr lang="zh-CN"/>
+            </a:br>
+            <a:r>
+              <a:rPr lang="zh-CN"/>
+              <a:t>神秘香料臻品印度奶茶是 Contoso Beverage 公司推出的新产品，该公司专门从事高品质饮料的生产和全球分销。神秘香料臻品印度奶茶是一款源自印度的香料茶饮，现已流行于世界各地。这是一款可以灵活调配的饮品，冷热饮用皆宜，可加奶也可不加奶，还可以添加不同的香料和甜味剂。印度奶茶对健康有诸多益处，例如，增强免疫力、减轻炎症、促进消化。它还承载着深厚的文化和历史意义，常常与好客、友谊和休闲放松联系在一起。</a:t>
+            </a:r>
+            <a:br>
+              <a:rPr lang="zh-CN"/>
+            </a:br>
+            <a:r>
+              <a:rPr lang="zh-CN"/>
+              <a:t>本报告旨在为神秘香料臻品印度奶茶提供市场分析，主要聚焦拉丁美洲地区。报告将涵盖以下几个方面：</a:t>
+            </a:r>
+            <a:br>
+              <a:rPr lang="zh-CN"/>
+            </a:br>
+            <a:r>
+              <a:rPr lang="zh-CN"/>
+              <a:t>·         神秘香料臻品印度奶茶的产品说明、特点和益处</a:t>
+            </a:r>
+            <a:br>
+              <a:rPr lang="zh-CN"/>
+            </a:br>
+            <a:r>
+              <a:rPr lang="zh-CN"/>
+              <a:t>·         拉丁美洲印度奶茶市场趋势和需求</a:t>
+            </a:r>
+            <a:br>
+              <a:rPr lang="zh-CN"/>
+            </a:br>
+            <a:r>
+              <a:rPr lang="zh-CN"/>
+              <a:t>·         拉丁美洲印度奶茶竞品分析</a:t>
+            </a:r>
+            <a:br>
+              <a:rPr lang="zh-CN"/>
+            </a:br>
+            <a:r>
+              <a:rPr lang="zh-CN"/>
+              <a:t>·         拉丁美洲印度奶茶分销渠道</a:t>
+            </a:r>
+            <a:br>
+              <a:rPr lang="zh-CN"/>
+            </a:br>
+            <a:r>
+              <a:rPr lang="zh-CN"/>
+              <a:t>·         拉丁美洲印度奶茶推广计划和策略</a:t>
+            </a:r>
+            <a:br>
+              <a:rPr lang="zh-CN"/>
+            </a:br>
+            <a:r>
+              <a:rPr lang="zh-CN"/>
+              <a:t>·         推广计划的预期成果和挑战</a:t>
+            </a:r>
+            <a:br>
+              <a:rPr lang="zh-CN"/>
+            </a:br>
+            <a:r>
+              <a:rPr lang="zh-CN"/>
+              <a:t>·         拉丁美洲印度奶茶未来发展的建议和结论</a:t>
+            </a:r>
+            <a:br>
+              <a:rPr lang="zh-CN"/>
+            </a:br>
+            <a:endParaRPr lang="zh-CN"/>
           </a:p>
         </p:txBody>
       </p:sp>
@@ -2784,8 +1758,8 @@
 </file>
 
 <file path=ppt/notesSlides/notesSlide4.xml><?xml version="1.0" encoding="utf-8"?>
-<p:notes xmlns:a="http://schemas.openxmlformats.org/drawingml/2006/main" xmlns:r="http://schemas.openxmlformats.org/officeDocument/2006/relationships" xmlns:m="http://schemas.openxmlformats.org/officeDocument/2006/math" xmlns:w="http://schemas.openxmlformats.org/wordprocessingml/2006/main" xmlns:wp="http://schemas.openxmlformats.org/drawingml/2006/wordprocessingDrawing" xmlns:a14="http://schemas.microsoft.com/office/drawing/2010/main" xmlns:mc="http://schemas.openxmlformats.org/markup-compatibility/2006" xmlns:p14="http://schemas.microsoft.com/office/powerpoint/2010/main" xmlns:p="http://schemas.openxmlformats.org/presentationml/2006/main">
-  <p:cSld name="">
+<p:notes xmlns:a="http://schemas.openxmlformats.org/drawingml/2006/main" xmlns:r="http://schemas.openxmlformats.org/officeDocument/2006/relationships" xmlns:p="http://schemas.openxmlformats.org/presentationml/2006/main">
+  <p:cSld>
     <p:spTree>
       <p:nvGrpSpPr>
         <p:cNvPr id="1" name=""/>
@@ -2796,6 +1770,8 @@
         <a:xfrm>
           <a:off x="0" y="0"/>
           <a:ext cx="0" cy="0"/>
+          <a:chOff x="0" y="0"/>
+          <a:chExt cx="0" cy="0"/>
         </a:xfrm>
       </p:grpSpPr>
       <p:sp>
@@ -2826,119 +1802,40 @@
           <a:lstStyle/>
           <a:p>
             <a:r>
-              <a:rPr lang="zh-CN" sz="1200" b="0" i="0" strike="noStrike" cap="none" baseline="0">
-                <a:solidFill>
-                  <a:srgbClr val="000000"/>
-                </a:solidFill>
-                <a:effectLst/>
-                <a:latin typeface="SimSun"/>
-                <a:ea typeface="SimSun"/>
-                <a:cs typeface="SimSun"/>
-              </a:rPr>
-              <a:t>神秘香料臻品印度奶茶是一种精心调配的混合茶，秉承了印度奶茶的传统。</a:t>
-            </a:r>
-            <a:r>
-              <a:rPr lang="zh-CN" sz="1200" b="0" i="0" strike="noStrike" cap="none" baseline="0">
-                <a:solidFill>
-                  <a:srgbClr val="000000"/>
-                </a:solidFill>
-                <a:effectLst/>
-                <a:latin typeface="SimSun"/>
-                <a:ea typeface="SimSun"/>
-                <a:cs typeface="SimSun"/>
-              </a:rPr>
-              <a:t>每一杯茶都能带你领略印度生机勃勃的景致，让你足不出户便能品尝到原汁原味的印度奶茶。</a:t>
-            </a:r>
-            <a:r>
-              <a:rPr sz="1200"/>
-              <a:t>
-</a:t>
-            </a:r>
-            <a:r>
-              <a:rPr sz="1200"/>
-              <a:t>
-</a:t>
-            </a:r>
-            <a:r>
-              <a:rPr sz="1200"/>
-              <a:t>
-</a:t>
-            </a:r>
-            <a:r>
-              <a:rPr lang="zh-CN" sz="1200" b="0" i="0" strike="noStrike" cap="none" baseline="0">
-                <a:solidFill>
-                  <a:srgbClr val="000000"/>
-                </a:solidFill>
-                <a:effectLst/>
-                <a:latin typeface="SimSun"/>
-                <a:ea typeface="SimSun"/>
-                <a:cs typeface="SimSun"/>
-              </a:rPr>
+              <a:rPr lang="zh-CN"/>
+              <a:t>神秘香料臻品印度奶茶是一种精心调配的混合茶，秉承了印度奶茶的传统。每一杯茶都能带你领略印度生机勃勃的景象，让你在家中就能体验到正宗的印度奶茶</a:t>
+            </a:r>
+            <a:br>
+              <a:rPr lang="zh-CN"/>
+            </a:br>
+            <a:br>
+              <a:rPr lang="zh-CN"/>
+            </a:br>
+            <a:br>
+              <a:rPr lang="zh-CN"/>
+            </a:br>
+            <a:r>
+              <a:rPr lang="zh-CN"/>
               <a:t>原始内容：</a:t>
             </a:r>
-            <a:r>
-              <a:rPr sz="1200"/>
-              <a:t>
-</a:t>
-            </a:r>
-            <a:r>
-              <a:rPr lang="zh-CN" sz="1200" b="0" i="0" strike="noStrike" cap="none" baseline="0">
-                <a:solidFill>
-                  <a:srgbClr val="000000"/>
-                </a:solidFill>
-                <a:effectLst/>
-                <a:latin typeface="SimSun"/>
-                <a:ea typeface="SimSun"/>
-                <a:cs typeface="SimSun"/>
-              </a:rPr>
+            <a:br>
+              <a:rPr lang="zh-CN"/>
+            </a:br>
+            <a:r>
+              <a:rPr lang="zh-CN"/>
               <a:t>产品说明</a:t>
             </a:r>
-            <a:r>
-              <a:rPr sz="1200"/>
-              <a:t>
-</a:t>
-            </a:r>
-            <a:r>
-              <a:rPr lang="zh-CN" sz="1200" b="0" i="0" strike="noStrike" cap="none" baseline="0">
-                <a:solidFill>
-                  <a:srgbClr val="000000"/>
-                </a:solidFill>
-                <a:effectLst/>
-                <a:latin typeface="SimSun"/>
-                <a:ea typeface="SimSun"/>
-                <a:cs typeface="SimSun"/>
-              </a:rPr>
-              <a:t>神秘香料臻品印度奶茶是一款精心调制的混合茶饮，沿袭了印度奶茶的永恒传统。</a:t>
-            </a:r>
-            <a:r>
-              <a:rPr lang="zh-CN" sz="1200" b="0" i="0" strike="noStrike" cap="none" baseline="0">
-                <a:solidFill>
-                  <a:srgbClr val="000000"/>
-                </a:solidFill>
-                <a:effectLst/>
-                <a:latin typeface="SimSun"/>
-                <a:ea typeface="SimSun"/>
-                <a:cs typeface="SimSun"/>
-              </a:rPr>
-              <a:t>每一杯都开启了一场令人陶醉的旅程，带你穿越印度生机勃勃的景致，让你足不出户，就能品尝到原汁原味的印度奶茶。</a:t>
-            </a:r>
-            <a:r>
-              <a:rPr lang="zh-CN" sz="1200" b="0" i="0" strike="noStrike" cap="none" baseline="0">
-                <a:solidFill>
-                  <a:srgbClr val="000000"/>
-                </a:solidFill>
-                <a:effectLst/>
-                <a:latin typeface="SimSun"/>
-                <a:ea typeface="SimSun"/>
-                <a:cs typeface="SimSun"/>
-              </a:rPr>
-              <a:t>神秘香料臻品印度奶茶的产品说明、特点和功效概述如下表所示：</a:t>
-            </a:r>
-            <a:r>
-              <a:rPr sz="1200"/>
-              <a:t>
-</a:t>
-            </a:r>
+            <a:br>
+              <a:rPr lang="zh-CN"/>
+            </a:br>
+            <a:r>
+              <a:rPr lang="zh-CN"/>
+              <a:t>神秘香料臻品印度奶茶是一种精心调配的混合茶，沿袭了印度奶茶的永恒传统。每一杯都开启了一场令人陶醉的旅程，带你穿越印度生机勃勃的景致，让你足不出户，就能品尝到原汁原味的印度奶茶。神秘香料臻品印度奶茶的产品说明、特点和益处概述如下表所示：</a:t>
+            </a:r>
+            <a:br>
+              <a:rPr lang="zh-CN"/>
+            </a:br>
+            <a:endParaRPr lang="zh-CN"/>
           </a:p>
         </p:txBody>
       </p:sp>
@@ -2979,8 +1876,8 @@
 </file>
 
 <file path=ppt/notesSlides/notesSlide5.xml><?xml version="1.0" encoding="utf-8"?>
-<p:notes xmlns:a="http://schemas.openxmlformats.org/drawingml/2006/main" xmlns:r="http://schemas.openxmlformats.org/officeDocument/2006/relationships" xmlns:m="http://schemas.openxmlformats.org/officeDocument/2006/math" xmlns:w="http://schemas.openxmlformats.org/wordprocessingml/2006/main" xmlns:wp="http://schemas.openxmlformats.org/drawingml/2006/wordprocessingDrawing" xmlns:a14="http://schemas.microsoft.com/office/drawing/2010/main" xmlns:mc="http://schemas.openxmlformats.org/markup-compatibility/2006" xmlns:p14="http://schemas.microsoft.com/office/powerpoint/2010/main" xmlns:p="http://schemas.openxmlformats.org/presentationml/2006/main">
-  <p:cSld name="">
+<p:notes xmlns:a="http://schemas.openxmlformats.org/drawingml/2006/main" xmlns:r="http://schemas.openxmlformats.org/officeDocument/2006/relationships" xmlns:p="http://schemas.openxmlformats.org/presentationml/2006/main">
+  <p:cSld>
     <p:spTree>
       <p:nvGrpSpPr>
         <p:cNvPr id="1" name=""/>
@@ -2991,6 +1888,8 @@
         <a:xfrm>
           <a:off x="0" y="0"/>
           <a:ext cx="0" cy="0"/>
+          <a:chOff x="0" y="0"/>
+          <a:chExt cx="0" cy="0"/>
         </a:xfrm>
       </p:grpSpPr>
       <p:sp>
@@ -3021,15 +1920,7 @@
           <a:lstStyle/>
           <a:p>
             <a:r>
-              <a:rPr lang="zh-CN" sz="1200" b="0" i="0" strike="noStrike" cap="none" baseline="0">
-                <a:solidFill>
-                  <a:srgbClr val="000000"/>
-                </a:solidFill>
-                <a:effectLst/>
-                <a:latin typeface="SimSun"/>
-                <a:ea typeface="SimSun"/>
-                <a:cs typeface="SimSun"/>
-              </a:rPr>
+              <a:rPr lang="zh-CN"/>
               <a:t>未定义</a:t>
             </a:r>
           </a:p>
@@ -3072,8 +1963,8 @@
 </file>
 
 <file path=ppt/notesSlides/notesSlide6.xml><?xml version="1.0" encoding="utf-8"?>
-<p:notes xmlns:a="http://schemas.openxmlformats.org/drawingml/2006/main" xmlns:r="http://schemas.openxmlformats.org/officeDocument/2006/relationships" xmlns:m="http://schemas.openxmlformats.org/officeDocument/2006/math" xmlns:w="http://schemas.openxmlformats.org/wordprocessingml/2006/main" xmlns:wp="http://schemas.openxmlformats.org/drawingml/2006/wordprocessingDrawing" xmlns:a14="http://schemas.microsoft.com/office/drawing/2010/main" xmlns:mc="http://schemas.openxmlformats.org/markup-compatibility/2006" xmlns:p14="http://schemas.microsoft.com/office/powerpoint/2010/main" xmlns:p="http://schemas.openxmlformats.org/presentationml/2006/main">
-  <p:cSld name="">
+<p:notes xmlns:a="http://schemas.openxmlformats.org/drawingml/2006/main" xmlns:r="http://schemas.openxmlformats.org/officeDocument/2006/relationships" xmlns:p="http://schemas.openxmlformats.org/presentationml/2006/main">
+  <p:cSld>
     <p:spTree>
       <p:nvGrpSpPr>
         <p:cNvPr id="1" name=""/>
@@ -3084,6 +1975,8 @@
         <a:xfrm>
           <a:off x="0" y="0"/>
           <a:ext cx="0" cy="0"/>
+          <a:chOff x="0" y="0"/>
+          <a:chExt cx="0" cy="0"/>
         </a:xfrm>
       </p:grpSpPr>
       <p:sp>
@@ -3114,15 +2007,7 @@
           <a:lstStyle/>
           <a:p>
             <a:r>
-              <a:rPr lang="zh-CN" sz="1200" b="0" i="0" strike="noStrike" cap="none" baseline="0">
-                <a:solidFill>
-                  <a:srgbClr val="000000"/>
-                </a:solidFill>
-                <a:effectLst/>
-                <a:latin typeface="SimSun"/>
-                <a:ea typeface="SimSun"/>
-                <a:cs typeface="SimSun"/>
-              </a:rPr>
+              <a:rPr lang="zh-CN"/>
               <a:t>未定义</a:t>
             </a:r>
           </a:p>
@@ -3165,8 +2050,8 @@
 </file>
 
 <file path=ppt/notesSlides/notesSlide7.xml><?xml version="1.0" encoding="utf-8"?>
-<p:notes xmlns:a="http://schemas.openxmlformats.org/drawingml/2006/main" xmlns:r="http://schemas.openxmlformats.org/officeDocument/2006/relationships" xmlns:m="http://schemas.openxmlformats.org/officeDocument/2006/math" xmlns:w="http://schemas.openxmlformats.org/wordprocessingml/2006/main" xmlns:wp="http://schemas.openxmlformats.org/drawingml/2006/wordprocessingDrawing" xmlns:a14="http://schemas.microsoft.com/office/drawing/2010/main" xmlns:mc="http://schemas.openxmlformats.org/markup-compatibility/2006" xmlns:p14="http://schemas.microsoft.com/office/powerpoint/2010/main" xmlns:p="http://schemas.openxmlformats.org/presentationml/2006/main">
-  <p:cSld name="">
+<p:notes xmlns:a="http://schemas.openxmlformats.org/drawingml/2006/main" xmlns:r="http://schemas.openxmlformats.org/officeDocument/2006/relationships" xmlns:p="http://schemas.openxmlformats.org/presentationml/2006/main">
+  <p:cSld>
     <p:spTree>
       <p:nvGrpSpPr>
         <p:cNvPr id="1" name=""/>
@@ -3177,6 +2062,8 @@
         <a:xfrm>
           <a:off x="0" y="0"/>
           <a:ext cx="0" cy="0"/>
+          <a:chOff x="0" y="0"/>
+          <a:chExt cx="0" cy="0"/>
         </a:xfrm>
       </p:grpSpPr>
       <p:sp>
@@ -3207,269 +2094,82 @@
           <a:lstStyle/>
           <a:p>
             <a:r>
-              <a:rPr lang="zh-CN" sz="1200" b="0" i="0" strike="noStrike" cap="none" baseline="0">
-                <a:solidFill>
-                  <a:srgbClr val="000000"/>
-                </a:solidFill>
-                <a:effectLst/>
-                <a:latin typeface="SimSun"/>
-                <a:ea typeface="SimSun"/>
-                <a:cs typeface="SimSun"/>
-              </a:rPr>
-              <a:t>拉丁美洲市场为印度奶茶提供了巨大商机，因为该地区对健康、天然、异域特色产品的需求日益增长。</a:t>
-            </a:r>
-            <a:r>
-              <a:rPr lang="zh-CN" sz="1200" b="0" i="0" strike="noStrike" cap="none" baseline="0">
-                <a:solidFill>
-                  <a:srgbClr val="000000"/>
-                </a:solidFill>
-                <a:effectLst/>
-                <a:latin typeface="SimSun"/>
-                <a:ea typeface="SimSun"/>
-                <a:cs typeface="SimSun"/>
-              </a:rPr>
-              <a:t>2019 年，全球印度奶茶市场规模为 19 亿美元，预计 2020 年至 2027 年复合年均增长率为 5.5%，其中拉丁美洲是增长最快的地区之一。</a:t>
-            </a:r>
-            <a:r>
-              <a:rPr lang="zh-CN" sz="1200" b="0" i="0" strike="noStrike" cap="none" baseline="0">
-                <a:solidFill>
-                  <a:srgbClr val="000000"/>
-                </a:solidFill>
-                <a:effectLst/>
-                <a:latin typeface="SimSun"/>
-                <a:ea typeface="SimSun"/>
-                <a:cs typeface="SimSun"/>
-              </a:rPr>
-              <a:t>增长的主要驱动力包括认知度的提高、可支配收入的增加以及分销范围的扩大。</a:t>
-            </a:r>
-            <a:r>
-              <a:rPr sz="1200"/>
-              <a:t>
-</a:t>
-            </a:r>
-            <a:r>
-              <a:rPr sz="1200"/>
-              <a:t>
-</a:t>
-            </a:r>
-            <a:r>
-              <a:rPr sz="1200"/>
-              <a:t>
-</a:t>
-            </a:r>
-            <a:r>
-              <a:rPr lang="zh-CN" sz="1200" b="0" i="0" strike="noStrike" cap="none" baseline="0">
-                <a:solidFill>
-                  <a:srgbClr val="000000"/>
-                </a:solidFill>
-                <a:effectLst/>
-                <a:latin typeface="SimSun"/>
-                <a:ea typeface="SimSun"/>
-                <a:cs typeface="SimSun"/>
-              </a:rPr>
+              <a:rPr lang="zh-CN"/>
+              <a:t>拉丁美洲市场为印度奶茶提供了巨大商机，因为该地区对健康、天然、异域特色产品的需求日益增长。2019 年，全球印度奶茶市场规模为 19 亿美元，预计 2020 年至 2027 年复合年均增长率为 5.5%，其中拉丁美洲是增长最快的地区之一。增长的主要驱动力包括认知度的提高、可支配收入的增加以及分销范围的扩大。</a:t>
+            </a:r>
+            <a:br>
+              <a:rPr lang="zh-CN"/>
+            </a:br>
+            <a:br>
+              <a:rPr lang="zh-CN"/>
+            </a:br>
+            <a:br>
+              <a:rPr lang="zh-CN"/>
+            </a:br>
+            <a:r>
+              <a:rPr lang="zh-CN"/>
               <a:t>原始内容：</a:t>
             </a:r>
-            <a:r>
-              <a:rPr sz="1200"/>
-              <a:t>
-</a:t>
-            </a:r>
-            <a:r>
-              <a:rPr lang="zh-CN" sz="1200" b="0" i="0" strike="noStrike" cap="none" baseline="0">
-                <a:solidFill>
-                  <a:srgbClr val="000000"/>
-                </a:solidFill>
-                <a:effectLst/>
-                <a:latin typeface="SimSun"/>
-                <a:ea typeface="SimSun"/>
-                <a:cs typeface="SimSun"/>
-              </a:rPr>
+            <a:br>
+              <a:rPr lang="zh-CN"/>
+            </a:br>
+            <a:r>
+              <a:rPr lang="zh-CN"/>
               <a:t>市场趋势和需求</a:t>
             </a:r>
-            <a:r>
-              <a:rPr sz="1200"/>
-              <a:t>
-</a:t>
-            </a:r>
-            <a:r>
-              <a:rPr lang="zh-CN" sz="1200" b="0" i="0" strike="noStrike" cap="none" baseline="0">
-                <a:solidFill>
-                  <a:srgbClr val="000000"/>
-                </a:solidFill>
-                <a:effectLst/>
-                <a:latin typeface="SimSun"/>
-                <a:ea typeface="SimSun"/>
-                <a:cs typeface="SimSun"/>
-              </a:rPr>
-              <a:t>拉丁美洲市场为印度奶茶提供了巨大商机，因为该地区对健康、天然、异域特色产品的需求日益增长。</a:t>
-            </a:r>
-            <a:r>
-              <a:rPr lang="zh-CN" sz="1200" b="0" i="0" strike="noStrike" cap="none" baseline="0">
-                <a:solidFill>
-                  <a:srgbClr val="000000"/>
-                </a:solidFill>
-                <a:effectLst/>
-                <a:latin typeface="SimSun"/>
-                <a:ea typeface="SimSun"/>
-                <a:cs typeface="SimSun"/>
-              </a:rPr>
-              <a:t>该地区还拥有深厚的茶文化，尤其是在阿根廷、智利和乌拉圭等国家/地区，马黛茶饮料在这些地方深受欢迎。</a:t>
-            </a:r>
-            <a:r>
-              <a:rPr lang="zh-CN" sz="1200" b="0" i="0" strike="noStrike" cap="none" baseline="0">
-                <a:solidFill>
-                  <a:srgbClr val="000000"/>
-                </a:solidFill>
-                <a:effectLst/>
-                <a:latin typeface="SimSun"/>
-                <a:ea typeface="SimSun"/>
-                <a:cs typeface="SimSun"/>
-              </a:rPr>
-              <a:t>印度奶茶既能吸引茶叶爱好者，也能吸引喜欢喝咖啡的人群，因为它不仅能提供类似咖啡因的提神效果，还有更复杂的风味。</a:t>
-            </a:r>
-            <a:r>
-              <a:rPr lang="zh-CN" sz="1200" b="0" i="0" strike="noStrike" cap="none" baseline="0">
-                <a:solidFill>
-                  <a:srgbClr val="000000"/>
-                </a:solidFill>
-                <a:effectLst/>
-                <a:latin typeface="SimSun"/>
-                <a:ea typeface="SimSun"/>
-                <a:cs typeface="SimSun"/>
-              </a:rPr>
-              <a:t>印度奶茶也符合拉丁美洲消费者的生活方式和喜好，他们喜欢社交、分享并尽情享受甜食。</a:t>
-            </a:r>
-            <a:r>
-              <a:rPr sz="1200"/>
-              <a:t>
-</a:t>
-            </a:r>
-            <a:r>
-              <a:rPr lang="zh-CN" sz="1200" b="0" i="0" strike="noStrike" cap="none" baseline="0">
-                <a:solidFill>
-                  <a:srgbClr val="000000"/>
-                </a:solidFill>
-                <a:effectLst/>
-                <a:latin typeface="SimSun"/>
-                <a:ea typeface="SimSun"/>
-                <a:cs typeface="SimSun"/>
-              </a:rPr>
-              <a:t>根据 Grand View Research 的一份报告，2019 年全球印度奶茶市场规模达 19 亿美元，预计 2020 年至 2027 年的复合年增长率 (CAGR) 将达到 5.5%。</a:t>
-            </a:r>
-            <a:r>
-              <a:rPr lang="zh-CN" sz="1200" b="0" i="0" strike="noStrike" cap="none" baseline="0">
-                <a:solidFill>
-                  <a:srgbClr val="000000"/>
-                </a:solidFill>
-                <a:effectLst/>
-                <a:latin typeface="SimSun"/>
-                <a:ea typeface="SimSun"/>
-                <a:cs typeface="SimSun"/>
-              </a:rPr>
-              <a:t>报告还指出，拉丁美洲是印度奶茶增长最快的地区之一，2020 年至 2027 年的复合年增长率将达到 6.2%。</a:t>
-            </a:r>
-            <a:r>
-              <a:rPr lang="zh-CN" sz="1200" b="0" i="0" strike="noStrike" cap="none" baseline="0">
-                <a:solidFill>
-                  <a:srgbClr val="000000"/>
-                </a:solidFill>
-                <a:effectLst/>
-                <a:latin typeface="SimSun"/>
-                <a:ea typeface="SimSun"/>
-                <a:cs typeface="SimSun"/>
-              </a:rPr>
-              <a:t>拉丁美洲的印度奶茶销售增长的主要推动力包括：</a:t>
-            </a:r>
-            <a:r>
-              <a:rPr sz="1200"/>
-              <a:t>
-</a:t>
-            </a:r>
-            <a:r>
-              <a:rPr lang="zh-CN" sz="1200" b="0" i="0" strike="noStrike" cap="none" baseline="0">
-                <a:solidFill>
-                  <a:srgbClr val="000000"/>
-                </a:solidFill>
-                <a:effectLst/>
-                <a:latin typeface="SimSun"/>
-                <a:ea typeface="SimSun"/>
-                <a:cs typeface="SimSun"/>
-              </a:rPr>
-              <a:t>·        人们对印度奶茶的健康功效和文化内涵的认识和兴趣日益增强</a:t>
-            </a:r>
-            <a:r>
-              <a:rPr sz="1200"/>
-              <a:t>
-</a:t>
-            </a:r>
-            <a:r>
-              <a:rPr lang="zh-CN" sz="1200" b="0" i="0" strike="noStrike" cap="none" baseline="0">
-                <a:solidFill>
-                  <a:srgbClr val="000000"/>
-                </a:solidFill>
-                <a:effectLst/>
-                <a:latin typeface="SimSun"/>
-                <a:ea typeface="SimSun"/>
-                <a:cs typeface="SimSun"/>
-              </a:rPr>
-              <a:t>·        中产阶级消费者的可支配收入和消费能力不断提高</a:t>
-            </a:r>
-            <a:r>
-              <a:rPr sz="1200"/>
-              <a:t>
-</a:t>
-            </a:r>
-            <a:r>
-              <a:rPr lang="zh-CN" sz="1200" b="0" i="0" strike="noStrike" cap="none" baseline="0">
-                <a:solidFill>
-                  <a:srgbClr val="000000"/>
-                </a:solidFill>
-                <a:effectLst/>
-                <a:latin typeface="SimSun"/>
-                <a:ea typeface="SimSun"/>
-                <a:cs typeface="SimSun"/>
-              </a:rPr>
-              <a:t>·        特色茶和高档茶在年轻人和城市群体中越来越受欢迎</a:t>
-            </a:r>
-            <a:r>
-              <a:rPr sz="1200"/>
-              <a:t>
-</a:t>
-            </a:r>
-            <a:r>
-              <a:rPr lang="zh-CN" sz="1200" b="0" i="0" strike="noStrike" cap="none" baseline="0">
-                <a:solidFill>
-                  <a:srgbClr val="000000"/>
-                </a:solidFill>
-                <a:effectLst/>
-                <a:latin typeface="SimSun"/>
-                <a:ea typeface="SimSun"/>
-                <a:cs typeface="SimSun"/>
-              </a:rPr>
-              <a:t>·        印度奶茶产品在各种渠道（如超市、咖啡馆和在线平台）的分销和供应不断扩大</a:t>
-            </a:r>
-            <a:r>
-              <a:rPr sz="1200"/>
-              <a:t>
-</a:t>
-            </a:r>
-            <a:r>
-              <a:rPr lang="zh-CN" sz="1200" b="0" i="0" strike="noStrike" cap="none" baseline="0">
-                <a:solidFill>
-                  <a:srgbClr val="000000"/>
-                </a:solidFill>
-                <a:effectLst/>
-                <a:latin typeface="SimSun"/>
-                <a:ea typeface="SimSun"/>
-                <a:cs typeface="SimSun"/>
-              </a:rPr>
-              <a:t>·        新口味和创新形式的印度奶茶不断涌现，如即饮茶、速溶茶和有机茶</a:t>
-            </a:r>
-            <a:r>
-              <a:rPr sz="1200"/>
-              <a:t>
-</a:t>
-            </a:r>
+            <a:br>
+              <a:rPr lang="zh-CN"/>
+            </a:br>
+            <a:r>
+              <a:rPr lang="zh-CN"/>
+              <a:t>拉丁美洲市场为印度奶茶提供了巨大商机，因为该地区对健康、天然、异域特色产品的需求日益增长。该地区还拥有深厚的茶文化，尤其是在阿根廷、智利和乌拉圭等国家/地区，马黛茶饮料在这些地方深受欢迎。印度奶茶既能吸引茶叶爱好者，也能吸引喜欢喝咖啡的人群，因为它不仅能提供类似咖啡因的提神效果，还有更复杂的风味。印度奶茶也符合拉丁美洲消费者的生活方式和喜好，他们喜欢社交、分享并尽情享受甜食。</a:t>
+            </a:r>
+            <a:br>
+              <a:rPr lang="zh-CN"/>
+            </a:br>
+            <a:r>
+              <a:rPr lang="zh-CN"/>
+              <a:t>根据 Grand View Research 的一份报告，2019 年全球印度奶茶市场规模达 19 亿美元，预计 2020 年至 2027 年的复合年增长率 (CAGR) 将达到 5.5%。报告还指出，拉丁美洲是印度奶茶增长最快的地区之一，2020 年至 2027 年的复合年增长率将达到 6.2%。印度奶茶在拉丁美洲实现增长的主要驱动因素包括：</a:t>
+            </a:r>
+            <a:br>
+              <a:rPr lang="zh-CN"/>
+            </a:br>
+            <a:r>
+              <a:rPr lang="zh-CN"/>
+              <a:t>·         人们对印度奶茶的健康益处和文化内涵的认识和兴趣日益增加</a:t>
+            </a:r>
+            <a:br>
+              <a:rPr lang="zh-CN"/>
+            </a:br>
+            <a:r>
+              <a:rPr lang="zh-CN"/>
+              <a:t>·         中产阶级消费者的可支配收入和消费能力不断提高</a:t>
+            </a:r>
+            <a:br>
+              <a:rPr lang="zh-CN"/>
+            </a:br>
+            <a:r>
+              <a:rPr lang="zh-CN"/>
+              <a:t>·         特色茶和优质茶在年轻人和城市群体中越来越受欢迎</a:t>
+            </a:r>
+            <a:br>
+              <a:rPr lang="zh-CN"/>
+            </a:br>
+            <a:r>
+              <a:rPr lang="zh-CN"/>
+              <a:t>·         印度奶茶产品在超市、咖啡馆和在线平台等各种渠道的销售和供应不断扩大</a:t>
+            </a:r>
+            <a:br>
+              <a:rPr lang="zh-CN"/>
+            </a:br>
+            <a:r>
+              <a:rPr lang="zh-CN"/>
+              <a:t>·         印度奶茶出现了新的创新口味和形式，例如即饮、速溶和有机品种</a:t>
+            </a:r>
+            <a:br>
+              <a:rPr lang="zh-CN"/>
+            </a:br>
+            <a:endParaRPr lang="zh-CN"/>
           </a:p>
         </p:txBody>
       </p:sp>
@@ -3510,8 +2210,8 @@
 </file>
 
 <file path=ppt/notesSlides/notesSlide8.xml><?xml version="1.0" encoding="utf-8"?>
-<p:notes xmlns:a="http://schemas.openxmlformats.org/drawingml/2006/main" xmlns:r="http://schemas.openxmlformats.org/officeDocument/2006/relationships" xmlns:m="http://schemas.openxmlformats.org/officeDocument/2006/math" xmlns:w="http://schemas.openxmlformats.org/wordprocessingml/2006/main" xmlns:wp="http://schemas.openxmlformats.org/drawingml/2006/wordprocessingDrawing" xmlns:a14="http://schemas.microsoft.com/office/drawing/2010/main" xmlns:mc="http://schemas.openxmlformats.org/markup-compatibility/2006" xmlns:p14="http://schemas.microsoft.com/office/powerpoint/2010/main" xmlns:p="http://schemas.openxmlformats.org/presentationml/2006/main">
-  <p:cSld name="">
+<p:notes xmlns:a="http://schemas.openxmlformats.org/drawingml/2006/main" xmlns:r="http://schemas.openxmlformats.org/officeDocument/2006/relationships" xmlns:p="http://schemas.openxmlformats.org/presentationml/2006/main">
+  <p:cSld>
     <p:spTree>
       <p:nvGrpSpPr>
         <p:cNvPr id="1" name=""/>
@@ -3522,6 +2222,8 @@
         <a:xfrm>
           <a:off x="0" y="0"/>
           <a:ext cx="0" cy="0"/>
+          <a:chOff x="0" y="0"/>
+          <a:chExt cx="0" cy="0"/>
         </a:xfrm>
       </p:grpSpPr>
       <p:sp>
@@ -3552,167 +2254,40 @@
           <a:lstStyle/>
           <a:p>
             <a:r>
-              <a:rPr lang="zh-CN" sz="1200" b="0" i="0" strike="noStrike" cap="none" baseline="0">
-                <a:solidFill>
-                  <a:srgbClr val="000000"/>
-                </a:solidFill>
-                <a:effectLst/>
-                <a:latin typeface="SimSun"/>
-                <a:ea typeface="SimSun"/>
-                <a:cs typeface="SimSun"/>
-              </a:rPr>
-              <a:t>在拉丁美洲，印度奶茶通过零售商、批发商和分销商进行销售。</a:t>
-            </a:r>
-            <a:r>
-              <a:rPr lang="zh-CN" sz="1200" b="0" i="0" strike="noStrike" cap="none" baseline="0">
-                <a:solidFill>
-                  <a:srgbClr val="000000"/>
-                </a:solidFill>
-                <a:effectLst/>
-                <a:latin typeface="SimSun"/>
-                <a:ea typeface="SimSun"/>
-                <a:cs typeface="SimSun"/>
-              </a:rPr>
-              <a:t>超市和咖啡馆等零售商直接向消费者销售产品，并可以影响消费者的认知和购买行为。</a:t>
-            </a:r>
-            <a:r>
-              <a:rPr lang="zh-CN" sz="1200" b="0" i="0" strike="noStrike" cap="none" baseline="0">
-                <a:solidFill>
-                  <a:srgbClr val="000000"/>
-                </a:solidFill>
-                <a:effectLst/>
-                <a:latin typeface="SimSun"/>
-                <a:ea typeface="SimSun"/>
-                <a:cs typeface="SimSun"/>
-              </a:rPr>
-              <a:t>主要零售商包括沃尔玛和星巴克。</a:t>
-            </a:r>
-            <a:r>
-              <a:rPr lang="zh-CN" sz="1200" b="0" i="0" strike="noStrike" cap="none" baseline="0">
-                <a:solidFill>
-                  <a:srgbClr val="000000"/>
-                </a:solidFill>
-                <a:effectLst/>
-                <a:latin typeface="SimSun"/>
-                <a:ea typeface="SimSun"/>
-                <a:cs typeface="SimSun"/>
-              </a:rPr>
-              <a:t>批发商批量销售给零售商，而分销商将产品从制造商运送到零售商。</a:t>
-            </a:r>
-            <a:r>
-              <a:rPr sz="1200"/>
-              <a:t>
-</a:t>
-            </a:r>
-            <a:r>
-              <a:rPr sz="1200"/>
-              <a:t>
-</a:t>
-            </a:r>
-            <a:r>
-              <a:rPr sz="1200"/>
-              <a:t>
-</a:t>
-            </a:r>
-            <a:r>
-              <a:rPr lang="zh-CN" sz="1200" b="0" i="0" strike="noStrike" cap="none" baseline="0">
-                <a:solidFill>
-                  <a:srgbClr val="000000"/>
-                </a:solidFill>
-                <a:effectLst/>
-                <a:latin typeface="SimSun"/>
-                <a:ea typeface="SimSun"/>
-                <a:cs typeface="SimSun"/>
-              </a:rPr>
+              <a:rPr lang="zh-CN"/>
+              <a:t>在拉丁美洲，印度奶茶通过零售商、批发商和分销商进行销售。超市和咖啡馆等零售商直接向消费者销售产品，并可以影响消费者的认知和购买行为。主要零售商包括沃尔玛和星巴克。批发商将产品批量销售给零售商，而分销商则将产品从制造商运送到零售商。</a:t>
+            </a:r>
+            <a:br>
+              <a:rPr lang="zh-CN"/>
+            </a:br>
+            <a:br>
+              <a:rPr lang="zh-CN"/>
+            </a:br>
+            <a:br>
+              <a:rPr lang="zh-CN"/>
+            </a:br>
+            <a:r>
+              <a:rPr lang="zh-CN"/>
               <a:t>原始内容：</a:t>
             </a:r>
-            <a:r>
-              <a:rPr sz="1200"/>
-              <a:t>
-</a:t>
-            </a:r>
-            <a:r>
-              <a:rPr lang="zh-CN" sz="1200" b="0" i="0" strike="noStrike" cap="none" baseline="0">
-                <a:solidFill>
-                  <a:srgbClr val="000000"/>
-                </a:solidFill>
-                <a:effectLst/>
-                <a:latin typeface="SimSun"/>
-                <a:ea typeface="SimSun"/>
-                <a:cs typeface="SimSun"/>
-              </a:rPr>
-              <a:t>拉丁美洲印度奶茶的分销渠道是指印度奶茶产品运送和销售给最终消费者的方式方法。</a:t>
-            </a:r>
-            <a:r>
-              <a:rPr lang="zh-CN" sz="1200" b="0" i="0" strike="noStrike" cap="none" baseline="0">
-                <a:solidFill>
-                  <a:srgbClr val="000000"/>
-                </a:solidFill>
-                <a:effectLst/>
-                <a:latin typeface="SimSun"/>
-                <a:ea typeface="SimSun"/>
-                <a:cs typeface="SimSun"/>
-              </a:rPr>
-              <a:t>拉丁美洲印度奶茶的分销渠道可分为三类：零售商、批发商和分销商。</a:t>
-            </a:r>
-            <a:r>
-              <a:rPr sz="1200"/>
-              <a:t>
-</a:t>
-            </a:r>
-            <a:r>
-              <a:rPr lang="zh-CN" sz="1200" b="0" i="0" strike="noStrike" cap="none" baseline="0">
-                <a:solidFill>
-                  <a:srgbClr val="000000"/>
-                </a:solidFill>
-                <a:effectLst/>
-                <a:latin typeface="SimSun"/>
-                <a:ea typeface="SimSun"/>
-                <a:cs typeface="SimSun"/>
-              </a:rPr>
-              <a:t>零售商是直接向消费者销售印度奶茶产品的企业，例如超市、便利店、专卖店、咖啡馆以及在线平台。</a:t>
-            </a:r>
-            <a:r>
-              <a:rPr lang="zh-CN" sz="1200" b="0" i="0" strike="noStrike" cap="none" baseline="0">
-                <a:solidFill>
-                  <a:srgbClr val="000000"/>
-                </a:solidFill>
-                <a:effectLst/>
-                <a:latin typeface="SimSun"/>
-                <a:ea typeface="SimSun"/>
-                <a:cs typeface="SimSun"/>
-              </a:rPr>
-              <a:t>零售商是印度奶茶产品最容易被看到和接触到的渠道，他们可以影响消费者对印度奶茶产品的认知、偏好和购买行为。</a:t>
-            </a:r>
-            <a:r>
-              <a:rPr lang="zh-CN" sz="1200" b="0" i="0" strike="noStrike" cap="none" baseline="0">
-                <a:solidFill>
-                  <a:srgbClr val="000000"/>
-                </a:solidFill>
-                <a:effectLst/>
-                <a:latin typeface="SimSun"/>
-                <a:ea typeface="SimSun"/>
-                <a:cs typeface="SimSun"/>
-              </a:rPr>
-              <a:t>零售商还可以为印度奶茶产品提供推广和营销支持，例如展示、标牌和货架空间。</a:t>
-            </a:r>
-            <a:r>
-              <a:rPr lang="zh-CN" sz="1200" b="0" i="0" strike="noStrike" cap="none" baseline="0">
-                <a:solidFill>
-                  <a:srgbClr val="000000"/>
-                </a:solidFill>
-                <a:effectLst/>
-                <a:latin typeface="SimSun"/>
-                <a:ea typeface="SimSun"/>
-                <a:cs typeface="SimSun"/>
-              </a:rPr>
-              <a:t>印度奶茶产品在拉丁美洲的主要零售商有沃尔玛、家乐福、Oxxo、星巴克和亚马逊。</a:t>
-            </a:r>
-            <a:r>
-              <a:rPr sz="1200"/>
-              <a:t>
-</a:t>
-            </a:r>
+            <a:br>
+              <a:rPr lang="zh-CN"/>
+            </a:br>
+            <a:r>
+              <a:rPr lang="zh-CN"/>
+              <a:t>拉丁美洲印度奶茶的分销渠道是指印度奶茶产品运送和销售给最终消费者的方式方法。印度奶茶在拉丁美洲的分销渠道可分为三种类型：零售商、批发商和分销商。</a:t>
+            </a:r>
+            <a:br>
+              <a:rPr lang="zh-CN"/>
+            </a:br>
+            <a:r>
+              <a:rPr lang="zh-CN"/>
+              <a:t>零售商是直接向消费者销售印度奶茶产品的企业，例如超市、便利店、专卖店、咖啡馆以及在线平台。零售商是印度奶茶产品最容易被看到和接触到的渠道，他们可以影响消费者对印度奶茶产品的认知、偏好和购买行为。零售商还可以为印度奶茶产品提供推广和营销支持，例如展示、标牌和货架空间。印度奶茶产品在拉丁美洲的主要零售商有沃尔玛、家乐福、Oxxo、星巴克和亚马逊。</a:t>
+            </a:r>
+            <a:br>
+              <a:rPr lang="zh-CN"/>
+            </a:br>
+            <a:endParaRPr lang="zh-CN"/>
           </a:p>
         </p:txBody>
       </p:sp>
@@ -3753,8 +2328,8 @@
 </file>
 
 <file path=ppt/notesSlides/notesSlide9.xml><?xml version="1.0" encoding="utf-8"?>
-<p:notes xmlns:a="http://schemas.openxmlformats.org/drawingml/2006/main" xmlns:r="http://schemas.openxmlformats.org/officeDocument/2006/relationships" xmlns:m="http://schemas.openxmlformats.org/officeDocument/2006/math" xmlns:w="http://schemas.openxmlformats.org/wordprocessingml/2006/main" xmlns:wp="http://schemas.openxmlformats.org/drawingml/2006/wordprocessingDrawing" xmlns:a14="http://schemas.microsoft.com/office/drawing/2010/main" xmlns:mc="http://schemas.openxmlformats.org/markup-compatibility/2006" xmlns:p14="http://schemas.microsoft.com/office/powerpoint/2010/main" xmlns:p="http://schemas.openxmlformats.org/presentationml/2006/main">
-  <p:cSld name="">
+<p:notes xmlns:a="http://schemas.openxmlformats.org/drawingml/2006/main" xmlns:r="http://schemas.openxmlformats.org/officeDocument/2006/relationships" xmlns:p="http://schemas.openxmlformats.org/presentationml/2006/main">
+  <p:cSld>
     <p:spTree>
       <p:nvGrpSpPr>
         <p:cNvPr id="1" name=""/>
@@ -3765,6 +2340,8 @@
         <a:xfrm>
           <a:off x="0" y="0"/>
           <a:ext cx="0" cy="0"/>
+          <a:chOff x="0" y="0"/>
+          <a:chExt cx="0" cy="0"/>
         </a:xfrm>
       </p:grpSpPr>
       <p:sp>
@@ -3795,126 +2372,33 @@
           <a:lstStyle/>
           <a:p>
             <a:r>
-              <a:rPr lang="zh-CN" sz="1200" b="0" i="0" strike="noStrike" cap="none" baseline="0">
-                <a:solidFill>
-                  <a:srgbClr val="000000"/>
-                </a:solidFill>
-                <a:effectLst/>
-                <a:latin typeface="SimSun"/>
-                <a:ea typeface="SimSun"/>
-                <a:cs typeface="SimSun"/>
-              </a:rPr>
-              <a:t>批发商批量购买印度奶茶产品，然后将其出售给零售商或其他中间商。</a:t>
-            </a:r>
-            <a:r>
-              <a:rPr lang="zh-CN" sz="1200" b="0" i="0" strike="noStrike" cap="none" baseline="0">
-                <a:solidFill>
-                  <a:srgbClr val="000000"/>
-                </a:solidFill>
-                <a:effectLst/>
-                <a:latin typeface="SimSun"/>
-                <a:ea typeface="SimSun"/>
-                <a:cs typeface="SimSun"/>
-              </a:rPr>
-              <a:t>他们将印度奶茶产品的供需双方连接起来，并提供各种服务。</a:t>
-            </a:r>
-            <a:r>
-              <a:rPr lang="zh-CN" sz="1200" b="0" i="0" strike="noStrike" cap="none" baseline="0">
-                <a:solidFill>
-                  <a:srgbClr val="000000"/>
-                </a:solidFill>
-                <a:effectLst/>
-                <a:latin typeface="SimSun"/>
-                <a:ea typeface="SimSun"/>
-                <a:cs typeface="SimSun"/>
-              </a:rPr>
-              <a:t>拉丁美洲主要的批发商包括 Cencosud、Grupo Pao de Acucar、La Anonima 和 Makro。</a:t>
-            </a:r>
-            <a:r>
-              <a:rPr sz="1200"/>
-              <a:t>
-</a:t>
-            </a:r>
-            <a:r>
-              <a:rPr sz="1200"/>
-              <a:t>
-</a:t>
-            </a:r>
-            <a:r>
-              <a:rPr sz="1200"/>
-              <a:t>
-</a:t>
-            </a:r>
-            <a:r>
-              <a:rPr lang="zh-CN" sz="1200" b="0" i="0" strike="noStrike" cap="none" baseline="0">
-                <a:solidFill>
-                  <a:srgbClr val="000000"/>
-                </a:solidFill>
-                <a:effectLst/>
-                <a:latin typeface="SimSun"/>
-                <a:ea typeface="SimSun"/>
-                <a:cs typeface="SimSun"/>
-              </a:rPr>
+              <a:rPr lang="zh-CN"/>
+              <a:t>批发商批量购买印度奶茶产品，然后将其出售给零售商或其他中间商。他们将印度奶茶产品的供需双方连接起来，并提供各种服务。拉丁美洲的主要批发商有 Cencosud、Grupo Pao de Acucar、La Anonima 和 Makro。</a:t>
+            </a:r>
+            <a:br>
+              <a:rPr lang="zh-CN"/>
+            </a:br>
+            <a:br>
+              <a:rPr lang="zh-CN"/>
+            </a:br>
+            <a:br>
+              <a:rPr lang="zh-CN"/>
+            </a:br>
+            <a:r>
+              <a:rPr lang="zh-CN"/>
               <a:t>原始内容：</a:t>
             </a:r>
-            <a:r>
-              <a:rPr sz="1200"/>
-              <a:t>
-</a:t>
-            </a:r>
-            <a:r>
-              <a:rPr lang="zh-CN" sz="1200" b="0" i="0" strike="noStrike" cap="none" baseline="0">
-                <a:solidFill>
-                  <a:srgbClr val="000000"/>
-                </a:solidFill>
-                <a:effectLst/>
-                <a:latin typeface="SimSun"/>
-                <a:ea typeface="SimSun"/>
-                <a:cs typeface="SimSun"/>
-              </a:rPr>
-              <a:t>批发商是指从制造商或分销商处批量购买印度奶茶产品，然后将其出售给零售商或其他中间商的企业。</a:t>
-            </a:r>
-            <a:r>
-              <a:rPr lang="zh-CN" sz="1200" b="0" i="0" strike="noStrike" cap="none" baseline="0">
-                <a:solidFill>
-                  <a:srgbClr val="000000"/>
-                </a:solidFill>
-                <a:effectLst/>
-                <a:latin typeface="SimSun"/>
-                <a:ea typeface="SimSun"/>
-                <a:cs typeface="SimSun"/>
-              </a:rPr>
-              <a:t>批发商是连接印度奶茶产品供需双方的纽带，可以为印度奶茶产品提供规模经济、储存和运输服务。</a:t>
-            </a:r>
-            <a:r>
-              <a:rPr lang="zh-CN" sz="1200" b="0" i="0" strike="noStrike" cap="none" baseline="0">
-                <a:solidFill>
-                  <a:srgbClr val="000000"/>
-                </a:solidFill>
-                <a:effectLst/>
-                <a:latin typeface="SimSun"/>
-                <a:ea typeface="SimSun"/>
-                <a:cs typeface="SimSun"/>
-              </a:rPr>
-              <a:t>批发商还可以提供印度奶茶产品的市场信息、反馈和信贷服务。</a:t>
-            </a:r>
-            <a:r>
-              <a:rPr lang="zh-CN" sz="1200" b="0" i="0" strike="noStrike" cap="none" baseline="0">
-                <a:solidFill>
-                  <a:srgbClr val="000000"/>
-                </a:solidFill>
-                <a:effectLst/>
-                <a:latin typeface="SimSun"/>
-                <a:ea typeface="SimSun"/>
-                <a:cs typeface="SimSun"/>
-              </a:rPr>
-              <a:t>在拉丁美洲，主要的印度奶茶产品批发商有 Cencosud、Grupo Pao de Acucar、La Anonima 和 Makro。</a:t>
-            </a:r>
-            <a:r>
-              <a:rPr sz="1200"/>
-              <a:t>
-</a:t>
-            </a:r>
+            <a:br>
+              <a:rPr lang="zh-CN"/>
+            </a:br>
+            <a:r>
+              <a:rPr lang="zh-CN"/>
+              <a:t>批发商是指从制造商或分销商处批量购买印度奶茶产品，然后将其出售给零售商或其他中间商的企业。批发商是连接印度奶茶产品供需双方的纽带，可以为印度奶茶产品提供规模经济、储存和运输服务。批发商还可以提供印度奶茶产品的市场信息、反馈和信贷服务。在拉丁美洲，主要的印度奶茶产品批发商有 Cencosud、Grupo Pao de Acucar、La Anonima 和 Makro。</a:t>
+            </a:r>
+            <a:br>
+              <a:rPr lang="zh-CN"/>
+            </a:br>
+            <a:endParaRPr lang="zh-CN"/>
           </a:p>
         </p:txBody>
       </p:sp>
@@ -3955,7 +2439,7 @@
 </file>
 
 <file path=ppt/slideLayouts/slideLayout1.xml><?xml version="1.0" encoding="utf-8"?>
-<p:sldLayout xmlns:a="http://schemas.openxmlformats.org/drawingml/2006/main" xmlns:r="http://schemas.openxmlformats.org/officeDocument/2006/relationships" xmlns:m="http://schemas.openxmlformats.org/officeDocument/2006/math" xmlns:w="http://schemas.openxmlformats.org/wordprocessingml/2006/main" xmlns:wp="http://schemas.openxmlformats.org/drawingml/2006/wordprocessingDrawing" xmlns:a14="http://schemas.microsoft.com/office/drawing/2010/main" xmlns:mc="http://schemas.openxmlformats.org/markup-compatibility/2006" xmlns:p14="http://schemas.microsoft.com/office/powerpoint/2010/main" xmlns:p15="http://schemas.microsoft.com/office/powerpoint/2012/main" xmlns:p159="http://schemas.microsoft.com/office/powerpoint/2015/09/main" xmlns:p="http://schemas.openxmlformats.org/presentationml/2006/main" showMasterSp="0" type="title" preserve="1">
+<p:sldLayout xmlns:a="http://schemas.openxmlformats.org/drawingml/2006/main" xmlns:r="http://schemas.openxmlformats.org/officeDocument/2006/relationships" xmlns:p="http://schemas.openxmlformats.org/presentationml/2006/main" showMasterSp="0" type="title" preserve="1">
   <p:cSld name="Title Slide">
     <p:spTree>
       <p:nvGrpSpPr>
@@ -3967,6 +2451,8 @@
         <a:xfrm>
           <a:off x="0" y="0"/>
           <a:ext cx="0" cy="0"/>
+          <a:chOff x="0" y="0"/>
+          <a:chExt cx="0" cy="0"/>
         </a:xfrm>
       </p:grpSpPr>
       <p:sp>
@@ -4012,11 +2498,6 @@
             <a:schemeClr val="lt1"/>
           </a:fontRef>
         </p:style>
-        <p:txBody>
-          <a:bodyPr/>
-          <a:lstStyle/>
-          <a:p/>
-        </p:txBody>
       </p:sp>
       <p:sp>
         <p:nvSpPr>
@@ -4058,7 +2539,7 @@
               <a:rPr lang="en-US"/>
               <a:t>Click to edit Master title style</a:t>
             </a:r>
-            <a:endParaRPr lang="en-US"/>
+            <a:endParaRPr lang="en-US" dirty="0"/>
           </a:p>
         </p:txBody>
       </p:sp>
@@ -4130,7 +2611,7 @@
               <a:rPr lang="en-US"/>
               <a:t>Click to edit Master subtitle style</a:t>
             </a:r>
-            <a:endParaRPr lang="en-US"/>
+            <a:endParaRPr lang="en-US" dirty="0"/>
           </a:p>
         </p:txBody>
       </p:sp>
@@ -4201,9 +2682,9 @@
           <a:p>
             <a:fld id="{9184DA70-C731-4C70-880D-CCD4705E623C}" type="datetime1">
               <a:rPr lang="en-US" smtClean="0"/>
-              <a:t>6/26/2024</a:t>
+              <a:t>6/2/2025</a:t>
             </a:fld>
-            <a:endParaRPr lang="en-US"/>
+            <a:endParaRPr lang="en-US" dirty="0"/>
           </a:p>
         </p:txBody>
       </p:sp>
@@ -4228,7 +2709,7 @@
           <a:bodyPr/>
           <a:lstStyle/>
           <a:p>
-            <a:endParaRPr lang="en-US"/>
+            <a:endParaRPr lang="en-US" dirty="0"/>
           </a:p>
         </p:txBody>
       </p:sp>
@@ -4257,7 +2738,7 @@
               <a:rPr lang="en-US" smtClean="0"/>
               <a:t>‹#›</a:t>
             </a:fld>
-            <a:endParaRPr lang="en-US"/>
+            <a:endParaRPr lang="en-US" dirty="0"/>
           </a:p>
         </p:txBody>
       </p:sp>
@@ -4271,13 +2752,11 @@
   <p:clrMapOvr>
     <a:masterClrMapping/>
   </p:clrMapOvr>
-  <p:transition/>
-  <p:timing/>
 </p:sldLayout>
 </file>
 
 <file path=ppt/slideLayouts/slideLayout10.xml><?xml version="1.0" encoding="utf-8"?>
-<p:sldLayout xmlns:a="http://schemas.openxmlformats.org/drawingml/2006/main" xmlns:r="http://schemas.openxmlformats.org/officeDocument/2006/relationships" xmlns:m="http://schemas.openxmlformats.org/officeDocument/2006/math" xmlns:w="http://schemas.openxmlformats.org/wordprocessingml/2006/main" xmlns:wp="http://schemas.openxmlformats.org/drawingml/2006/wordprocessingDrawing" xmlns:a14="http://schemas.microsoft.com/office/drawing/2010/main" xmlns:mc="http://schemas.openxmlformats.org/markup-compatibility/2006" xmlns:p14="http://schemas.microsoft.com/office/powerpoint/2010/main" xmlns:p15="http://schemas.microsoft.com/office/powerpoint/2012/main" xmlns:p159="http://schemas.microsoft.com/office/powerpoint/2015/09/main" xmlns:p="http://schemas.openxmlformats.org/presentationml/2006/main" type="vertTx" preserve="1">
+<p:sldLayout xmlns:a="http://schemas.openxmlformats.org/drawingml/2006/main" xmlns:r="http://schemas.openxmlformats.org/officeDocument/2006/relationships" xmlns:p="http://schemas.openxmlformats.org/presentationml/2006/main" type="vertTx" preserve="1">
   <p:cSld name="Title and Vertical Text">
     <p:spTree>
       <p:nvGrpSpPr>
@@ -4289,6 +2768,8 @@
         <a:xfrm>
           <a:off x="0" y="0"/>
           <a:ext cx="0" cy="0"/>
+          <a:chOff x="0" y="0"/>
+          <a:chExt cx="0" cy="0"/>
         </a:xfrm>
       </p:grpSpPr>
       <p:sp>
@@ -4310,7 +2791,7 @@
               <a:rPr lang="en-US"/>
               <a:t>Click to edit Master title style</a:t>
             </a:r>
-            <a:endParaRPr lang="en-US"/>
+            <a:endParaRPr lang="en-US" dirty="0"/>
           </a:p>
         </p:txBody>
       </p:sp>
@@ -4362,7 +2843,7 @@
               <a:rPr lang="en-US"/>
               <a:t>Fifth level</a:t>
             </a:r>
-            <a:endParaRPr lang="en-US"/>
+            <a:endParaRPr lang="en-US" dirty="0"/>
           </a:p>
         </p:txBody>
       </p:sp>
@@ -4389,9 +2870,9 @@
           <a:p>
             <a:fld id="{B612A279-0833-481D-8C56-F67FD0AC6C50}" type="datetime1">
               <a:rPr lang="en-US" smtClean="0"/>
-              <a:t>6/26/2024</a:t>
+              <a:t>6/2/2025</a:t>
             </a:fld>
-            <a:endParaRPr lang="en-US"/>
+            <a:endParaRPr lang="en-US" dirty="0"/>
           </a:p>
         </p:txBody>
       </p:sp>
@@ -4416,7 +2897,7 @@
           <a:bodyPr/>
           <a:lstStyle/>
           <a:p>
-            <a:endParaRPr lang="en-US"/>
+            <a:endParaRPr lang="en-US" dirty="0"/>
           </a:p>
         </p:txBody>
       </p:sp>
@@ -4445,7 +2926,7 @@
               <a:rPr lang="en-US" smtClean="0"/>
               <a:t>‹#›</a:t>
             </a:fld>
-            <a:endParaRPr lang="en-US"/>
+            <a:endParaRPr lang="en-US" dirty="0"/>
           </a:p>
         </p:txBody>
       </p:sp>
@@ -4459,13 +2940,11 @@
   <p:clrMapOvr>
     <a:masterClrMapping/>
   </p:clrMapOvr>
-  <p:transition/>
-  <p:timing/>
 </p:sldLayout>
 </file>
 
 <file path=ppt/slideLayouts/slideLayout11.xml><?xml version="1.0" encoding="utf-8"?>
-<p:sldLayout xmlns:a="http://schemas.openxmlformats.org/drawingml/2006/main" xmlns:r="http://schemas.openxmlformats.org/officeDocument/2006/relationships" xmlns:m="http://schemas.openxmlformats.org/officeDocument/2006/math" xmlns:w="http://schemas.openxmlformats.org/wordprocessingml/2006/main" xmlns:wp="http://schemas.openxmlformats.org/drawingml/2006/wordprocessingDrawing" xmlns:a14="http://schemas.microsoft.com/office/drawing/2010/main" xmlns:mc="http://schemas.openxmlformats.org/markup-compatibility/2006" xmlns:p14="http://schemas.microsoft.com/office/powerpoint/2010/main" xmlns:p15="http://schemas.microsoft.com/office/powerpoint/2012/main" xmlns:p159="http://schemas.microsoft.com/office/powerpoint/2015/09/main" xmlns:p="http://schemas.openxmlformats.org/presentationml/2006/main" showMasterSp="0" type="vertTitleAndTx" preserve="1">
+<p:sldLayout xmlns:a="http://schemas.openxmlformats.org/drawingml/2006/main" xmlns:r="http://schemas.openxmlformats.org/officeDocument/2006/relationships" xmlns:p="http://schemas.openxmlformats.org/presentationml/2006/main" showMasterSp="0" type="vertTitleAndTx" preserve="1">
   <p:cSld name="Vertical Title and Text">
     <p:spTree>
       <p:nvGrpSpPr>
@@ -4477,6 +2956,8 @@
         <a:xfrm>
           <a:off x="0" y="0"/>
           <a:ext cx="0" cy="0"/>
+          <a:chOff x="0" y="0"/>
+          <a:chExt cx="0" cy="0"/>
         </a:xfrm>
       </p:grpSpPr>
       <p:sp>
@@ -4522,11 +3003,6 @@
             <a:schemeClr val="lt1"/>
           </a:fontRef>
         </p:style>
-        <p:txBody>
-          <a:bodyPr/>
-          <a:lstStyle/>
-          <a:p/>
-        </p:txBody>
       </p:sp>
       <p:sp>
         <p:nvSpPr>
@@ -4552,7 +3028,7 @@
               <a:rPr lang="en-US"/>
               <a:t>Click to edit Master title style</a:t>
             </a:r>
-            <a:endParaRPr lang="en-US"/>
+            <a:endParaRPr lang="en-US" dirty="0"/>
           </a:p>
         </p:txBody>
       </p:sp>
@@ -4609,7 +3085,7 @@
               <a:rPr lang="en-US"/>
               <a:t>Fifth level</a:t>
             </a:r>
-            <a:endParaRPr lang="en-US"/>
+            <a:endParaRPr lang="en-US" dirty="0"/>
           </a:p>
         </p:txBody>
       </p:sp>
@@ -4636,9 +3112,9 @@
           <a:p>
             <a:fld id="{6587DA83-5663-4C9C-B9AA-0B40A3DAFF81}" type="datetime1">
               <a:rPr lang="en-US" smtClean="0"/>
-              <a:t>6/26/2024</a:t>
+              <a:t>6/2/2025</a:t>
             </a:fld>
-            <a:endParaRPr lang="en-US"/>
+            <a:endParaRPr lang="en-US" dirty="0"/>
           </a:p>
         </p:txBody>
       </p:sp>
@@ -4663,7 +3139,7 @@
           <a:bodyPr/>
           <a:lstStyle/>
           <a:p>
-            <a:endParaRPr lang="en-US"/>
+            <a:endParaRPr lang="en-US" dirty="0"/>
           </a:p>
         </p:txBody>
       </p:sp>
@@ -4692,7 +3168,7 @@
               <a:rPr lang="en-US" smtClean="0"/>
               <a:t>‹#›</a:t>
             </a:fld>
-            <a:endParaRPr lang="en-US"/>
+            <a:endParaRPr lang="en-US" dirty="0"/>
           </a:p>
         </p:txBody>
       </p:sp>
@@ -4706,13 +3182,11 @@
   <p:clrMapOvr>
     <a:masterClrMapping/>
   </p:clrMapOvr>
-  <p:transition/>
-  <p:timing/>
 </p:sldLayout>
 </file>
 
 <file path=ppt/slideLayouts/slideLayout2.xml><?xml version="1.0" encoding="utf-8"?>
-<p:sldLayout xmlns:a="http://schemas.openxmlformats.org/drawingml/2006/main" xmlns:r="http://schemas.openxmlformats.org/officeDocument/2006/relationships" xmlns:m="http://schemas.openxmlformats.org/officeDocument/2006/math" xmlns:w="http://schemas.openxmlformats.org/wordprocessingml/2006/main" xmlns:wp="http://schemas.openxmlformats.org/drawingml/2006/wordprocessingDrawing" xmlns:a14="http://schemas.microsoft.com/office/drawing/2010/main" xmlns:mc="http://schemas.openxmlformats.org/markup-compatibility/2006" xmlns:p14="http://schemas.microsoft.com/office/powerpoint/2010/main" xmlns:p15="http://schemas.microsoft.com/office/powerpoint/2012/main" xmlns:p159="http://schemas.microsoft.com/office/powerpoint/2015/09/main" xmlns:p="http://schemas.openxmlformats.org/presentationml/2006/main" type="obj" preserve="1">
+<p:sldLayout xmlns:a="http://schemas.openxmlformats.org/drawingml/2006/main" xmlns:r="http://schemas.openxmlformats.org/officeDocument/2006/relationships" xmlns:p="http://schemas.openxmlformats.org/presentationml/2006/main" type="obj" preserve="1">
   <p:cSld name="Title and Content">
     <p:spTree>
       <p:nvGrpSpPr>
@@ -4724,6 +3198,8 @@
         <a:xfrm>
           <a:off x="0" y="0"/>
           <a:ext cx="0" cy="0"/>
+          <a:chOff x="0" y="0"/>
+          <a:chExt cx="0" cy="0"/>
         </a:xfrm>
       </p:grpSpPr>
       <p:sp>
@@ -4745,7 +3221,7 @@
               <a:rPr lang="en-US"/>
               <a:t>Click to edit Master title style</a:t>
             </a:r>
-            <a:endParaRPr lang="en-US"/>
+            <a:endParaRPr lang="en-US" dirty="0"/>
           </a:p>
         </p:txBody>
       </p:sp>
@@ -4797,7 +3273,7 @@
               <a:rPr lang="en-US"/>
               <a:t>Fifth level</a:t>
             </a:r>
-            <a:endParaRPr lang="en-US"/>
+            <a:endParaRPr lang="en-US" dirty="0"/>
           </a:p>
         </p:txBody>
       </p:sp>
@@ -4824,9 +3300,9 @@
           <a:p>
             <a:fld id="{4BE1D723-8F53-4F53-90B0-1982A396982E}" type="datetime1">
               <a:rPr lang="en-US" smtClean="0"/>
-              <a:t>6/26/2024</a:t>
+              <a:t>6/2/2025</a:t>
             </a:fld>
-            <a:endParaRPr lang="en-US"/>
+            <a:endParaRPr lang="en-US" dirty="0"/>
           </a:p>
         </p:txBody>
       </p:sp>
@@ -4851,7 +3327,7 @@
           <a:bodyPr/>
           <a:lstStyle/>
           <a:p>
-            <a:endParaRPr lang="en-US"/>
+            <a:endParaRPr lang="en-US" dirty="0"/>
           </a:p>
         </p:txBody>
       </p:sp>
@@ -4880,7 +3356,7 @@
               <a:rPr lang="en-US" smtClean="0"/>
               <a:t>‹#›</a:t>
             </a:fld>
-            <a:endParaRPr lang="en-US"/>
+            <a:endParaRPr lang="en-US" dirty="0"/>
           </a:p>
         </p:txBody>
       </p:sp>
@@ -4894,13 +3370,11 @@
   <p:clrMapOvr>
     <a:masterClrMapping/>
   </p:clrMapOvr>
-  <p:transition/>
-  <p:timing/>
 </p:sldLayout>
 </file>
 
 <file path=ppt/slideLayouts/slideLayout3.xml><?xml version="1.0" encoding="utf-8"?>
-<p:sldLayout xmlns:a="http://schemas.openxmlformats.org/drawingml/2006/main" xmlns:r="http://schemas.openxmlformats.org/officeDocument/2006/relationships" xmlns:m="http://schemas.openxmlformats.org/officeDocument/2006/math" xmlns:w="http://schemas.openxmlformats.org/wordprocessingml/2006/main" xmlns:wp="http://schemas.openxmlformats.org/drawingml/2006/wordprocessingDrawing" xmlns:a14="http://schemas.microsoft.com/office/drawing/2010/main" xmlns:mc="http://schemas.openxmlformats.org/markup-compatibility/2006" xmlns:p14="http://schemas.microsoft.com/office/powerpoint/2010/main" xmlns:p15="http://schemas.microsoft.com/office/powerpoint/2012/main" xmlns:p159="http://schemas.microsoft.com/office/powerpoint/2015/09/main" xmlns:p="http://schemas.openxmlformats.org/presentationml/2006/main" showMasterSp="0" type="secHead" preserve="1">
+<p:sldLayout xmlns:a="http://schemas.openxmlformats.org/drawingml/2006/main" xmlns:r="http://schemas.openxmlformats.org/officeDocument/2006/relationships" xmlns:p="http://schemas.openxmlformats.org/presentationml/2006/main" showMasterSp="0" type="secHead" preserve="1">
   <p:cSld name="Section Header">
     <p:bg>
       <p:bgPr>
@@ -4920,6 +3394,8 @@
         <a:xfrm>
           <a:off x="0" y="0"/>
           <a:ext cx="0" cy="0"/>
+          <a:chOff x="0" y="0"/>
+          <a:chExt cx="0" cy="0"/>
         </a:xfrm>
       </p:grpSpPr>
       <p:sp>
@@ -4965,11 +3441,6 @@
             <a:schemeClr val="lt1"/>
           </a:fontRef>
         </p:style>
-        <p:txBody>
-          <a:bodyPr/>
-          <a:lstStyle/>
-          <a:p/>
-        </p:txBody>
       </p:sp>
       <p:sp>
         <p:nvSpPr>
@@ -5011,7 +3482,7 @@
               <a:rPr lang="en-US"/>
               <a:t>Click to edit Master title style</a:t>
             </a:r>
-            <a:endParaRPr lang="en-US"/>
+            <a:endParaRPr lang="en-US" dirty="0"/>
           </a:p>
         </p:txBody>
       </p:sp>
@@ -5202,9 +3673,9 @@
           <a:p>
             <a:fld id="{97669AF7-7BEB-44E4-9852-375E34362B5B}" type="datetime1">
               <a:rPr lang="en-US" smtClean="0"/>
-              <a:t>6/26/2024</a:t>
+              <a:t>6/2/2025</a:t>
             </a:fld>
-            <a:endParaRPr lang="en-US"/>
+            <a:endParaRPr lang="en-US" dirty="0"/>
           </a:p>
         </p:txBody>
       </p:sp>
@@ -5229,7 +3700,7 @@
           <a:bodyPr/>
           <a:lstStyle/>
           <a:p>
-            <a:endParaRPr lang="en-US"/>
+            <a:endParaRPr lang="en-US" dirty="0"/>
           </a:p>
         </p:txBody>
       </p:sp>
@@ -5258,7 +3729,7 @@
               <a:rPr lang="en-US" smtClean="0"/>
               <a:t>‹#›</a:t>
             </a:fld>
-            <a:endParaRPr lang="en-US"/>
+            <a:endParaRPr lang="en-US" dirty="0"/>
           </a:p>
         </p:txBody>
       </p:sp>
@@ -5272,13 +3743,11 @@
   <p:clrMapOvr>
     <a:masterClrMapping/>
   </p:clrMapOvr>
-  <p:transition/>
-  <p:timing/>
 </p:sldLayout>
 </file>
 
 <file path=ppt/slideLayouts/slideLayout4.xml><?xml version="1.0" encoding="utf-8"?>
-<p:sldLayout xmlns:a="http://schemas.openxmlformats.org/drawingml/2006/main" xmlns:r="http://schemas.openxmlformats.org/officeDocument/2006/relationships" xmlns:m="http://schemas.openxmlformats.org/officeDocument/2006/math" xmlns:w="http://schemas.openxmlformats.org/wordprocessingml/2006/main" xmlns:wp="http://schemas.openxmlformats.org/drawingml/2006/wordprocessingDrawing" xmlns:a14="http://schemas.microsoft.com/office/drawing/2010/main" xmlns:mc="http://schemas.openxmlformats.org/markup-compatibility/2006" xmlns:p14="http://schemas.microsoft.com/office/powerpoint/2010/main" xmlns:p15="http://schemas.microsoft.com/office/powerpoint/2012/main" xmlns:p159="http://schemas.microsoft.com/office/powerpoint/2015/09/main" xmlns:p="http://schemas.openxmlformats.org/presentationml/2006/main" type="twoObj" preserve="1">
+<p:sldLayout xmlns:a="http://schemas.openxmlformats.org/drawingml/2006/main" xmlns:r="http://schemas.openxmlformats.org/officeDocument/2006/relationships" xmlns:p="http://schemas.openxmlformats.org/presentationml/2006/main" type="twoObj" preserve="1">
   <p:cSld name="Two Content">
     <p:spTree>
       <p:nvGrpSpPr>
@@ -5290,6 +3759,8 @@
         <a:xfrm>
           <a:off x="0" y="0"/>
           <a:ext cx="0" cy="0"/>
+          <a:chOff x="0" y="0"/>
+          <a:chExt cx="0" cy="0"/>
         </a:xfrm>
       </p:grpSpPr>
       <p:sp>
@@ -5316,7 +3787,7 @@
               <a:rPr lang="en-US"/>
               <a:t>Click to edit Master title style</a:t>
             </a:r>
-            <a:endParaRPr lang="en-US"/>
+            <a:endParaRPr lang="en-US" dirty="0"/>
           </a:p>
         </p:txBody>
       </p:sp>
@@ -5373,7 +3844,7 @@
               <a:rPr lang="en-US"/>
               <a:t>Fifth level</a:t>
             </a:r>
-            <a:endParaRPr lang="en-US"/>
+            <a:endParaRPr lang="en-US" dirty="0"/>
           </a:p>
         </p:txBody>
       </p:sp>
@@ -5430,7 +3901,7 @@
               <a:rPr lang="en-US"/>
               <a:t>Fifth level</a:t>
             </a:r>
-            <a:endParaRPr lang="en-US"/>
+            <a:endParaRPr lang="en-US" dirty="0"/>
           </a:p>
         </p:txBody>
       </p:sp>
@@ -5457,9 +3928,9 @@
           <a:p>
             <a:fld id="{BAAAC38D-0552-4C82-B593-E6124DFADBE2}" type="datetime1">
               <a:rPr lang="en-US" smtClean="0"/>
-              <a:t>6/26/2024</a:t>
+              <a:t>6/2/2025</a:t>
             </a:fld>
-            <a:endParaRPr lang="en-US"/>
+            <a:endParaRPr lang="en-US" dirty="0"/>
           </a:p>
         </p:txBody>
       </p:sp>
@@ -5484,7 +3955,7 @@
           <a:bodyPr/>
           <a:lstStyle/>
           <a:p>
-            <a:endParaRPr lang="en-US"/>
+            <a:endParaRPr lang="en-US" dirty="0"/>
           </a:p>
         </p:txBody>
       </p:sp>
@@ -5513,7 +3984,7 @@
               <a:rPr lang="en-US" smtClean="0"/>
               <a:t>‹#›</a:t>
             </a:fld>
-            <a:endParaRPr lang="en-US"/>
+            <a:endParaRPr lang="en-US" dirty="0"/>
           </a:p>
         </p:txBody>
       </p:sp>
@@ -5527,13 +3998,11 @@
   <p:clrMapOvr>
     <a:masterClrMapping/>
   </p:clrMapOvr>
-  <p:transition/>
-  <p:timing/>
 </p:sldLayout>
 </file>
 
 <file path=ppt/slideLayouts/slideLayout5.xml><?xml version="1.0" encoding="utf-8"?>
-<p:sldLayout xmlns:a="http://schemas.openxmlformats.org/drawingml/2006/main" xmlns:r="http://schemas.openxmlformats.org/officeDocument/2006/relationships" xmlns:m="http://schemas.openxmlformats.org/officeDocument/2006/math" xmlns:w="http://schemas.openxmlformats.org/wordprocessingml/2006/main" xmlns:wp="http://schemas.openxmlformats.org/drawingml/2006/wordprocessingDrawing" xmlns:a14="http://schemas.microsoft.com/office/drawing/2010/main" xmlns:mc="http://schemas.openxmlformats.org/markup-compatibility/2006" xmlns:p14="http://schemas.microsoft.com/office/powerpoint/2010/main" xmlns:p15="http://schemas.microsoft.com/office/powerpoint/2012/main" xmlns:p159="http://schemas.microsoft.com/office/powerpoint/2015/09/main" xmlns:p="http://schemas.openxmlformats.org/presentationml/2006/main" type="twoTxTwoObj" preserve="1">
+<p:sldLayout xmlns:a="http://schemas.openxmlformats.org/drawingml/2006/main" xmlns:r="http://schemas.openxmlformats.org/officeDocument/2006/relationships" xmlns:p="http://schemas.openxmlformats.org/presentationml/2006/main" type="twoTxTwoObj" preserve="1">
   <p:cSld name="Comparison">
     <p:spTree>
       <p:nvGrpSpPr>
@@ -5545,6 +4014,8 @@
         <a:xfrm>
           <a:off x="0" y="0"/>
           <a:ext cx="0" cy="0"/>
+          <a:chOff x="0" y="0"/>
+          <a:chExt cx="0" cy="0"/>
         </a:xfrm>
       </p:grpSpPr>
       <p:sp>
@@ -5571,7 +4042,7 @@
               <a:rPr lang="en-US"/>
               <a:t>Click to edit Master title style</a:t>
             </a:r>
-            <a:endParaRPr lang="en-US"/>
+            <a:endParaRPr lang="en-US" dirty="0"/>
           </a:p>
         </p:txBody>
       </p:sp>
@@ -5699,7 +4170,7 @@
               <a:rPr lang="en-US"/>
               <a:t>Fifth level</a:t>
             </a:r>
-            <a:endParaRPr lang="en-US"/>
+            <a:endParaRPr lang="en-US" dirty="0"/>
           </a:p>
         </p:txBody>
       </p:sp>
@@ -5827,7 +4298,7 @@
               <a:rPr lang="en-US"/>
               <a:t>Fifth level</a:t>
             </a:r>
-            <a:endParaRPr lang="en-US"/>
+            <a:endParaRPr lang="en-US" dirty="0"/>
           </a:p>
         </p:txBody>
       </p:sp>
@@ -5854,9 +4325,9 @@
           <a:p>
             <a:fld id="{D9DF0F1C-5577-4ACB-BB62-DF8F3C494C7E}" type="datetime1">
               <a:rPr lang="en-US" smtClean="0"/>
-              <a:t>6/26/2024</a:t>
+              <a:t>6/2/2025</a:t>
             </a:fld>
-            <a:endParaRPr lang="en-US"/>
+            <a:endParaRPr lang="en-US" dirty="0"/>
           </a:p>
         </p:txBody>
       </p:sp>
@@ -5881,7 +4352,7 @@
           <a:bodyPr/>
           <a:lstStyle/>
           <a:p>
-            <a:endParaRPr lang="en-US"/>
+            <a:endParaRPr lang="en-US" dirty="0"/>
           </a:p>
         </p:txBody>
       </p:sp>
@@ -5910,7 +4381,7 @@
               <a:rPr lang="en-US" smtClean="0"/>
               <a:t>‹#›</a:t>
             </a:fld>
-            <a:endParaRPr lang="en-US"/>
+            <a:endParaRPr lang="en-US" dirty="0"/>
           </a:p>
         </p:txBody>
       </p:sp>
@@ -5924,13 +4395,11 @@
   <p:clrMapOvr>
     <a:masterClrMapping/>
   </p:clrMapOvr>
-  <p:transition/>
-  <p:timing/>
 </p:sldLayout>
 </file>
 
 <file path=ppt/slideLayouts/slideLayout6.xml><?xml version="1.0" encoding="utf-8"?>
-<p:sldLayout xmlns:a="http://schemas.openxmlformats.org/drawingml/2006/main" xmlns:r="http://schemas.openxmlformats.org/officeDocument/2006/relationships" xmlns:m="http://schemas.openxmlformats.org/officeDocument/2006/math" xmlns:w="http://schemas.openxmlformats.org/wordprocessingml/2006/main" xmlns:wp="http://schemas.openxmlformats.org/drawingml/2006/wordprocessingDrawing" xmlns:a14="http://schemas.microsoft.com/office/drawing/2010/main" xmlns:mc="http://schemas.openxmlformats.org/markup-compatibility/2006" xmlns:p14="http://schemas.microsoft.com/office/powerpoint/2010/main" xmlns:p15="http://schemas.microsoft.com/office/powerpoint/2012/main" xmlns:p159="http://schemas.microsoft.com/office/powerpoint/2015/09/main" xmlns:p="http://schemas.openxmlformats.org/presentationml/2006/main" type="titleOnly" preserve="1">
+<p:sldLayout xmlns:a="http://schemas.openxmlformats.org/drawingml/2006/main" xmlns:r="http://schemas.openxmlformats.org/officeDocument/2006/relationships" xmlns:p="http://schemas.openxmlformats.org/presentationml/2006/main" type="titleOnly" preserve="1">
   <p:cSld name="Title Only">
     <p:spTree>
       <p:nvGrpSpPr>
@@ -5942,6 +4411,8 @@
         <a:xfrm>
           <a:off x="0" y="0"/>
           <a:ext cx="0" cy="0"/>
+          <a:chOff x="0" y="0"/>
+          <a:chExt cx="0" cy="0"/>
         </a:xfrm>
       </p:grpSpPr>
       <p:sp>
@@ -5963,7 +4434,7 @@
               <a:rPr lang="en-US"/>
               <a:t>Click to edit Master title style</a:t>
             </a:r>
-            <a:endParaRPr lang="en-US"/>
+            <a:endParaRPr lang="en-US" dirty="0"/>
           </a:p>
         </p:txBody>
       </p:sp>
@@ -5990,9 +4461,9 @@
           <a:p>
             <a:fld id="{1775B394-D9F9-4F0C-B15D-605F45CB9E9F}" type="datetime1">
               <a:rPr lang="en-US" smtClean="0"/>
-              <a:t>6/26/2024</a:t>
+              <a:t>6/2/2025</a:t>
             </a:fld>
-            <a:endParaRPr lang="en-US"/>
+            <a:endParaRPr lang="en-US" dirty="0"/>
           </a:p>
         </p:txBody>
       </p:sp>
@@ -6017,7 +4488,7 @@
           <a:bodyPr/>
           <a:lstStyle/>
           <a:p>
-            <a:endParaRPr lang="en-US"/>
+            <a:endParaRPr lang="en-US" dirty="0"/>
           </a:p>
         </p:txBody>
       </p:sp>
@@ -6046,7 +4517,7 @@
               <a:rPr lang="en-US" smtClean="0"/>
               <a:t>‹#›</a:t>
             </a:fld>
-            <a:endParaRPr lang="en-US"/>
+            <a:endParaRPr lang="en-US" dirty="0"/>
           </a:p>
         </p:txBody>
       </p:sp>
@@ -6060,13 +4531,11 @@
   <p:clrMapOvr>
     <a:masterClrMapping/>
   </p:clrMapOvr>
-  <p:transition/>
-  <p:timing/>
 </p:sldLayout>
 </file>
 
 <file path=ppt/slideLayouts/slideLayout7.xml><?xml version="1.0" encoding="utf-8"?>
-<p:sldLayout xmlns:a="http://schemas.openxmlformats.org/drawingml/2006/main" xmlns:r="http://schemas.openxmlformats.org/officeDocument/2006/relationships" xmlns:m="http://schemas.openxmlformats.org/officeDocument/2006/math" xmlns:w="http://schemas.openxmlformats.org/wordprocessingml/2006/main" xmlns:wp="http://schemas.openxmlformats.org/drawingml/2006/wordprocessingDrawing" xmlns:a14="http://schemas.microsoft.com/office/drawing/2010/main" xmlns:mc="http://schemas.openxmlformats.org/markup-compatibility/2006" xmlns:p14="http://schemas.microsoft.com/office/powerpoint/2010/main" xmlns:p15="http://schemas.microsoft.com/office/powerpoint/2012/main" xmlns:p159="http://schemas.microsoft.com/office/powerpoint/2015/09/main" xmlns:p="http://schemas.openxmlformats.org/presentationml/2006/main" showMasterSp="0" type="blank" preserve="1">
+<p:sldLayout xmlns:a="http://schemas.openxmlformats.org/drawingml/2006/main" xmlns:r="http://schemas.openxmlformats.org/officeDocument/2006/relationships" xmlns:p="http://schemas.openxmlformats.org/presentationml/2006/main" showMasterSp="0" type="blank" preserve="1">
   <p:cSld name="Blank">
     <p:spTree>
       <p:nvGrpSpPr>
@@ -6078,6 +4547,8 @@
         <a:xfrm>
           <a:off x="0" y="0"/>
           <a:ext cx="0" cy="0"/>
+          <a:chOff x="0" y="0"/>
+          <a:chExt cx="0" cy="0"/>
         </a:xfrm>
       </p:grpSpPr>
       <p:sp>
@@ -6123,11 +4594,6 @@
             <a:schemeClr val="lt1"/>
           </a:fontRef>
         </p:style>
-        <p:txBody>
-          <a:bodyPr/>
-          <a:lstStyle/>
-          <a:p/>
-        </p:txBody>
       </p:sp>
       <p:sp>
         <p:nvSpPr>
@@ -6152,9 +4618,9 @@
           <a:p>
             <a:fld id="{39667345-2558-425A-8533-9BFDBCE15005}" type="datetime1">
               <a:rPr lang="en-US" smtClean="0"/>
-              <a:t>6/26/2024</a:t>
+              <a:t>6/2/2025</a:t>
             </a:fld>
-            <a:endParaRPr lang="en-US"/>
+            <a:endParaRPr lang="en-US" dirty="0"/>
           </a:p>
         </p:txBody>
       </p:sp>
@@ -6179,7 +4645,7 @@
           <a:bodyPr/>
           <a:lstStyle/>
           <a:p>
-            <a:endParaRPr lang="en-US"/>
+            <a:endParaRPr lang="en-US" dirty="0"/>
           </a:p>
         </p:txBody>
       </p:sp>
@@ -6208,7 +4674,7 @@
               <a:rPr lang="en-US" smtClean="0"/>
               <a:t>‹#›</a:t>
             </a:fld>
-            <a:endParaRPr lang="en-US"/>
+            <a:endParaRPr lang="en-US" dirty="0"/>
           </a:p>
         </p:txBody>
       </p:sp>
@@ -6222,13 +4688,11 @@
   <p:clrMapOvr>
     <a:masterClrMapping/>
   </p:clrMapOvr>
-  <p:transition/>
-  <p:timing/>
 </p:sldLayout>
 </file>
 
 <file path=ppt/slideLayouts/slideLayout8.xml><?xml version="1.0" encoding="utf-8"?>
-<p:sldLayout xmlns:a="http://schemas.openxmlformats.org/drawingml/2006/main" xmlns:r="http://schemas.openxmlformats.org/officeDocument/2006/relationships" xmlns:m="http://schemas.openxmlformats.org/officeDocument/2006/math" xmlns:w="http://schemas.openxmlformats.org/wordprocessingml/2006/main" xmlns:wp="http://schemas.openxmlformats.org/drawingml/2006/wordprocessingDrawing" xmlns:a14="http://schemas.microsoft.com/office/drawing/2010/main" xmlns:mc="http://schemas.openxmlformats.org/markup-compatibility/2006" xmlns:p14="http://schemas.microsoft.com/office/powerpoint/2010/main" xmlns:p15="http://schemas.microsoft.com/office/powerpoint/2012/main" xmlns:p159="http://schemas.microsoft.com/office/powerpoint/2015/09/main" xmlns:p="http://schemas.openxmlformats.org/presentationml/2006/main" showMasterSp="0" type="objTx" preserve="1">
+<p:sldLayout xmlns:a="http://schemas.openxmlformats.org/drawingml/2006/main" xmlns:r="http://schemas.openxmlformats.org/officeDocument/2006/relationships" xmlns:p="http://schemas.openxmlformats.org/presentationml/2006/main" showMasterSp="0" type="objTx" preserve="1">
   <p:cSld name="Content with Caption">
     <p:spTree>
       <p:nvGrpSpPr>
@@ -6240,6 +4704,8 @@
         <a:xfrm>
           <a:off x="0" y="0"/>
           <a:ext cx="0" cy="0"/>
+          <a:chOff x="0" y="0"/>
+          <a:chExt cx="0" cy="0"/>
         </a:xfrm>
       </p:grpSpPr>
       <p:sp>
@@ -6285,11 +4751,6 @@
             <a:schemeClr val="lt1"/>
           </a:fontRef>
         </p:style>
-        <p:txBody>
-          <a:bodyPr/>
-          <a:lstStyle/>
-          <a:p/>
-        </p:txBody>
       </p:sp>
       <p:sp>
         <p:nvSpPr>
@@ -6328,7 +4789,7 @@
               <a:rPr lang="en-US"/>
               <a:t>Click to edit Master title style</a:t>
             </a:r>
-            <a:endParaRPr lang="en-US"/>
+            <a:endParaRPr lang="en-US" dirty="0"/>
           </a:p>
         </p:txBody>
       </p:sp>
@@ -6385,7 +4846,7 @@
               <a:rPr lang="en-US"/>
               <a:t>Fifth level</a:t>
             </a:r>
-            <a:endParaRPr lang="en-US"/>
+            <a:endParaRPr lang="en-US" dirty="0"/>
           </a:p>
         </p:txBody>
       </p:sp>
@@ -6486,9 +4947,9 @@
           <a:p>
             <a:fld id="{92BEA474-078D-4E9B-9B14-09A87B19DC46}" type="datetime1">
               <a:rPr lang="en-US" smtClean="0"/>
-              <a:t>6/26/2024</a:t>
+              <a:t>6/2/2025</a:t>
             </a:fld>
-            <a:endParaRPr lang="en-US"/>
+            <a:endParaRPr lang="en-US" dirty="0"/>
           </a:p>
         </p:txBody>
       </p:sp>
@@ -6520,7 +4981,7 @@
             </a:lvl1pPr>
           </a:lstStyle>
           <a:p>
-            <a:endParaRPr lang="en-US"/>
+            <a:endParaRPr lang="en-US" dirty="0"/>
           </a:p>
         </p:txBody>
       </p:sp>
@@ -6549,9 +5010,10 @@
           <a:p>
             <a:fld id="{3A98EE3D-8CD1-4C3F-BD1C-C98C9596463C}" type="slidenum">
               <a:rPr lang="en-US" smtClean="0"/>
+              <a:pPr/>
               <a:t>‹#›</a:t>
             </a:fld>
-            <a:endParaRPr lang="en-US"/>
+            <a:endParaRPr lang="en-US" dirty="0"/>
           </a:p>
         </p:txBody>
       </p:sp>
@@ -6565,13 +5027,11 @@
   <p:clrMapOvr>
     <a:masterClrMapping/>
   </p:clrMapOvr>
-  <p:transition/>
-  <p:timing/>
 </p:sldLayout>
 </file>
 
 <file path=ppt/slideLayouts/slideLayout9.xml><?xml version="1.0" encoding="utf-8"?>
-<p:sldLayout xmlns:a="http://schemas.openxmlformats.org/drawingml/2006/main" xmlns:r="http://schemas.openxmlformats.org/officeDocument/2006/relationships" xmlns:m="http://schemas.openxmlformats.org/officeDocument/2006/math" xmlns:w="http://schemas.openxmlformats.org/wordprocessingml/2006/main" xmlns:wp="http://schemas.openxmlformats.org/drawingml/2006/wordprocessingDrawing" xmlns:a14="http://schemas.microsoft.com/office/drawing/2010/main" xmlns:mc="http://schemas.openxmlformats.org/markup-compatibility/2006" xmlns:p14="http://schemas.microsoft.com/office/powerpoint/2010/main" xmlns:p15="http://schemas.microsoft.com/office/powerpoint/2012/main" xmlns:p159="http://schemas.microsoft.com/office/powerpoint/2015/09/main" xmlns:p="http://schemas.openxmlformats.org/presentationml/2006/main" showMasterSp="0" type="picTx" preserve="1">
+<p:sldLayout xmlns:a="http://schemas.openxmlformats.org/drawingml/2006/main" xmlns:r="http://schemas.openxmlformats.org/officeDocument/2006/relationships" xmlns:p="http://schemas.openxmlformats.org/presentationml/2006/main" showMasterSp="0" type="picTx" preserve="1">
   <p:cSld name="Picture with Caption">
     <p:spTree>
       <p:nvGrpSpPr>
@@ -6583,6 +5043,8 @@
         <a:xfrm>
           <a:off x="0" y="0"/>
           <a:ext cx="0" cy="0"/>
+          <a:chOff x="0" y="0"/>
+          <a:chExt cx="0" cy="0"/>
         </a:xfrm>
       </p:grpSpPr>
       <p:sp>
@@ -6628,11 +5090,6 @@
             <a:schemeClr val="lt1"/>
           </a:fontRef>
         </p:style>
-        <p:txBody>
-          <a:bodyPr/>
-          <a:lstStyle/>
-          <a:p/>
-        </p:txBody>
       </p:sp>
       <p:sp>
         <p:nvSpPr>
@@ -6700,7 +5157,7 @@
               <a:rPr lang="en-US"/>
               <a:t>Click icon to add picture</a:t>
             </a:r>
-            <a:endParaRPr lang="en-US"/>
+            <a:endParaRPr lang="en-US" dirty="0"/>
           </a:p>
         </p:txBody>
       </p:sp>
@@ -6738,7 +5195,7 @@
               <a:rPr lang="en-US"/>
               <a:t>Click to edit Master title style</a:t>
             </a:r>
-            <a:endParaRPr lang="en-US"/>
+            <a:endParaRPr lang="en-US" dirty="0"/>
           </a:p>
         </p:txBody>
       </p:sp>
@@ -6765,7 +5222,7 @@
           <a:lstStyle>
             <a:lvl1pPr marL="0" indent="0">
               <a:spcBef>
-                <a:spcPct val="0"/>
+                <a:spcPts val="0"/>
               </a:spcBef>
               <a:spcAft>
                 <a:spcPts val="600"/>
@@ -6840,9 +5297,9 @@
           <a:p>
             <a:fld id="{4907D986-8816-4272-A432-0437A28A9828}" type="datetime1">
               <a:rPr lang="en-US" smtClean="0"/>
-              <a:t>6/26/2024</a:t>
+              <a:t>6/2/2025</a:t>
             </a:fld>
-            <a:endParaRPr lang="en-US"/>
+            <a:endParaRPr lang="en-US" dirty="0"/>
           </a:p>
         </p:txBody>
       </p:sp>
@@ -6867,7 +5324,7 @@
           <a:lstStyle/>
           <a:p>
             <a:pPr algn="l"/>
-            <a:endParaRPr lang="en-US"/>
+            <a:endParaRPr lang="en-US" dirty="0"/>
           </a:p>
         </p:txBody>
       </p:sp>
@@ -6890,7 +5347,7 @@
               <a:rPr lang="en-US" smtClean="0"/>
               <a:t>‹#›</a:t>
             </a:fld>
-            <a:endParaRPr lang="en-US"/>
+            <a:endParaRPr lang="en-US" dirty="0"/>
           </a:p>
         </p:txBody>
       </p:sp>
@@ -6904,13 +5361,11 @@
   <p:clrMapOvr>
     <a:masterClrMapping/>
   </p:clrMapOvr>
-  <p:transition/>
-  <p:timing/>
 </p:sldLayout>
 </file>
 
 <file path=ppt/slideMasters/slideMaster1.xml><?xml version="1.0" encoding="utf-8"?>
-<p:sldMaster xmlns:a="http://schemas.openxmlformats.org/drawingml/2006/main" xmlns:r="http://schemas.openxmlformats.org/officeDocument/2006/relationships" xmlns:m="http://schemas.openxmlformats.org/officeDocument/2006/math" xmlns:w="http://schemas.openxmlformats.org/wordprocessingml/2006/main" xmlns:wp="http://schemas.openxmlformats.org/drawingml/2006/wordprocessingDrawing" xmlns:a14="http://schemas.microsoft.com/office/drawing/2010/main" xmlns:mc="http://schemas.openxmlformats.org/markup-compatibility/2006" xmlns:p14="http://schemas.microsoft.com/office/powerpoint/2010/main" xmlns:p15="http://schemas.microsoft.com/office/powerpoint/2012/main" xmlns:p159="http://schemas.microsoft.com/office/powerpoint/2015/09/main" xmlns:p="http://schemas.openxmlformats.org/presentationml/2006/main">
+<p:sldMaster xmlns:a="http://schemas.openxmlformats.org/drawingml/2006/main" xmlns:r="http://schemas.openxmlformats.org/officeDocument/2006/relationships" xmlns:p="http://schemas.openxmlformats.org/presentationml/2006/main">
   <p:cSld>
     <p:bg>
       <p:bgRef idx="1001">
@@ -6927,6 +5382,8 @@
         <a:xfrm>
           <a:off x="0" y="0"/>
           <a:ext cx="0" cy="0"/>
+          <a:chOff x="0" y="0"/>
+          <a:chExt cx="0" cy="0"/>
         </a:xfrm>
       </p:grpSpPr>
       <p:sp>
@@ -6972,11 +5429,6 @@
             <a:schemeClr val="lt1"/>
           </a:fontRef>
         </p:style>
-        <p:txBody>
-          <a:bodyPr/>
-          <a:lstStyle/>
-          <a:p/>
-        </p:txBody>
       </p:sp>
       <p:sp>
         <p:nvSpPr>
@@ -7007,7 +5459,7 @@
               <a:rPr lang="en-US"/>
               <a:t>Click to edit Master title style</a:t>
             </a:r>
-            <a:endParaRPr lang="en-US"/>
+            <a:endParaRPr lang="en-US" dirty="0"/>
           </a:p>
         </p:txBody>
       </p:sp>
@@ -7069,7 +5521,7 @@
               <a:rPr lang="en-US"/>
               <a:t>Fifth level</a:t>
             </a:r>
-            <a:endParaRPr lang="en-US"/>
+            <a:endParaRPr lang="en-US" dirty="0"/>
           </a:p>
         </p:txBody>
       </p:sp>
@@ -7106,9 +5558,9 @@
           <a:p>
             <a:fld id="{62D6E202-B606-4609-B914-27C9371A1F6D}" type="datetime1">
               <a:rPr lang="en-US" smtClean="0"/>
-              <a:t>6/26/2024</a:t>
+              <a:t>6/2/2025</a:t>
             </a:fld>
-            <a:endParaRPr lang="en-US"/>
+            <a:endParaRPr lang="en-US" dirty="0"/>
           </a:p>
         </p:txBody>
       </p:sp>
@@ -7143,7 +5595,7 @@
             </a:lvl1pPr>
           </a:lstStyle>
           <a:p>
-            <a:endParaRPr lang="en-US"/>
+            <a:endParaRPr lang="en-US" dirty="0"/>
           </a:p>
         </p:txBody>
       </p:sp>
@@ -7182,7 +5634,7 @@
               <a:rPr lang="en-US" smtClean="0"/>
               <a:t>‹#›</a:t>
             </a:fld>
-            <a:endParaRPr lang="en-US"/>
+            <a:endParaRPr lang="en-US" dirty="0"/>
           </a:p>
         </p:txBody>
       </p:sp>
@@ -7251,8 +5703,7 @@
     <p:sldLayoutId id="2147483670" r:id="rId10"/>
     <p:sldLayoutId id="2147483671" r:id="rId11"/>
   </p:sldLayoutIdLst>
-  <p:transition/>
-  <p:timing/>
+  <p:hf sldNum="0" hdr="0" ftr="0" dt="0"/>
   <p:txStyles>
     <p:titleStyle>
       <a:lvl1pPr algn="l" defTabSz="914400" rtl="0" eaLnBrk="1" latinLnBrk="0" hangingPunct="1">
@@ -7290,8 +5741,8 @@
         <a:buClr>
           <a:schemeClr val="accent1"/>
         </a:buClr>
-        <a:buSzTx/>
-        <a:buFont typeface="Calibri" panose="020f0502020204030204" pitchFamily="34" charset="0"/>
+        <a:buSzPct val="100000"/>
+        <a:buFont typeface="Calibri" panose="020F0502020204030204" pitchFamily="34" charset="0"/>
         <a:buChar char=" "/>
         <a:defRPr sz="1900" kern="1200">
           <a:solidFill>
@@ -7316,7 +5767,7 @@
           <a:spcPts val="400"/>
         </a:spcAft>
         <a:buClrTx/>
-        <a:buFont typeface="Calibri" panose="020f0502020204030204" pitchFamily="34" charset="0"/>
+        <a:buFont typeface="Calibri" pitchFamily="34" charset="0"/>
         <a:buChar char="◦"/>
         <a:defRPr sz="1700" kern="1200">
           <a:solidFill>
@@ -7341,7 +5792,7 @@
           <a:spcPts val="400"/>
         </a:spcAft>
         <a:buClrTx/>
-        <a:buFont typeface="Calibri" panose="020f0502020204030204" pitchFamily="34" charset="0"/>
+        <a:buFont typeface="Calibri" pitchFamily="34" charset="0"/>
         <a:buChar char="◦"/>
         <a:defRPr sz="1300" kern="1200">
           <a:solidFill>
@@ -7366,7 +5817,7 @@
           <a:spcPts val="400"/>
         </a:spcAft>
         <a:buClrTx/>
-        <a:buFont typeface="Calibri" panose="020f0502020204030204" pitchFamily="34" charset="0"/>
+        <a:buFont typeface="Calibri" pitchFamily="34" charset="0"/>
         <a:buChar char="◦"/>
         <a:defRPr sz="1300" kern="1200">
           <a:solidFill>
@@ -7391,7 +5842,7 @@
           <a:spcPts val="400"/>
         </a:spcAft>
         <a:buClrTx/>
-        <a:buFont typeface="Calibri" panose="020f0502020204030204" pitchFamily="34" charset="0"/>
+        <a:buFont typeface="Calibri" pitchFamily="34" charset="0"/>
         <a:buChar char="◦"/>
         <a:defRPr sz="1300" kern="1200">
           <a:solidFill>
@@ -7418,7 +5869,7 @@
         <a:buClr>
           <a:schemeClr val="accent1"/>
         </a:buClr>
-        <a:buFont typeface="Calibri" panose="020f0502020204030204" pitchFamily="34" charset="0"/>
+        <a:buFont typeface="Calibri" pitchFamily="34" charset="0"/>
         <a:buChar char="◦"/>
         <a:defRPr sz="1400" kern="1200">
           <a:solidFill>
@@ -7445,7 +5896,7 @@
         <a:buClr>
           <a:schemeClr val="accent1"/>
         </a:buClr>
-        <a:buFont typeface="Calibri" panose="020f0502020204030204" pitchFamily="34" charset="0"/>
+        <a:buFont typeface="Calibri" pitchFamily="34" charset="0"/>
         <a:buChar char="◦"/>
         <a:defRPr sz="1400" kern="1200">
           <a:solidFill>
@@ -7472,7 +5923,7 @@
         <a:buClr>
           <a:schemeClr val="accent1"/>
         </a:buClr>
-        <a:buFont typeface="Calibri" panose="020f0502020204030204" pitchFamily="34" charset="0"/>
+        <a:buFont typeface="Calibri" pitchFamily="34" charset="0"/>
         <a:buChar char="◦"/>
         <a:defRPr sz="1400" kern="1200">
           <a:solidFill>
@@ -7499,7 +5950,7 @@
         <a:buClr>
           <a:schemeClr val="accent1"/>
         </a:buClr>
-        <a:buFont typeface="Calibri" panose="020f0502020204030204" pitchFamily="34" charset="0"/>
+        <a:buFont typeface="Calibri" pitchFamily="34" charset="0"/>
         <a:buChar char="◦"/>
         <a:defRPr sz="1400" kern="1200">
           <a:solidFill>
@@ -7614,8 +6065,8 @@
 </file>
 
 <file path=ppt/slides/slide1.xml><?xml version="1.0" encoding="utf-8"?>
-<p:sld xmlns:a="http://schemas.openxmlformats.org/drawingml/2006/main" xmlns:r="http://schemas.openxmlformats.org/officeDocument/2006/relationships" xmlns:m="http://schemas.openxmlformats.org/officeDocument/2006/math" xmlns:w="http://schemas.openxmlformats.org/wordprocessingml/2006/main" xmlns:wp="http://schemas.openxmlformats.org/drawingml/2006/wordprocessingDrawing" xmlns:a14="http://schemas.microsoft.com/office/drawing/2010/main" xmlns:mc="http://schemas.openxmlformats.org/markup-compatibility/2006" xmlns:p14="http://schemas.microsoft.com/office/powerpoint/2010/main" xmlns:p15="http://schemas.microsoft.com/office/powerpoint/2012/main" xmlns:p159="http://schemas.microsoft.com/office/powerpoint/2015/09/main" xmlns:p="http://schemas.openxmlformats.org/presentationml/2006/main">
-  <p:cSld name="">
+<p:sld xmlns:a="http://schemas.openxmlformats.org/drawingml/2006/main" xmlns:r="http://schemas.openxmlformats.org/officeDocument/2006/relationships" xmlns:p="http://schemas.openxmlformats.org/presentationml/2006/main">
+  <p:cSld>
     <p:bg>
       <p:bgPr>
         <a:solidFill>
@@ -7634,6 +6085,8 @@
         <a:xfrm>
           <a:off x="0" y="0"/>
           <a:ext cx="0" cy="0"/>
+          <a:chOff x="0" y="0"/>
+          <a:chExt cx="0" cy="0"/>
         </a:xfrm>
       </p:grpSpPr>
       <p:sp useBgFill="1">
@@ -7725,14 +6178,9 @@
           <a:lstStyle/>
           <a:p>
             <a:r>
-              <a:rPr lang="zh-CN" sz="5600" b="0" i="0" strike="noStrike" cap="none" baseline="0">
-                <a:solidFill>
-                  <a:srgbClr val="262626"/>
-                </a:solidFill>
-                <a:effectLst/>
-                <a:latin typeface="SimSun"/>
-                <a:ea typeface="SimSun"/>
-                <a:cs typeface="SimSun"/>
+              <a:rPr lang="zh-CN" sz="5600" dirty="0">
+                <a:latin typeface="Microsoft YaHei UI" panose="020B0503020204020204" pitchFamily="34" charset="-122"/>
+                <a:ea typeface="Microsoft YaHei UI" panose="020B0503020204020204" pitchFamily="34" charset="-122"/>
               </a:rPr>
               <a:t>“神秘香料臻品印度奶茶”市场分析报告</a:t>
             </a:r>
@@ -7796,7 +6244,7 @@
       </p:cxnSp>
       <p:pic>
         <p:nvPicPr>
-          <p:cNvPr id="13" name="Picture 12" descr="Tea and dessert">
+          <p:cNvPr id="13" name="Picture 12" descr="茶和甜点">
             <a:extLst>
               <a:ext uri="{FF2B5EF4-FFF2-40B4-BE49-F238E27FC236}">
                 <a16:creationId xmlns:a16="http://schemas.microsoft.com/office/drawing/2014/main" id="{F0E27F3C-2BEE-7255-556D-FFC137811956}"/>
@@ -7808,12 +6256,10 @@
           </p:cNvPicPr>
           <p:nvPr/>
         </p:nvPicPr>
-        <p:blipFill>
+        <p:blipFill rotWithShape="1">
           <a:blip r:embed="rId3"/>
           <a:srcRect l="13082" r="18651" b="-1"/>
-          <a:stretch>
-            <a:fillRect/>
-          </a:stretch>
+          <a:stretch/>
         </p:blipFill>
         <p:spPr>
           <a:xfrm>
@@ -7825,77 +6271,6 @@
           </a:prstGeom>
         </p:spPr>
       </p:pic>
-      <p:sp>
-        <p:nvSpPr>
-          <p:cNvPr id="20" name="TextBox"/>
-          <p:cNvSpPr txBox="1">
-            <a:spLocks noGrp="1" noSelect="1" noRot="1" noMove="1"/>
-          </p:cNvSpPr>
-          <p:nvPr/>
-        </p:nvSpPr>
-        <p:spPr>
-          <a:xfrm>
-            <a:off x="2890520" y="2644140"/>
-            <a:ext cx="6411372" cy="1569660"/>
-          </a:xfrm>
-          <a:prstGeom prst="rect">
-            <a:avLst/>
-          </a:prstGeom>
-          <a:noFill/>
-        </p:spPr>
-        <p:txBody>
-          <a:bodyPr wrap="none" rtlCol="0" anchor="ctr" anchorCtr="1">
-            <a:spAutoFit/>
-          </a:bodyPr>
-          <a:lstStyle>
-            <a:lvl1pPr algn="l">
-              <a:lnSpc>
-                <a:spcPct val="150000"/>
-              </a:lnSpc>
-              <a:spcBef>
-                <a:spcPct val="0"/>
-              </a:spcBef>
-              <a:spcAft>
-                <a:spcPct val="0"/>
-              </a:spcAft>
-              <a:defRPr lang="en-US" sz="3200" b="1" noProof="1" dirty="0">
-                <a:solidFill>
-                  <a:prstClr val="red">
-                    <a:lumOff val="30000"/>
-                    <a:alpha val="40000"/>
-                  </a:prstClr>
-                </a:solidFill>
-                <a:effectLst>
-                  <a:outerShdw blurRad="50800" dist="38100" algn="tr" rotWithShape="0">
-                    <a:prstClr val="black">
-                      <a:alpha val="80000"/>
-                    </a:prstClr>
-                  </a:outerShdw>
-                </a:effectLst>
-                <a:latin typeface="Calibri" pitchFamily="34" charset="0"/>
-              </a:defRPr>
-            </a:lvl1pPr>
-          </a:lstStyle>
-          <a:p>
-            <a:pPr algn="ctr"/>
-            <a:r>
-              <a:t>Evaluation only.</a:t>
-            </a:r>
-          </a:p>
-          <a:p>
-            <a:pPr algn="ctr"/>
-            <a:r>
-              <a:t>Created with Aspose.Slides for Java 23.6.</a:t>
-            </a:r>
-          </a:p>
-          <a:p>
-            <a:pPr algn="ctr"/>
-            <a:r>
-              <a:t>Copyright 2004-2023 Aspose Pty Ltd.</a:t>
-            </a:r>
-          </a:p>
-        </p:txBody>
-      </p:sp>
     </p:spTree>
     <p:extLst>
       <p:ext uri="{BB962C8B-B14F-4D97-AF65-F5344CB8AC3E}">
@@ -7906,7 +6281,6 @@
   <p:clrMapOvr>
     <a:masterClrMapping/>
   </p:clrMapOvr>
-  <p:transition/>
   <p:timing>
     <p:tnLst>
       <p:par>
@@ -7916,7 +6290,7 @@
               <p:cTn id="2" dur="indefinite" nodeType="mainSeq">
                 <p:childTnLst>
                   <p:par>
-                    <p:cTn id="3" fill="hold" nodeType="clickPar">
+                    <p:cTn id="3" fill="hold">
                       <p:stCondLst>
                         <p:cond delay="indefinite"/>
                         <p:cond evt="onBegin" delay="0">
@@ -8003,8 +6377,8 @@
 </file>
 
 <file path=ppt/slides/slide10.xml><?xml version="1.0" encoding="utf-8"?>
-<p:sld xmlns:a="http://schemas.openxmlformats.org/drawingml/2006/main" xmlns:r="http://schemas.openxmlformats.org/officeDocument/2006/relationships" xmlns:m="http://schemas.openxmlformats.org/officeDocument/2006/math" xmlns:w="http://schemas.openxmlformats.org/wordprocessingml/2006/main" xmlns:wp="http://schemas.openxmlformats.org/drawingml/2006/wordprocessingDrawing" xmlns:a14="http://schemas.microsoft.com/office/drawing/2010/main" xmlns:mc="http://schemas.openxmlformats.org/markup-compatibility/2006" xmlns:p14="http://schemas.microsoft.com/office/powerpoint/2010/main" xmlns:p15="http://schemas.microsoft.com/office/powerpoint/2012/main" xmlns:p159="http://schemas.microsoft.com/office/powerpoint/2015/09/main" xmlns:p="http://schemas.openxmlformats.org/presentationml/2006/main">
-  <p:cSld name="">
+<p:sld xmlns:a="http://schemas.openxmlformats.org/drawingml/2006/main" xmlns:r="http://schemas.openxmlformats.org/officeDocument/2006/relationships" xmlns:p="http://schemas.openxmlformats.org/presentationml/2006/main">
+  <p:cSld>
     <p:bg>
       <p:bgPr>
         <a:solidFill>
@@ -8023,6 +6397,8 @@
         <a:xfrm>
           <a:off x="0" y="0"/>
           <a:ext cx="0" cy="0"/>
+          <a:chOff x="0" y="0"/>
+          <a:chExt cx="0" cy="0"/>
         </a:xfrm>
       </p:grpSpPr>
       <p:sp>
@@ -8233,16 +6609,13 @@
           <a:lstStyle/>
           <a:p>
             <a:r>
-              <a:rPr lang="zh-CN" sz="4000" b="0" i="0" strike="noStrike" cap="none" baseline="0">
+              <a:rPr lang="zh-CN" sz="4000">
                 <a:solidFill>
                   <a:srgbClr val="FFFFFF"/>
                 </a:solidFill>
-                <a:effectLst/>
-                <a:latin typeface="SimSun"/>
-                <a:ea typeface="SimSun"/>
-                <a:cs typeface="SimSun"/>
+                <a:ea typeface="Microsoft YaHei UI" panose="020B0503020204020204" pitchFamily="34" charset="-122"/>
               </a:rPr>
-              <a:t>分发渠道：分销商</a:t>
+              <a:t>分销渠道：分销商</a:t>
             </a:r>
           </a:p>
         </p:txBody>
@@ -8333,14 +6706,11 @@
               </a:lnSpc>
             </a:pPr>
             <a:r>
-              <a:rPr lang="zh-CN" sz="1300" b="0" i="0" strike="noStrike" cap="none" baseline="0">
+              <a:rPr lang="zh-CN" sz="1300" dirty="0">
                 <a:solidFill>
                   <a:srgbClr val="FFFFFF"/>
                 </a:solidFill>
-                <a:effectLst/>
-                <a:latin typeface="SimSun"/>
-                <a:ea typeface="SimSun"/>
-                <a:cs typeface="SimSun"/>
+                <a:ea typeface="Microsoft YaHei UI" panose="020B0503020204020204" pitchFamily="34" charset="-122"/>
               </a:rPr>
               <a:t>分销商的作用</a:t>
             </a:r>
@@ -8352,14 +6722,11 @@
               </a:lnSpc>
             </a:pPr>
             <a:r>
-              <a:rPr lang="zh-CN" sz="1300" b="0" i="0" strike="noStrike" cap="none" baseline="0">
+              <a:rPr lang="zh-CN" sz="1300" dirty="0">
                 <a:solidFill>
                   <a:srgbClr val="FFFFFF"/>
                 </a:solidFill>
-                <a:effectLst/>
-                <a:latin typeface="SimSun"/>
-                <a:ea typeface="SimSun"/>
-                <a:cs typeface="SimSun"/>
+                <a:ea typeface="Microsoft YaHei UI" panose="020B0503020204020204" pitchFamily="34" charset="-122"/>
               </a:rPr>
               <a:t>代理和分销印度奶茶产品</a:t>
             </a:r>
@@ -8371,14 +6738,11 @@
               </a:lnSpc>
             </a:pPr>
             <a:r>
-              <a:rPr lang="zh-CN" sz="1300" b="0" i="0" strike="noStrike" cap="none" baseline="0">
+              <a:rPr lang="zh-CN" sz="1300" dirty="0">
                 <a:solidFill>
                   <a:srgbClr val="FFFFFF"/>
                 </a:solidFill>
-                <a:effectLst/>
-                <a:latin typeface="SimSun"/>
-                <a:ea typeface="SimSun"/>
-                <a:cs typeface="SimSun"/>
+                <a:ea typeface="Microsoft YaHei UI" panose="020B0503020204020204" pitchFamily="34" charset="-122"/>
               </a:rPr>
               <a:t>促进产品在不同市场的流通和销售</a:t>
             </a:r>
@@ -8390,14 +6754,11 @@
               </a:lnSpc>
             </a:pPr>
             <a:r>
-              <a:rPr lang="zh-CN" sz="1300" b="0" i="0" strike="noStrike" cap="none" baseline="0">
+              <a:rPr lang="zh-CN" sz="1300" dirty="0">
                 <a:solidFill>
                   <a:srgbClr val="FFFFFF"/>
                 </a:solidFill>
-                <a:effectLst/>
-                <a:latin typeface="SimSun"/>
-                <a:ea typeface="SimSun"/>
-                <a:cs typeface="SimSun"/>
+                <a:ea typeface="Microsoft YaHei UI" panose="020B0503020204020204" pitchFamily="34" charset="-122"/>
               </a:rPr>
               <a:t>提供营销、销售和售后服务</a:t>
             </a:r>
@@ -8409,14 +6770,11 @@
               </a:lnSpc>
             </a:pPr>
             <a:r>
-              <a:rPr lang="zh-CN" sz="1300" b="0" i="0" strike="noStrike" cap="none" baseline="0">
+              <a:rPr lang="zh-CN" sz="1300" dirty="0">
                 <a:solidFill>
                   <a:srgbClr val="FFFFFF"/>
                 </a:solidFill>
-                <a:effectLst/>
-                <a:latin typeface="SimSun"/>
-                <a:ea typeface="SimSun"/>
-                <a:cs typeface="SimSun"/>
+                <a:ea typeface="Microsoft YaHei UI" panose="020B0503020204020204" pitchFamily="34" charset="-122"/>
               </a:rPr>
               <a:t>关系</a:t>
             </a:r>
@@ -8428,14 +6786,11 @@
               </a:lnSpc>
             </a:pPr>
             <a:r>
-              <a:rPr lang="zh-CN" sz="1300" b="0" i="0" strike="noStrike" cap="none" baseline="0">
+              <a:rPr lang="zh-CN" sz="1300" dirty="0">
                 <a:solidFill>
                   <a:srgbClr val="FFFFFF"/>
                 </a:solidFill>
-                <a:effectLst/>
-                <a:latin typeface="SimSun"/>
-                <a:ea typeface="SimSun"/>
-                <a:cs typeface="SimSun"/>
+                <a:ea typeface="Microsoft YaHei UI" panose="020B0503020204020204" pitchFamily="34" charset="-122"/>
               </a:rPr>
               <a:t>建立并维护与零售商和消费者的关系</a:t>
             </a:r>
@@ -8447,14 +6802,11 @@
               </a:lnSpc>
             </a:pPr>
             <a:r>
-              <a:rPr lang="zh-CN" sz="1300" b="0" i="0" strike="noStrike" cap="none" baseline="0">
+              <a:rPr lang="zh-CN" sz="1300" dirty="0">
                 <a:solidFill>
                   <a:srgbClr val="FFFFFF"/>
                 </a:solidFill>
-                <a:effectLst/>
-                <a:latin typeface="SimSun"/>
-                <a:ea typeface="SimSun"/>
-                <a:cs typeface="SimSun"/>
+                <a:ea typeface="Microsoft YaHei UI" panose="020B0503020204020204" pitchFamily="34" charset="-122"/>
               </a:rPr>
               <a:t>提供技术和物流支持</a:t>
             </a:r>
@@ -8466,14 +6818,11 @@
               </a:lnSpc>
             </a:pPr>
             <a:r>
-              <a:rPr lang="zh-CN" sz="1300" b="0" i="0" strike="noStrike" cap="none" baseline="0">
+              <a:rPr lang="zh-CN" sz="1300" dirty="0">
                 <a:solidFill>
                   <a:srgbClr val="FFFFFF"/>
                 </a:solidFill>
-                <a:effectLst/>
-                <a:latin typeface="SimSun"/>
-                <a:ea typeface="SimSun"/>
-                <a:cs typeface="SimSun"/>
+                <a:ea typeface="Microsoft YaHei UI" panose="020B0503020204020204" pitchFamily="34" charset="-122"/>
               </a:rPr>
               <a:t>拉丁美洲主要分销商</a:t>
             </a:r>
@@ -8485,14 +6834,11 @@
               </a:lnSpc>
             </a:pPr>
             <a:r>
-              <a:rPr lang="zh-CN" sz="1300" b="0" i="0" strike="noStrike" cap="none" baseline="0">
+              <a:rPr lang="zh-CN" sz="1300" dirty="0">
                 <a:solidFill>
                   <a:srgbClr val="FFFFFF"/>
                 </a:solidFill>
-                <a:effectLst/>
-                <a:latin typeface="SimSun"/>
-                <a:ea typeface="SimSun"/>
-                <a:cs typeface="SimSun"/>
+                <a:ea typeface="Microsoft YaHei UI" panose="020B0503020204020204" pitchFamily="34" charset="-122"/>
               </a:rPr>
               <a:t>Tailwind Traders</a:t>
             </a:r>
@@ -8504,14 +6850,11 @@
               </a:lnSpc>
             </a:pPr>
             <a:r>
-              <a:rPr lang="zh-CN" sz="1300" b="0" i="0" strike="noStrike" cap="none" baseline="0">
+              <a:rPr lang="zh-CN" sz="1300" dirty="0">
                 <a:solidFill>
                   <a:srgbClr val="FFFFFF"/>
                 </a:solidFill>
-                <a:effectLst/>
-                <a:latin typeface="SimSun"/>
-                <a:ea typeface="SimSun"/>
-                <a:cs typeface="SimSun"/>
+                <a:ea typeface="Microsoft YaHei UI" panose="020B0503020204020204" pitchFamily="34" charset="-122"/>
               </a:rPr>
               <a:t>Woodgrove Groceries</a:t>
             </a:r>
@@ -8520,7 +6863,7 @@
       </p:sp>
       <p:pic>
         <p:nvPicPr>
-          <p:cNvPr id="5" name="Content Placeholder 4" descr="Medicine bottles on shelf">
+          <p:cNvPr id="5" name="Content Placeholder 4" descr="架子上的药瓶">
             <a:extLst>
               <a:ext uri="{FF2B5EF4-FFF2-40B4-BE49-F238E27FC236}">
                 <a16:creationId xmlns:a16="http://schemas.microsoft.com/office/drawing/2014/main" id="{17A78705-6D93-4728-8C80-3B6DDBB09F32}"/>
@@ -8534,12 +6877,10 @@
             <p:ph sz="half" idx="1"/>
           </p:nvPr>
         </p:nvPicPr>
-        <p:blipFill>
+        <p:blipFill rotWithShape="1">
           <a:blip r:embed="rId3"/>
           <a:srcRect l="29134" r="26287" b="-1"/>
-          <a:stretch>
-            <a:fillRect/>
-          </a:stretch>
+          <a:stretch/>
         </p:blipFill>
         <p:spPr>
           <a:xfrm>
@@ -8551,77 +6892,6 @@
           </a:prstGeom>
         </p:spPr>
       </p:pic>
-      <p:sp>
-        <p:nvSpPr>
-          <p:cNvPr id="17" name="TextBox"/>
-          <p:cNvSpPr txBox="1">
-            <a:spLocks noGrp="1" noSelect="1" noRot="1" noMove="1"/>
-          </p:cNvSpPr>
-          <p:nvPr/>
-        </p:nvSpPr>
-        <p:spPr>
-          <a:xfrm>
-            <a:off x="2890520" y="2644140"/>
-            <a:ext cx="6411372" cy="1569660"/>
-          </a:xfrm>
-          <a:prstGeom prst="rect">
-            <a:avLst/>
-          </a:prstGeom>
-          <a:noFill/>
-        </p:spPr>
-        <p:txBody>
-          <a:bodyPr wrap="none" rtlCol="0" anchor="ctr" anchorCtr="1">
-            <a:spAutoFit/>
-          </a:bodyPr>
-          <a:lstStyle>
-            <a:lvl1pPr algn="l">
-              <a:lnSpc>
-                <a:spcPct val="150000"/>
-              </a:lnSpc>
-              <a:spcBef>
-                <a:spcPct val="0"/>
-              </a:spcBef>
-              <a:spcAft>
-                <a:spcPct val="0"/>
-              </a:spcAft>
-              <a:defRPr lang="en-US" sz="3200" b="1" noProof="1" dirty="0">
-                <a:solidFill>
-                  <a:prstClr val="red">
-                    <a:lumOff val="30000"/>
-                    <a:alpha val="40000"/>
-                  </a:prstClr>
-                </a:solidFill>
-                <a:effectLst>
-                  <a:outerShdw blurRad="50800" dist="38100" algn="tr" rotWithShape="0">
-                    <a:prstClr val="black">
-                      <a:alpha val="80000"/>
-                    </a:prstClr>
-                  </a:outerShdw>
-                </a:effectLst>
-                <a:latin typeface="Calibri" pitchFamily="34" charset="0"/>
-              </a:defRPr>
-            </a:lvl1pPr>
-          </a:lstStyle>
-          <a:p>
-            <a:pPr algn="ctr"/>
-            <a:r>
-              <a:t>Evaluation only.</a:t>
-            </a:r>
-          </a:p>
-          <a:p>
-            <a:pPr algn="ctr"/>
-            <a:r>
-              <a:t>Created with Aspose.Slides for Java 23.6.</a:t>
-            </a:r>
-          </a:p>
-          <a:p>
-            <a:pPr algn="ctr"/>
-            <a:r>
-              <a:t>Copyright 2004-2023 Aspose Pty Ltd.</a:t>
-            </a:r>
-          </a:p>
-        </p:txBody>
-      </p:sp>
     </p:spTree>
     <p:extLst>
       <p:ext uri="{BB962C8B-B14F-4D97-AF65-F5344CB8AC3E}">
@@ -8632,14 +6902,12 @@
   <p:clrMapOvr>
     <a:overrideClrMapping bg1="dk1" tx1="lt1" bg2="dk2" tx2="lt2" accent1="accent1" accent2="accent2" accent3="accent3" accent4="accent4" accent5="accent5" accent6="accent6" hlink="hlink" folHlink="folHlink"/>
   </p:clrMapOvr>
-  <p:transition/>
-  <p:timing/>
 </p:sld>
 </file>
 
 <file path=ppt/slides/slide11.xml><?xml version="1.0" encoding="utf-8"?>
-<p:sld xmlns:a="http://schemas.openxmlformats.org/drawingml/2006/main" xmlns:r="http://schemas.openxmlformats.org/officeDocument/2006/relationships" xmlns:m="http://schemas.openxmlformats.org/officeDocument/2006/math" xmlns:w="http://schemas.openxmlformats.org/wordprocessingml/2006/main" xmlns:wp="http://schemas.openxmlformats.org/drawingml/2006/wordprocessingDrawing" xmlns:a14="http://schemas.microsoft.com/office/drawing/2010/main" xmlns:mc="http://schemas.openxmlformats.org/markup-compatibility/2006" xmlns:p14="http://schemas.microsoft.com/office/powerpoint/2010/main" xmlns:p15="http://schemas.microsoft.com/office/powerpoint/2012/main" xmlns:p159="http://schemas.microsoft.com/office/powerpoint/2015/09/main" xmlns:p="http://schemas.openxmlformats.org/presentationml/2006/main">
-  <p:cSld name="">
+<p:sld xmlns:a="http://schemas.openxmlformats.org/drawingml/2006/main" xmlns:r="http://schemas.openxmlformats.org/officeDocument/2006/relationships" xmlns:p="http://schemas.openxmlformats.org/presentationml/2006/main">
+  <p:cSld>
     <p:bg>
       <p:bgPr>
         <a:solidFill>
@@ -8658,6 +6926,8 @@
         <a:xfrm>
           <a:off x="0" y="0"/>
           <a:ext cx="0" cy="0"/>
+          <a:chOff x="0" y="0"/>
+          <a:chExt cx="0" cy="0"/>
         </a:xfrm>
       </p:grpSpPr>
       <p:sp useBgFill="1">
@@ -8701,7 +6971,7 @@
               <a:shade val="50000"/>
             </a:schemeClr>
           </a:lnRef>
-          <a:fillRef idx="4294967295">
+          <a:fillRef idx="1001">
             <a:schemeClr val="lt1"/>
           </a:fillRef>
           <a:effectRef idx="0">
@@ -8811,16 +7081,30 @@
           <a:lstStyle/>
           <a:p>
             <a:r>
-              <a:rPr lang="zh-CN" sz="4400" b="0" i="0" strike="noStrike" cap="none" baseline="0">
+              <a:rPr lang="zh-CN" sz="4400" dirty="0">
                 <a:solidFill>
                   <a:srgbClr val="FFFFFF"/>
                 </a:solidFill>
-                <a:effectLst/>
-                <a:latin typeface="SimSun"/>
-                <a:ea typeface="SimSun"/>
-                <a:cs typeface="SimSun"/>
+                <a:ea typeface="Microsoft YaHei UI" panose="020B0503020204020204" pitchFamily="34" charset="-122"/>
               </a:rPr>
-              <a:t>推广计划和策略</a:t>
+              <a:t>推广计划和</a:t>
+            </a:r>
+            <a:br>
+              <a:rPr lang="en-US" altLang="zh-CN" sz="4400" dirty="0">
+                <a:solidFill>
+                  <a:srgbClr val="FFFFFF"/>
+                </a:solidFill>
+                <a:ea typeface="Microsoft YaHei UI" panose="020B0503020204020204" pitchFamily="34" charset="-122"/>
+              </a:rPr>
+            </a:br>
+            <a:r>
+              <a:rPr lang="zh-CN" sz="4400" dirty="0">
+                <a:solidFill>
+                  <a:srgbClr val="FFFFFF"/>
+                </a:solidFill>
+                <a:ea typeface="Microsoft YaHei UI" panose="020B0503020204020204" pitchFamily="34" charset="-122"/>
+              </a:rPr>
+              <a:t>策略</a:t>
             </a:r>
           </a:p>
         </p:txBody>
@@ -8859,14 +7143,8 @@
               </a:lnSpc>
             </a:pPr>
             <a:r>
-              <a:rPr lang="zh-CN" sz="1700" b="0" i="0" strike="noStrike" cap="none" baseline="0">
-                <a:solidFill>
-                  <a:srgbClr val="404040"/>
-                </a:solidFill>
-                <a:effectLst/>
-                <a:latin typeface="SimSun"/>
-                <a:ea typeface="SimSun"/>
-                <a:cs typeface="SimSun"/>
+              <a:rPr lang="zh-CN" sz="1700">
+                <a:ea typeface="Microsoft YaHei UI" panose="020B0503020204020204" pitchFamily="34" charset="-122"/>
               </a:rPr>
               <a:t>推广计划和策略的目标</a:t>
             </a:r>
@@ -8878,14 +7156,8 @@
               </a:lnSpc>
             </a:pPr>
             <a:r>
-              <a:rPr lang="zh-CN" sz="1700" b="0" i="0" strike="noStrike" cap="none" baseline="0">
-                <a:solidFill>
-                  <a:srgbClr val="404040"/>
-                </a:solidFill>
-                <a:effectLst/>
-                <a:latin typeface="SimSun"/>
-                <a:ea typeface="SimSun"/>
-                <a:cs typeface="SimSun"/>
+              <a:rPr lang="zh-CN" sz="1700">
+                <a:ea typeface="Microsoft YaHei UI" panose="020B0503020204020204" pitchFamily="34" charset="-122"/>
               </a:rPr>
               <a:t>提高目标受众对印度奶茶的认识和兴趣</a:t>
             </a:r>
@@ -8897,14 +7169,8 @@
               </a:lnSpc>
             </a:pPr>
             <a:r>
-              <a:rPr lang="zh-CN" sz="1700" b="0" i="0" strike="noStrike" cap="none" baseline="0">
-                <a:solidFill>
-                  <a:srgbClr val="404040"/>
-                </a:solidFill>
-                <a:effectLst/>
-                <a:latin typeface="SimSun"/>
-                <a:ea typeface="SimSun"/>
-                <a:cs typeface="SimSun"/>
+              <a:rPr lang="zh-CN" sz="1700">
+                <a:ea typeface="Microsoft YaHei UI" panose="020B0503020204020204" pitchFamily="34" charset="-122"/>
               </a:rPr>
               <a:t>将印度奶茶定位为优质、天然、健康的产品</a:t>
             </a:r>
@@ -8916,14 +7182,8 @@
               </a:lnSpc>
             </a:pPr>
             <a:r>
-              <a:rPr lang="zh-CN" sz="1700" b="0" i="0" strike="noStrike" cap="none" baseline="0">
-                <a:solidFill>
-                  <a:srgbClr val="404040"/>
-                </a:solidFill>
-                <a:effectLst/>
-                <a:latin typeface="SimSun"/>
-                <a:ea typeface="SimSun"/>
-                <a:cs typeface="SimSun"/>
+              <a:rPr lang="zh-CN" sz="1700">
+                <a:ea typeface="Microsoft YaHei UI" panose="020B0503020204020204" pitchFamily="34" charset="-122"/>
               </a:rPr>
               <a:t>通过多种渠道和激励措施鼓励消费者品尝和购买印度奶茶</a:t>
             </a:r>
@@ -8935,14 +7195,8 @@
               </a:lnSpc>
             </a:pPr>
             <a:r>
-              <a:rPr lang="zh-CN" sz="1700" b="0" i="0" strike="noStrike" cap="none" baseline="0">
-                <a:solidFill>
-                  <a:srgbClr val="404040"/>
-                </a:solidFill>
-                <a:effectLst/>
-                <a:latin typeface="SimSun"/>
-                <a:ea typeface="SimSun"/>
-                <a:cs typeface="SimSun"/>
+              <a:rPr lang="zh-CN" sz="1700">
+                <a:ea typeface="Microsoft YaHei UI" panose="020B0503020204020204" pitchFamily="34" charset="-122"/>
               </a:rPr>
               <a:t>建立印度奶茶消费者忠诚度和保留率</a:t>
             </a:r>
@@ -8954,14 +7208,8 @@
               </a:lnSpc>
             </a:pPr>
             <a:r>
-              <a:rPr lang="zh-CN" sz="1700" b="0" i="0" strike="noStrike" cap="none" baseline="0">
-                <a:solidFill>
-                  <a:srgbClr val="404040"/>
-                </a:solidFill>
-                <a:effectLst/>
-                <a:latin typeface="SimSun"/>
-                <a:ea typeface="SimSun"/>
-                <a:cs typeface="SimSun"/>
+              <a:rPr lang="zh-CN" sz="1700">
+                <a:ea typeface="Microsoft YaHei UI" panose="020B0503020204020204" pitchFamily="34" charset="-122"/>
               </a:rPr>
               <a:t>推广计划和策略中使用的方法</a:t>
             </a:r>
@@ -8973,14 +7221,8 @@
               </a:lnSpc>
             </a:pPr>
             <a:r>
-              <a:rPr lang="zh-CN" sz="1700" b="0" i="0" strike="noStrike" cap="none" baseline="0">
-                <a:solidFill>
-                  <a:srgbClr val="404040"/>
-                </a:solidFill>
-                <a:effectLst/>
-                <a:latin typeface="SimSun"/>
-                <a:ea typeface="SimSun"/>
-                <a:cs typeface="SimSun"/>
+              <a:rPr lang="zh-CN" sz="1700">
+                <a:ea typeface="Microsoft YaHei UI" panose="020B0503020204020204" pitchFamily="34" charset="-122"/>
               </a:rPr>
               <a:t>为印度奶茶创建一个朗朗上口、令人难忘的品牌名和徽标</a:t>
             </a:r>
@@ -8992,14 +7234,8 @@
               </a:lnSpc>
             </a:pPr>
             <a:r>
-              <a:rPr lang="zh-CN" sz="1700" b="0" i="0" strike="noStrike" cap="none" baseline="0">
-                <a:solidFill>
-                  <a:srgbClr val="404040"/>
-                </a:solidFill>
-                <a:effectLst/>
-                <a:latin typeface="SimSun"/>
-                <a:ea typeface="SimSun"/>
-                <a:cs typeface="SimSun"/>
+              <a:rPr lang="zh-CN" sz="1700">
+                <a:ea typeface="Microsoft YaHei UI" panose="020B0503020204020204" pitchFamily="34" charset="-122"/>
               </a:rPr>
               <a:t>为印度奶茶建立网站和社交媒体</a:t>
             </a:r>
@@ -9011,14 +7247,8 @@
               </a:lnSpc>
             </a:pPr>
             <a:r>
-              <a:rPr lang="zh-CN" sz="1700" b="0" i="0" strike="noStrike" cap="none" baseline="0">
-                <a:solidFill>
-                  <a:srgbClr val="404040"/>
-                </a:solidFill>
-                <a:effectLst/>
-                <a:latin typeface="SimSun"/>
-                <a:ea typeface="SimSun"/>
-                <a:cs typeface="SimSun"/>
+              <a:rPr lang="zh-CN" sz="1700">
+                <a:ea typeface="Microsoft YaHei UI" panose="020B0503020204020204" pitchFamily="34" charset="-122"/>
               </a:rPr>
               <a:t>开展数字营销活动</a:t>
             </a:r>
@@ -9030,14 +7260,8 @@
               </a:lnSpc>
             </a:pPr>
             <a:r>
-              <a:rPr lang="zh-CN" sz="1700" b="0" i="0" strike="noStrike" cap="none" baseline="0">
-                <a:solidFill>
-                  <a:srgbClr val="404040"/>
-                </a:solidFill>
-                <a:effectLst/>
-                <a:latin typeface="SimSun"/>
-                <a:ea typeface="SimSun"/>
-                <a:cs typeface="SimSun"/>
+              <a:rPr lang="zh-CN" sz="1700">
+                <a:ea typeface="Microsoft YaHei UI" panose="020B0503020204020204" pitchFamily="34" charset="-122"/>
               </a:rPr>
               <a:t>分发免费的印度奶茶样品和优惠券</a:t>
             </a:r>
@@ -9049,14 +7273,8 @@
               </a:lnSpc>
             </a:pPr>
             <a:r>
-              <a:rPr lang="zh-CN" sz="1700" b="0" i="0" strike="noStrike" cap="none" baseline="0">
-                <a:solidFill>
-                  <a:srgbClr val="404040"/>
-                </a:solidFill>
-                <a:effectLst/>
-                <a:latin typeface="SimSun"/>
-                <a:ea typeface="SimSun"/>
-                <a:cs typeface="SimSun"/>
+              <a:rPr lang="zh-CN" sz="1700">
+                <a:ea typeface="Microsoft YaHei UI" panose="020B0503020204020204" pitchFamily="34" charset="-122"/>
               </a:rPr>
               <a:t>组织活动和竞赛</a:t>
             </a:r>
@@ -9068,87 +7286,10 @@
               </a:lnSpc>
             </a:pPr>
             <a:r>
-              <a:rPr lang="zh-CN" sz="1700" b="0" i="0" strike="noStrike" cap="none" baseline="0">
-                <a:solidFill>
-                  <a:srgbClr val="404040"/>
-                </a:solidFill>
-                <a:effectLst/>
-                <a:latin typeface="SimSun"/>
-                <a:ea typeface="SimSun"/>
-                <a:cs typeface="SimSun"/>
+              <a:rPr lang="zh-CN" sz="1700">
+                <a:ea typeface="Microsoft YaHei UI" panose="020B0503020204020204" pitchFamily="34" charset="-122"/>
               </a:rPr>
               <a:t>推广计划和策略的实施与评估</a:t>
-            </a:r>
-          </a:p>
-        </p:txBody>
-      </p:sp>
-      <p:sp>
-        <p:nvSpPr>
-          <p:cNvPr id="11" name="TextBox"/>
-          <p:cNvSpPr txBox="1">
-            <a:spLocks noGrp="1" noSelect="1" noRot="1" noMove="1"/>
-          </p:cNvSpPr>
-          <p:nvPr/>
-        </p:nvSpPr>
-        <p:spPr>
-          <a:xfrm>
-            <a:off x="2890520" y="2644140"/>
-            <a:ext cx="6411372" cy="1569660"/>
-          </a:xfrm>
-          <a:prstGeom prst="rect">
-            <a:avLst/>
-          </a:prstGeom>
-          <a:noFill/>
-        </p:spPr>
-        <p:txBody>
-          <a:bodyPr wrap="none" rtlCol="0" anchor="ctr" anchorCtr="1">
-            <a:spAutoFit/>
-          </a:bodyPr>
-          <a:lstStyle>
-            <a:lvl1pPr algn="l">
-              <a:lnSpc>
-                <a:spcPct val="150000"/>
-              </a:lnSpc>
-              <a:spcBef>
-                <a:spcPct val="0"/>
-              </a:spcBef>
-              <a:spcAft>
-                <a:spcPct val="0"/>
-              </a:spcAft>
-              <a:defRPr lang="en-US" sz="3200" b="1" noProof="1" dirty="0">
-                <a:solidFill>
-                  <a:prstClr val="red">
-                    <a:lumOff val="30000"/>
-                    <a:alpha val="40000"/>
-                  </a:prstClr>
-                </a:solidFill>
-                <a:effectLst>
-                  <a:outerShdw blurRad="50800" dist="38100" algn="tr" rotWithShape="0">
-                    <a:prstClr val="black">
-                      <a:alpha val="80000"/>
-                    </a:prstClr>
-                  </a:outerShdw>
-                </a:effectLst>
-                <a:latin typeface="Calibri" pitchFamily="34" charset="0"/>
-              </a:defRPr>
-            </a:lvl1pPr>
-          </a:lstStyle>
-          <a:p>
-            <a:pPr algn="ctr"/>
-            <a:r>
-              <a:t>Evaluation only.</a:t>
-            </a:r>
-          </a:p>
-          <a:p>
-            <a:pPr algn="ctr"/>
-            <a:r>
-              <a:t>Created with Aspose.Slides for Java 23.6.</a:t>
-            </a:r>
-          </a:p>
-          <a:p>
-            <a:pPr algn="ctr"/>
-            <a:r>
-              <a:t>Copyright 2004-2023 Aspose Pty Ltd.</a:t>
             </a:r>
           </a:p>
         </p:txBody>
@@ -9163,14 +7304,12 @@
   <p:clrMapOvr>
     <a:masterClrMapping/>
   </p:clrMapOvr>
-  <p:transition/>
-  <p:timing/>
 </p:sld>
 </file>
 
 <file path=ppt/slides/slide12.xml><?xml version="1.0" encoding="utf-8"?>
-<p:sld xmlns:a="http://schemas.openxmlformats.org/drawingml/2006/main" xmlns:r="http://schemas.openxmlformats.org/officeDocument/2006/relationships" xmlns:m="http://schemas.openxmlformats.org/officeDocument/2006/math" xmlns:w="http://schemas.openxmlformats.org/wordprocessingml/2006/main" xmlns:wp="http://schemas.openxmlformats.org/drawingml/2006/wordprocessingDrawing" xmlns:a14="http://schemas.microsoft.com/office/drawing/2010/main" xmlns:mc="http://schemas.openxmlformats.org/markup-compatibility/2006" xmlns:p14="http://schemas.microsoft.com/office/powerpoint/2010/main" xmlns:p15="http://schemas.microsoft.com/office/powerpoint/2012/main" xmlns:p159="http://schemas.microsoft.com/office/powerpoint/2015/09/main" xmlns:p="http://schemas.openxmlformats.org/presentationml/2006/main">
-  <p:cSld name="">
+<p:sld xmlns:a="http://schemas.openxmlformats.org/drawingml/2006/main" xmlns:r="http://schemas.openxmlformats.org/officeDocument/2006/relationships" xmlns:p="http://schemas.openxmlformats.org/presentationml/2006/main">
+  <p:cSld>
     <p:bg>
       <p:bgPr>
         <a:solidFill>
@@ -9189,6 +7328,8 @@
         <a:xfrm>
           <a:off x="0" y="0"/>
           <a:ext cx="0" cy="0"/>
+          <a:chOff x="0" y="0"/>
+          <a:chExt cx="0" cy="0"/>
         </a:xfrm>
       </p:grpSpPr>
       <p:sp>
@@ -9397,23 +7538,17 @@
           <a:lstStyle/>
           <a:p>
             <a:r>
-              <a:rPr lang="zh-CN" sz="3100" b="0" i="0" strike="noStrike" cap="none" baseline="0">
-                <a:solidFill>
-                  <a:srgbClr val="404040"/>
-                </a:solidFill>
-                <a:effectLst/>
-                <a:latin typeface="SimSun"/>
-                <a:ea typeface="SimSun"/>
-                <a:cs typeface="SimSun"/>
+              <a:rPr lang="zh-CN" sz="3400">
+                <a:ea typeface="Microsoft YaHei UI" panose="020B0503020204020204" pitchFamily="34" charset="-122"/>
               </a:rPr>
-              <a:t>预期结果和挑战：预期结果</a:t>
+              <a:t>预期成果和挑战：预期成果</a:t>
             </a:r>
           </a:p>
         </p:txBody>
       </p:sp>
       <p:pic>
         <p:nvPicPr>
-          <p:cNvPr id="5" name="Content Placeholder 4" descr="Tea being poured into a mug with a ceramic pot - black background">
+          <p:cNvPr id="5" name="Content Placeholder 4" descr="陶壶中的茶正被倒入马克杯 - 黑色背景">
             <a:extLst>
               <a:ext uri="{FF2B5EF4-FFF2-40B4-BE49-F238E27FC236}">
                 <a16:creationId xmlns:a16="http://schemas.microsoft.com/office/drawing/2014/main" id="{FD4F758D-569A-4658-9C5B-1CC2B977D553}"/>
@@ -9427,12 +7562,10 @@
             <p:ph sz="half" idx="1"/>
           </p:nvPr>
         </p:nvPicPr>
-        <p:blipFill>
+        <p:blipFill rotWithShape="1">
           <a:blip r:embed="rId3"/>
           <a:srcRect l="20033" r="11470"/>
-          <a:stretch>
-            <a:fillRect/>
-          </a:stretch>
+          <a:stretch/>
         </p:blipFill>
         <p:spPr>
           <a:xfrm>
@@ -9528,129 +7661,34 @@
           <a:lstStyle/>
           <a:p>
             <a:r>
-              <a:rPr lang="zh-CN" sz="1900" b="0" i="0" strike="noStrike" cap="none" baseline="0">
-                <a:solidFill>
-                  <a:srgbClr val="404040"/>
-                </a:solidFill>
-                <a:effectLst/>
-                <a:latin typeface="SimSun"/>
-                <a:ea typeface="SimSun"/>
-                <a:cs typeface="SimSun"/>
+              <a:rPr lang="zh-CN" dirty="0">
+                <a:ea typeface="Microsoft YaHei UI" panose="020B0503020204020204" pitchFamily="34" charset="-122"/>
               </a:rPr>
               <a:t>目标受众对印度奶茶的认知度和兴趣提高 20%</a:t>
             </a:r>
           </a:p>
           <a:p>
             <a:r>
-              <a:rPr lang="zh-CN" sz="1900" b="0" i="0" strike="noStrike" cap="none" baseline="0">
-                <a:solidFill>
-                  <a:srgbClr val="404040"/>
-                </a:solidFill>
-                <a:effectLst/>
-                <a:latin typeface="SimSun"/>
-                <a:ea typeface="SimSun"/>
-                <a:cs typeface="SimSun"/>
+              <a:rPr lang="zh-CN" dirty="0">
+                <a:ea typeface="Microsoft YaHei UI" panose="020B0503020204020204" pitchFamily="34" charset="-122"/>
               </a:rPr>
               <a:t>该地区印度奶茶市场份额提高 10%</a:t>
             </a:r>
           </a:p>
           <a:p>
             <a:r>
-              <a:rPr lang="zh-CN" sz="1900" b="0" i="0" strike="noStrike" cap="none" baseline="0">
-                <a:solidFill>
-                  <a:srgbClr val="404040"/>
-                </a:solidFill>
-                <a:effectLst/>
-                <a:latin typeface="SimSun"/>
-                <a:ea typeface="SimSun"/>
-                <a:cs typeface="SimSun"/>
+              <a:rPr lang="zh-CN" dirty="0">
+                <a:ea typeface="Microsoft YaHei UI" panose="020B0503020204020204" pitchFamily="34" charset="-122"/>
               </a:rPr>
               <a:t>该地区印度奶茶销售量和收入提高 15%</a:t>
             </a:r>
           </a:p>
           <a:p>
             <a:r>
-              <a:rPr lang="zh-CN" sz="1900" b="0" i="0" strike="noStrike" cap="none" baseline="0">
-                <a:solidFill>
-                  <a:srgbClr val="404040"/>
-                </a:solidFill>
-                <a:effectLst/>
-                <a:latin typeface="SimSun"/>
-                <a:ea typeface="SimSun"/>
-                <a:cs typeface="SimSun"/>
+              <a:rPr lang="zh-CN" dirty="0">
+                <a:ea typeface="Microsoft YaHei UI" panose="020B0503020204020204" pitchFamily="34" charset="-122"/>
               </a:rPr>
               <a:t>该地区印度奶茶的客户满意度和保留率提高 25%</a:t>
-            </a:r>
-          </a:p>
-        </p:txBody>
-      </p:sp>
-      <p:sp>
-        <p:nvSpPr>
-          <p:cNvPr id="17" name="TextBox"/>
-          <p:cNvSpPr txBox="1">
-            <a:spLocks noGrp="1" noSelect="1" noRot="1" noMove="1"/>
-          </p:cNvSpPr>
-          <p:nvPr/>
-        </p:nvSpPr>
-        <p:spPr>
-          <a:xfrm>
-            <a:off x="2890520" y="2644140"/>
-            <a:ext cx="6411372" cy="1569660"/>
-          </a:xfrm>
-          <a:prstGeom prst="rect">
-            <a:avLst/>
-          </a:prstGeom>
-          <a:noFill/>
-        </p:spPr>
-        <p:txBody>
-          <a:bodyPr wrap="none" rtlCol="0" anchor="ctr" anchorCtr="1">
-            <a:spAutoFit/>
-          </a:bodyPr>
-          <a:lstStyle>
-            <a:lvl1pPr algn="l">
-              <a:lnSpc>
-                <a:spcPct val="150000"/>
-              </a:lnSpc>
-              <a:spcBef>
-                <a:spcPct val="0"/>
-              </a:spcBef>
-              <a:spcAft>
-                <a:spcPct val="0"/>
-              </a:spcAft>
-              <a:defRPr lang="en-US" sz="3200" b="1" noProof="1" dirty="0">
-                <a:solidFill>
-                  <a:prstClr val="red">
-                    <a:lumOff val="30000"/>
-                    <a:alpha val="40000"/>
-                  </a:prstClr>
-                </a:solidFill>
-                <a:effectLst>
-                  <a:outerShdw blurRad="50800" dist="38100" algn="tr" rotWithShape="0">
-                    <a:prstClr val="black">
-                      <a:alpha val="80000"/>
-                    </a:prstClr>
-                  </a:outerShdw>
-                </a:effectLst>
-                <a:latin typeface="Calibri" pitchFamily="34" charset="0"/>
-              </a:defRPr>
-            </a:lvl1pPr>
-          </a:lstStyle>
-          <a:p>
-            <a:pPr algn="ctr"/>
-            <a:r>
-              <a:t>Evaluation only.</a:t>
-            </a:r>
-          </a:p>
-          <a:p>
-            <a:pPr algn="ctr"/>
-            <a:r>
-              <a:t>Created with Aspose.Slides for Java 23.6.</a:t>
-            </a:r>
-          </a:p>
-          <a:p>
-            <a:pPr algn="ctr"/>
-            <a:r>
-              <a:t>Copyright 2004-2023 Aspose Pty Ltd.</a:t>
             </a:r>
           </a:p>
         </p:txBody>
@@ -9665,14 +7703,12 @@
   <p:clrMapOvr>
     <a:masterClrMapping/>
   </p:clrMapOvr>
-  <p:transition/>
-  <p:timing/>
 </p:sld>
 </file>
 
 <file path=ppt/slides/slide13.xml><?xml version="1.0" encoding="utf-8"?>
-<p:sld xmlns:a="http://schemas.openxmlformats.org/drawingml/2006/main" xmlns:r="http://schemas.openxmlformats.org/officeDocument/2006/relationships" xmlns:m="http://schemas.openxmlformats.org/officeDocument/2006/math" xmlns:w="http://schemas.openxmlformats.org/wordprocessingml/2006/main" xmlns:wp="http://schemas.openxmlformats.org/drawingml/2006/wordprocessingDrawing" xmlns:a14="http://schemas.microsoft.com/office/drawing/2010/main" xmlns:mc="http://schemas.openxmlformats.org/markup-compatibility/2006" xmlns:p14="http://schemas.microsoft.com/office/powerpoint/2010/main" xmlns:p15="http://schemas.microsoft.com/office/powerpoint/2012/main" xmlns:p159="http://schemas.microsoft.com/office/powerpoint/2015/09/main" xmlns:p="http://schemas.openxmlformats.org/presentationml/2006/main">
-  <p:cSld name="">
+<p:sld xmlns:a="http://schemas.openxmlformats.org/drawingml/2006/main" xmlns:r="http://schemas.openxmlformats.org/officeDocument/2006/relationships" xmlns:p="http://schemas.openxmlformats.org/presentationml/2006/main">
+  <p:cSld>
     <p:bg>
       <p:bgPr>
         <a:solidFill>
@@ -9691,6 +7727,8 @@
         <a:xfrm>
           <a:off x="0" y="0"/>
           <a:ext cx="0" cy="0"/>
+          <a:chOff x="0" y="0"/>
+          <a:chExt cx="0" cy="0"/>
         </a:xfrm>
       </p:grpSpPr>
       <p:sp useBgFill="1">
@@ -9734,7 +7772,7 @@
               <a:shade val="50000"/>
             </a:schemeClr>
           </a:lnRef>
-          <a:fillRef idx="4294967295">
+          <a:fillRef idx="1001">
             <a:schemeClr val="lt1"/>
           </a:fillRef>
           <a:effectRef idx="0">
@@ -9844,16 +7882,13 @@
           <a:lstStyle/>
           <a:p>
             <a:r>
-              <a:rPr lang="zh-CN" sz="4400" b="0" i="0" strike="noStrike" cap="none" baseline="0">
+              <a:rPr lang="zh-CN" sz="4400" dirty="0">
                 <a:solidFill>
                   <a:srgbClr val="FFFFFF"/>
                 </a:solidFill>
-                <a:effectLst/>
-                <a:latin typeface="SimSun"/>
-                <a:ea typeface="SimSun"/>
-                <a:cs typeface="SimSun"/>
+                <a:ea typeface="Microsoft YaHei UI" panose="020B0503020204020204" pitchFamily="34" charset="-122"/>
               </a:rPr>
-              <a:t>预期结果和挑战：潜在挑战</a:t>
+              <a:t>预期成果和挑战：潜在挑战</a:t>
             </a:r>
           </a:p>
         </p:txBody>
@@ -9877,7 +7912,7 @@
         <p:spPr>
           <a:xfrm>
             <a:off x="5231958" y="605896"/>
-            <a:ext cx="5923721" cy="5646208"/>
+            <a:ext cx="6279106" cy="5646208"/>
           </a:xfrm>
         </p:spPr>
         <p:txBody>
@@ -9887,143 +7922,53 @@
           <a:lstStyle/>
           <a:p>
             <a:r>
-              <a:rPr lang="zh-CN" sz="2400" b="0" i="0" strike="noStrike" cap="none" baseline="0">
-                <a:solidFill>
-                  <a:srgbClr val="404040"/>
-                </a:solidFill>
-                <a:effectLst/>
-                <a:latin typeface="SimSun"/>
-                <a:ea typeface="SimSun"/>
-                <a:cs typeface="SimSun"/>
+              <a:rPr lang="zh-CN" sz="2400" dirty="0">
+                <a:ea typeface="Microsoft YaHei UI" panose="020B0503020204020204" pitchFamily="34" charset="-122"/>
               </a:rPr>
-              <a:t>与其他饮料相比，印度奶茶产品价格高昂，消费者难以负担得起</a:t>
-            </a:r>
-          </a:p>
-          <a:p>
-            <a:r>
-              <a:rPr lang="zh-CN" sz="2400" b="0" i="0" strike="noStrike" cap="none" baseline="0">
-                <a:solidFill>
-                  <a:srgbClr val="404040"/>
-                </a:solidFill>
-                <a:effectLst/>
-                <a:latin typeface="SimSun"/>
-                <a:ea typeface="SimSun"/>
-                <a:cs typeface="SimSun"/>
+              <a:t>与其他饮料相比，印度奶茶产品价格高昂，</a:t>
+            </a:r>
+            <a:br>
+              <a:rPr lang="en-US" altLang="zh-CN" sz="2400" dirty="0">
+                <a:ea typeface="Microsoft YaHei UI" panose="020B0503020204020204" pitchFamily="34" charset="-122"/>
+              </a:rPr>
+            </a:br>
+            <a:r>
+              <a:rPr lang="zh-CN" sz="2400" dirty="0">
+                <a:ea typeface="Microsoft YaHei UI" panose="020B0503020204020204" pitchFamily="34" charset="-122"/>
+              </a:rPr>
+              <a:t>消费者难以负担得起</a:t>
+            </a:r>
+          </a:p>
+          <a:p>
+            <a:r>
+              <a:rPr lang="zh-CN" sz="2400" dirty="0">
+                <a:ea typeface="Microsoft YaHei UI" panose="020B0503020204020204" pitchFamily="34" charset="-122"/>
               </a:rPr>
               <a:t>部分人群对印度奶茶缺乏认识和了解</a:t>
             </a:r>
           </a:p>
           <a:p>
             <a:r>
-              <a:rPr lang="zh-CN" sz="2400" b="0" i="0" strike="noStrike" cap="none" baseline="0">
-                <a:solidFill>
-                  <a:srgbClr val="404040"/>
-                </a:solidFill>
-                <a:effectLst/>
-                <a:latin typeface="SimSun"/>
-                <a:ea typeface="SimSun"/>
-                <a:cs typeface="SimSun"/>
+              <a:rPr lang="zh-CN" sz="2400" dirty="0">
+                <a:ea typeface="Microsoft YaHei UI" panose="020B0503020204020204" pitchFamily="34" charset="-122"/>
               </a:rPr>
               <a:t>来自花草茶、绿茶和红茶等其他茶产品的竞争</a:t>
             </a:r>
           </a:p>
           <a:p>
             <a:r>
-              <a:rPr lang="zh-CN" sz="2400" b="0" i="0" strike="noStrike" cap="none" baseline="0">
-                <a:solidFill>
-                  <a:srgbClr val="404040"/>
-                </a:solidFill>
-                <a:effectLst/>
-                <a:latin typeface="SimSun"/>
-                <a:ea typeface="SimSun"/>
-                <a:cs typeface="SimSun"/>
+              <a:rPr lang="zh-CN" sz="2400" dirty="0">
+                <a:ea typeface="Microsoft YaHei UI" panose="020B0503020204020204" pitchFamily="34" charset="-122"/>
               </a:rPr>
               <a:t>监管和文化障碍可能会限制印度奶茶产品在某些国家/地区的进入和扩张</a:t>
             </a:r>
           </a:p>
           <a:p>
             <a:r>
-              <a:rPr lang="zh-CN" sz="2400" b="0" i="0" strike="noStrike" cap="none" baseline="0">
-                <a:solidFill>
-                  <a:srgbClr val="404040"/>
-                </a:solidFill>
-                <a:effectLst/>
-                <a:latin typeface="SimSun"/>
-                <a:ea typeface="SimSun"/>
-                <a:cs typeface="SimSun"/>
+              <a:rPr lang="zh-CN" sz="2400" dirty="0">
+                <a:ea typeface="Microsoft YaHei UI" panose="020B0503020204020204" pitchFamily="34" charset="-122"/>
               </a:rPr>
               <a:t>环境和社会问题可能会影响印度奶茶原料供应和质量</a:t>
-            </a:r>
-          </a:p>
-        </p:txBody>
-      </p:sp>
-      <p:sp>
-        <p:nvSpPr>
-          <p:cNvPr id="11" name="TextBox"/>
-          <p:cNvSpPr txBox="1">
-            <a:spLocks noGrp="1" noSelect="1" noRot="1" noMove="1"/>
-          </p:cNvSpPr>
-          <p:nvPr/>
-        </p:nvSpPr>
-        <p:spPr>
-          <a:xfrm>
-            <a:off x="2890520" y="2644140"/>
-            <a:ext cx="6411372" cy="1569660"/>
-          </a:xfrm>
-          <a:prstGeom prst="rect">
-            <a:avLst/>
-          </a:prstGeom>
-          <a:noFill/>
-        </p:spPr>
-        <p:txBody>
-          <a:bodyPr wrap="none" rtlCol="0" anchor="ctr" anchorCtr="1">
-            <a:spAutoFit/>
-          </a:bodyPr>
-          <a:lstStyle>
-            <a:lvl1pPr algn="l">
-              <a:lnSpc>
-                <a:spcPct val="150000"/>
-              </a:lnSpc>
-              <a:spcBef>
-                <a:spcPct val="0"/>
-              </a:spcBef>
-              <a:spcAft>
-                <a:spcPct val="0"/>
-              </a:spcAft>
-              <a:defRPr lang="en-US" sz="3200" b="1" noProof="1" dirty="0">
-                <a:solidFill>
-                  <a:prstClr val="red">
-                    <a:lumOff val="30000"/>
-                    <a:alpha val="40000"/>
-                  </a:prstClr>
-                </a:solidFill>
-                <a:effectLst>
-                  <a:outerShdw blurRad="50800" dist="38100" algn="tr" rotWithShape="0">
-                    <a:prstClr val="black">
-                      <a:alpha val="80000"/>
-                    </a:prstClr>
-                  </a:outerShdw>
-                </a:effectLst>
-                <a:latin typeface="Calibri" pitchFamily="34" charset="0"/>
-              </a:defRPr>
-            </a:lvl1pPr>
-          </a:lstStyle>
-          <a:p>
-            <a:pPr algn="ctr"/>
-            <a:r>
-              <a:t>Evaluation only.</a:t>
-            </a:r>
-          </a:p>
-          <a:p>
-            <a:pPr algn="ctr"/>
-            <a:r>
-              <a:t>Created with Aspose.Slides for Java 23.6.</a:t>
-            </a:r>
-          </a:p>
-          <a:p>
-            <a:pPr algn="ctr"/>
-            <a:r>
-              <a:t>Copyright 2004-2023 Aspose Pty Ltd.</a:t>
             </a:r>
           </a:p>
         </p:txBody>
@@ -10038,14 +7983,12 @@
   <p:clrMapOvr>
     <a:masterClrMapping/>
   </p:clrMapOvr>
-  <p:transition/>
-  <p:timing/>
 </p:sld>
 </file>
 
 <file path=ppt/slides/slide14.xml><?xml version="1.0" encoding="utf-8"?>
-<p:sld xmlns:a="http://schemas.openxmlformats.org/drawingml/2006/main" xmlns:r="http://schemas.openxmlformats.org/officeDocument/2006/relationships" xmlns:m="http://schemas.openxmlformats.org/officeDocument/2006/math" xmlns:w="http://schemas.openxmlformats.org/wordprocessingml/2006/main" xmlns:wp="http://schemas.openxmlformats.org/drawingml/2006/wordprocessingDrawing" xmlns:a14="http://schemas.microsoft.com/office/drawing/2010/main" xmlns:mc="http://schemas.openxmlformats.org/markup-compatibility/2006" xmlns:p14="http://schemas.microsoft.com/office/powerpoint/2010/main" xmlns:p15="http://schemas.microsoft.com/office/powerpoint/2012/main" xmlns:p159="http://schemas.microsoft.com/office/powerpoint/2015/09/main" xmlns:p="http://schemas.openxmlformats.org/presentationml/2006/main">
-  <p:cSld name="">
+<p:sld xmlns:a="http://schemas.openxmlformats.org/drawingml/2006/main" xmlns:r="http://schemas.openxmlformats.org/officeDocument/2006/relationships" xmlns:p="http://schemas.openxmlformats.org/presentationml/2006/main">
+  <p:cSld>
     <p:bg>
       <p:bgPr>
         <a:solidFill>
@@ -10064,6 +8007,8 @@
         <a:xfrm>
           <a:off x="0" y="0"/>
           <a:ext cx="0" cy="0"/>
+          <a:chOff x="0" y="0"/>
+          <a:chExt cx="0" cy="0"/>
         </a:xfrm>
       </p:grpSpPr>
       <p:sp useBgFill="1">
@@ -10107,7 +8052,7 @@
               <a:shade val="50000"/>
             </a:schemeClr>
           </a:lnRef>
-          <a:fillRef idx="4294967295">
+          <a:fillRef idx="1001">
             <a:schemeClr val="lt1"/>
           </a:fillRef>
           <a:effectRef idx="0">
@@ -10207,7 +8152,7 @@
         <p:spPr>
           <a:xfrm>
             <a:off x="492369" y="605896"/>
-            <a:ext cx="3642309" cy="5646208"/>
+            <a:ext cx="3773099" cy="5646208"/>
           </a:xfrm>
         </p:spPr>
         <p:txBody>
@@ -10217,14 +8162,11 @@
           <a:lstStyle/>
           <a:p>
             <a:r>
-              <a:rPr lang="zh-CN" sz="3700" b="0" i="0" strike="noStrike" cap="none" baseline="0">
+              <a:rPr lang="zh-CN" sz="3700" dirty="0">
                 <a:solidFill>
                   <a:srgbClr val="FFFFFF"/>
                 </a:solidFill>
-                <a:effectLst/>
-                <a:latin typeface="SimSun"/>
-                <a:ea typeface="SimSun"/>
-                <a:cs typeface="SimSun"/>
+                <a:ea typeface="Microsoft YaHei UI" panose="020B0503020204020204" pitchFamily="34" charset="-122"/>
               </a:rPr>
               <a:t>建议和结论</a:t>
             </a:r>
@@ -10250,7 +8192,7 @@
         <p:spPr>
           <a:xfrm>
             <a:off x="5231958" y="605896"/>
-            <a:ext cx="5923721" cy="5646208"/>
+            <a:ext cx="6136433" cy="5646208"/>
           </a:xfrm>
         </p:spPr>
         <p:txBody>
@@ -10265,16 +8207,21 @@
               </a:lnSpc>
             </a:pPr>
             <a:r>
-              <a:rPr lang="zh-CN" sz="1900" b="0" i="0" strike="noStrike" cap="none" baseline="0">
-                <a:solidFill>
-                  <a:srgbClr val="404040"/>
-                </a:solidFill>
-                <a:effectLst/>
-                <a:latin typeface="SimSun"/>
-                <a:ea typeface="SimSun"/>
-                <a:cs typeface="SimSun"/>
+              <a:rPr lang="zh-CN" sz="1900" dirty="0">
+                <a:ea typeface="Microsoft YaHei UI" panose="020B0503020204020204" pitchFamily="34" charset="-122"/>
               </a:rPr>
-              <a:t>印度奶茶是一种很有前景的产品，在拉丁美洲市场具有增长潜力</a:t>
+              <a:t>印度奶茶是一种很有前景的产品，在拉丁美洲市场具有</a:t>
+            </a:r>
+            <a:br>
+              <a:rPr lang="en-US" altLang="zh-CN" sz="1900" dirty="0">
+                <a:ea typeface="Microsoft YaHei UI" panose="020B0503020204020204" pitchFamily="34" charset="-122"/>
+              </a:rPr>
+            </a:br>
+            <a:r>
+              <a:rPr lang="zh-CN" sz="1900" dirty="0">
+                <a:ea typeface="Microsoft YaHei UI" panose="020B0503020204020204" pitchFamily="34" charset="-122"/>
+              </a:rPr>
+              <a:t>增长潜力</a:t>
             </a:r>
           </a:p>
           <a:p>
@@ -10284,14 +8231,8 @@
               </a:lnSpc>
             </a:pPr>
             <a:r>
-              <a:rPr lang="zh-CN" sz="1900" b="0" i="0" strike="noStrike" cap="none" baseline="0">
-                <a:solidFill>
-                  <a:srgbClr val="404040"/>
-                </a:solidFill>
-                <a:effectLst/>
-                <a:latin typeface="SimSun"/>
-                <a:ea typeface="SimSun"/>
-                <a:cs typeface="SimSun"/>
+              <a:rPr lang="zh-CN" sz="1900" dirty="0">
+                <a:ea typeface="Microsoft YaHei UI" panose="020B0503020204020204" pitchFamily="34" charset="-122"/>
               </a:rPr>
               <a:t>是一种健康、天然、充满异国情调的饮料替代品</a:t>
             </a:r>
@@ -10303,14 +8244,8 @@
               </a:lnSpc>
             </a:pPr>
             <a:r>
-              <a:rPr lang="zh-CN" sz="1900" b="0" i="0" strike="noStrike" cap="none" baseline="0">
-                <a:solidFill>
-                  <a:srgbClr val="404040"/>
-                </a:solidFill>
-                <a:effectLst/>
-                <a:latin typeface="SimSun"/>
-                <a:ea typeface="SimSun"/>
-                <a:cs typeface="SimSun"/>
+              <a:rPr lang="zh-CN" sz="1900" dirty="0">
+                <a:ea typeface="Microsoft YaHei UI" panose="020B0503020204020204" pitchFamily="34" charset="-122"/>
               </a:rPr>
               <a:t>将印度奶茶定位为优质、正宗、多功能的产品并进行营销</a:t>
             </a:r>
@@ -10322,14 +8257,8 @@
               </a:lnSpc>
             </a:pPr>
             <a:r>
-              <a:rPr lang="zh-CN" sz="1900" b="0" i="0" strike="noStrike" cap="none" baseline="0">
-                <a:solidFill>
-                  <a:srgbClr val="404040"/>
-                </a:solidFill>
-                <a:effectLst/>
-                <a:latin typeface="SimSun"/>
-                <a:ea typeface="SimSun"/>
-                <a:cs typeface="SimSun"/>
+              <a:rPr lang="zh-CN" sz="1900" dirty="0">
+                <a:ea typeface="Microsoft YaHei UI" panose="020B0503020204020204" pitchFamily="34" charset="-122"/>
               </a:rPr>
               <a:t>吸引不同的消费群体和场合</a:t>
             </a:r>
@@ -10341,16 +8270,21 @@
               </a:lnSpc>
             </a:pPr>
             <a:r>
-              <a:rPr lang="zh-CN" sz="1900" b="0" i="0" strike="noStrike" cap="none" baseline="0">
-                <a:solidFill>
-                  <a:srgbClr val="404040"/>
-                </a:solidFill>
-                <a:effectLst/>
-                <a:latin typeface="SimSun"/>
-                <a:ea typeface="SimSun"/>
-                <a:cs typeface="SimSun"/>
+              <a:rPr lang="zh-CN" sz="1900" dirty="0">
+                <a:ea typeface="Microsoft YaHei UI" panose="020B0503020204020204" pitchFamily="34" charset="-122"/>
               </a:rPr>
-              <a:t>利用独特的特点和益处，例如浓郁的香气、风味和健康益处</a:t>
+              <a:t>利用独特的特点和益处，例如浓郁的香气、风味和健康</a:t>
+            </a:r>
+            <a:br>
+              <a:rPr lang="en-US" altLang="zh-CN" sz="1900" dirty="0">
+                <a:ea typeface="Microsoft YaHei UI" panose="020B0503020204020204" pitchFamily="34" charset="-122"/>
+              </a:rPr>
+            </a:br>
+            <a:r>
+              <a:rPr lang="zh-CN" sz="1900" dirty="0">
+                <a:ea typeface="Microsoft YaHei UI" panose="020B0503020204020204" pitchFamily="34" charset="-122"/>
+              </a:rPr>
+              <a:t>益处</a:t>
             </a:r>
           </a:p>
           <a:p>
@@ -10360,14 +8294,8 @@
               </a:lnSpc>
             </a:pPr>
             <a:r>
-              <a:rPr lang="zh-CN" sz="1900" b="0" i="0" strike="noStrike" cap="none" baseline="0">
-                <a:solidFill>
-                  <a:srgbClr val="404040"/>
-                </a:solidFill>
-                <a:effectLst/>
-                <a:latin typeface="SimSun"/>
-                <a:ea typeface="SimSun"/>
-                <a:cs typeface="SimSun"/>
+              <a:rPr lang="zh-CN" sz="1900" dirty="0">
+                <a:ea typeface="Microsoft YaHei UI" panose="020B0503020204020204" pitchFamily="34" charset="-122"/>
               </a:rPr>
               <a:t>区别于其他茶产品</a:t>
             </a:r>
@@ -10379,14 +8307,8 @@
               </a:lnSpc>
             </a:pPr>
             <a:r>
-              <a:rPr lang="zh-CN" sz="1900" b="0" i="0" strike="noStrike" cap="none" baseline="0">
-                <a:solidFill>
-                  <a:srgbClr val="404040"/>
-                </a:solidFill>
-                <a:effectLst/>
-                <a:latin typeface="SimSun"/>
-                <a:ea typeface="SimSun"/>
-                <a:cs typeface="SimSun"/>
+              <a:rPr lang="zh-CN" sz="1900" dirty="0">
+                <a:ea typeface="Microsoft YaHei UI" panose="020B0503020204020204" pitchFamily="34" charset="-122"/>
               </a:rPr>
               <a:t>采用线上和线下相结合的方法，接触目标受众并与之互动</a:t>
             </a:r>
@@ -10398,14 +8320,8 @@
               </a:lnSpc>
             </a:pPr>
             <a:r>
-              <a:rPr lang="zh-CN" sz="1900" b="0" i="0" strike="noStrike" cap="none" baseline="0">
-                <a:solidFill>
-                  <a:srgbClr val="404040"/>
-                </a:solidFill>
-                <a:effectLst/>
-                <a:latin typeface="SimSun"/>
-                <a:ea typeface="SimSun"/>
-                <a:cs typeface="SimSun"/>
+              <a:rPr lang="zh-CN" sz="1900" dirty="0">
+                <a:ea typeface="Microsoft YaHei UI" panose="020B0503020204020204" pitchFamily="34" charset="-122"/>
               </a:rPr>
               <a:t>打造忠诚度高、满意度高的客户群</a:t>
             </a:r>
@@ -10417,14 +8333,8 @@
               </a:lnSpc>
             </a:pPr>
             <a:r>
-              <a:rPr lang="zh-CN" sz="1900" b="0" i="0" strike="noStrike" cap="none" baseline="0">
-                <a:solidFill>
-                  <a:srgbClr val="404040"/>
-                </a:solidFill>
-                <a:effectLst/>
-                <a:latin typeface="SimSun"/>
-                <a:ea typeface="SimSun"/>
-                <a:cs typeface="SimSun"/>
+              <a:rPr lang="zh-CN" sz="1900" dirty="0">
+                <a:ea typeface="Microsoft YaHei UI" panose="020B0503020204020204" pitchFamily="34" charset="-122"/>
               </a:rPr>
               <a:t>克服价格、知名度、竞争、监管和可持续性等挑战和威胁</a:t>
             </a:r>
@@ -10436,87 +8346,10 @@
               </a:lnSpc>
             </a:pPr>
             <a:r>
-              <a:rPr lang="zh-CN" sz="1900" b="0" i="0" strike="noStrike" cap="none" baseline="0">
-                <a:solidFill>
-                  <a:srgbClr val="404040"/>
-                </a:solidFill>
-                <a:effectLst/>
-                <a:latin typeface="SimSun"/>
-                <a:ea typeface="SimSun"/>
-                <a:cs typeface="SimSun"/>
+              <a:rPr lang="zh-CN" sz="1900" dirty="0">
+                <a:ea typeface="Microsoft YaHei UI" panose="020B0503020204020204" pitchFamily="34" charset="-122"/>
               </a:rPr>
               <a:t>不断监测、评估和调整推广计划和策略</a:t>
-            </a:r>
-          </a:p>
-        </p:txBody>
-      </p:sp>
-      <p:sp>
-        <p:nvSpPr>
-          <p:cNvPr id="11" name="TextBox"/>
-          <p:cNvSpPr txBox="1">
-            <a:spLocks noGrp="1" noSelect="1" noRot="1" noMove="1"/>
-          </p:cNvSpPr>
-          <p:nvPr/>
-        </p:nvSpPr>
-        <p:spPr>
-          <a:xfrm>
-            <a:off x="2890520" y="2644140"/>
-            <a:ext cx="6411372" cy="1569660"/>
-          </a:xfrm>
-          <a:prstGeom prst="rect">
-            <a:avLst/>
-          </a:prstGeom>
-          <a:noFill/>
-        </p:spPr>
-        <p:txBody>
-          <a:bodyPr wrap="none" rtlCol="0" anchor="ctr" anchorCtr="1">
-            <a:spAutoFit/>
-          </a:bodyPr>
-          <a:lstStyle>
-            <a:lvl1pPr algn="l">
-              <a:lnSpc>
-                <a:spcPct val="150000"/>
-              </a:lnSpc>
-              <a:spcBef>
-                <a:spcPct val="0"/>
-              </a:spcBef>
-              <a:spcAft>
-                <a:spcPct val="0"/>
-              </a:spcAft>
-              <a:defRPr lang="en-US" sz="3200" b="1" noProof="1" dirty="0">
-                <a:solidFill>
-                  <a:prstClr val="red">
-                    <a:lumOff val="30000"/>
-                    <a:alpha val="40000"/>
-                  </a:prstClr>
-                </a:solidFill>
-                <a:effectLst>
-                  <a:outerShdw blurRad="50800" dist="38100" algn="tr" rotWithShape="0">
-                    <a:prstClr val="black">
-                      <a:alpha val="80000"/>
-                    </a:prstClr>
-                  </a:outerShdw>
-                </a:effectLst>
-                <a:latin typeface="Calibri" pitchFamily="34" charset="0"/>
-              </a:defRPr>
-            </a:lvl1pPr>
-          </a:lstStyle>
-          <a:p>
-            <a:pPr algn="ctr"/>
-            <a:r>
-              <a:t>Evaluation only.</a:t>
-            </a:r>
-          </a:p>
-          <a:p>
-            <a:pPr algn="ctr"/>
-            <a:r>
-              <a:t>Created with Aspose.Slides for Java 23.6.</a:t>
-            </a:r>
-          </a:p>
-          <a:p>
-            <a:pPr algn="ctr"/>
-            <a:r>
-              <a:t>Copyright 2004-2023 Aspose Pty Ltd.</a:t>
             </a:r>
           </a:p>
         </p:txBody>
@@ -10531,14 +8364,12 @@
   <p:clrMapOvr>
     <a:masterClrMapping/>
   </p:clrMapOvr>
-  <p:transition/>
-  <p:timing/>
 </p:sld>
 </file>
 
 <file path=ppt/slides/slide2.xml><?xml version="1.0" encoding="utf-8"?>
-<p:sld xmlns:a="http://schemas.openxmlformats.org/drawingml/2006/main" xmlns:r="http://schemas.openxmlformats.org/officeDocument/2006/relationships" xmlns:m="http://schemas.openxmlformats.org/officeDocument/2006/math" xmlns:w="http://schemas.openxmlformats.org/wordprocessingml/2006/main" xmlns:wp="http://schemas.openxmlformats.org/drawingml/2006/wordprocessingDrawing" xmlns:a14="http://schemas.microsoft.com/office/drawing/2010/main" xmlns:mc="http://schemas.openxmlformats.org/markup-compatibility/2006" xmlns:p14="http://schemas.microsoft.com/office/powerpoint/2010/main" xmlns:p15="http://schemas.microsoft.com/office/powerpoint/2012/main" xmlns:p159="http://schemas.microsoft.com/office/powerpoint/2015/09/main" xmlns:p="http://schemas.openxmlformats.org/presentationml/2006/main">
-  <p:cSld name="">
+<p:sld xmlns:a="http://schemas.openxmlformats.org/drawingml/2006/main" xmlns:r="http://schemas.openxmlformats.org/officeDocument/2006/relationships" xmlns:p="http://schemas.openxmlformats.org/presentationml/2006/main">
+  <p:cSld>
     <p:bg>
       <p:bgPr>
         <a:solidFill>
@@ -10561,6 +8392,8 @@
         <a:xfrm>
           <a:off x="0" y="0"/>
           <a:ext cx="0" cy="0"/>
+          <a:chOff x="0" y="0"/>
+          <a:chExt cx="0" cy="0"/>
         </a:xfrm>
       </p:grpSpPr>
       <p:sp>
@@ -10716,14 +8549,8 @@
           <a:p>
             <a:pPr algn="r"/>
             <a:r>
-              <a:rPr lang="zh-CN" sz="4700" b="0" i="0" strike="noStrike" cap="none" baseline="0">
-                <a:solidFill>
-                  <a:srgbClr val="404040"/>
-                </a:solidFill>
-                <a:effectLst/>
-                <a:latin typeface="SimSun"/>
-                <a:ea typeface="SimSun"/>
-                <a:cs typeface="SimSun"/>
+              <a:rPr lang="zh-CN">
+                <a:ea typeface="Microsoft YaHei UI" panose="020B0503020204020204" pitchFamily="34" charset="-122"/>
               </a:rPr>
               <a:t>议程</a:t>
             </a:r>
@@ -10754,7 +8581,7 @@
           </p:nvPr>
         </p:nvCxnSpPr>
         <p:spPr>
-          <a:xfrm flipH="1">
+          <a:xfrm>
             <a:off x="4971974" y="2057399"/>
             <a:ext cx="0" cy="2743200"/>
           </a:xfrm>
@@ -10816,14 +8643,8 @@
               </a:lnSpc>
             </a:pPr>
             <a:r>
-              <a:rPr lang="zh-CN" sz="1800" b="0" i="0" strike="noStrike" cap="none" baseline="0">
-                <a:solidFill>
-                  <a:srgbClr val="404040"/>
-                </a:solidFill>
-                <a:effectLst/>
-                <a:latin typeface="SimSun"/>
-                <a:ea typeface="SimSun"/>
-                <a:cs typeface="SimSun"/>
+              <a:rPr lang="zh-CN" sz="1800" dirty="0">
+                <a:ea typeface="Microsoft YaHei UI" panose="020B0503020204020204" pitchFamily="34" charset="-122"/>
               </a:rPr>
               <a:t>简介</a:t>
             </a:r>
@@ -10835,14 +8656,8 @@
               </a:lnSpc>
             </a:pPr>
             <a:r>
-              <a:rPr lang="zh-CN" sz="1800" b="0" i="0" strike="noStrike" cap="none" baseline="0">
-                <a:solidFill>
-                  <a:srgbClr val="404040"/>
-                </a:solidFill>
-                <a:effectLst/>
-                <a:latin typeface="SimSun"/>
-                <a:ea typeface="SimSun"/>
-                <a:cs typeface="SimSun"/>
+              <a:rPr lang="zh-CN" sz="1800" dirty="0">
+                <a:ea typeface="Microsoft YaHei UI" panose="020B0503020204020204" pitchFamily="34" charset="-122"/>
               </a:rPr>
               <a:t>产品说明</a:t>
             </a:r>
@@ -10854,14 +8669,8 @@
               </a:lnSpc>
             </a:pPr>
             <a:r>
-              <a:rPr lang="zh-CN" sz="1800" b="0" i="0" strike="noStrike" cap="none" baseline="0">
-                <a:solidFill>
-                  <a:srgbClr val="404040"/>
-                </a:solidFill>
-                <a:effectLst/>
-                <a:latin typeface="SimSun"/>
-                <a:ea typeface="SimSun"/>
-                <a:cs typeface="SimSun"/>
+              <a:rPr lang="zh-CN" sz="1800" dirty="0">
+                <a:ea typeface="Microsoft YaHei UI" panose="020B0503020204020204" pitchFamily="34" charset="-122"/>
               </a:rPr>
               <a:t>产品说明 (1/2)</a:t>
             </a:r>
@@ -10873,14 +8682,8 @@
               </a:lnSpc>
             </a:pPr>
             <a:r>
-              <a:rPr lang="zh-CN" sz="1800" b="0" i="0" strike="noStrike" cap="none" baseline="0">
-                <a:solidFill>
-                  <a:srgbClr val="404040"/>
-                </a:solidFill>
-                <a:effectLst/>
-                <a:latin typeface="SimSun"/>
-                <a:ea typeface="SimSun"/>
-                <a:cs typeface="SimSun"/>
+              <a:rPr lang="zh-CN" sz="1800" dirty="0">
+                <a:ea typeface="Microsoft YaHei UI" panose="020B0503020204020204" pitchFamily="34" charset="-122"/>
               </a:rPr>
               <a:t>产品说明 (2/2)</a:t>
             </a:r>
@@ -10892,14 +8695,8 @@
               </a:lnSpc>
             </a:pPr>
             <a:r>
-              <a:rPr lang="zh-CN" sz="1800" b="0" i="0" strike="noStrike" cap="none" baseline="0">
-                <a:solidFill>
-                  <a:srgbClr val="404040"/>
-                </a:solidFill>
-                <a:effectLst/>
-                <a:latin typeface="SimSun"/>
-                <a:ea typeface="SimSun"/>
-                <a:cs typeface="SimSun"/>
+              <a:rPr lang="zh-CN" sz="1800" dirty="0">
+                <a:ea typeface="Microsoft YaHei UI" panose="020B0503020204020204" pitchFamily="34" charset="-122"/>
               </a:rPr>
               <a:t>市场趋势和需求</a:t>
             </a:r>
@@ -10911,14 +8708,8 @@
               </a:lnSpc>
             </a:pPr>
             <a:r>
-              <a:rPr lang="zh-CN" sz="1800" b="0" i="0" strike="noStrike" cap="none" baseline="0">
-                <a:solidFill>
-                  <a:srgbClr val="404040"/>
-                </a:solidFill>
-                <a:effectLst/>
-                <a:latin typeface="SimSun"/>
-                <a:ea typeface="SimSun"/>
-                <a:cs typeface="SimSun"/>
+              <a:rPr lang="zh-CN" sz="1800" dirty="0">
+                <a:ea typeface="Microsoft YaHei UI" panose="020B0503020204020204" pitchFamily="34" charset="-122"/>
               </a:rPr>
               <a:t>拉丁美洲印度奶茶市场份额</a:t>
             </a:r>
@@ -10930,14 +8721,8 @@
               </a:lnSpc>
             </a:pPr>
             <a:r>
-              <a:rPr lang="zh-CN" sz="1800" b="0" i="0" strike="noStrike" cap="none" baseline="0">
-                <a:solidFill>
-                  <a:srgbClr val="404040"/>
-                </a:solidFill>
-                <a:effectLst/>
-                <a:latin typeface="SimSun"/>
-                <a:ea typeface="SimSun"/>
-                <a:cs typeface="SimSun"/>
+              <a:rPr lang="zh-CN" sz="1800" dirty="0">
+                <a:ea typeface="Microsoft YaHei UI" panose="020B0503020204020204" pitchFamily="34" charset="-122"/>
               </a:rPr>
               <a:t>分销渠道</a:t>
             </a:r>
@@ -10949,14 +8734,8 @@
               </a:lnSpc>
             </a:pPr>
             <a:r>
-              <a:rPr lang="zh-CN" sz="1800" b="0" i="0" strike="noStrike" cap="none" baseline="0">
-                <a:solidFill>
-                  <a:srgbClr val="404040"/>
-                </a:solidFill>
-                <a:effectLst/>
-                <a:latin typeface="SimSun"/>
-                <a:ea typeface="SimSun"/>
-                <a:cs typeface="SimSun"/>
+              <a:rPr lang="zh-CN" sz="1800" dirty="0">
+                <a:ea typeface="Microsoft YaHei UI" panose="020B0503020204020204" pitchFamily="34" charset="-122"/>
               </a:rPr>
               <a:t>推广计划和策略</a:t>
             </a:r>
@@ -10968,14 +8747,8 @@
               </a:lnSpc>
             </a:pPr>
             <a:r>
-              <a:rPr lang="zh-CN" sz="1800" b="0" i="0" strike="noStrike" cap="none" baseline="0">
-                <a:solidFill>
-                  <a:srgbClr val="404040"/>
-                </a:solidFill>
-                <a:effectLst/>
-                <a:latin typeface="SimSun"/>
-                <a:ea typeface="SimSun"/>
-                <a:cs typeface="SimSun"/>
+              <a:rPr lang="zh-CN" sz="1800" dirty="0">
+                <a:ea typeface="Microsoft YaHei UI" panose="020B0503020204020204" pitchFamily="34" charset="-122"/>
               </a:rPr>
               <a:t>预期成果和挑战</a:t>
             </a:r>
@@ -10987,87 +8760,10 @@
               </a:lnSpc>
             </a:pPr>
             <a:r>
-              <a:rPr lang="zh-CN" sz="1800" b="0" i="0" strike="noStrike" cap="none" baseline="0">
-                <a:solidFill>
-                  <a:srgbClr val="404040"/>
-                </a:solidFill>
-                <a:effectLst/>
-                <a:latin typeface="SimSun"/>
-                <a:ea typeface="SimSun"/>
-                <a:cs typeface="SimSun"/>
+              <a:rPr lang="zh-CN" sz="1800" dirty="0">
+                <a:ea typeface="Microsoft YaHei UI" panose="020B0503020204020204" pitchFamily="34" charset="-122"/>
               </a:rPr>
               <a:t>建议和结论</a:t>
-            </a:r>
-          </a:p>
-        </p:txBody>
-      </p:sp>
-      <p:sp>
-        <p:nvSpPr>
-          <p:cNvPr id="20" name="TextBox"/>
-          <p:cNvSpPr txBox="1">
-            <a:spLocks noGrp="1" noSelect="1" noRot="1" noMove="1"/>
-          </p:cNvSpPr>
-          <p:nvPr/>
-        </p:nvSpPr>
-        <p:spPr>
-          <a:xfrm>
-            <a:off x="2890520" y="2644140"/>
-            <a:ext cx="6411372" cy="1569660"/>
-          </a:xfrm>
-          <a:prstGeom prst="rect">
-            <a:avLst/>
-          </a:prstGeom>
-          <a:noFill/>
-        </p:spPr>
-        <p:txBody>
-          <a:bodyPr wrap="none" rtlCol="0" anchor="ctr" anchorCtr="1">
-            <a:spAutoFit/>
-          </a:bodyPr>
-          <a:lstStyle>
-            <a:lvl1pPr algn="l">
-              <a:lnSpc>
-                <a:spcPct val="150000"/>
-              </a:lnSpc>
-              <a:spcBef>
-                <a:spcPct val="0"/>
-              </a:spcBef>
-              <a:spcAft>
-                <a:spcPct val="0"/>
-              </a:spcAft>
-              <a:defRPr lang="en-US" sz="3200" b="1" noProof="1" dirty="0">
-                <a:solidFill>
-                  <a:prstClr val="red">
-                    <a:lumOff val="30000"/>
-                    <a:alpha val="40000"/>
-                  </a:prstClr>
-                </a:solidFill>
-                <a:effectLst>
-                  <a:outerShdw blurRad="50800" dist="38100" algn="tr" rotWithShape="0">
-                    <a:prstClr val="black">
-                      <a:alpha val="80000"/>
-                    </a:prstClr>
-                  </a:outerShdw>
-                </a:effectLst>
-                <a:latin typeface="Calibri" pitchFamily="34" charset="0"/>
-              </a:defRPr>
-            </a:lvl1pPr>
-          </a:lstStyle>
-          <a:p>
-            <a:pPr algn="ctr"/>
-            <a:r>
-              <a:t>Evaluation only.</a:t>
-            </a:r>
-          </a:p>
-          <a:p>
-            <a:pPr algn="ctr"/>
-            <a:r>
-              <a:t>Created with Aspose.Slides for Java 23.6.</a:t>
-            </a:r>
-          </a:p>
-          <a:p>
-            <a:pPr algn="ctr"/>
-            <a:r>
-              <a:t>Copyright 2004-2023 Aspose Pty Ltd.</a:t>
             </a:r>
           </a:p>
         </p:txBody>
@@ -11082,14 +8778,12 @@
   <p:clrMapOvr>
     <a:masterClrMapping/>
   </p:clrMapOvr>
-  <p:transition/>
-  <p:timing/>
 </p:sld>
 </file>
 
 <file path=ppt/slides/slide3.xml><?xml version="1.0" encoding="utf-8"?>
-<p:sld xmlns:a="http://schemas.openxmlformats.org/drawingml/2006/main" xmlns:r="http://schemas.openxmlformats.org/officeDocument/2006/relationships" xmlns:m="http://schemas.openxmlformats.org/officeDocument/2006/math" xmlns:w="http://schemas.openxmlformats.org/wordprocessingml/2006/main" xmlns:wp="http://schemas.openxmlformats.org/drawingml/2006/wordprocessingDrawing" xmlns:a14="http://schemas.microsoft.com/office/drawing/2010/main" xmlns:mc="http://schemas.openxmlformats.org/markup-compatibility/2006" xmlns:p14="http://schemas.microsoft.com/office/powerpoint/2010/main" xmlns:p15="http://schemas.microsoft.com/office/powerpoint/2012/main" xmlns:p159="http://schemas.microsoft.com/office/powerpoint/2015/09/main" xmlns:p="http://schemas.openxmlformats.org/presentationml/2006/main">
-  <p:cSld name="">
+<p:sld xmlns:a="http://schemas.openxmlformats.org/drawingml/2006/main" xmlns:r="http://schemas.openxmlformats.org/officeDocument/2006/relationships" xmlns:p="http://schemas.openxmlformats.org/presentationml/2006/main">
+  <p:cSld>
     <p:bg>
       <p:bgPr>
         <a:solidFill>
@@ -11108,6 +8802,8 @@
         <a:xfrm>
           <a:off x="0" y="0"/>
           <a:ext cx="0" cy="0"/>
+          <a:chOff x="0" y="0"/>
+          <a:chExt cx="0" cy="0"/>
         </a:xfrm>
       </p:grpSpPr>
       <p:sp>
@@ -11318,14 +9014,11 @@
           <a:lstStyle/>
           <a:p>
             <a:r>
-              <a:rPr lang="zh-CN" sz="4000" b="0" i="0" strike="noStrike" cap="none" baseline="0">
+              <a:rPr lang="zh-CN" sz="4000">
                 <a:solidFill>
                   <a:srgbClr val="FFFFFF"/>
                 </a:solidFill>
-                <a:effectLst/>
-                <a:latin typeface="SimSun"/>
-                <a:ea typeface="SimSun"/>
-                <a:cs typeface="SimSun"/>
+                <a:ea typeface="Microsoft YaHei UI" panose="020B0503020204020204" pitchFamily="34" charset="-122"/>
               </a:rPr>
               <a:t>简介</a:t>
             </a:r>
@@ -11418,14 +9111,11 @@
               </a:lnSpc>
             </a:pPr>
             <a:r>
-              <a:rPr lang="zh-CN" sz="1500" b="0" i="0" strike="noStrike" cap="none" baseline="0">
+              <a:rPr lang="zh-CN" sz="1500">
                 <a:solidFill>
                   <a:srgbClr val="FFFFFF"/>
                 </a:solidFill>
-                <a:effectLst/>
-                <a:latin typeface="SimSun"/>
-                <a:ea typeface="SimSun"/>
-                <a:cs typeface="SimSun"/>
+                <a:ea typeface="Microsoft YaHei UI" panose="020B0503020204020204" pitchFamily="34" charset="-122"/>
               </a:rPr>
               <a:t>产品说明、特点和益处</a:t>
             </a:r>
@@ -11437,14 +9127,11 @@
               </a:lnSpc>
             </a:pPr>
             <a:r>
-              <a:rPr lang="zh-CN" sz="1500" b="0" i="0" strike="noStrike" cap="none" baseline="0">
+              <a:rPr lang="zh-CN" sz="1500">
                 <a:solidFill>
                   <a:srgbClr val="FFFFFF"/>
                 </a:solidFill>
-                <a:effectLst/>
-                <a:latin typeface="SimSun"/>
-                <a:ea typeface="SimSun"/>
-                <a:cs typeface="SimSun"/>
+                <a:ea typeface="Microsoft YaHei UI" panose="020B0503020204020204" pitchFamily="34" charset="-122"/>
               </a:rPr>
               <a:t>拉丁美洲市场趋势和需求</a:t>
             </a:r>
@@ -11456,14 +9143,11 @@
               </a:lnSpc>
             </a:pPr>
             <a:r>
-              <a:rPr lang="zh-CN" sz="1500" b="0" i="0" strike="noStrike" cap="none" baseline="0">
+              <a:rPr lang="zh-CN" sz="1500">
                 <a:solidFill>
                   <a:srgbClr val="FFFFFF"/>
                 </a:solidFill>
-                <a:effectLst/>
-                <a:latin typeface="SimSun"/>
-                <a:ea typeface="SimSun"/>
-                <a:cs typeface="SimSun"/>
+                <a:ea typeface="Microsoft YaHei UI" panose="020B0503020204020204" pitchFamily="34" charset="-122"/>
               </a:rPr>
               <a:t>拉丁美洲竞品分析</a:t>
             </a:r>
@@ -11475,14 +9159,11 @@
               </a:lnSpc>
             </a:pPr>
             <a:r>
-              <a:rPr lang="zh-CN" sz="1500" b="0" i="0" strike="noStrike" cap="none" baseline="0">
+              <a:rPr lang="zh-CN" sz="1500">
                 <a:solidFill>
                   <a:srgbClr val="FFFFFF"/>
                 </a:solidFill>
-                <a:effectLst/>
-                <a:latin typeface="SimSun"/>
-                <a:ea typeface="SimSun"/>
-                <a:cs typeface="SimSun"/>
+                <a:ea typeface="Microsoft YaHei UI" panose="020B0503020204020204" pitchFamily="34" charset="-122"/>
               </a:rPr>
               <a:t>拉丁美洲分销渠道</a:t>
             </a:r>
@@ -11494,14 +9175,11 @@
               </a:lnSpc>
             </a:pPr>
             <a:r>
-              <a:rPr lang="zh-CN" sz="1500" b="0" i="0" strike="noStrike" cap="none" baseline="0">
+              <a:rPr lang="zh-CN" sz="1500">
                 <a:solidFill>
                   <a:srgbClr val="FFFFFF"/>
                 </a:solidFill>
-                <a:effectLst/>
-                <a:latin typeface="SimSun"/>
-                <a:ea typeface="SimSun"/>
-                <a:cs typeface="SimSun"/>
+                <a:ea typeface="Microsoft YaHei UI" panose="020B0503020204020204" pitchFamily="34" charset="-122"/>
               </a:rPr>
               <a:t>拉丁美洲推广计划和策略</a:t>
             </a:r>
@@ -11513,14 +9191,11 @@
               </a:lnSpc>
             </a:pPr>
             <a:r>
-              <a:rPr lang="zh-CN" sz="1500" b="0" i="0" strike="noStrike" cap="none" baseline="0">
+              <a:rPr lang="zh-CN" sz="1500">
                 <a:solidFill>
                   <a:srgbClr val="FFFFFF"/>
                 </a:solidFill>
-                <a:effectLst/>
-                <a:latin typeface="SimSun"/>
-                <a:ea typeface="SimSun"/>
-                <a:cs typeface="SimSun"/>
+                <a:ea typeface="Microsoft YaHei UI" panose="020B0503020204020204" pitchFamily="34" charset="-122"/>
               </a:rPr>
               <a:t>预期成果和挑战</a:t>
             </a:r>
@@ -11532,14 +9207,11 @@
               </a:lnSpc>
             </a:pPr>
             <a:r>
-              <a:rPr lang="zh-CN" sz="1500" b="0" i="0" strike="noStrike" cap="none" baseline="0">
+              <a:rPr lang="zh-CN" sz="1500">
                 <a:solidFill>
                   <a:srgbClr val="FFFFFF"/>
                 </a:solidFill>
-                <a:effectLst/>
-                <a:latin typeface="SimSun"/>
-                <a:ea typeface="SimSun"/>
-                <a:cs typeface="SimSun"/>
+                <a:ea typeface="Microsoft YaHei UI" panose="020B0503020204020204" pitchFamily="34" charset="-122"/>
               </a:rPr>
               <a:t>建议和结论</a:t>
             </a:r>
@@ -11548,7 +9220,7 @@
       </p:sp>
       <p:pic>
         <p:nvPicPr>
-          <p:cNvPr id="5" name="Content Placeholder 4" descr="Indian masala chai tea. Spiced tea with milk on the rustic wooden table.">
+          <p:cNvPr id="5" name="Content Placeholder 4" descr="印度马萨拉茶。辣味奶茶和牛奶放在质朴的木桌上。">
             <a:extLst>
               <a:ext uri="{FF2B5EF4-FFF2-40B4-BE49-F238E27FC236}">
                 <a16:creationId xmlns:a16="http://schemas.microsoft.com/office/drawing/2014/main" id="{9A3808EA-8867-40A0-A0EF-17D43ED8A5E3}"/>
@@ -11562,12 +9234,10 @@
             <p:ph sz="half" idx="1"/>
           </p:nvPr>
         </p:nvPicPr>
-        <p:blipFill>
+        <p:blipFill rotWithShape="1">
           <a:blip r:embed="rId3"/>
           <a:srcRect l="18097" r="8537" b="-1"/>
-          <a:stretch>
-            <a:fillRect/>
-          </a:stretch>
+          <a:stretch/>
         </p:blipFill>
         <p:spPr>
           <a:xfrm>
@@ -11579,77 +9249,6 @@
           </a:prstGeom>
         </p:spPr>
       </p:pic>
-      <p:sp>
-        <p:nvSpPr>
-          <p:cNvPr id="30" name="TextBox"/>
-          <p:cNvSpPr txBox="1">
-            <a:spLocks noGrp="1" noSelect="1" noRot="1" noMove="1"/>
-          </p:cNvSpPr>
-          <p:nvPr/>
-        </p:nvSpPr>
-        <p:spPr>
-          <a:xfrm>
-            <a:off x="2890520" y="2644140"/>
-            <a:ext cx="6411372" cy="1569660"/>
-          </a:xfrm>
-          <a:prstGeom prst="rect">
-            <a:avLst/>
-          </a:prstGeom>
-          <a:noFill/>
-        </p:spPr>
-        <p:txBody>
-          <a:bodyPr wrap="none" rtlCol="0" anchor="ctr" anchorCtr="1">
-            <a:spAutoFit/>
-          </a:bodyPr>
-          <a:lstStyle>
-            <a:lvl1pPr algn="l">
-              <a:lnSpc>
-                <a:spcPct val="150000"/>
-              </a:lnSpc>
-              <a:spcBef>
-                <a:spcPct val="0"/>
-              </a:spcBef>
-              <a:spcAft>
-                <a:spcPct val="0"/>
-              </a:spcAft>
-              <a:defRPr lang="en-US" sz="3200" b="1" noProof="1" dirty="0">
-                <a:solidFill>
-                  <a:prstClr val="red">
-                    <a:lumOff val="30000"/>
-                    <a:alpha val="40000"/>
-                  </a:prstClr>
-                </a:solidFill>
-                <a:effectLst>
-                  <a:outerShdw blurRad="50800" dist="38100" algn="tr" rotWithShape="0">
-                    <a:prstClr val="black">
-                      <a:alpha val="80000"/>
-                    </a:prstClr>
-                  </a:outerShdw>
-                </a:effectLst>
-                <a:latin typeface="Calibri" pitchFamily="34" charset="0"/>
-              </a:defRPr>
-            </a:lvl1pPr>
-          </a:lstStyle>
-          <a:p>
-            <a:pPr algn="ctr"/>
-            <a:r>
-              <a:t>Evaluation only.</a:t>
-            </a:r>
-          </a:p>
-          <a:p>
-            <a:pPr algn="ctr"/>
-            <a:r>
-              <a:t>Created with Aspose.Slides for Java 23.6.</a:t>
-            </a:r>
-          </a:p>
-          <a:p>
-            <a:pPr algn="ctr"/>
-            <a:r>
-              <a:t>Copyright 2004-2023 Aspose Pty Ltd.</a:t>
-            </a:r>
-          </a:p>
-        </p:txBody>
-      </p:sp>
     </p:spTree>
     <p:extLst>
       <p:ext uri="{BB962C8B-B14F-4D97-AF65-F5344CB8AC3E}">
@@ -11660,14 +9259,12 @@
   <p:clrMapOvr>
     <a:overrideClrMapping bg1="dk1" tx1="lt1" bg2="dk2" tx2="lt2" accent1="accent1" accent2="accent2" accent3="accent3" accent4="accent4" accent5="accent5" accent6="accent6" hlink="hlink" folHlink="folHlink"/>
   </p:clrMapOvr>
-  <p:transition/>
-  <p:timing/>
 </p:sld>
 </file>
 
 <file path=ppt/slides/slide4.xml><?xml version="1.0" encoding="utf-8"?>
-<p:sld xmlns:a="http://schemas.openxmlformats.org/drawingml/2006/main" xmlns:r="http://schemas.openxmlformats.org/officeDocument/2006/relationships" xmlns:m="http://schemas.openxmlformats.org/officeDocument/2006/math" xmlns:w="http://schemas.openxmlformats.org/wordprocessingml/2006/main" xmlns:wp="http://schemas.openxmlformats.org/drawingml/2006/wordprocessingDrawing" xmlns:a14="http://schemas.microsoft.com/office/drawing/2010/main" xmlns:mc="http://schemas.openxmlformats.org/markup-compatibility/2006" xmlns:p14="http://schemas.microsoft.com/office/powerpoint/2010/main" xmlns:p15="http://schemas.microsoft.com/office/powerpoint/2012/main" xmlns:p159="http://schemas.microsoft.com/office/powerpoint/2015/09/main" xmlns:p="http://schemas.openxmlformats.org/presentationml/2006/main">
-  <p:cSld name="">
+<p:sld xmlns:a="http://schemas.openxmlformats.org/drawingml/2006/main" xmlns:r="http://schemas.openxmlformats.org/officeDocument/2006/relationships" xmlns:p="http://schemas.openxmlformats.org/presentationml/2006/main">
+  <p:cSld>
     <p:bg>
       <p:bgPr>
         <a:solidFill>
@@ -11686,6 +9283,8 @@
         <a:xfrm>
           <a:off x="0" y="0"/>
           <a:ext cx="0" cy="0"/>
+          <a:chOff x="0" y="0"/>
+          <a:chExt cx="0" cy="0"/>
         </a:xfrm>
       </p:grpSpPr>
       <p:sp>
@@ -11957,14 +9556,11 @@
           <a:p>
             <a:pPr algn="r"/>
             <a:r>
-              <a:rPr lang="zh-CN" sz="4000" b="0" i="0" strike="noStrike" cap="none" baseline="0">
+              <a:rPr lang="zh-CN" sz="4000">
                 <a:solidFill>
                   <a:srgbClr val="FFFFFF"/>
                 </a:solidFill>
-                <a:effectLst/>
-                <a:latin typeface="SimSun"/>
-                <a:ea typeface="SimSun"/>
-                <a:cs typeface="SimSun"/>
+                <a:ea typeface="Microsoft YaHei UI" panose="020B0503020204020204" pitchFamily="34" charset="-122"/>
               </a:rPr>
               <a:t>产品说明</a:t>
             </a:r>
@@ -11995,7 +9591,7 @@
           </p:nvPr>
         </p:nvCxnSpPr>
         <p:spPr>
-          <a:xfrm flipH="1">
+          <a:xfrm>
             <a:off x="5820770" y="5247564"/>
             <a:ext cx="0" cy="873457"/>
           </a:xfrm>
@@ -12057,14 +9653,11 @@
               </a:lnSpc>
             </a:pPr>
             <a:r>
-              <a:rPr lang="zh-CN" sz="1500" b="0" i="0" strike="noStrike" cap="none" baseline="0">
+              <a:rPr lang="zh-CN" sz="1500">
                 <a:solidFill>
                   <a:srgbClr val="FFFFFF"/>
                 </a:solidFill>
-                <a:effectLst/>
-                <a:latin typeface="SimSun"/>
-                <a:ea typeface="SimSun"/>
-                <a:cs typeface="SimSun"/>
+                <a:ea typeface="Microsoft YaHei UI" panose="020B0503020204020204" pitchFamily="34" charset="-122"/>
               </a:rPr>
               <a:t>精心调配的混合茶</a:t>
             </a:r>
@@ -12076,14 +9669,11 @@
               </a:lnSpc>
             </a:pPr>
             <a:r>
-              <a:rPr lang="zh-CN" sz="1500" b="0" i="0" strike="noStrike" cap="none" baseline="0">
+              <a:rPr lang="zh-CN" sz="1500">
                 <a:solidFill>
                   <a:srgbClr val="FFFFFF"/>
                 </a:solidFill>
-                <a:effectLst/>
-                <a:latin typeface="SimSun"/>
-                <a:ea typeface="SimSun"/>
-                <a:cs typeface="SimSun"/>
+                <a:ea typeface="Microsoft YaHei UI" panose="020B0503020204020204" pitchFamily="34" charset="-122"/>
               </a:rPr>
               <a:t>沿袭了印度奶茶的永恒传统</a:t>
             </a:r>
@@ -12095,14 +9685,11 @@
               </a:lnSpc>
             </a:pPr>
             <a:r>
-              <a:rPr lang="zh-CN" sz="1500" b="0" i="0" strike="noStrike" cap="none" baseline="0">
+              <a:rPr lang="zh-CN" sz="1500">
                 <a:solidFill>
                   <a:srgbClr val="FFFFFF"/>
                 </a:solidFill>
-                <a:effectLst/>
-                <a:latin typeface="SimSun"/>
-                <a:ea typeface="SimSun"/>
-                <a:cs typeface="SimSun"/>
+                <a:ea typeface="Microsoft YaHei UI" panose="020B0503020204020204" pitchFamily="34" charset="-122"/>
               </a:rPr>
               <a:t>领略印度生机勃勃的迷人风光</a:t>
             </a:r>
@@ -12114,14 +9701,11 @@
               </a:lnSpc>
             </a:pPr>
             <a:r>
-              <a:rPr lang="zh-CN" sz="1500" b="0" i="0" strike="noStrike" cap="none" baseline="0">
+              <a:rPr lang="zh-CN" sz="1500">
                 <a:solidFill>
                   <a:srgbClr val="FFFFFF"/>
                 </a:solidFill>
-                <a:effectLst/>
-                <a:latin typeface="SimSun"/>
-                <a:ea typeface="SimSun"/>
-                <a:cs typeface="SimSun"/>
+                <a:ea typeface="Microsoft YaHei UI" panose="020B0503020204020204" pitchFamily="34" charset="-122"/>
               </a:rPr>
               <a:t>在家中就能体验到正宗的印度奶茶</a:t>
             </a:r>
@@ -12144,7 +9728,7 @@
             <p:ph sz="half" idx="1"/>
             <p:extLst>
               <p:ext uri="{D42A27DB-BD31-4B8C-83A1-F6EECF244321}">
-                <p14:modId xmlns:p14="http://schemas.microsoft.com/office/powerpoint/2010/main" val="3445590745"/>
+                <p14:modId xmlns:p14="http://schemas.microsoft.com/office/powerpoint/2010/main" val="3276017329"/>
               </p:ext>
             </p:extLst>
           </p:nvPr>
@@ -12185,18 +9769,12 @@
               <a:tr h="1240536">
                 <a:tc>
                   <a:txBody>
-                    <a:bodyPr vert="horz" wrap="square"/>
+                    <a:bodyPr/>
                     <a:lstStyle/>
                     <a:p>
                       <a:r>
-                        <a:rPr lang="zh-CN" sz="3300" b="1" i="0" strike="noStrike" cap="none" baseline="0">
-                          <a:solidFill>
-                            <a:srgbClr val="FFFFFF"/>
-                          </a:solidFill>
-                          <a:effectLst/>
-                          <a:latin typeface="SimSun"/>
-                          <a:ea typeface="SimSun"/>
-                          <a:cs typeface="SimSun"/>
+                        <a:rPr lang="zh-CN" sz="3300" baseline="0" dirty="0">
+                          <a:ea typeface="Microsoft YaHei UI" panose="020B0503020204020204" pitchFamily="34" charset="-122"/>
                         </a:rPr>
                         <a:t>产品说明</a:t>
                       </a:r>
@@ -12206,20 +9784,14 @@
                 </a:tc>
                 <a:tc>
                   <a:txBody>
-                    <a:bodyPr vert="horz" wrap="square"/>
+                    <a:bodyPr/>
                     <a:lstStyle/>
                     <a:p>
                       <a:r>
-                        <a:rPr lang="zh-CN" sz="3300" b="1" i="0" strike="noStrike" cap="none" baseline="0">
-                          <a:solidFill>
-                            <a:srgbClr val="FFFFFF"/>
-                          </a:solidFill>
-                          <a:effectLst/>
-                          <a:latin typeface="SimSun"/>
-                          <a:ea typeface="SimSun"/>
-                          <a:cs typeface="SimSun"/>
+                        <a:rPr lang="zh-CN" sz="3300" baseline="0">
+                          <a:ea typeface="Microsoft YaHei UI" panose="020B0503020204020204" pitchFamily="34" charset="-122"/>
                         </a:rPr>
-                        <a:t>功能</a:t>
+                        <a:t>特点</a:t>
                       </a:r>
                     </a:p>
                   </a:txBody>
@@ -12227,20 +9799,14 @@
                 </a:tc>
                 <a:tc>
                   <a:txBody>
-                    <a:bodyPr vert="horz" wrap="square"/>
+                    <a:bodyPr/>
                     <a:lstStyle/>
                     <a:p>
                       <a:r>
-                        <a:rPr lang="zh-CN" sz="3300" b="1" i="0" strike="noStrike" cap="none" baseline="0">
-                          <a:solidFill>
-                            <a:srgbClr val="FFFFFF"/>
-                          </a:solidFill>
-                          <a:effectLst/>
-                          <a:latin typeface="SimSun"/>
-                          <a:ea typeface="SimSun"/>
-                          <a:cs typeface="SimSun"/>
+                        <a:rPr lang="zh-CN" sz="3300" baseline="0">
+                          <a:ea typeface="Microsoft YaHei UI" panose="020B0503020204020204" pitchFamily="34" charset="-122"/>
                         </a:rPr>
-                        <a:t>优点</a:t>
+                        <a:t>益处</a:t>
                       </a:r>
                     </a:p>
                   </a:txBody>
@@ -12255,18 +9821,12 @@
               <a:tr h="1743456">
                 <a:tc>
                   <a:txBody>
-                    <a:bodyPr vert="horz" wrap="square"/>
+                    <a:bodyPr/>
                     <a:lstStyle/>
                     <a:p>
                       <a:r>
-                        <a:rPr lang="zh-CN" sz="3300" b="0" i="0" strike="noStrike" cap="none" baseline="0">
-                          <a:solidFill>
-                            <a:srgbClr val="000000"/>
-                          </a:solidFill>
-                          <a:effectLst/>
-                          <a:latin typeface="SimSun"/>
-                          <a:ea typeface="SimSun"/>
-                          <a:cs typeface="SimSun"/>
+                        <a:rPr lang="zh-CN" sz="3300" baseline="0">
+                          <a:ea typeface="Microsoft YaHei UI" panose="020B0503020204020204" pitchFamily="34" charset="-122"/>
                         </a:rPr>
                         <a:t>神秘香料臻品印度奶茶</a:t>
                       </a:r>
@@ -12276,18 +9836,12 @@
                 </a:tc>
                 <a:tc>
                   <a:txBody>
-                    <a:bodyPr vert="horz" wrap="square"/>
+                    <a:bodyPr/>
                     <a:lstStyle/>
                     <a:p>
                       <a:r>
-                        <a:rPr lang="zh-CN" sz="3300" b="0" i="0" strike="noStrike" cap="none" baseline="0">
-                          <a:solidFill>
-                            <a:srgbClr val="000000"/>
-                          </a:solidFill>
-                          <a:effectLst/>
-                          <a:latin typeface="SimSun"/>
-                          <a:ea typeface="SimSun"/>
-                          <a:cs typeface="SimSun"/>
+                        <a:rPr lang="zh-CN" sz="3300" baseline="0" dirty="0">
+                          <a:ea typeface="Microsoft YaHei UI" panose="020B0503020204020204" pitchFamily="34" charset="-122"/>
                         </a:rPr>
                         <a:t>精心调配的混合茶</a:t>
                       </a:r>
@@ -12297,18 +9851,12 @@
                 </a:tc>
                 <a:tc>
                   <a:txBody>
-                    <a:bodyPr vert="horz" wrap="square"/>
+                    <a:bodyPr/>
                     <a:lstStyle/>
                     <a:p>
                       <a:r>
-                        <a:rPr lang="zh-CN" sz="3300" b="0" i="0" strike="noStrike" cap="none" baseline="0">
-                          <a:solidFill>
-                            <a:srgbClr val="000000"/>
-                          </a:solidFill>
-                          <a:effectLst/>
-                          <a:latin typeface="SimSun"/>
-                          <a:ea typeface="SimSun"/>
-                          <a:cs typeface="SimSun"/>
+                        <a:rPr lang="zh-CN" sz="3300" baseline="0" dirty="0">
+                          <a:ea typeface="Microsoft YaHei UI" panose="020B0503020204020204" pitchFamily="34" charset="-122"/>
                         </a:rPr>
                         <a:t>正宗的印度奶茶体验</a:t>
                       </a:r>
@@ -12326,77 +9874,6 @@
           </a:graphicData>
         </a:graphic>
       </p:graphicFrame>
-      <p:sp>
-        <p:nvSpPr>
-          <p:cNvPr id="20" name="TextBox"/>
-          <p:cNvSpPr txBox="1">
-            <a:spLocks noGrp="1" noSelect="1" noRot="1" noMove="1"/>
-          </p:cNvSpPr>
-          <p:nvPr/>
-        </p:nvSpPr>
-        <p:spPr>
-          <a:xfrm>
-            <a:off x="2890520" y="2644140"/>
-            <a:ext cx="6411372" cy="1569660"/>
-          </a:xfrm>
-          <a:prstGeom prst="rect">
-            <a:avLst/>
-          </a:prstGeom>
-          <a:noFill/>
-        </p:spPr>
-        <p:txBody>
-          <a:bodyPr wrap="none" rtlCol="0" anchor="ctr" anchorCtr="1">
-            <a:spAutoFit/>
-          </a:bodyPr>
-          <a:lstStyle>
-            <a:lvl1pPr algn="l">
-              <a:lnSpc>
-                <a:spcPct val="150000"/>
-              </a:lnSpc>
-              <a:spcBef>
-                <a:spcPct val="0"/>
-              </a:spcBef>
-              <a:spcAft>
-                <a:spcPct val="0"/>
-              </a:spcAft>
-              <a:defRPr lang="en-US" sz="3200" b="1" noProof="1" dirty="0">
-                <a:solidFill>
-                  <a:prstClr val="red">
-                    <a:lumOff val="30000"/>
-                    <a:alpha val="40000"/>
-                  </a:prstClr>
-                </a:solidFill>
-                <a:effectLst>
-                  <a:outerShdw blurRad="50800" dist="38100" algn="tr" rotWithShape="0">
-                    <a:prstClr val="black">
-                      <a:alpha val="80000"/>
-                    </a:prstClr>
-                  </a:outerShdw>
-                </a:effectLst>
-                <a:latin typeface="Calibri" pitchFamily="34" charset="0"/>
-              </a:defRPr>
-            </a:lvl1pPr>
-          </a:lstStyle>
-          <a:p>
-            <a:pPr algn="ctr"/>
-            <a:r>
-              <a:t>Evaluation only.</a:t>
-            </a:r>
-          </a:p>
-          <a:p>
-            <a:pPr algn="ctr"/>
-            <a:r>
-              <a:t>Created with Aspose.Slides for Java 23.6.</a:t>
-            </a:r>
-          </a:p>
-          <a:p>
-            <a:pPr algn="ctr"/>
-            <a:r>
-              <a:t>Copyright 2004-2023 Aspose Pty Ltd.</a:t>
-            </a:r>
-          </a:p>
-        </p:txBody>
-      </p:sp>
     </p:spTree>
     <p:extLst>
       <p:ext uri="{BB962C8B-B14F-4D97-AF65-F5344CB8AC3E}">
@@ -12407,14 +9884,12 @@
   <p:clrMapOvr>
     <a:masterClrMapping/>
   </p:clrMapOvr>
-  <p:transition/>
-  <p:timing/>
 </p:sld>
 </file>
 
 <file path=ppt/slides/slide5.xml><?xml version="1.0" encoding="utf-8"?>
-<p:sld xmlns:a="http://schemas.openxmlformats.org/drawingml/2006/main" xmlns:r="http://schemas.openxmlformats.org/officeDocument/2006/relationships" xmlns:m="http://schemas.openxmlformats.org/officeDocument/2006/math" xmlns:w="http://schemas.openxmlformats.org/wordprocessingml/2006/main" xmlns:wp="http://schemas.openxmlformats.org/drawingml/2006/wordprocessingDrawing" xmlns:a14="http://schemas.microsoft.com/office/drawing/2010/main" xmlns:mc="http://schemas.openxmlformats.org/markup-compatibility/2006" xmlns:p14="http://schemas.microsoft.com/office/powerpoint/2010/main" xmlns:p15="http://schemas.microsoft.com/office/powerpoint/2012/main" xmlns:p159="http://schemas.microsoft.com/office/powerpoint/2015/09/main" xmlns:p="http://schemas.openxmlformats.org/presentationml/2006/main">
-  <p:cSld name="">
+<p:sld xmlns:a="http://schemas.openxmlformats.org/drawingml/2006/main" xmlns:r="http://schemas.openxmlformats.org/officeDocument/2006/relationships" xmlns:p="http://schemas.openxmlformats.org/presentationml/2006/main">
+  <p:cSld>
     <p:bg>
       <p:bgPr>
         <a:solidFill>
@@ -12433,6 +9908,8 @@
         <a:xfrm>
           <a:off x="0" y="0"/>
           <a:ext cx="0" cy="0"/>
+          <a:chOff x="0" y="0"/>
+          <a:chExt cx="0" cy="0"/>
         </a:xfrm>
       </p:grpSpPr>
       <p:sp useBgFill="1">
@@ -12524,14 +10001,8 @@
           <a:lstStyle/>
           <a:p>
             <a:r>
-              <a:rPr lang="zh-CN" sz="4700" b="0" i="0" strike="noStrike" cap="none" baseline="0">
-                <a:solidFill>
-                  <a:srgbClr val="404040"/>
-                </a:solidFill>
-                <a:effectLst/>
-                <a:latin typeface="SimSun"/>
-                <a:ea typeface="SimSun"/>
-                <a:cs typeface="SimSun"/>
+              <a:rPr lang="zh-CN" dirty="0">
+                <a:ea typeface="Microsoft YaHei UI" panose="020B0503020204020204" pitchFamily="34" charset="-122"/>
               </a:rPr>
               <a:t>产品说明 (1/2)</a:t>
             </a:r>
@@ -12671,7 +10142,7 @@
             <p:ph idx="1"/>
             <p:extLst>
               <p:ext uri="{D42A27DB-BD31-4B8C-83A1-F6EECF244321}">
-                <p14:modId xmlns:p14="http://schemas.microsoft.com/office/powerpoint/2010/main" val="2541948706"/>
+                <p14:modId xmlns:p14="http://schemas.microsoft.com/office/powerpoint/2010/main" val="1020979857"/>
               </p:ext>
             </p:extLst>
           </p:nvPr>
@@ -12705,58 +10176,42 @@
               <a:tr h="363233">
                 <a:tc>
                   <a:txBody>
-                    <a:bodyPr vert="horz" wrap="square"/>
+                    <a:bodyPr/>
                     <a:lstStyle/>
                     <a:p>
                       <a:pPr>
                         <a:spcAft>
-                          <a:spcPct val="0"/>
+                          <a:spcPts val="0"/>
                         </a:spcAft>
                       </a:pPr>
                       <a:r>
-                        <a:rPr lang="zh-CN" sz="1400" b="1" i="0" strike="noStrike" cap="none" baseline="0">
-                          <a:solidFill>
-                            <a:srgbClr val="FFFFFF"/>
-                          </a:solidFill>
+                        <a:rPr lang="zh-CN" sz="1400" baseline="0" dirty="0">
                           <a:effectLst/>
-                          <a:latin typeface="SimSun"/>
-                          <a:ea typeface="SimSun"/>
-                          <a:cs typeface="SimSun"/>
+                          <a:ea typeface="Microsoft YaHei UI" panose="020B0503020204020204" pitchFamily="34" charset="-122"/>
                         </a:rPr>
                         <a:t>产品名称</a:t>
                       </a:r>
-                      <a:endParaRPr lang="en-US" sz="2300">
-                        <a:effectLst/>
-                      </a:endParaRPr>
                     </a:p>
                   </a:txBody>
                   <a:tcPr marL="49352" marR="49352" marT="49352" marB="49352"/>
                 </a:tc>
                 <a:tc>
                   <a:txBody>
-                    <a:bodyPr vert="horz" wrap="square"/>
+                    <a:bodyPr/>
                     <a:lstStyle/>
                     <a:p>
                       <a:pPr>
                         <a:spcAft>
-                          <a:spcPct val="0"/>
+                          <a:spcPts val="0"/>
                         </a:spcAft>
                       </a:pPr>
                       <a:r>
-                        <a:rPr lang="zh-CN" sz="1400" b="1" i="0" strike="noStrike" cap="none" baseline="0">
-                          <a:solidFill>
-                            <a:srgbClr val="FFFFFF"/>
-                          </a:solidFill>
+                        <a:rPr lang="zh-CN" sz="1400" baseline="0">
                           <a:effectLst/>
-                          <a:latin typeface="SimSun"/>
-                          <a:ea typeface="SimSun"/>
-                          <a:cs typeface="SimSun"/>
+                          <a:ea typeface="Microsoft YaHei UI" panose="020B0503020204020204" pitchFamily="34" charset="-122"/>
                         </a:rPr>
                         <a:t>产品说明</a:t>
                       </a:r>
-                      <a:endParaRPr lang="en-US" sz="2300">
-                        <a:effectLst/>
-                      </a:endParaRPr>
                     </a:p>
                   </a:txBody>
                   <a:tcPr marL="49352" marR="49352" marT="49352" marB="49352"/>
@@ -12770,70 +10225,42 @@
               <a:tr h="1448982">
                 <a:tc>
                   <a:txBody>
-                    <a:bodyPr vert="horz" wrap="square"/>
+                    <a:bodyPr/>
                     <a:lstStyle/>
                     <a:p>
                       <a:pPr>
                         <a:spcAft>
-                          <a:spcPct val="0"/>
+                          <a:spcPts val="0"/>
                         </a:spcAft>
                       </a:pPr>
                       <a:r>
-                        <a:rPr lang="zh-CN" sz="1400" b="0" i="0" strike="noStrike" cap="none" baseline="0">
-                          <a:solidFill>
-                            <a:srgbClr val="000000"/>
-                          </a:solidFill>
+                        <a:rPr lang="zh-CN" sz="1400" baseline="0" dirty="0">
                           <a:effectLst/>
-                          <a:latin typeface="SimSun"/>
-                          <a:ea typeface="SimSun"/>
-                          <a:cs typeface="SimSun"/>
+                          <a:ea typeface="Microsoft YaHei UI" panose="020B0503020204020204" pitchFamily="34" charset="-122"/>
                         </a:rPr>
                         <a:t>神秘香料臻品印度奶茶</a:t>
                       </a:r>
-                      <a:endParaRPr lang="en-US" sz="2300">
-                        <a:effectLst/>
-                      </a:endParaRPr>
                     </a:p>
                   </a:txBody>
                   <a:tcPr marL="49352" marR="49352" marT="49352" marB="49352"/>
                 </a:tc>
                 <a:tc>
                   <a:txBody>
-                    <a:bodyPr vert="horz" wrap="square"/>
+                    <a:bodyPr/>
                     <a:lstStyle/>
                     <a:p>
                       <a:pPr>
                         <a:spcAft>
-                          <a:spcPct val="0"/>
+                          <a:spcPts val="0"/>
                         </a:spcAft>
                       </a:pPr>
                       <a:r>
-                        <a:rPr lang="zh-CN" sz="1400" b="0" i="0" strike="noStrike" cap="none" baseline="0">
-                          <a:solidFill>
-                            <a:srgbClr val="000000"/>
-                          </a:solidFill>
+                        <a:rPr lang="zh-CN" sz="1400" baseline="0">
                           <a:effectLst/>
-                          <a:latin typeface="SimSun"/>
-                          <a:ea typeface="SimSun"/>
-                          <a:cs typeface="SimSun"/>
+                          <a:ea typeface="Microsoft YaHei UI" panose="020B0503020204020204" pitchFamily="34" charset="-122"/>
                         </a:rPr>
-                        <a:t>尽享神秘香料臻品印度奶茶的浓郁芳香，这是一款精心调制的混合茶饮，沿袭了印度奶茶的永恒传统。</a:t>
+                        <a:t>尽享神秘香料臻品印度奶茶的浓郁芳香，这是一款精心调制的混合茶饮，沿袭了印度奶茶的永恒传统。每一杯都开启了一场令人陶醉的旅程，带你穿越印度生机勃勃的景致，让你足不出户，就能品尝到原汁原味的印度奶茶。</a:t>
                       </a:r>
-                      <a:r>
-                        <a:rPr lang="zh-CN" sz="1400" b="0" i="0" strike="noStrike" cap="none" baseline="0">
-                          <a:solidFill>
-                            <a:srgbClr val="000000"/>
-                          </a:solidFill>
-                          <a:effectLst/>
-                          <a:latin typeface="SimSun"/>
-                          <a:ea typeface="SimSun"/>
-                          <a:cs typeface="SimSun"/>
-                        </a:rPr>
-                        <a:t>每一杯都开启了一场令人陶醉的旅程，带你穿越印度生机勃勃的景致，让你足不出户，就能品尝到原汁原味的印度奶茶。</a:t>
-                      </a:r>
-                      <a:endParaRPr lang="en-US" sz="2300">
-                        <a:effectLst/>
-                      </a:endParaRPr>
                     </a:p>
                   </a:txBody>
                   <a:tcPr marL="49352" marR="49352" marT="49352" marB="49352"/>
@@ -12847,58 +10274,42 @@
               <a:tr h="363233">
                 <a:tc>
                   <a:txBody>
-                    <a:bodyPr vert="horz" wrap="square"/>
+                    <a:bodyPr/>
                     <a:lstStyle/>
                     <a:p>
                       <a:pPr>
                         <a:spcAft>
-                          <a:spcPct val="0"/>
+                          <a:spcPts val="0"/>
                         </a:spcAft>
                       </a:pPr>
                       <a:r>
-                        <a:rPr lang="zh-CN" sz="1400" b="0" i="0" strike="noStrike" cap="none" baseline="0">
-                          <a:solidFill>
-                            <a:srgbClr val="000000"/>
-                          </a:solidFill>
+                        <a:rPr lang="zh-CN" sz="1400" baseline="0">
                           <a:effectLst/>
-                          <a:latin typeface="SimSun"/>
-                          <a:ea typeface="SimSun"/>
-                          <a:cs typeface="SimSun"/>
+                          <a:ea typeface="Microsoft YaHei UI" panose="020B0503020204020204" pitchFamily="34" charset="-122"/>
                         </a:rPr>
-                        <a:t>关键功能</a:t>
+                        <a:t>主要特点</a:t>
                       </a:r>
-                      <a:endParaRPr lang="en-US" sz="2300">
-                        <a:effectLst/>
-                      </a:endParaRPr>
                     </a:p>
                   </a:txBody>
                   <a:tcPr marL="49352" marR="49352" marT="49352" marB="49352"/>
                 </a:tc>
                 <a:tc>
                   <a:txBody>
-                    <a:bodyPr vert="horz" wrap="square"/>
+                    <a:bodyPr/>
                     <a:lstStyle/>
                     <a:p>
                       <a:pPr>
                         <a:spcAft>
-                          <a:spcPct val="0"/>
+                          <a:spcPts val="0"/>
                         </a:spcAft>
                       </a:pPr>
                       <a:r>
-                        <a:rPr lang="zh-CN" sz="1400" b="0" i="0" strike="noStrike" cap="none" baseline="0">
-                          <a:solidFill>
-                            <a:srgbClr val="000000"/>
-                          </a:solidFill>
+                        <a:rPr lang="zh-CN" sz="1400" baseline="0" dirty="0">
                           <a:effectLst/>
-                          <a:latin typeface="SimSun"/>
-                          <a:ea typeface="SimSun"/>
-                          <a:cs typeface="SimSun"/>
+                          <a:ea typeface="Microsoft YaHei UI" panose="020B0503020204020204" pitchFamily="34" charset="-122"/>
                         </a:rPr>
-                        <a:t>主要优势</a:t>
+                        <a:t>主要益处</a:t>
                       </a:r>
-                      <a:endParaRPr lang="en-US" sz="2300">
-                        <a:effectLst/>
-                      </a:endParaRPr>
                     </a:p>
                   </a:txBody>
                   <a:tcPr marL="49352" marR="49352" marT="49352" marB="49352"/>
@@ -12912,82 +10323,42 @@
               <a:tr h="1231833">
                 <a:tc>
                   <a:txBody>
-                    <a:bodyPr vert="horz" wrap="square"/>
+                    <a:bodyPr/>
                     <a:lstStyle/>
                     <a:p>
                       <a:pPr>
                         <a:spcAft>
-                          <a:spcPct val="0"/>
+                          <a:spcPts val="0"/>
                         </a:spcAft>
                       </a:pPr>
                       <a:r>
-                        <a:rPr lang="zh-CN" sz="1400" b="0" i="0" strike="noStrike" cap="none" baseline="0">
-                          <a:solidFill>
-                            <a:srgbClr val="000000"/>
-                          </a:solidFill>
+                        <a:rPr lang="zh-CN" sz="1400" baseline="0">
                           <a:effectLst/>
-                          <a:latin typeface="SimSun"/>
-                          <a:ea typeface="SimSun"/>
-                          <a:cs typeface="SimSun"/>
+                          <a:ea typeface="Microsoft YaHei UI" panose="020B0503020204020204" pitchFamily="34" charset="-122"/>
                         </a:rPr>
-                        <a:t>正宗混合物：我们的茶采用优质红茶叶和包括肉桂、豆蔻、丁香、生姜和黑胡椒在内的精选招牌研磨香料合理配制而成。</a:t>
+                        <a:t>纯正配方：我们的印度奶茶将优质红茶叶与肉桂、豆蔻、丁香、生姜和黑胡椒等特选香料粉和谐融合。这种古老的配方保证每一口都能品尝到纯正浓郁的味道。</a:t>
                       </a:r>
-                      <a:r>
-                        <a:rPr lang="zh-CN" sz="1400" b="0" i="0" strike="noStrike" cap="none" baseline="0">
-                          <a:solidFill>
-                            <a:srgbClr val="000000"/>
-                          </a:solidFill>
-                          <a:effectLst/>
-                          <a:latin typeface="SimSun"/>
-                          <a:ea typeface="SimSun"/>
-                          <a:cs typeface="SimSun"/>
-                        </a:rPr>
-                        <a:t>这种古老的配方保证每一口都能品尝到纯正浓郁的味道。</a:t>
-                      </a:r>
-                      <a:endParaRPr lang="en-US" sz="2300">
-                        <a:effectLst/>
-                      </a:endParaRPr>
                     </a:p>
                   </a:txBody>
                   <a:tcPr marL="49352" marR="49352" marT="49352" marB="49352"/>
                 </a:tc>
                 <a:tc>
                   <a:txBody>
-                    <a:bodyPr vert="horz" wrap="square"/>
+                    <a:bodyPr/>
                     <a:lstStyle/>
                     <a:p>
                       <a:pPr>
                         <a:spcAft>
-                          <a:spcPct val="0"/>
+                          <a:spcPts val="0"/>
                         </a:spcAft>
                       </a:pPr>
                       <a:r>
-                        <a:rPr lang="zh-CN" sz="1400" b="0" i="0" strike="noStrike" cap="none" baseline="0">
-                          <a:solidFill>
-                            <a:srgbClr val="000000"/>
-                          </a:solidFill>
+                        <a:rPr lang="zh-CN" sz="1400" baseline="0" dirty="0">
                           <a:effectLst/>
-                          <a:latin typeface="SimSun"/>
-                          <a:ea typeface="SimSun"/>
-                          <a:cs typeface="SimSun"/>
+                          <a:ea typeface="Microsoft YaHei UI" panose="020B0503020204020204" pitchFamily="34" charset="-122"/>
                         </a:rPr>
-                        <a:t>成分更加健康：神秘香料奶茶臻选自然原料，有利于健康。</a:t>
+                        <a:t>原料有益健康：神秘香料印度奶茶中的每一种原料都经过精心挑选，有着天然的健康益处。生姜和豆蔻有助于消化，肉桂有助于调节血糖，丁香则能帮助抗氧化。</a:t>
                       </a:r>
-                      <a:r>
-                        <a:rPr lang="zh-CN" sz="1400" b="0" i="0" strike="noStrike" cap="none" baseline="0">
-                          <a:solidFill>
-                            <a:srgbClr val="000000"/>
-                          </a:solidFill>
-                          <a:effectLst/>
-                          <a:latin typeface="SimSun"/>
-                          <a:ea typeface="SimSun"/>
-                          <a:cs typeface="SimSun"/>
-                        </a:rPr>
-                        <a:t>生姜和豆蔻有助于消化，肉桂有助于调节血糖，丁香则能帮助抗氧化。</a:t>
-                      </a:r>
-                      <a:endParaRPr lang="en-US" sz="2300">
-                        <a:effectLst/>
-                      </a:endParaRPr>
                     </a:p>
                   </a:txBody>
                   <a:tcPr marL="49352" marR="49352" marT="49352" marB="49352"/>
@@ -13002,77 +10373,6 @@
           </a:graphicData>
         </a:graphic>
       </p:graphicFrame>
-      <p:sp>
-        <p:nvSpPr>
-          <p:cNvPr id="15" name="TextBox"/>
-          <p:cNvSpPr txBox="1">
-            <a:spLocks noGrp="1" noSelect="1" noRot="1" noMove="1"/>
-          </p:cNvSpPr>
-          <p:nvPr/>
-        </p:nvSpPr>
-        <p:spPr>
-          <a:xfrm>
-            <a:off x="2890520" y="2644140"/>
-            <a:ext cx="6411372" cy="1569660"/>
-          </a:xfrm>
-          <a:prstGeom prst="rect">
-            <a:avLst/>
-          </a:prstGeom>
-          <a:noFill/>
-        </p:spPr>
-        <p:txBody>
-          <a:bodyPr wrap="none" rtlCol="0" anchor="ctr" anchorCtr="1">
-            <a:spAutoFit/>
-          </a:bodyPr>
-          <a:lstStyle>
-            <a:lvl1pPr algn="l">
-              <a:lnSpc>
-                <a:spcPct val="150000"/>
-              </a:lnSpc>
-              <a:spcBef>
-                <a:spcPct val="0"/>
-              </a:spcBef>
-              <a:spcAft>
-                <a:spcPct val="0"/>
-              </a:spcAft>
-              <a:defRPr lang="en-US" sz="3200" b="1" noProof="1" dirty="0">
-                <a:solidFill>
-                  <a:prstClr val="red">
-                    <a:lumOff val="30000"/>
-                    <a:alpha val="40000"/>
-                  </a:prstClr>
-                </a:solidFill>
-                <a:effectLst>
-                  <a:outerShdw blurRad="50800" dist="38100" algn="tr" rotWithShape="0">
-                    <a:prstClr val="black">
-                      <a:alpha val="80000"/>
-                    </a:prstClr>
-                  </a:outerShdw>
-                </a:effectLst>
-                <a:latin typeface="Calibri" pitchFamily="34" charset="0"/>
-              </a:defRPr>
-            </a:lvl1pPr>
-          </a:lstStyle>
-          <a:p>
-            <a:pPr algn="ctr"/>
-            <a:r>
-              <a:t>Evaluation only.</a:t>
-            </a:r>
-          </a:p>
-          <a:p>
-            <a:pPr algn="ctr"/>
-            <a:r>
-              <a:t>Created with Aspose.Slides for Java 23.6.</a:t>
-            </a:r>
-          </a:p>
-          <a:p>
-            <a:pPr algn="ctr"/>
-            <a:r>
-              <a:t>Copyright 2004-2023 Aspose Pty Ltd.</a:t>
-            </a:r>
-          </a:p>
-        </p:txBody>
-      </p:sp>
     </p:spTree>
     <p:extLst>
       <p:ext uri="{BB962C8B-B14F-4D97-AF65-F5344CB8AC3E}">
@@ -13083,14 +10383,12 @@
   <p:clrMapOvr>
     <a:masterClrMapping/>
   </p:clrMapOvr>
-  <p:transition/>
-  <p:timing/>
 </p:sld>
 </file>
 
 <file path=ppt/slides/slide6.xml><?xml version="1.0" encoding="utf-8"?>
-<p:sld xmlns:a="http://schemas.openxmlformats.org/drawingml/2006/main" xmlns:r="http://schemas.openxmlformats.org/officeDocument/2006/relationships" xmlns:m="http://schemas.openxmlformats.org/officeDocument/2006/math" xmlns:w="http://schemas.openxmlformats.org/wordprocessingml/2006/main" xmlns:wp="http://schemas.openxmlformats.org/drawingml/2006/wordprocessingDrawing" xmlns:a14="http://schemas.microsoft.com/office/drawing/2010/main" xmlns:mc="http://schemas.openxmlformats.org/markup-compatibility/2006" xmlns:p14="http://schemas.microsoft.com/office/powerpoint/2010/main" xmlns:p15="http://schemas.microsoft.com/office/powerpoint/2012/main" xmlns:p159="http://schemas.microsoft.com/office/powerpoint/2015/09/main" xmlns:p="http://schemas.openxmlformats.org/presentationml/2006/main">
-  <p:cSld name="">
+<p:sld xmlns:a="http://schemas.openxmlformats.org/drawingml/2006/main" xmlns:r="http://schemas.openxmlformats.org/officeDocument/2006/relationships" xmlns:p="http://schemas.openxmlformats.org/presentationml/2006/main">
+  <p:cSld>
     <p:bg>
       <p:bgPr>
         <a:solidFill>
@@ -13109,6 +10407,8 @@
         <a:xfrm>
           <a:off x="0" y="0"/>
           <a:ext cx="0" cy="0"/>
+          <a:chOff x="0" y="0"/>
+          <a:chExt cx="0" cy="0"/>
         </a:xfrm>
       </p:grpSpPr>
       <p:sp>
@@ -13269,7 +10569,7 @@
               <a:shade val="50000"/>
             </a:schemeClr>
           </a:lnRef>
-          <a:fillRef idx="4294967295">
+          <a:fillRef idx="1001">
             <a:schemeClr val="lt1"/>
           </a:fillRef>
           <a:effectRef idx="0">
@@ -13379,16 +10679,22 @@
           <a:lstStyle/>
           <a:p>
             <a:r>
-              <a:rPr lang="zh-CN" sz="4400" b="0" i="0" strike="noStrike" cap="none" baseline="0">
+              <a:rPr lang="zh-CN" sz="4400" dirty="0">
                 <a:solidFill>
                   <a:srgbClr val="FFFFFF"/>
                 </a:solidFill>
-                <a:effectLst/>
-                <a:latin typeface="SimSun"/>
-                <a:ea typeface="SimSun"/>
-                <a:cs typeface="SimSun"/>
+                <a:latin typeface="Microsoft YaHei UI" panose="020B0503020204020204" pitchFamily="34" charset="-122"/>
+                <a:ea typeface="Microsoft YaHei UI" panose="020B0503020204020204" pitchFamily="34" charset="-122"/>
               </a:rPr>
-              <a:t>产品说明 (2/2)</a:t>
+              <a:t>产品说明 </a:t>
+            </a:r>
+            <a:r>
+              <a:rPr lang="zh-CN" sz="4400" dirty="0">
+                <a:solidFill>
+                  <a:srgbClr val="FFFFFF"/>
+                </a:solidFill>
+              </a:rPr>
+              <a:t>(2/2)</a:t>
             </a:r>
           </a:p>
         </p:txBody>
@@ -13461,7 +10767,7 @@
             <p:ph idx="1"/>
             <p:extLst>
               <p:ext uri="{D42A27DB-BD31-4B8C-83A1-F6EECF244321}">
-                <p14:modId xmlns:p14="http://schemas.microsoft.com/office/powerpoint/2010/main" val="681746486"/>
+                <p14:modId xmlns:p14="http://schemas.microsoft.com/office/powerpoint/2010/main" val="1538152895"/>
               </p:ext>
             </p:extLst>
           </p:nvPr>
@@ -13495,58 +10801,42 @@
               <a:tr h="271208">
                 <a:tc>
                   <a:txBody>
-                    <a:bodyPr vert="horz" wrap="square"/>
+                    <a:bodyPr/>
                     <a:lstStyle/>
                     <a:p>
                       <a:pPr>
                         <a:spcAft>
-                          <a:spcPct val="0"/>
+                          <a:spcPts val="0"/>
                         </a:spcAft>
                       </a:pPr>
                       <a:r>
-                        <a:rPr lang="zh-CN" sz="1100" b="1" i="0" strike="noStrike" cap="none" baseline="0">
-                          <a:solidFill>
-                            <a:srgbClr val="FFFFFF"/>
-                          </a:solidFill>
+                        <a:rPr lang="zh-CN" sz="1100" baseline="0" dirty="0">
                           <a:effectLst/>
-                          <a:latin typeface="SimSun"/>
-                          <a:ea typeface="SimSun"/>
-                          <a:cs typeface="SimSun"/>
+                          <a:ea typeface="Microsoft YaHei UI" panose="020B0503020204020204" pitchFamily="34" charset="-122"/>
                         </a:rPr>
                         <a:t>产品名称</a:t>
                       </a:r>
-                      <a:endParaRPr lang="en-US" sz="1700">
-                        <a:effectLst/>
-                      </a:endParaRPr>
                     </a:p>
                   </a:txBody>
                   <a:tcPr marL="36849" marR="36849" marT="36849" marB="36849"/>
                 </a:tc>
                 <a:tc>
                   <a:txBody>
-                    <a:bodyPr vert="horz" wrap="square"/>
+                    <a:bodyPr/>
                     <a:lstStyle/>
                     <a:p>
                       <a:pPr>
                         <a:spcAft>
-                          <a:spcPct val="0"/>
+                          <a:spcPts val="0"/>
                         </a:spcAft>
                       </a:pPr>
                       <a:r>
-                        <a:rPr lang="zh-CN" sz="1100" b="1" i="0" strike="noStrike" cap="none" baseline="0">
-                          <a:solidFill>
-                            <a:srgbClr val="FFFFFF"/>
-                          </a:solidFill>
+                        <a:rPr lang="zh-CN" sz="1100" baseline="0">
                           <a:effectLst/>
-                          <a:latin typeface="SimSun"/>
-                          <a:ea typeface="SimSun"/>
-                          <a:cs typeface="SimSun"/>
+                          <a:ea typeface="Microsoft YaHei UI" panose="020B0503020204020204" pitchFamily="34" charset="-122"/>
                         </a:rPr>
                         <a:t>产品说明</a:t>
                       </a:r>
-                      <a:endParaRPr lang="en-US" sz="1700">
-                        <a:effectLst/>
-                      </a:endParaRPr>
                     </a:p>
                   </a:txBody>
                   <a:tcPr marL="36849" marR="36849" marT="36849" marB="36849"/>
@@ -13560,82 +10850,42 @@
               <a:tr h="1081883">
                 <a:tc>
                   <a:txBody>
-                    <a:bodyPr vert="horz" wrap="square"/>
+                    <a:bodyPr/>
                     <a:lstStyle/>
                     <a:p>
                       <a:pPr>
                         <a:spcAft>
-                          <a:spcPct val="0"/>
+                          <a:spcPts val="0"/>
                         </a:spcAft>
                       </a:pPr>
                       <a:r>
-                        <a:rPr lang="zh-CN" sz="1100" b="0" i="0" strike="noStrike" cap="none" baseline="0">
-                          <a:solidFill>
-                            <a:srgbClr val="000000"/>
-                          </a:solidFill>
+                        <a:rPr lang="zh-CN" sz="1100" baseline="0" dirty="0">
                           <a:effectLst/>
-                          <a:latin typeface="SimSun"/>
-                          <a:ea typeface="SimSun"/>
-                          <a:cs typeface="SimSun"/>
+                          <a:ea typeface="Microsoft YaHei UI" panose="020B0503020204020204" pitchFamily="34" charset="-122"/>
                         </a:rPr>
-                        <a:t>香气浓郁、口味醇厚：我们的印度奶茶气味温暖辛香，口感醇厚提神，是你开启美好一天或在夜晚放松身心的完美饮品。</a:t>
+                        <a:t>香气浓郁，风味醇厚：我们的印度奶茶气味温暖而辛香，口感深邃而提神，是开启一天生活或夜晚放松身心的绝佳饮品。风味浓郁而均衡，给人一种安心而舒缓的体验。</a:t>
                       </a:r>
-                      <a:r>
-                        <a:rPr lang="zh-CN" sz="1100" b="0" i="0" strike="noStrike" cap="none" baseline="0">
-                          <a:solidFill>
-                            <a:srgbClr val="000000"/>
-                          </a:solidFill>
-                          <a:effectLst/>
-                          <a:latin typeface="SimSun"/>
-                          <a:ea typeface="SimSun"/>
-                          <a:cs typeface="SimSun"/>
-                        </a:rPr>
-                        <a:t>风味浓郁而均衡，给人一种安心而舒缓的体验。</a:t>
-                      </a:r>
-                      <a:endParaRPr lang="en-US" sz="1700">
-                        <a:effectLst/>
-                      </a:endParaRPr>
                     </a:p>
                   </a:txBody>
                   <a:tcPr marL="36849" marR="36849" marT="36849" marB="36849"/>
                 </a:tc>
                 <a:tc>
                   <a:txBody>
-                    <a:bodyPr vert="horz" wrap="square"/>
+                    <a:bodyPr/>
                     <a:lstStyle/>
                     <a:p>
                       <a:pPr>
                         <a:spcAft>
-                          <a:spcPct val="0"/>
+                          <a:spcPts val="0"/>
                         </a:spcAft>
                       </a:pPr>
                       <a:r>
-                        <a:rPr lang="zh-CN" sz="1100" b="0" i="0" strike="noStrike" cap="none" baseline="0">
-                          <a:solidFill>
-                            <a:srgbClr val="000000"/>
-                          </a:solidFill>
+                        <a:rPr lang="zh-CN" sz="1100" baseline="0">
                           <a:effectLst/>
-                          <a:latin typeface="SimSun"/>
-                          <a:ea typeface="SimSun"/>
-                          <a:cs typeface="SimSun"/>
+                          <a:ea typeface="Microsoft YaHei UI" panose="020B0503020204020204" pitchFamily="34" charset="-122"/>
                         </a:rPr>
-                        <a:t>多元化的烹制选项：无论你是喜欢温热的奶茶，还是令人耳目一新的冰茶，或者是奶油拿铁，这款产品可以满足任何偏好。</a:t>
+                        <a:t>多种冲泡方式：无论你喜欢热气腾腾的印度奶茶，还是清爽的冰镇茶饮，抑或是奶香浓郁的拿铁，我们的混合茶都能满足你的各种偏好。随附的简易冲泡说明可帮助你按照自己喜欢的方式享用印度奶茶。</a:t>
                       </a:r>
-                      <a:r>
-                        <a:rPr lang="zh-CN" sz="1100" b="0" i="0" strike="noStrike" cap="none" baseline="0">
-                          <a:solidFill>
-                            <a:srgbClr val="000000"/>
-                          </a:solidFill>
-                          <a:effectLst/>
-                          <a:latin typeface="SimSun"/>
-                          <a:ea typeface="SimSun"/>
-                          <a:cs typeface="SimSun"/>
-                        </a:rPr>
-                        <a:t>随附的简易冲泡说明可帮助你按照自己喜欢的方式享用印度奶茶。</a:t>
-                      </a:r>
-                      <a:endParaRPr lang="en-US" sz="1700">
-                        <a:effectLst/>
-                      </a:endParaRPr>
                     </a:p>
                   </a:txBody>
                   <a:tcPr marL="36849" marR="36849" marT="36849" marB="36849"/>
@@ -13649,58 +10899,42 @@
               <a:tr h="757613">
                 <a:tc>
                   <a:txBody>
-                    <a:bodyPr vert="horz" wrap="square"/>
+                    <a:bodyPr/>
                     <a:lstStyle/>
                     <a:p>
                       <a:pPr>
                         <a:spcAft>
-                          <a:spcPct val="0"/>
+                          <a:spcPts val="0"/>
                         </a:spcAft>
                       </a:pPr>
                       <a:r>
-                        <a:rPr lang="zh-CN" sz="1100" b="0" i="0" strike="noStrike" cap="none" baseline="0">
-                          <a:solidFill>
-                            <a:srgbClr val="000000"/>
-                          </a:solidFill>
+                        <a:rPr lang="zh-CN" sz="1100" baseline="0">
                           <a:effectLst/>
-                          <a:latin typeface="SimSun"/>
-                          <a:ea typeface="SimSun"/>
-                          <a:cs typeface="SimSun"/>
+                          <a:ea typeface="Microsoft YaHei UI" panose="020B0503020204020204" pitchFamily="34" charset="-122"/>
                         </a:rPr>
-                        <a:t>原料可持续：我们注重可持续性，从小型农场采购原料，坚持有机农业，不仅能够确保极佳品质，而且可以确保对我们的星球有益。</a:t>
+                        <a:t>可持续采购：我们致力于可持续发展，从实行有机耕作的小规模农场采购原料，不仅保证了上乘的品质，而且也在守护地球的健康。</a:t>
                       </a:r>
-                      <a:endParaRPr lang="en-US" sz="1700">
-                        <a:effectLst/>
-                      </a:endParaRPr>
                     </a:p>
                   </a:txBody>
                   <a:tcPr marL="36849" marR="36849" marT="36849" marB="36849"/>
                 </a:tc>
                 <a:tc>
                   <a:txBody>
-                    <a:bodyPr vert="horz" wrap="square"/>
+                    <a:bodyPr/>
                     <a:lstStyle/>
                     <a:p>
                       <a:pPr>
                         <a:spcAft>
-                          <a:spcPct val="0"/>
+                          <a:spcPts val="0"/>
                         </a:spcAft>
                       </a:pPr>
                       <a:r>
-                        <a:rPr lang="zh-CN" sz="1100" b="0" i="0" strike="noStrike" cap="none" baseline="0">
-                          <a:solidFill>
-                            <a:srgbClr val="000000"/>
-                          </a:solidFill>
+                        <a:rPr lang="zh-CN" sz="1100" baseline="0" dirty="0">
                           <a:effectLst/>
-                          <a:latin typeface="SimSun"/>
-                          <a:ea typeface="SimSun"/>
-                          <a:cs typeface="SimSun"/>
+                          <a:ea typeface="Microsoft YaHei UI" panose="020B0503020204020204" pitchFamily="34" charset="-122"/>
                         </a:rPr>
-                        <a:t>包装精致：神秘香料印度奶茶设计精美，采用生态友好的包装方式，因此是送给茶叶爱好者的理想礼物，也是送给自己的奢华之选。</a:t>
+                        <a:t>包装精美：神秘香料印度奶茶采用设计精美的环保包装，是送给茶叶爱好者的理想礼物，也是送给自己的奢华享受。</a:t>
                       </a:r>
-                      <a:endParaRPr lang="en-US" sz="1700">
-                        <a:effectLst/>
-                      </a:endParaRPr>
                     </a:p>
                   </a:txBody>
                   <a:tcPr marL="36849" marR="36849" marT="36849" marB="36849"/>
@@ -13714,70 +10948,42 @@
               <a:tr h="757613">
                 <a:tc>
                   <a:txBody>
-                    <a:bodyPr vert="horz" wrap="square"/>
+                    <a:bodyPr/>
                     <a:lstStyle/>
                     <a:p>
                       <a:pPr>
                         <a:spcAft>
-                          <a:spcPct val="0"/>
+                          <a:spcPts val="0"/>
                         </a:spcAft>
                       </a:pPr>
                       <a:r>
-                        <a:rPr lang="zh-CN" sz="1100" b="0" i="0" strike="noStrike" cap="none" baseline="0">
-                          <a:solidFill>
-                            <a:srgbClr val="000000"/>
-                          </a:solidFill>
+                        <a:rPr lang="zh-CN" sz="1100" baseline="0">
                           <a:effectLst/>
-                          <a:latin typeface="SimSun"/>
-                          <a:ea typeface="SimSun"/>
-                          <a:cs typeface="SimSun"/>
+                          <a:ea typeface="Microsoft YaHei UI" panose="020B0503020204020204" pitchFamily="34" charset="-122"/>
                         </a:rPr>
-                        <a:t>客户满意度保证：我们为产品背书，提供令人满意的保证。</a:t>
+                        <a:t>顾客满意度保障：我们提供产品支持和满意度保障。如果神秘香料印度奶茶未能达到你的期望，我们将全力调整。</a:t>
                       </a:r>
-                      <a:r>
-                        <a:rPr lang="zh-CN" sz="1100" b="0" i="0" strike="noStrike" cap="none" baseline="0">
-                          <a:solidFill>
-                            <a:srgbClr val="000000"/>
-                          </a:solidFill>
-                          <a:effectLst/>
-                          <a:latin typeface="SimSun"/>
-                          <a:ea typeface="SimSun"/>
-                          <a:cs typeface="SimSun"/>
-                        </a:rPr>
-                        <a:t>如果神秘香料印度奶茶未能达到你的期望，我们将全力调整。</a:t>
-                      </a:r>
-                      <a:endParaRPr lang="en-US" sz="1700">
-                        <a:effectLst/>
-                      </a:endParaRPr>
                     </a:p>
                   </a:txBody>
                   <a:tcPr marL="36849" marR="36849" marT="36849" marB="36849"/>
                 </a:tc>
                 <a:tc>
                   <a:txBody>
-                    <a:bodyPr vert="horz" wrap="square"/>
+                    <a:bodyPr/>
                     <a:lstStyle/>
                     <a:p>
                       <a:pPr>
                         <a:spcAft>
-                          <a:spcPct val="0"/>
+                          <a:spcPts val="0"/>
                         </a:spcAft>
                       </a:pPr>
                       <a:r>
-                        <a:rPr lang="zh-CN" sz="1100" b="0" i="0" strike="noStrike" cap="none" baseline="0">
-                          <a:solidFill>
-                            <a:srgbClr val="000000"/>
-                          </a:solidFill>
+                        <a:rPr lang="zh-CN" sz="1100" baseline="0" dirty="0">
                           <a:effectLst/>
-                          <a:latin typeface="SimSun"/>
-                          <a:ea typeface="SimSun"/>
-                          <a:cs typeface="SimSun"/>
+                          <a:ea typeface="Microsoft YaHei UI" panose="020B0503020204020204" pitchFamily="34" charset="-122"/>
                         </a:rPr>
-                        <a:t>非常适合：爱茶人士、注重健康的个人、热辣饮料爱好者，以及任何想要尝试传统印度茶浓郁风味的人。</a:t>
+                        <a:t>适用人群：茶叶爱好者、养生人士、喜爱温热辛香饮品的人以及想要体验传统印度奶茶浓郁风味的人。</a:t>
                       </a:r>
-                      <a:endParaRPr lang="en-US" sz="1700">
-                        <a:effectLst/>
-                      </a:endParaRPr>
                     </a:p>
                   </a:txBody>
                   <a:tcPr marL="36849" marR="36849" marT="36849" marB="36849"/>
@@ -13792,77 +10998,6 @@
           </a:graphicData>
         </a:graphic>
       </p:graphicFrame>
-      <p:sp>
-        <p:nvSpPr>
-          <p:cNvPr id="19" name="TextBox"/>
-          <p:cNvSpPr txBox="1">
-            <a:spLocks noGrp="1" noSelect="1" noRot="1" noMove="1"/>
-          </p:cNvSpPr>
-          <p:nvPr/>
-        </p:nvSpPr>
-        <p:spPr>
-          <a:xfrm>
-            <a:off x="2890520" y="2644140"/>
-            <a:ext cx="6411372" cy="1569660"/>
-          </a:xfrm>
-          <a:prstGeom prst="rect">
-            <a:avLst/>
-          </a:prstGeom>
-          <a:noFill/>
-        </p:spPr>
-        <p:txBody>
-          <a:bodyPr wrap="none" rtlCol="0" anchor="ctr" anchorCtr="1">
-            <a:spAutoFit/>
-          </a:bodyPr>
-          <a:lstStyle>
-            <a:lvl1pPr algn="l">
-              <a:lnSpc>
-                <a:spcPct val="150000"/>
-              </a:lnSpc>
-              <a:spcBef>
-                <a:spcPct val="0"/>
-              </a:spcBef>
-              <a:spcAft>
-                <a:spcPct val="0"/>
-              </a:spcAft>
-              <a:defRPr lang="en-US" sz="3200" b="1" noProof="1" dirty="0">
-                <a:solidFill>
-                  <a:prstClr val="red">
-                    <a:lumOff val="30000"/>
-                    <a:alpha val="40000"/>
-                  </a:prstClr>
-                </a:solidFill>
-                <a:effectLst>
-                  <a:outerShdw blurRad="50800" dist="38100" algn="tr" rotWithShape="0">
-                    <a:prstClr val="black">
-                      <a:alpha val="80000"/>
-                    </a:prstClr>
-                  </a:outerShdw>
-                </a:effectLst>
-                <a:latin typeface="Calibri" pitchFamily="34" charset="0"/>
-              </a:defRPr>
-            </a:lvl1pPr>
-          </a:lstStyle>
-          <a:p>
-            <a:pPr algn="ctr"/>
-            <a:r>
-              <a:t>Evaluation only.</a:t>
-            </a:r>
-          </a:p>
-          <a:p>
-            <a:pPr algn="ctr"/>
-            <a:r>
-              <a:t>Created with Aspose.Slides for Java 23.6.</a:t>
-            </a:r>
-          </a:p>
-          <a:p>
-            <a:pPr algn="ctr"/>
-            <a:r>
-              <a:t>Copyright 2004-2023 Aspose Pty Ltd.</a:t>
-            </a:r>
-          </a:p>
-        </p:txBody>
-      </p:sp>
     </p:spTree>
     <p:extLst>
       <p:ext uri="{BB962C8B-B14F-4D97-AF65-F5344CB8AC3E}">
@@ -13873,14 +11008,12 @@
   <p:clrMapOvr>
     <a:masterClrMapping/>
   </p:clrMapOvr>
-  <p:transition/>
-  <p:timing/>
 </p:sld>
 </file>
 
 <file path=ppt/slides/slide7.xml><?xml version="1.0" encoding="utf-8"?>
-<p:sld xmlns:a="http://schemas.openxmlformats.org/drawingml/2006/main" xmlns:r="http://schemas.openxmlformats.org/officeDocument/2006/relationships" xmlns:m="http://schemas.openxmlformats.org/officeDocument/2006/math" xmlns:w="http://schemas.openxmlformats.org/wordprocessingml/2006/main" xmlns:wp="http://schemas.openxmlformats.org/drawingml/2006/wordprocessingDrawing" xmlns:a14="http://schemas.microsoft.com/office/drawing/2010/main" xmlns:mc="http://schemas.openxmlformats.org/markup-compatibility/2006" xmlns:p14="http://schemas.microsoft.com/office/powerpoint/2010/main" xmlns:p15="http://schemas.microsoft.com/office/powerpoint/2012/main" xmlns:p159="http://schemas.microsoft.com/office/powerpoint/2015/09/main" xmlns:p="http://schemas.openxmlformats.org/presentationml/2006/main">
-  <p:cSld name="">
+<p:sld xmlns:a="http://schemas.openxmlformats.org/drawingml/2006/main" xmlns:r="http://schemas.openxmlformats.org/officeDocument/2006/relationships" xmlns:p="http://schemas.openxmlformats.org/presentationml/2006/main">
+  <p:cSld>
     <p:bg>
       <p:bgPr>
         <a:solidFill>
@@ -13899,6 +11032,8 @@
         <a:xfrm>
           <a:off x="0" y="0"/>
           <a:ext cx="0" cy="0"/>
+          <a:chOff x="0" y="0"/>
+          <a:chExt cx="0" cy="0"/>
         </a:xfrm>
       </p:grpSpPr>
       <p:sp>
@@ -14107,14 +11242,8 @@
           <a:lstStyle/>
           <a:p>
             <a:r>
-              <a:rPr lang="zh-CN" sz="4700" b="0" i="0" strike="noStrike" cap="none" baseline="0">
-                <a:solidFill>
-                  <a:srgbClr val="404040"/>
-                </a:solidFill>
-                <a:effectLst/>
-                <a:latin typeface="SimSun"/>
-                <a:ea typeface="SimSun"/>
-                <a:cs typeface="SimSun"/>
+              <a:rPr lang="zh-CN" dirty="0">
+                <a:ea typeface="Microsoft YaHei UI" panose="020B0503020204020204" pitchFamily="34" charset="-122"/>
               </a:rPr>
               <a:t>市场趋势和需求</a:t>
             </a:r>
@@ -14210,14 +11339,8 @@
               </a:lnSpc>
             </a:pPr>
             <a:r>
-              <a:rPr lang="zh-CN" sz="1400" b="0" i="0" strike="noStrike" cap="none" baseline="0">
-                <a:solidFill>
-                  <a:srgbClr val="404040"/>
-                </a:solidFill>
-                <a:effectLst/>
-                <a:latin typeface="SimSun"/>
-                <a:ea typeface="SimSun"/>
-                <a:cs typeface="SimSun"/>
+              <a:rPr lang="zh-CN" sz="1400">
+                <a:ea typeface="Microsoft YaHei UI" panose="020B0503020204020204" pitchFamily="34" charset="-122"/>
               </a:rPr>
               <a:t>拉丁美洲市场为印度奶茶提供了巨大商机</a:t>
             </a:r>
@@ -14229,14 +11352,8 @@
               </a:lnSpc>
             </a:pPr>
             <a:r>
-              <a:rPr lang="zh-CN" sz="1400" b="0" i="0" strike="noStrike" cap="none" baseline="0">
-                <a:solidFill>
-                  <a:srgbClr val="404040"/>
-                </a:solidFill>
-                <a:effectLst/>
-                <a:latin typeface="SimSun"/>
-                <a:ea typeface="SimSun"/>
-                <a:cs typeface="SimSun"/>
+              <a:rPr lang="zh-CN" sz="1400">
+                <a:ea typeface="Microsoft YaHei UI" panose="020B0503020204020204" pitchFamily="34" charset="-122"/>
               </a:rPr>
               <a:t>对健康、天然和异国情调产品的需求不断增长</a:t>
             </a:r>
@@ -14248,14 +11365,8 @@
               </a:lnSpc>
             </a:pPr>
             <a:r>
-              <a:rPr lang="zh-CN" sz="1400" b="0" i="0" strike="noStrike" cap="none" baseline="0">
-                <a:solidFill>
-                  <a:srgbClr val="404040"/>
-                </a:solidFill>
-                <a:effectLst/>
-                <a:latin typeface="SimSun"/>
-                <a:ea typeface="SimSun"/>
-                <a:cs typeface="SimSun"/>
+              <a:rPr lang="zh-CN" sz="1400">
+                <a:ea typeface="Microsoft YaHei UI" panose="020B0503020204020204" pitchFamily="34" charset="-122"/>
               </a:rPr>
               <a:t>阿根廷、智利和乌拉圭等国家茶文化浓厚</a:t>
             </a:r>
@@ -14267,14 +11378,8 @@
               </a:lnSpc>
             </a:pPr>
             <a:r>
-              <a:rPr lang="zh-CN" sz="1400" b="0" i="0" strike="noStrike" cap="none" baseline="0">
-                <a:solidFill>
-                  <a:srgbClr val="404040"/>
-                </a:solidFill>
-                <a:effectLst/>
-                <a:latin typeface="SimSun"/>
-                <a:ea typeface="SimSun"/>
-                <a:cs typeface="SimSun"/>
+              <a:rPr lang="zh-CN" sz="1400">
+                <a:ea typeface="Microsoft YaHei UI" panose="020B0503020204020204" pitchFamily="34" charset="-122"/>
               </a:rPr>
               <a:t>印度奶茶既能吸引茶爱好者，也能吸引咖啡爱好者</a:t>
             </a:r>
@@ -14286,14 +11391,8 @@
               </a:lnSpc>
             </a:pPr>
             <a:r>
-              <a:rPr lang="zh-CN" sz="1400" b="0" i="0" strike="noStrike" cap="none" baseline="0">
-                <a:solidFill>
-                  <a:srgbClr val="404040"/>
-                </a:solidFill>
-                <a:effectLst/>
-                <a:latin typeface="SimSun"/>
-                <a:ea typeface="SimSun"/>
-                <a:cs typeface="SimSun"/>
+              <a:rPr lang="zh-CN" sz="1400">
+                <a:ea typeface="Microsoft YaHei UI" panose="020B0503020204020204" pitchFamily="34" charset="-122"/>
               </a:rPr>
               <a:t>印度奶茶符合拉丁美洲消费者的生活方式和偏好</a:t>
             </a:r>
@@ -14305,14 +11404,8 @@
               </a:lnSpc>
             </a:pPr>
             <a:r>
-              <a:rPr lang="zh-CN" sz="1400" b="0" i="0" strike="noStrike" cap="none" baseline="0">
-                <a:solidFill>
-                  <a:srgbClr val="404040"/>
-                </a:solidFill>
-                <a:effectLst/>
-                <a:latin typeface="SimSun"/>
-                <a:ea typeface="SimSun"/>
-                <a:cs typeface="SimSun"/>
+              <a:rPr lang="zh-CN" sz="1400">
+                <a:ea typeface="Microsoft YaHei UI" panose="020B0503020204020204" pitchFamily="34" charset="-122"/>
               </a:rPr>
               <a:t>2019 年全球印度奶茶市场规模为 19 亿美元</a:t>
             </a:r>
@@ -14324,14 +11417,8 @@
               </a:lnSpc>
             </a:pPr>
             <a:r>
-              <a:rPr lang="zh-CN" sz="1400" b="0" i="0" strike="noStrike" cap="none" baseline="0">
-                <a:solidFill>
-                  <a:srgbClr val="404040"/>
-                </a:solidFill>
-                <a:effectLst/>
-                <a:latin typeface="SimSun"/>
-                <a:ea typeface="SimSun"/>
-                <a:cs typeface="SimSun"/>
+              <a:rPr lang="zh-CN" sz="1400">
+                <a:ea typeface="Microsoft YaHei UI" panose="020B0503020204020204" pitchFamily="34" charset="-122"/>
               </a:rPr>
               <a:t>预计 2020 年至 2027 年复合年均增长率为 5.5%</a:t>
             </a:r>
@@ -14343,14 +11430,8 @@
               </a:lnSpc>
             </a:pPr>
             <a:r>
-              <a:rPr lang="zh-CN" sz="1400" b="0" i="0" strike="noStrike" cap="none" baseline="0">
-                <a:solidFill>
-                  <a:srgbClr val="404040"/>
-                </a:solidFill>
-                <a:effectLst/>
-                <a:latin typeface="SimSun"/>
-                <a:ea typeface="SimSun"/>
-                <a:cs typeface="SimSun"/>
+              <a:rPr lang="zh-CN" sz="1400">
+                <a:ea typeface="Microsoft YaHei UI" panose="020B0503020204020204" pitchFamily="34" charset="-122"/>
               </a:rPr>
               <a:t>拉丁美洲是印度奶茶市场规模增长最快的地区之一</a:t>
             </a:r>
@@ -14362,14 +11443,8 @@
               </a:lnSpc>
             </a:pPr>
             <a:r>
-              <a:rPr lang="zh-CN" sz="1400" b="0" i="0" strike="noStrike" cap="none" baseline="0">
-                <a:solidFill>
-                  <a:srgbClr val="404040"/>
-                </a:solidFill>
-                <a:effectLst/>
-                <a:latin typeface="SimSun"/>
-                <a:ea typeface="SimSun"/>
-                <a:cs typeface="SimSun"/>
+              <a:rPr lang="zh-CN" sz="1400">
+                <a:ea typeface="Microsoft YaHei UI" panose="020B0503020204020204" pitchFamily="34" charset="-122"/>
               </a:rPr>
               <a:t>增长的主要驱动力包括认知度的提高、可支配收入的增加以及分销范围的扩大</a:t>
             </a:r>
@@ -14454,14 +11529,14 @@
             <p:ph sz="half" idx="1"/>
             <p:extLst>
               <p:ext uri="{D42A27DB-BD31-4B8C-83A1-F6EECF244321}">
-                <p14:modId xmlns:p14="http://schemas.microsoft.com/office/powerpoint/2010/main" val="3887441503"/>
+                <p14:modId xmlns:p14="http://schemas.microsoft.com/office/powerpoint/2010/main" val="3124654185"/>
               </p:ext>
             </p:extLst>
           </p:nvPr>
         </p:nvGraphicFramePr>
         <p:xfrm>
           <a:off x="643192" y="1541387"/>
-          <a:ext cx="5115348" cy="3728172"/>
+          <a:ext cx="5264740" cy="3455187"/>
         </p:xfrm>
         <a:graphic>
           <a:graphicData uri="http://schemas.openxmlformats.org/drawingml/2006/table">
@@ -14473,21 +11548,21 @@
                 <a:tableStyleId>{5C22544A-7EE6-4342-B048-85BDC9FD1C3A}</a:tableStyleId>
               </a:tblPr>
               <a:tblGrid>
-                <a:gridCol w="1715286">
+                <a:gridCol w="1765380">
                   <a:extLst>
                     <a:ext uri="{9D8B030D-6E8A-4147-A177-3AD203B41FA5}">
                       <a16:colId xmlns:a16="http://schemas.microsoft.com/office/drawing/2014/main" val="1841529175"/>
                     </a:ext>
                   </a:extLst>
                 </a:gridCol>
-                <a:gridCol w="1980568">
+                <a:gridCol w="1904024">
                   <a:extLst>
                     <a:ext uri="{9D8B030D-6E8A-4147-A177-3AD203B41FA5}">
                       <a16:colId xmlns:a16="http://schemas.microsoft.com/office/drawing/2014/main" val="4064316244"/>
                     </a:ext>
                   </a:extLst>
                 </a:gridCol>
-                <a:gridCol w="1419494">
+                <a:gridCol w="1595336">
                   <a:extLst>
                     <a:ext uri="{9D8B030D-6E8A-4147-A177-3AD203B41FA5}">
                       <a16:colId xmlns:a16="http://schemas.microsoft.com/office/drawing/2014/main" val="3250877377"/>
@@ -14498,18 +11573,15 @@
               <a:tr h="1697807">
                 <a:tc>
                   <a:txBody>
-                    <a:bodyPr vert="horz" wrap="square"/>
+                    <a:bodyPr/>
                     <a:lstStyle/>
                     <a:p>
                       <a:r>
-                        <a:rPr lang="zh-CN" sz="2000" b="1" i="0" strike="noStrike" cap="all" baseline="0">
+                        <a:rPr lang="zh-CN" sz="2000" b="1" cap="all" baseline="0" dirty="0">
                           <a:solidFill>
-                            <a:srgbClr val="000000"/>
+                            <a:schemeClr val="tx1"/>
                           </a:solidFill>
-                          <a:effectLst/>
-                          <a:latin typeface="SimSun"/>
-                          <a:ea typeface="SimSun"/>
-                          <a:cs typeface="SimSun"/>
+                          <a:ea typeface="Microsoft YaHei UI" panose="020B0503020204020204" pitchFamily="34" charset="-122"/>
                         </a:rPr>
                         <a:t>区域</a:t>
                       </a:r>
@@ -14533,20 +11605,51 @@
                 </a:tc>
                 <a:tc>
                   <a:txBody>
-                    <a:bodyPr vert="horz" wrap="square"/>
+                    <a:bodyPr/>
                     <a:lstStyle/>
                     <a:p>
                       <a:r>
-                        <a:rPr lang="zh-CN" sz="2000" b="1" i="0" strike="noStrike" cap="all" baseline="0">
+                        <a:rPr lang="zh-CN" sz="2000" b="1" cap="all" baseline="0" dirty="0">
                           <a:solidFill>
-                            <a:srgbClr val="000000"/>
+                            <a:schemeClr val="tx1"/>
                           </a:solidFill>
-                          <a:effectLst/>
-                          <a:latin typeface="SimSun"/>
-                          <a:ea typeface="SimSun"/>
-                          <a:cs typeface="SimSun"/>
+                          <a:ea typeface="Microsoft YaHei UI" panose="020B0503020204020204" pitchFamily="34" charset="-122"/>
                         </a:rPr>
-                        <a:t>印度奶茶市场规模（十亿美元）</a:t>
+                        <a:t>印度奶茶</a:t>
+                      </a:r>
+                      <a:br>
+                        <a:rPr lang="en-US" altLang="zh-CN" sz="2000" b="1" cap="all" baseline="0" dirty="0">
+                          <a:solidFill>
+                            <a:schemeClr val="tx1"/>
+                          </a:solidFill>
+                          <a:ea typeface="Microsoft YaHei UI" panose="020B0503020204020204" pitchFamily="34" charset="-122"/>
+                        </a:rPr>
+                      </a:br>
+                      <a:r>
+                        <a:rPr lang="zh-CN" sz="2000" b="1" cap="all" baseline="0" dirty="0">
+                          <a:solidFill>
+                            <a:schemeClr val="tx1"/>
+                          </a:solidFill>
+                          <a:ea typeface="Microsoft YaHei UI" panose="020B0503020204020204" pitchFamily="34" charset="-122"/>
+                        </a:rPr>
+                        <a:t>市场规模</a:t>
+                      </a:r>
+                      <a:br>
+                        <a:rPr lang="en-US" altLang="zh-CN" sz="2000" b="1" cap="all" baseline="0" dirty="0">
+                          <a:solidFill>
+                            <a:schemeClr val="tx1"/>
+                          </a:solidFill>
+                          <a:ea typeface="Microsoft YaHei UI" panose="020B0503020204020204" pitchFamily="34" charset="-122"/>
+                        </a:rPr>
+                      </a:br>
+                      <a:r>
+                        <a:rPr lang="zh-CN" sz="2000" b="1" cap="all" baseline="0" dirty="0">
+                          <a:solidFill>
+                            <a:schemeClr val="tx1"/>
+                          </a:solidFill>
+                          <a:ea typeface="Microsoft YaHei UI" panose="020B0503020204020204" pitchFamily="34" charset="-122"/>
+                        </a:rPr>
+                        <a:t>（十亿美元）</a:t>
                       </a:r>
                     </a:p>
                   </a:txBody>
@@ -14568,18 +11671,15 @@
                 </a:tc>
                 <a:tc>
                   <a:txBody>
-                    <a:bodyPr vert="horz" wrap="square"/>
+                    <a:bodyPr/>
                     <a:lstStyle/>
                     <a:p>
                       <a:r>
-                        <a:rPr lang="zh-CN" sz="2000" b="1" i="0" strike="noStrike" cap="all" baseline="0">
+                        <a:rPr lang="zh-CN" sz="2000" b="1" cap="all" baseline="0" dirty="0">
                           <a:solidFill>
-                            <a:srgbClr val="000000"/>
+                            <a:schemeClr val="tx1"/>
                           </a:solidFill>
-                          <a:effectLst/>
-                          <a:latin typeface="SimSun"/>
-                          <a:ea typeface="SimSun"/>
-                          <a:cs typeface="SimSun"/>
+                          <a:ea typeface="Microsoft YaHei UI" panose="020B0503020204020204" pitchFamily="34" charset="-122"/>
                         </a:rPr>
                         <a:t>复合年均增长率 (2020-2027)</a:t>
                       </a:r>
@@ -14610,20 +11710,17 @@
               <a:tr h="680116">
                 <a:tc>
                   <a:txBody>
-                    <a:bodyPr vert="horz" wrap="square"/>
+                    <a:bodyPr/>
                     <a:lstStyle/>
                     <a:p>
                       <a:r>
-                        <a:rPr lang="zh-CN" sz="2600" b="0" i="0" strike="noStrike" cap="none" baseline="0">
+                        <a:rPr lang="zh-CN" sz="2600" cap="none" baseline="0">
                           <a:solidFill>
-                            <a:srgbClr val="000000"/>
+                            <a:schemeClr val="tx1"/>
                           </a:solidFill>
-                          <a:effectLst/>
-                          <a:latin typeface="SimSun"/>
-                          <a:ea typeface="SimSun"/>
-                          <a:cs typeface="SimSun"/>
+                          <a:ea typeface="Microsoft YaHei UI" panose="020B0503020204020204" pitchFamily="34" charset="-122"/>
                         </a:rPr>
-                        <a:t>全局</a:t>
+                        <a:t>全球</a:t>
                       </a:r>
                     </a:p>
                   </a:txBody>
@@ -14650,18 +11747,15 @@
                 </a:tc>
                 <a:tc>
                   <a:txBody>
-                    <a:bodyPr vert="horz" wrap="square"/>
+                    <a:bodyPr/>
                     <a:lstStyle/>
                     <a:p>
                       <a:r>
-                        <a:rPr lang="zh-CN" sz="2600" b="0" i="0" strike="noStrike" cap="none" baseline="0">
+                        <a:rPr lang="zh-CN" sz="2600" cap="none" baseline="0">
                           <a:solidFill>
-                            <a:srgbClr val="000000"/>
+                            <a:schemeClr val="tx1"/>
                           </a:solidFill>
-                          <a:effectLst/>
-                          <a:latin typeface="SimSun"/>
-                          <a:ea typeface="SimSun"/>
-                          <a:cs typeface="SimSun"/>
+                          <a:ea typeface="Microsoft YaHei UI" panose="020B0503020204020204" pitchFamily="34" charset="-122"/>
                         </a:rPr>
                         <a:t>1.9</a:t>
                       </a:r>
@@ -14690,18 +11784,15 @@
                 </a:tc>
                 <a:tc>
                   <a:txBody>
-                    <a:bodyPr vert="horz" wrap="square"/>
+                    <a:bodyPr/>
                     <a:lstStyle/>
                     <a:p>
                       <a:r>
-                        <a:rPr lang="zh-CN" sz="2600" b="0" i="0" strike="noStrike" cap="none" baseline="0">
+                        <a:rPr lang="zh-CN" sz="2600" cap="none" baseline="0" dirty="0">
                           <a:solidFill>
-                            <a:srgbClr val="000000"/>
+                            <a:schemeClr val="tx1"/>
                           </a:solidFill>
-                          <a:effectLst/>
-                          <a:latin typeface="SimSun"/>
-                          <a:ea typeface="SimSun"/>
-                          <a:cs typeface="SimSun"/>
+                          <a:ea typeface="Microsoft YaHei UI" panose="020B0503020204020204" pitchFamily="34" charset="-122"/>
                         </a:rPr>
                         <a:t>5.5%</a:t>
                       </a:r>
@@ -14737,18 +11828,15 @@
               <a:tr h="1077264">
                 <a:tc>
                   <a:txBody>
-                    <a:bodyPr vert="horz" wrap="square"/>
+                    <a:bodyPr/>
                     <a:lstStyle/>
                     <a:p>
                       <a:r>
-                        <a:rPr lang="zh-CN" sz="2600" b="0" i="0" strike="noStrike" cap="none" baseline="0">
+                        <a:rPr lang="zh-CN" sz="2600" cap="none" baseline="0">
                           <a:solidFill>
-                            <a:srgbClr val="000000"/>
+                            <a:schemeClr val="tx1"/>
                           </a:solidFill>
-                          <a:effectLst/>
-                          <a:latin typeface="SimSun"/>
-                          <a:ea typeface="SimSun"/>
-                          <a:cs typeface="SimSun"/>
+                          <a:ea typeface="Microsoft YaHei UI" panose="020B0503020204020204" pitchFamily="34" charset="-122"/>
                         </a:rPr>
                         <a:t>拉丁美洲</a:t>
                       </a:r>
@@ -14780,20 +11868,17 @@
                 </a:tc>
                 <a:tc>
                   <a:txBody>
-                    <a:bodyPr vert="horz" wrap="square"/>
+                    <a:bodyPr/>
                     <a:lstStyle/>
                     <a:p>
                       <a:r>
-                        <a:rPr lang="zh-CN" sz="2600" b="0" i="0" strike="noStrike" cap="none" baseline="0">
+                        <a:rPr lang="zh-CN" sz="2600" cap="none" baseline="0">
                           <a:solidFill>
-                            <a:srgbClr val="000000"/>
+                            <a:schemeClr val="tx1"/>
                           </a:solidFill>
-                          <a:effectLst/>
-                          <a:latin typeface="SimSun"/>
-                          <a:ea typeface="SimSun"/>
-                          <a:cs typeface="SimSun"/>
+                          <a:ea typeface="Microsoft YaHei UI" panose="020B0503020204020204" pitchFamily="34" charset="-122"/>
                         </a:rPr>
-                        <a:t>空值</a:t>
+                        <a:t>不适用</a:t>
                       </a:r>
                     </a:p>
                   </a:txBody>
@@ -14823,18 +11908,15 @@
                 </a:tc>
                 <a:tc>
                   <a:txBody>
-                    <a:bodyPr vert="horz" wrap="square"/>
+                    <a:bodyPr/>
                     <a:lstStyle/>
                     <a:p>
                       <a:r>
-                        <a:rPr lang="zh-CN" sz="2600" b="0" i="0" strike="noStrike" cap="none" baseline="0">
+                        <a:rPr lang="zh-CN" sz="2600" cap="none" baseline="0" dirty="0">
                           <a:solidFill>
-                            <a:srgbClr val="000000"/>
+                            <a:schemeClr val="tx1"/>
                           </a:solidFill>
-                          <a:effectLst/>
-                          <a:latin typeface="SimSun"/>
-                          <a:ea typeface="SimSun"/>
-                          <a:cs typeface="SimSun"/>
+                          <a:ea typeface="Microsoft YaHei UI" panose="020B0503020204020204" pitchFamily="34" charset="-122"/>
                         </a:rPr>
                         <a:t>6.2%</a:t>
                       </a:r>
@@ -14874,77 +11956,6 @@
           </a:graphicData>
         </a:graphic>
       </p:graphicFrame>
-      <p:sp>
-        <p:nvSpPr>
-          <p:cNvPr id="20" name="TextBox"/>
-          <p:cNvSpPr txBox="1">
-            <a:spLocks noGrp="1" noSelect="1" noRot="1" noMove="1"/>
-          </p:cNvSpPr>
-          <p:nvPr/>
-        </p:nvSpPr>
-        <p:spPr>
-          <a:xfrm>
-            <a:off x="2890520" y="2644140"/>
-            <a:ext cx="6411372" cy="1569660"/>
-          </a:xfrm>
-          <a:prstGeom prst="rect">
-            <a:avLst/>
-          </a:prstGeom>
-          <a:noFill/>
-        </p:spPr>
-        <p:txBody>
-          <a:bodyPr wrap="none" rtlCol="0" anchor="ctr" anchorCtr="1">
-            <a:spAutoFit/>
-          </a:bodyPr>
-          <a:lstStyle>
-            <a:lvl1pPr algn="l">
-              <a:lnSpc>
-                <a:spcPct val="150000"/>
-              </a:lnSpc>
-              <a:spcBef>
-                <a:spcPct val="0"/>
-              </a:spcBef>
-              <a:spcAft>
-                <a:spcPct val="0"/>
-              </a:spcAft>
-              <a:defRPr lang="en-US" sz="3200" b="1" noProof="1" dirty="0">
-                <a:solidFill>
-                  <a:prstClr val="red">
-                    <a:lumOff val="30000"/>
-                    <a:alpha val="40000"/>
-                  </a:prstClr>
-                </a:solidFill>
-                <a:effectLst>
-                  <a:outerShdw blurRad="50800" dist="38100" algn="tr" rotWithShape="0">
-                    <a:prstClr val="black">
-                      <a:alpha val="80000"/>
-                    </a:prstClr>
-                  </a:outerShdw>
-                </a:effectLst>
-                <a:latin typeface="Calibri" pitchFamily="34" charset="0"/>
-              </a:defRPr>
-            </a:lvl1pPr>
-          </a:lstStyle>
-          <a:p>
-            <a:pPr algn="ctr"/>
-            <a:r>
-              <a:t>Evaluation only.</a:t>
-            </a:r>
-          </a:p>
-          <a:p>
-            <a:pPr algn="ctr"/>
-            <a:r>
-              <a:t>Created with Aspose.Slides for Java 23.6.</a:t>
-            </a:r>
-          </a:p>
-          <a:p>
-            <a:pPr algn="ctr"/>
-            <a:r>
-              <a:t>Copyright 2004-2023 Aspose Pty Ltd.</a:t>
-            </a:r>
-          </a:p>
-        </p:txBody>
-      </p:sp>
     </p:spTree>
     <p:extLst>
       <p:ext uri="{BB962C8B-B14F-4D97-AF65-F5344CB8AC3E}">
@@ -14955,14 +11966,12 @@
   <p:clrMapOvr>
     <a:masterClrMapping/>
   </p:clrMapOvr>
-  <p:transition/>
-  <p:timing/>
 </p:sld>
 </file>
 
 <file path=ppt/slides/slide8.xml><?xml version="1.0" encoding="utf-8"?>
-<p:sld xmlns:a="http://schemas.openxmlformats.org/drawingml/2006/main" xmlns:r="http://schemas.openxmlformats.org/officeDocument/2006/relationships" xmlns:m="http://schemas.openxmlformats.org/officeDocument/2006/math" xmlns:w="http://schemas.openxmlformats.org/wordprocessingml/2006/main" xmlns:wp="http://schemas.openxmlformats.org/drawingml/2006/wordprocessingDrawing" xmlns:a14="http://schemas.microsoft.com/office/drawing/2010/main" xmlns:mc="http://schemas.openxmlformats.org/markup-compatibility/2006" xmlns:p14="http://schemas.microsoft.com/office/powerpoint/2010/main" xmlns:p15="http://schemas.microsoft.com/office/powerpoint/2012/main" xmlns:p159="http://schemas.microsoft.com/office/powerpoint/2015/09/main" xmlns:p="http://schemas.openxmlformats.org/presentationml/2006/main">
-  <p:cSld name="">
+<p:sld xmlns:a="http://schemas.openxmlformats.org/drawingml/2006/main" xmlns:r="http://schemas.openxmlformats.org/officeDocument/2006/relationships" xmlns:p="http://schemas.openxmlformats.org/presentationml/2006/main">
+  <p:cSld>
     <p:bg>
       <p:bgPr>
         <a:solidFill>
@@ -14981,6 +11990,8 @@
         <a:xfrm>
           <a:off x="0" y="0"/>
           <a:ext cx="0" cy="0"/>
+          <a:chOff x="0" y="0"/>
+          <a:chExt cx="0" cy="0"/>
         </a:xfrm>
       </p:grpSpPr>
       <p:sp useBgFill="1">
@@ -15024,7 +12035,7 @@
               <a:shade val="50000"/>
             </a:schemeClr>
           </a:lnRef>
-          <a:fillRef idx="4294967295">
+          <a:fillRef idx="1001">
             <a:schemeClr val="lt1"/>
           </a:fillRef>
           <a:effectRef idx="0">
@@ -15134,16 +12145,30 @@
           <a:lstStyle/>
           <a:p>
             <a:r>
-              <a:rPr lang="zh-CN" sz="4400" b="0" i="0" strike="noStrike" cap="none" baseline="0">
+              <a:rPr lang="zh-CN" sz="4400" dirty="0">
                 <a:solidFill>
                   <a:srgbClr val="FFFFFF"/>
                 </a:solidFill>
-                <a:effectLst/>
-                <a:latin typeface="SimSun"/>
-                <a:ea typeface="SimSun"/>
-                <a:cs typeface="SimSun"/>
+                <a:ea typeface="Microsoft YaHei UI" panose="020B0503020204020204" pitchFamily="34" charset="-122"/>
               </a:rPr>
-              <a:t>分销渠道：零售商</a:t>
+              <a:t>分销渠道：</a:t>
+            </a:r>
+            <a:br>
+              <a:rPr lang="en-US" altLang="zh-CN" sz="4400" dirty="0">
+                <a:solidFill>
+                  <a:srgbClr val="FFFFFF"/>
+                </a:solidFill>
+                <a:ea typeface="Microsoft YaHei UI" panose="020B0503020204020204" pitchFamily="34" charset="-122"/>
+              </a:rPr>
+            </a:br>
+            <a:r>
+              <a:rPr lang="zh-CN" sz="4400" dirty="0">
+                <a:solidFill>
+                  <a:srgbClr val="FFFFFF"/>
+                </a:solidFill>
+                <a:ea typeface="Microsoft YaHei UI" panose="020B0503020204020204" pitchFamily="34" charset="-122"/>
+              </a:rPr>
+              <a:t>零售商</a:t>
             </a:r>
           </a:p>
         </p:txBody>
@@ -15167,7 +12192,7 @@
         <p:spPr>
           <a:xfrm>
             <a:off x="5231958" y="605896"/>
-            <a:ext cx="5923721" cy="5646208"/>
+            <a:ext cx="6091038" cy="5646208"/>
           </a:xfrm>
         </p:spPr>
         <p:txBody>
@@ -15177,29 +12202,17 @@
           <a:lstStyle/>
           <a:p>
             <a:r>
-              <a:rPr lang="zh-CN" sz="2200" b="0" i="0" strike="noStrike" cap="none" baseline="0">
-                <a:solidFill>
-                  <a:srgbClr val="404040"/>
-                </a:solidFill>
-                <a:effectLst/>
-                <a:latin typeface="SimSun"/>
-                <a:ea typeface="SimSun"/>
-                <a:cs typeface="SimSun"/>
+              <a:rPr lang="zh-CN" sz="2200" dirty="0">
+                <a:ea typeface="Microsoft YaHei UI" panose="020B0503020204020204" pitchFamily="34" charset="-122"/>
               </a:rPr>
-              <a:t>零售商：直接向消费者销售印度奶茶</a:t>
+              <a:t>零售商：直接向消费者销售印度奶茶产品</a:t>
             </a:r>
           </a:p>
           <a:p>
             <a:pPr lvl="1"/>
             <a:r>
-              <a:rPr lang="zh-CN" sz="2200" b="0" i="0" strike="noStrike" cap="none" baseline="0">
-                <a:solidFill>
-                  <a:srgbClr val="404040"/>
-                </a:solidFill>
-                <a:effectLst/>
-                <a:latin typeface="SimSun"/>
-                <a:ea typeface="SimSun"/>
-                <a:cs typeface="SimSun"/>
+              <a:rPr lang="zh-CN" sz="2200" dirty="0">
+                <a:ea typeface="Microsoft YaHei UI" panose="020B0503020204020204" pitchFamily="34" charset="-122"/>
               </a:rPr>
               <a:t>超市、便利店、专卖店、咖啡馆、在线平台</a:t>
             </a:r>
@@ -15207,14 +12220,8 @@
           <a:p>
             <a:pPr lvl="1"/>
             <a:r>
-              <a:rPr lang="zh-CN" sz="2200" b="0" i="0" strike="noStrike" cap="none" baseline="0">
-                <a:solidFill>
-                  <a:srgbClr val="404040"/>
-                </a:solidFill>
-                <a:effectLst/>
-                <a:latin typeface="SimSun"/>
-                <a:ea typeface="SimSun"/>
-                <a:cs typeface="SimSun"/>
+              <a:rPr lang="zh-CN" sz="2200" dirty="0">
+                <a:ea typeface="Microsoft YaHei UI" panose="020B0503020204020204" pitchFamily="34" charset="-122"/>
               </a:rPr>
               <a:t>影响消费者的认知、偏好和购买行为</a:t>
             </a:r>
@@ -15222,14 +12229,8 @@
           <a:p>
             <a:pPr lvl="1"/>
             <a:r>
-              <a:rPr lang="zh-CN" sz="2200" b="0" i="0" strike="noStrike" cap="none" baseline="0">
-                <a:solidFill>
-                  <a:srgbClr val="404040"/>
-                </a:solidFill>
-                <a:effectLst/>
-                <a:latin typeface="SimSun"/>
-                <a:ea typeface="SimSun"/>
-                <a:cs typeface="SimSun"/>
+              <a:rPr lang="zh-CN" sz="2200" dirty="0">
+                <a:ea typeface="Microsoft YaHei UI" panose="020B0503020204020204" pitchFamily="34" charset="-122"/>
               </a:rPr>
               <a:t>提供推广和营销支持</a:t>
             </a:r>
@@ -15237,115 +12238,26 @@
           <a:p>
             <a:pPr lvl="1"/>
             <a:r>
-              <a:rPr lang="zh-CN" sz="2200" b="0" i="0" strike="noStrike" cap="none" baseline="0">
-                <a:solidFill>
-                  <a:srgbClr val="404040"/>
-                </a:solidFill>
-                <a:effectLst/>
-                <a:latin typeface="SimSun"/>
-                <a:ea typeface="SimSun"/>
-                <a:cs typeface="SimSun"/>
+              <a:rPr lang="zh-CN" sz="2200" dirty="0">
+                <a:ea typeface="Microsoft YaHei UI" panose="020B0503020204020204" pitchFamily="34" charset="-122"/>
               </a:rPr>
               <a:t>主要零售商</a:t>
             </a:r>
           </a:p>
           <a:p>
             <a:r>
-              <a:rPr lang="zh-CN" sz="2200" b="0" i="0" strike="noStrike" cap="none" baseline="0">
-                <a:solidFill>
-                  <a:srgbClr val="404040"/>
-                </a:solidFill>
-                <a:effectLst/>
-                <a:latin typeface="SimSun"/>
-                <a:ea typeface="SimSun"/>
-                <a:cs typeface="SimSun"/>
+              <a:rPr lang="zh-CN" sz="2200" dirty="0">
+                <a:ea typeface="Microsoft YaHei UI" panose="020B0503020204020204" pitchFamily="34" charset="-122"/>
               </a:rPr>
               <a:t>批发商：向零售商批量销售印度奶茶产品</a:t>
             </a:r>
           </a:p>
           <a:p>
             <a:r>
-              <a:rPr lang="zh-CN" sz="2200" b="0" i="0" strike="noStrike" cap="none" baseline="0">
-                <a:solidFill>
-                  <a:srgbClr val="404040"/>
-                </a:solidFill>
-                <a:effectLst/>
-                <a:latin typeface="SimSun"/>
-                <a:ea typeface="SimSun"/>
-                <a:cs typeface="SimSun"/>
+              <a:rPr lang="zh-CN" sz="2200" dirty="0">
+                <a:ea typeface="Microsoft YaHei UI" panose="020B0503020204020204" pitchFamily="34" charset="-122"/>
               </a:rPr>
               <a:t>分销商：将印度奶茶产品从制造商运送到零售商</a:t>
-            </a:r>
-          </a:p>
-        </p:txBody>
-      </p:sp>
-      <p:sp>
-        <p:nvSpPr>
-          <p:cNvPr id="11" name="TextBox"/>
-          <p:cNvSpPr txBox="1">
-            <a:spLocks noGrp="1" noSelect="1" noRot="1" noMove="1"/>
-          </p:cNvSpPr>
-          <p:nvPr/>
-        </p:nvSpPr>
-        <p:spPr>
-          <a:xfrm>
-            <a:off x="2890520" y="2644140"/>
-            <a:ext cx="6411372" cy="1569660"/>
-          </a:xfrm>
-          <a:prstGeom prst="rect">
-            <a:avLst/>
-          </a:prstGeom>
-          <a:noFill/>
-        </p:spPr>
-        <p:txBody>
-          <a:bodyPr wrap="none" rtlCol="0" anchor="ctr" anchorCtr="1">
-            <a:spAutoFit/>
-          </a:bodyPr>
-          <a:lstStyle>
-            <a:lvl1pPr algn="l">
-              <a:lnSpc>
-                <a:spcPct val="150000"/>
-              </a:lnSpc>
-              <a:spcBef>
-                <a:spcPct val="0"/>
-              </a:spcBef>
-              <a:spcAft>
-                <a:spcPct val="0"/>
-              </a:spcAft>
-              <a:defRPr lang="en-US" sz="3200" b="1" noProof="1" dirty="0">
-                <a:solidFill>
-                  <a:prstClr val="red">
-                    <a:lumOff val="30000"/>
-                    <a:alpha val="40000"/>
-                  </a:prstClr>
-                </a:solidFill>
-                <a:effectLst>
-                  <a:outerShdw blurRad="50800" dist="38100" algn="tr" rotWithShape="0">
-                    <a:prstClr val="black">
-                      <a:alpha val="80000"/>
-                    </a:prstClr>
-                  </a:outerShdw>
-                </a:effectLst>
-                <a:latin typeface="Calibri" pitchFamily="34" charset="0"/>
-              </a:defRPr>
-            </a:lvl1pPr>
-          </a:lstStyle>
-          <a:p>
-            <a:pPr algn="ctr"/>
-            <a:r>
-              <a:t>Evaluation only.</a:t>
-            </a:r>
-          </a:p>
-          <a:p>
-            <a:pPr algn="ctr"/>
-            <a:r>
-              <a:t>Created with Aspose.Slides for Java 23.6.</a:t>
-            </a:r>
-          </a:p>
-          <a:p>
-            <a:pPr algn="ctr"/>
-            <a:r>
-              <a:t>Copyright 2004-2023 Aspose Pty Ltd.</a:t>
             </a:r>
           </a:p>
         </p:txBody>
@@ -15360,14 +12272,12 @@
   <p:clrMapOvr>
     <a:masterClrMapping/>
   </p:clrMapOvr>
-  <p:transition/>
-  <p:timing/>
 </p:sld>
 </file>
 
 <file path=ppt/slides/slide9.xml><?xml version="1.0" encoding="utf-8"?>
-<p:sld xmlns:a="http://schemas.openxmlformats.org/drawingml/2006/main" xmlns:r="http://schemas.openxmlformats.org/officeDocument/2006/relationships" xmlns:m="http://schemas.openxmlformats.org/officeDocument/2006/math" xmlns:w="http://schemas.openxmlformats.org/wordprocessingml/2006/main" xmlns:wp="http://schemas.openxmlformats.org/drawingml/2006/wordprocessingDrawing" xmlns:a14="http://schemas.microsoft.com/office/drawing/2010/main" xmlns:mc="http://schemas.openxmlformats.org/markup-compatibility/2006" xmlns:p14="http://schemas.microsoft.com/office/powerpoint/2010/main" xmlns:p15="http://schemas.microsoft.com/office/powerpoint/2012/main" xmlns:p159="http://schemas.microsoft.com/office/powerpoint/2015/09/main" xmlns:p="http://schemas.openxmlformats.org/presentationml/2006/main">
-  <p:cSld name="">
+<p:sld xmlns:a="http://schemas.openxmlformats.org/drawingml/2006/main" xmlns:r="http://schemas.openxmlformats.org/officeDocument/2006/relationships" xmlns:p="http://schemas.openxmlformats.org/presentationml/2006/main">
+  <p:cSld>
     <p:bg>
       <p:bgPr>
         <a:solidFill>
@@ -15386,6 +12296,8 @@
         <a:xfrm>
           <a:off x="0" y="0"/>
           <a:ext cx="0" cy="0"/>
+          <a:chOff x="0" y="0"/>
+          <a:chExt cx="0" cy="0"/>
         </a:xfrm>
       </p:grpSpPr>
       <p:sp useBgFill="1">
@@ -15429,7 +12341,7 @@
               <a:shade val="50000"/>
             </a:schemeClr>
           </a:lnRef>
-          <a:fillRef idx="4294967295">
+          <a:fillRef idx="1001">
             <a:schemeClr val="lt1"/>
           </a:fillRef>
           <a:effectRef idx="0">
@@ -15539,16 +12451,30 @@
           <a:lstStyle/>
           <a:p>
             <a:r>
-              <a:rPr lang="zh-CN" sz="4400" b="0" i="0" strike="noStrike" cap="none" baseline="0">
+              <a:rPr lang="zh-CN" sz="4400" dirty="0">
                 <a:solidFill>
                   <a:srgbClr val="FFFFFF"/>
                 </a:solidFill>
-                <a:effectLst/>
-                <a:latin typeface="SimSun"/>
-                <a:ea typeface="SimSun"/>
-                <a:cs typeface="SimSun"/>
+                <a:ea typeface="Microsoft YaHei UI" panose="020B0503020204020204" pitchFamily="34" charset="-122"/>
               </a:rPr>
-              <a:t>分发渠道：批发商</a:t>
+              <a:t>分销渠道：</a:t>
+            </a:r>
+            <a:br>
+              <a:rPr lang="en-US" altLang="zh-CN" sz="4400" dirty="0">
+                <a:solidFill>
+                  <a:srgbClr val="FFFFFF"/>
+                </a:solidFill>
+                <a:ea typeface="Microsoft YaHei UI" panose="020B0503020204020204" pitchFamily="34" charset="-122"/>
+              </a:rPr>
+            </a:br>
+            <a:r>
+              <a:rPr lang="zh-CN" sz="4400" dirty="0">
+                <a:solidFill>
+                  <a:srgbClr val="FFFFFF"/>
+                </a:solidFill>
+                <a:ea typeface="Microsoft YaHei UI" panose="020B0503020204020204" pitchFamily="34" charset="-122"/>
+              </a:rPr>
+              <a:t>批发商</a:t>
             </a:r>
           </a:p>
         </p:txBody>
@@ -15582,14 +12508,8 @@
           <a:lstStyle/>
           <a:p>
             <a:r>
-              <a:rPr lang="zh-CN" sz="2400" b="0" i="0" strike="noStrike" cap="none" baseline="0">
-                <a:solidFill>
-                  <a:srgbClr val="404040"/>
-                </a:solidFill>
-                <a:effectLst/>
-                <a:latin typeface="SimSun"/>
-                <a:ea typeface="SimSun"/>
-                <a:cs typeface="SimSun"/>
+              <a:rPr lang="zh-CN" sz="2400" dirty="0">
+                <a:ea typeface="Microsoft YaHei UI" panose="020B0503020204020204" pitchFamily="34" charset="-122"/>
               </a:rPr>
               <a:t>批发商从制造商或分销商处批量购买印度奶茶产品</a:t>
             </a:r>
@@ -15597,28 +12517,16 @@
           <a:p>
             <a:pPr lvl="1"/>
             <a:r>
-              <a:rPr lang="zh-CN" sz="2400" b="0" i="0" strike="noStrike" cap="none" baseline="0">
-                <a:solidFill>
-                  <a:srgbClr val="404040"/>
-                </a:solidFill>
-                <a:effectLst/>
-                <a:latin typeface="SimSun"/>
-                <a:ea typeface="SimSun"/>
-                <a:cs typeface="SimSun"/>
+              <a:rPr lang="zh-CN" sz="2400" dirty="0">
+                <a:ea typeface="Microsoft YaHei UI" panose="020B0503020204020204" pitchFamily="34" charset="-122"/>
               </a:rPr>
               <a:t>他们出售给零售商或其他中间商</a:t>
             </a:r>
           </a:p>
           <a:p>
             <a:r>
-              <a:rPr lang="zh-CN" sz="2400" b="0" i="0" strike="noStrike" cap="none" baseline="0">
-                <a:solidFill>
-                  <a:srgbClr val="404040"/>
-                </a:solidFill>
-                <a:effectLst/>
-                <a:latin typeface="SimSun"/>
-                <a:ea typeface="SimSun"/>
-                <a:cs typeface="SimSun"/>
+              <a:rPr lang="zh-CN" sz="2400" dirty="0">
+                <a:ea typeface="Microsoft YaHei UI" panose="020B0503020204020204" pitchFamily="34" charset="-122"/>
               </a:rPr>
               <a:t>批发商将印度奶茶产品的供需双方连接起来</a:t>
             </a:r>
@@ -15626,101 +12534,18 @@
           <a:p>
             <a:pPr lvl="1"/>
             <a:r>
-              <a:rPr lang="zh-CN" sz="2400" b="0" i="0" strike="noStrike" cap="none" baseline="0">
-                <a:solidFill>
-                  <a:srgbClr val="404040"/>
-                </a:solidFill>
-                <a:effectLst/>
-                <a:latin typeface="SimSun"/>
-                <a:ea typeface="SimSun"/>
-                <a:cs typeface="SimSun"/>
+              <a:rPr lang="zh-CN" sz="2400" dirty="0">
+                <a:ea typeface="Microsoft YaHei UI" panose="020B0503020204020204" pitchFamily="34" charset="-122"/>
               </a:rPr>
               <a:t>他们提供规模经济、储存和运输服务</a:t>
             </a:r>
           </a:p>
           <a:p>
             <a:r>
-              <a:rPr lang="zh-CN" sz="2400" b="0" i="0" strike="noStrike" cap="none" baseline="0">
-                <a:solidFill>
-                  <a:srgbClr val="404040"/>
-                </a:solidFill>
-                <a:effectLst/>
-                <a:latin typeface="SimSun"/>
-                <a:ea typeface="SimSun"/>
-                <a:cs typeface="SimSun"/>
+              <a:rPr lang="zh-CN" sz="2400" dirty="0">
+                <a:ea typeface="Microsoft YaHei UI" panose="020B0503020204020204" pitchFamily="34" charset="-122"/>
               </a:rPr>
               <a:t>批发商提供市场信息、反馈和信贷服务</a:t>
-            </a:r>
-          </a:p>
-        </p:txBody>
-      </p:sp>
-      <p:sp>
-        <p:nvSpPr>
-          <p:cNvPr id="11" name="TextBox"/>
-          <p:cNvSpPr txBox="1">
-            <a:spLocks noGrp="1" noSelect="1" noRot="1" noMove="1"/>
-          </p:cNvSpPr>
-          <p:nvPr/>
-        </p:nvSpPr>
-        <p:spPr>
-          <a:xfrm>
-            <a:off x="2890520" y="2644140"/>
-            <a:ext cx="6411372" cy="1569660"/>
-          </a:xfrm>
-          <a:prstGeom prst="rect">
-            <a:avLst/>
-          </a:prstGeom>
-          <a:noFill/>
-        </p:spPr>
-        <p:txBody>
-          <a:bodyPr wrap="none" rtlCol="0" anchor="ctr" anchorCtr="1">
-            <a:spAutoFit/>
-          </a:bodyPr>
-          <a:lstStyle>
-            <a:lvl1pPr algn="l">
-              <a:lnSpc>
-                <a:spcPct val="150000"/>
-              </a:lnSpc>
-              <a:spcBef>
-                <a:spcPct val="0"/>
-              </a:spcBef>
-              <a:spcAft>
-                <a:spcPct val="0"/>
-              </a:spcAft>
-              <a:defRPr lang="en-US" sz="3200" b="1" noProof="1" dirty="0">
-                <a:solidFill>
-                  <a:prstClr val="red">
-                    <a:lumOff val="30000"/>
-                    <a:alpha val="40000"/>
-                  </a:prstClr>
-                </a:solidFill>
-                <a:effectLst>
-                  <a:outerShdw blurRad="50800" dist="38100" algn="tr" rotWithShape="0">
-                    <a:prstClr val="black">
-                      <a:alpha val="80000"/>
-                    </a:prstClr>
-                  </a:outerShdw>
-                </a:effectLst>
-                <a:latin typeface="Calibri" pitchFamily="34" charset="0"/>
-              </a:defRPr>
-            </a:lvl1pPr>
-          </a:lstStyle>
-          <a:p>
-            <a:pPr algn="ctr"/>
-            <a:r>
-              <a:t>Evaluation only.</a:t>
-            </a:r>
-          </a:p>
-          <a:p>
-            <a:pPr algn="ctr"/>
-            <a:r>
-              <a:t>Created with Aspose.Slides for Java 23.6.</a:t>
-            </a:r>
-          </a:p>
-          <a:p>
-            <a:pPr algn="ctr"/>
-            <a:r>
-              <a:t>Copyright 2004-2023 Aspose Pty Ltd.</a:t>
             </a:r>
           </a:p>
         </p:txBody>
@@ -15735,22 +12560,11 @@
   <p:clrMapOvr>
     <a:masterClrMapping/>
   </p:clrMapOvr>
-  <p:transition/>
-  <p:timing/>
 </p:sld>
 </file>
 
-<file path=ppt/tags/tag1.xml><?xml version="1.0" encoding="utf-8"?>
-<p:tagLst xmlns:p="http://schemas.openxmlformats.org/presentationml/2006/main">
-  <p:tag name="AS_OS" val="Microsoft Windows NT 10.0"/>
-  <p:tag name="AS_RELEASE_DATE" val="2023.06.30"/>
-  <p:tag name="AS_TITLE" val="Aspose.Slides for Java"/>
-  <p:tag name="AS_VERSION" val="23.6"/>
-</p:tagLst>
-</file>
-
 <file path=ppt/theme/theme1.xml><?xml version="1.0" encoding="utf-8"?>
-<a:theme xmlns:r="http://schemas.openxmlformats.org/officeDocument/2006/relationships" xmlns:a="http://schemas.openxmlformats.org/drawingml/2006/main" name="RetrospectVTI">
+<a:theme xmlns:a="http://schemas.openxmlformats.org/drawingml/2006/main" name="RetrospectVTI">
   <a:themeElements>
     <a:clrScheme name="Office">
       <a:dk1>
@@ -15792,9 +12606,9 @@
     </a:clrScheme>
     <a:fontScheme name="Retrospect">
       <a:majorFont>
-        <a:latin typeface="Bookman Old Style" panose="020f0302020204030204"/>
-        <a:ea typeface="Bookman Old Style" panose="020f0302020204030204"/>
-        <a:cs typeface="Arial"/>
+        <a:latin typeface="Bookman Old Style" panose="020F0302020204030204"/>
+        <a:ea typeface=""/>
+        <a:cs typeface=""/>
         <a:font script="Jpan" typeface="ＭＳ Ｐゴシック"/>
         <a:font script="Hang" typeface="맑은 고딕"/>
         <a:font script="Hans" typeface="宋体"/>
@@ -15827,9 +12641,9 @@
         <a:font script="Geor" typeface="Sylfaen"/>
       </a:majorFont>
       <a:minorFont>
-        <a:latin typeface="Franklin Gothic Book" panose="020f0502020204030204"/>
-        <a:ea typeface="Franklin Gothic Book" panose="020f0502020204030204"/>
-        <a:cs typeface="Arial"/>
+        <a:latin typeface="Franklin Gothic Book" panose="020F0502020204030204"/>
+        <a:ea typeface=""/>
+        <a:cs typeface=""/>
         <a:font script="Jpan" typeface="ＭＳ Ｐゴシック"/>
         <a:font script="Hang" typeface="맑은 고딕"/>
         <a:font script="Hans" typeface="宋体"/>
@@ -16023,6 +12837,7 @@
     </a:fmtScheme>
   </a:themeElements>
   <a:objectDefaults/>
+  <a:extraClrSchemeLst/>
   <a:extLst>
     <a:ext uri="{05A4C25C-085E-4340-85A3-A5531E510DB2}">
       <thm15:themeFamily xmlns:thm15="http://schemas.microsoft.com/office/thememl/2012/main" name="RetrospectVTI" id="{ABE3C30C-0FC0-4450-828E-52DE70F1BCCB}" vid="{A6E2497D-935A-4CFD-B9FD-6DCB15FA68BF}"/>
@@ -16032,7 +12847,7 @@
 </file>
 
 <file path=ppt/theme/theme2.xml><?xml version="1.0" encoding="utf-8"?>
-<a:theme xmlns:r="http://schemas.openxmlformats.org/officeDocument/2006/relationships" xmlns:a="http://schemas.openxmlformats.org/drawingml/2006/main" name="Office Theme">
+<a:theme xmlns:a="http://schemas.openxmlformats.org/drawingml/2006/main" name="Office Theme">
   <a:themeElements>
     <a:clrScheme name="Office">
       <a:dk1>
@@ -16075,8 +12890,8 @@
     <a:fontScheme name="Office">
       <a:majorFont>
         <a:latin typeface="Aptos Display" panose="02110004020202020204"/>
-        <a:ea typeface="Aptos Display" panose="02110004020202020204"/>
-        <a:cs typeface="Arial"/>
+        <a:ea typeface=""/>
+        <a:cs typeface=""/>
         <a:font script="Jpan" typeface="游ゴシック Light"/>
         <a:font script="Hang" typeface="맑은 고딕"/>
         <a:font script="Hans" typeface="等线 Light"/>
@@ -16127,8 +12942,8 @@
       </a:majorFont>
       <a:minorFont>
         <a:latin typeface="Aptos" panose="02110004020202020204"/>
-        <a:ea typeface="Aptos" panose="02110004020202020204"/>
-        <a:cs typeface="Arial"/>
+        <a:ea typeface=""/>
+        <a:cs typeface=""/>
         <a:font script="Jpan" typeface="游ゴシック"/>
         <a:font script="Hang" typeface="맑은 고딕"/>
         <a:font script="Hans" typeface="等线"/>
@@ -16337,6 +13152,7 @@
       </a:style>
     </a:lnDef>
   </a:objectDefaults>
+  <a:extraClrSchemeLst/>
   <a:extLst>
     <a:ext uri="{05A4C25C-085E-4340-85A3-A5531E510DB2}">
       <thm15:themeFamily xmlns:thm15="http://schemas.microsoft.com/office/thememl/2012/main" name="Office Theme" id="{2E142A2C-CD16-42D6-873A-C26D2A0506FA}" vid="{1BDDFF52-6CD6-40A5-AB3C-68EB2F1E4D0A}"/>
